--- a/研发工程师述职报告PPT-张赵浩然-2018.pptx
+++ b/研发工程师述职报告PPT-张赵浩然-2018.pptx
@@ -14,11 +14,13 @@
     <p:sldId id="418" r:id="rId7"/>
     <p:sldId id="511" r:id="rId8"/>
     <p:sldId id="543" r:id="rId9"/>
-    <p:sldId id="605" r:id="rId10"/>
-    <p:sldId id="606" r:id="rId11"/>
-    <p:sldId id="607" r:id="rId12"/>
-    <p:sldId id="596" r:id="rId13"/>
-    <p:sldId id="531" r:id="rId14"/>
+    <p:sldId id="610" r:id="rId10"/>
+    <p:sldId id="611" r:id="rId11"/>
+    <p:sldId id="605" r:id="rId12"/>
+    <p:sldId id="606" r:id="rId13"/>
+    <p:sldId id="607" r:id="rId14"/>
+    <p:sldId id="596" r:id="rId15"/>
+    <p:sldId id="531" r:id="rId16"/>
   </p:sldIdLst>
   <p:sldSz cx="9144000" cy="6858000" type="screen4x3"/>
   <p:notesSz cx="6858000" cy="9144000"/>
@@ -11343,6 +11345,1056 @@
   <p:clrMapOvr>
     <a:masterClrMapping/>
   </p:clrMapOvr>
+</p:sld>
+</file>
+
+<file path=ppt/slides/slide10.xml><?xml version="1.0" encoding="utf-8"?>
+<p:sld xmlns:a="http://schemas.openxmlformats.org/drawingml/2006/main" xmlns:r="http://schemas.openxmlformats.org/officeDocument/2006/relationships" xmlns:p="http://schemas.openxmlformats.org/presentationml/2006/main">
+  <p:cSld>
+    <p:spTree>
+      <p:nvGrpSpPr>
+        <p:cNvPr id="1" name=""/>
+        <p:cNvGrpSpPr/>
+        <p:nvPr/>
+      </p:nvGrpSpPr>
+      <p:grpSpPr>
+        <a:xfrm>
+          <a:off x="0" y="0"/>
+          <a:ext cx="0" cy="0"/>
+          <a:chOff x="0" y="0"/>
+          <a:chExt cx="0" cy="0"/>
+        </a:xfrm>
+      </p:grpSpPr>
+      <p:cxnSp>
+        <p:nvCxnSpPr>
+          <p:cNvPr id="12" name="直接连接符 11"/>
+          <p:cNvCxnSpPr/>
+          <p:nvPr/>
+        </p:nvCxnSpPr>
+        <p:spPr>
+          <a:xfrm>
+            <a:off x="428596" y="6499246"/>
+            <a:ext cx="3714776" cy="1588"/>
+          </a:xfrm>
+          <a:prstGeom prst="line">
+            <a:avLst/>
+          </a:prstGeom>
+          <a:ln w="28575">
+            <a:solidFill>
+              <a:srgbClr val="0070C0"/>
+            </a:solidFill>
+          </a:ln>
+        </p:spPr>
+        <p:style>
+          <a:lnRef idx="1">
+            <a:schemeClr val="accent1"/>
+          </a:lnRef>
+          <a:fillRef idx="0">
+            <a:schemeClr val="accent1"/>
+          </a:fillRef>
+          <a:effectRef idx="0">
+            <a:schemeClr val="accent1"/>
+          </a:effectRef>
+          <a:fontRef idx="minor">
+            <a:schemeClr val="tx1"/>
+          </a:fontRef>
+        </p:style>
+      </p:cxnSp>
+      <p:sp>
+        <p:nvSpPr>
+          <p:cNvPr id="17" name="TextBox 16"/>
+          <p:cNvSpPr txBox="1"/>
+          <p:nvPr/>
+        </p:nvSpPr>
+        <p:spPr>
+          <a:xfrm>
+            <a:off x="357158" y="6500834"/>
+            <a:ext cx="2209259" cy="253916"/>
+          </a:xfrm>
+          <a:prstGeom prst="rect">
+            <a:avLst/>
+          </a:prstGeom>
+          <a:noFill/>
+        </p:spPr>
+        <p:txBody>
+          <a:bodyPr wrap="none" rtlCol="0">
+            <a:spAutoFit/>
+          </a:bodyPr>
+          <a:lstStyle/>
+          <a:p>
+            <a:r>
+              <a:rPr lang="en-US" altLang="zh-CN" sz="1050" dirty="0"/>
+              <a:t>Beijing </a:t>
+            </a:r>
+            <a:r>
+              <a:rPr lang="en-US" altLang="zh-CN" sz="1050" dirty="0" err="1"/>
+              <a:t>Daheng</a:t>
+            </a:r>
+            <a:r>
+              <a:rPr lang="en-US" altLang="zh-CN" sz="1050" dirty="0"/>
+              <a:t> Image Vision Co., Ltd.</a:t>
+            </a:r>
+            <a:endParaRPr lang="en-US" altLang="zh-CN" sz="1050" dirty="0"/>
+          </a:p>
+        </p:txBody>
+      </p:sp>
+      <p:sp>
+        <p:nvSpPr>
+          <p:cNvPr id="20" name="标题 1"/>
+          <p:cNvSpPr txBox="1"/>
+          <p:nvPr/>
+        </p:nvSpPr>
+        <p:spPr bwMode="auto">
+          <a:xfrm>
+            <a:off x="533400" y="0"/>
+            <a:ext cx="8229600" cy="914400"/>
+          </a:xfrm>
+          <a:prstGeom prst="rect">
+            <a:avLst/>
+          </a:prstGeom>
+          <a:noFill/>
+          <a:ln w="9525">
+            <a:noFill/>
+            <a:miter lim="800000"/>
+          </a:ln>
+        </p:spPr>
+        <p:txBody>
+          <a:bodyPr vert="horz" wrap="square" lIns="91440" tIns="45720" rIns="91440" bIns="45720" numCol="1" anchor="ctr" anchorCtr="0" compatLnSpc="1"/>
+          <a:lstStyle>
+            <a:lvl1pPr algn="ctr" rtl="0" eaLnBrk="1" fontAlgn="base" hangingPunct="1">
+              <a:spcBef>
+                <a:spcPct val="0"/>
+              </a:spcBef>
+              <a:spcAft>
+                <a:spcPct val="0"/>
+              </a:spcAft>
+              <a:defRPr sz="4400">
+                <a:solidFill>
+                  <a:schemeClr val="tx2"/>
+                </a:solidFill>
+                <a:latin typeface="+mj-lt"/>
+                <a:ea typeface="+mj-ea"/>
+                <a:cs typeface="+mj-cs"/>
+              </a:defRPr>
+            </a:lvl1pPr>
+            <a:lvl2pPr algn="ctr" rtl="0" eaLnBrk="1" fontAlgn="base" hangingPunct="1">
+              <a:spcBef>
+                <a:spcPct val="0"/>
+              </a:spcBef>
+              <a:spcAft>
+                <a:spcPct val="0"/>
+              </a:spcAft>
+              <a:defRPr sz="4400">
+                <a:solidFill>
+                  <a:schemeClr val="tx2"/>
+                </a:solidFill>
+                <a:latin typeface="Arial" panose="020B0604020202020204" pitchFamily="34" charset="0"/>
+                <a:ea typeface="宋体" panose="02010600030101010101" pitchFamily="2" charset="-122"/>
+              </a:defRPr>
+            </a:lvl2pPr>
+            <a:lvl3pPr algn="ctr" rtl="0" eaLnBrk="1" fontAlgn="base" hangingPunct="1">
+              <a:spcBef>
+                <a:spcPct val="0"/>
+              </a:spcBef>
+              <a:spcAft>
+                <a:spcPct val="0"/>
+              </a:spcAft>
+              <a:defRPr sz="4400">
+                <a:solidFill>
+                  <a:schemeClr val="tx2"/>
+                </a:solidFill>
+                <a:latin typeface="Arial" panose="020B0604020202020204" pitchFamily="34" charset="0"/>
+                <a:ea typeface="宋体" panose="02010600030101010101" pitchFamily="2" charset="-122"/>
+              </a:defRPr>
+            </a:lvl3pPr>
+            <a:lvl4pPr algn="ctr" rtl="0" eaLnBrk="1" fontAlgn="base" hangingPunct="1">
+              <a:spcBef>
+                <a:spcPct val="0"/>
+              </a:spcBef>
+              <a:spcAft>
+                <a:spcPct val="0"/>
+              </a:spcAft>
+              <a:defRPr sz="4400">
+                <a:solidFill>
+                  <a:schemeClr val="tx2"/>
+                </a:solidFill>
+                <a:latin typeface="Arial" panose="020B0604020202020204" pitchFamily="34" charset="0"/>
+                <a:ea typeface="宋体" panose="02010600030101010101" pitchFamily="2" charset="-122"/>
+              </a:defRPr>
+            </a:lvl4pPr>
+            <a:lvl5pPr algn="ctr" rtl="0" eaLnBrk="1" fontAlgn="base" hangingPunct="1">
+              <a:spcBef>
+                <a:spcPct val="0"/>
+              </a:spcBef>
+              <a:spcAft>
+                <a:spcPct val="0"/>
+              </a:spcAft>
+              <a:defRPr sz="4400">
+                <a:solidFill>
+                  <a:schemeClr val="tx2"/>
+                </a:solidFill>
+                <a:latin typeface="Arial" panose="020B0604020202020204" pitchFamily="34" charset="0"/>
+                <a:ea typeface="宋体" panose="02010600030101010101" pitchFamily="2" charset="-122"/>
+              </a:defRPr>
+            </a:lvl5pPr>
+            <a:lvl6pPr marL="457200" algn="ctr" rtl="0" eaLnBrk="1" fontAlgn="base" hangingPunct="1">
+              <a:spcBef>
+                <a:spcPct val="0"/>
+              </a:spcBef>
+              <a:spcAft>
+                <a:spcPct val="0"/>
+              </a:spcAft>
+              <a:defRPr sz="4400">
+                <a:solidFill>
+                  <a:schemeClr val="tx2"/>
+                </a:solidFill>
+                <a:latin typeface="Arial" panose="020B0604020202020204" pitchFamily="34" charset="0"/>
+                <a:ea typeface="宋体" panose="02010600030101010101" pitchFamily="2" charset="-122"/>
+              </a:defRPr>
+            </a:lvl6pPr>
+            <a:lvl7pPr marL="914400" algn="ctr" rtl="0" eaLnBrk="1" fontAlgn="base" hangingPunct="1">
+              <a:spcBef>
+                <a:spcPct val="0"/>
+              </a:spcBef>
+              <a:spcAft>
+                <a:spcPct val="0"/>
+              </a:spcAft>
+              <a:defRPr sz="4400">
+                <a:solidFill>
+                  <a:schemeClr val="tx2"/>
+                </a:solidFill>
+                <a:latin typeface="Arial" panose="020B0604020202020204" pitchFamily="34" charset="0"/>
+                <a:ea typeface="宋体" panose="02010600030101010101" pitchFamily="2" charset="-122"/>
+              </a:defRPr>
+            </a:lvl7pPr>
+            <a:lvl8pPr marL="1371600" algn="ctr" rtl="0" eaLnBrk="1" fontAlgn="base" hangingPunct="1">
+              <a:spcBef>
+                <a:spcPct val="0"/>
+              </a:spcBef>
+              <a:spcAft>
+                <a:spcPct val="0"/>
+              </a:spcAft>
+              <a:defRPr sz="4400">
+                <a:solidFill>
+                  <a:schemeClr val="tx2"/>
+                </a:solidFill>
+                <a:latin typeface="Arial" panose="020B0604020202020204" pitchFamily="34" charset="0"/>
+                <a:ea typeface="宋体" panose="02010600030101010101" pitchFamily="2" charset="-122"/>
+              </a:defRPr>
+            </a:lvl8pPr>
+            <a:lvl9pPr marL="1828800" algn="ctr" rtl="0" eaLnBrk="1" fontAlgn="base" hangingPunct="1">
+              <a:spcBef>
+                <a:spcPct val="0"/>
+              </a:spcBef>
+              <a:spcAft>
+                <a:spcPct val="0"/>
+              </a:spcAft>
+              <a:defRPr sz="4400">
+                <a:solidFill>
+                  <a:schemeClr val="tx2"/>
+                </a:solidFill>
+                <a:latin typeface="Arial" panose="020B0604020202020204" pitchFamily="34" charset="0"/>
+                <a:ea typeface="宋体" panose="02010600030101010101" pitchFamily="2" charset="-122"/>
+              </a:defRPr>
+            </a:lvl9pPr>
+          </a:lstStyle>
+          <a:p>
+            <a:r>
+              <a:rPr lang="zh-CN" altLang="en-US" b="1" dirty="0">
+                <a:solidFill>
+                  <a:schemeClr val="bg1"/>
+                </a:solidFill>
+                <a:latin typeface="微软雅黑" panose="020B0503020204020204" pitchFamily="34" charset="-122"/>
+                <a:ea typeface="微软雅黑" panose="020B0503020204020204" pitchFamily="34" charset="-122"/>
+              </a:rPr>
+              <a:t>未来展望</a:t>
+            </a:r>
+            <a:endParaRPr lang="zh-CN" altLang="en-US" b="1" dirty="0">
+              <a:solidFill>
+                <a:schemeClr val="bg1"/>
+              </a:solidFill>
+              <a:latin typeface="微软雅黑" panose="020B0503020204020204" pitchFamily="34" charset="-122"/>
+              <a:ea typeface="微软雅黑" panose="020B0503020204020204" pitchFamily="34" charset="-122"/>
+            </a:endParaRPr>
+          </a:p>
+        </p:txBody>
+      </p:sp>
+      <p:sp>
+        <p:nvSpPr>
+          <p:cNvPr id="2" name="AutoShape 12" descr="http://img1.imgtn.bdimg.com/it/u=987737760,2271887046&amp;fm=15&amp;gp=0.jpg"/>
+          <p:cNvSpPr>
+            <a:spLocks noChangeAspect="1" noChangeArrowheads="1"/>
+          </p:cNvSpPr>
+          <p:nvPr/>
+        </p:nvSpPr>
+        <p:spPr bwMode="auto">
+          <a:xfrm>
+            <a:off x="155575" y="-144463"/>
+            <a:ext cx="304800" cy="304801"/>
+          </a:xfrm>
+          <a:prstGeom prst="rect">
+            <a:avLst/>
+          </a:prstGeom>
+          <a:noFill/>
+          <a:extLst>
+            <a:ext uri="{909E8E84-426E-40DD-AFC4-6F175D3DCCD1}">
+              <a14:hiddenFill xmlns:a14="http://schemas.microsoft.com/office/drawing/2010/main">
+                <a:solidFill>
+                  <a:srgbClr val="FFFFFF"/>
+                </a:solidFill>
+              </a14:hiddenFill>
+            </a:ext>
+          </a:extLst>
+        </p:spPr>
+        <p:txBody>
+          <a:bodyPr vert="horz" wrap="square" lIns="91440" tIns="45720" rIns="91440" bIns="45720" numCol="1" anchor="t" anchorCtr="0" compatLnSpc="1"/>
+          <a:lstStyle/>
+          <a:p>
+            <a:endParaRPr lang="zh-CN" altLang="en-US"/>
+          </a:p>
+        </p:txBody>
+      </p:sp>
+      <p:sp>
+        <p:nvSpPr>
+          <p:cNvPr id="3" name="AutoShape 14" descr="http://img1.imgtn.bdimg.com/it/u=987737760,2271887046&amp;fm=15&amp;gp=0.jpg"/>
+          <p:cNvSpPr>
+            <a:spLocks noChangeAspect="1" noChangeArrowheads="1"/>
+          </p:cNvSpPr>
+          <p:nvPr/>
+        </p:nvSpPr>
+        <p:spPr bwMode="auto">
+          <a:xfrm>
+            <a:off x="307975" y="7937"/>
+            <a:ext cx="304800" cy="304801"/>
+          </a:xfrm>
+          <a:prstGeom prst="rect">
+            <a:avLst/>
+          </a:prstGeom>
+          <a:noFill/>
+          <a:extLst>
+            <a:ext uri="{909E8E84-426E-40DD-AFC4-6F175D3DCCD1}">
+              <a14:hiddenFill xmlns:a14="http://schemas.microsoft.com/office/drawing/2010/main">
+                <a:solidFill>
+                  <a:srgbClr val="FFFFFF"/>
+                </a:solidFill>
+              </a14:hiddenFill>
+            </a:ext>
+          </a:extLst>
+        </p:spPr>
+        <p:txBody>
+          <a:bodyPr vert="horz" wrap="square" lIns="91440" tIns="45720" rIns="91440" bIns="45720" numCol="1" anchor="t" anchorCtr="0" compatLnSpc="1"/>
+          <a:lstStyle/>
+          <a:p>
+            <a:endParaRPr lang="zh-CN" altLang="en-US"/>
+          </a:p>
+        </p:txBody>
+      </p:sp>
+      <p:sp>
+        <p:nvSpPr>
+          <p:cNvPr id="4" name="AutoShape 16" descr="http://img1.imgtn.bdimg.com/it/u=987737760,2271887046&amp;fm=15&amp;gp=0.jpg"/>
+          <p:cNvSpPr>
+            <a:spLocks noChangeAspect="1" noChangeArrowheads="1"/>
+          </p:cNvSpPr>
+          <p:nvPr/>
+        </p:nvSpPr>
+        <p:spPr bwMode="auto">
+          <a:xfrm>
+            <a:off x="460375" y="160337"/>
+            <a:ext cx="304800" cy="304801"/>
+          </a:xfrm>
+          <a:prstGeom prst="rect">
+            <a:avLst/>
+          </a:prstGeom>
+          <a:noFill/>
+          <a:extLst>
+            <a:ext uri="{909E8E84-426E-40DD-AFC4-6F175D3DCCD1}">
+              <a14:hiddenFill xmlns:a14="http://schemas.microsoft.com/office/drawing/2010/main">
+                <a:solidFill>
+                  <a:srgbClr val="FFFFFF"/>
+                </a:solidFill>
+              </a14:hiddenFill>
+            </a:ext>
+          </a:extLst>
+        </p:spPr>
+        <p:txBody>
+          <a:bodyPr vert="horz" wrap="square" lIns="91440" tIns="45720" rIns="91440" bIns="45720" numCol="1" anchor="t" anchorCtr="0" compatLnSpc="1"/>
+          <a:lstStyle/>
+          <a:p>
+            <a:endParaRPr lang="zh-CN" altLang="en-US"/>
+          </a:p>
+        </p:txBody>
+      </p:sp>
+      <p:sp>
+        <p:nvSpPr>
+          <p:cNvPr id="11" name="内容占位符 2"/>
+          <p:cNvSpPr txBox="1"/>
+          <p:nvPr/>
+        </p:nvSpPr>
+        <p:spPr>
+          <a:xfrm>
+            <a:off x="344487" y="1556792"/>
+            <a:ext cx="8455025" cy="3097933"/>
+          </a:xfrm>
+          <a:prstGeom prst="rect">
+            <a:avLst/>
+          </a:prstGeom>
+        </p:spPr>
+        <p:txBody>
+          <a:bodyPr vert="horz" lIns="91440" tIns="45720" rIns="91440" bIns="45720" rtlCol="0">
+            <a:normAutofit fontScale="92500"/>
+          </a:bodyPr>
+          <a:lstStyle>
+            <a:lvl1pPr marL="342900" indent="-342900" algn="l" defTabSz="914400" rtl="0" eaLnBrk="1" latinLnBrk="0" hangingPunct="1">
+              <a:spcBef>
+                <a:spcPct val="20000"/>
+              </a:spcBef>
+              <a:buFont typeface="Wingdings" panose="05000000000000000000" pitchFamily="2" charset="2"/>
+              <a:buChar char="v"/>
+              <a:defRPr sz="2800" kern="1200">
+                <a:solidFill>
+                  <a:srgbClr val="135BAD"/>
+                </a:solidFill>
+                <a:latin typeface="微软雅黑" panose="020B0503020204020204" pitchFamily="34" charset="-122"/>
+                <a:ea typeface="微软雅黑" panose="020B0503020204020204" pitchFamily="34" charset="-122"/>
+                <a:cs typeface="+mn-cs"/>
+              </a:defRPr>
+            </a:lvl1pPr>
+            <a:lvl2pPr marL="742950" indent="-285750" algn="l" defTabSz="914400" rtl="0" eaLnBrk="1" latinLnBrk="0" hangingPunct="1">
+              <a:spcBef>
+                <a:spcPct val="20000"/>
+              </a:spcBef>
+              <a:buFont typeface="微软雅黑" panose="020B0503020204020204" pitchFamily="34" charset="-122"/>
+              <a:buChar char="◆"/>
+              <a:defRPr sz="2400" kern="1200">
+                <a:solidFill>
+                  <a:srgbClr val="135BAD"/>
+                </a:solidFill>
+                <a:latin typeface="微软雅黑" panose="020B0503020204020204" pitchFamily="34" charset="-122"/>
+                <a:ea typeface="微软雅黑" panose="020B0503020204020204" pitchFamily="34" charset="-122"/>
+                <a:cs typeface="+mn-cs"/>
+              </a:defRPr>
+            </a:lvl2pPr>
+            <a:lvl3pPr marL="1143000" indent="-228600" algn="l" defTabSz="914400" rtl="0" eaLnBrk="1" latinLnBrk="0" hangingPunct="1">
+              <a:spcBef>
+                <a:spcPct val="20000"/>
+              </a:spcBef>
+              <a:buFont typeface="Webdings" panose="05030102010509060703" pitchFamily="18" charset="2"/>
+              <a:buChar char="4"/>
+              <a:defRPr sz="2000" kern="1200">
+                <a:solidFill>
+                  <a:srgbClr val="135BAD"/>
+                </a:solidFill>
+                <a:latin typeface="微软雅黑" panose="020B0503020204020204" pitchFamily="34" charset="-122"/>
+                <a:ea typeface="微软雅黑" panose="020B0503020204020204" pitchFamily="34" charset="-122"/>
+                <a:cs typeface="+mn-cs"/>
+              </a:defRPr>
+            </a:lvl3pPr>
+            <a:lvl4pPr marL="1600200" indent="-228600" algn="l" defTabSz="914400" rtl="0" eaLnBrk="1" latinLnBrk="0" hangingPunct="1">
+              <a:spcBef>
+                <a:spcPct val="20000"/>
+              </a:spcBef>
+              <a:buFont typeface="Arial" panose="020B0604020202020204" pitchFamily="34" charset="0"/>
+              <a:buChar char="–"/>
+              <a:defRPr sz="2000" kern="1200">
+                <a:solidFill>
+                  <a:schemeClr val="tx1"/>
+                </a:solidFill>
+                <a:latin typeface="+mn-lt"/>
+                <a:ea typeface="+mn-ea"/>
+                <a:cs typeface="+mn-cs"/>
+              </a:defRPr>
+            </a:lvl4pPr>
+            <a:lvl5pPr marL="2057400" indent="-228600" algn="l" defTabSz="914400" rtl="0" eaLnBrk="1" latinLnBrk="0" hangingPunct="1">
+              <a:spcBef>
+                <a:spcPct val="20000"/>
+              </a:spcBef>
+              <a:buFont typeface="Arial" panose="020B0604020202020204" pitchFamily="34" charset="0"/>
+              <a:buChar char="»"/>
+              <a:defRPr sz="2000" kern="1200">
+                <a:solidFill>
+                  <a:schemeClr val="tx1"/>
+                </a:solidFill>
+                <a:latin typeface="+mn-lt"/>
+                <a:ea typeface="+mn-ea"/>
+                <a:cs typeface="+mn-cs"/>
+              </a:defRPr>
+            </a:lvl5pPr>
+            <a:lvl6pPr marL="2514600" indent="-228600" algn="l" defTabSz="914400" rtl="0" eaLnBrk="1" latinLnBrk="0" hangingPunct="1">
+              <a:spcBef>
+                <a:spcPct val="20000"/>
+              </a:spcBef>
+              <a:buFont typeface="Arial" panose="020B0604020202020204" pitchFamily="34" charset="0"/>
+              <a:buChar char="•"/>
+              <a:defRPr sz="2000" kern="1200">
+                <a:solidFill>
+                  <a:schemeClr val="tx1"/>
+                </a:solidFill>
+                <a:latin typeface="+mn-lt"/>
+                <a:ea typeface="+mn-ea"/>
+                <a:cs typeface="+mn-cs"/>
+              </a:defRPr>
+            </a:lvl6pPr>
+            <a:lvl7pPr marL="2971800" indent="-228600" algn="l" defTabSz="914400" rtl="0" eaLnBrk="1" latinLnBrk="0" hangingPunct="1">
+              <a:spcBef>
+                <a:spcPct val="20000"/>
+              </a:spcBef>
+              <a:buFont typeface="Arial" panose="020B0604020202020204" pitchFamily="34" charset="0"/>
+              <a:buChar char="•"/>
+              <a:defRPr sz="2000" kern="1200">
+                <a:solidFill>
+                  <a:schemeClr val="tx1"/>
+                </a:solidFill>
+                <a:latin typeface="+mn-lt"/>
+                <a:ea typeface="+mn-ea"/>
+                <a:cs typeface="+mn-cs"/>
+              </a:defRPr>
+            </a:lvl7pPr>
+            <a:lvl8pPr marL="3429000" indent="-228600" algn="l" defTabSz="914400" rtl="0" eaLnBrk="1" latinLnBrk="0" hangingPunct="1">
+              <a:spcBef>
+                <a:spcPct val="20000"/>
+              </a:spcBef>
+              <a:buFont typeface="Arial" panose="020B0604020202020204" pitchFamily="34" charset="0"/>
+              <a:buChar char="•"/>
+              <a:defRPr sz="2000" kern="1200">
+                <a:solidFill>
+                  <a:schemeClr val="tx1"/>
+                </a:solidFill>
+                <a:latin typeface="+mn-lt"/>
+                <a:ea typeface="+mn-ea"/>
+                <a:cs typeface="+mn-cs"/>
+              </a:defRPr>
+            </a:lvl8pPr>
+            <a:lvl9pPr marL="3886200" indent="-228600" algn="l" defTabSz="914400" rtl="0" eaLnBrk="1" latinLnBrk="0" hangingPunct="1">
+              <a:spcBef>
+                <a:spcPct val="20000"/>
+              </a:spcBef>
+              <a:buFont typeface="Arial" panose="020B0604020202020204" pitchFamily="34" charset="0"/>
+              <a:buChar char="•"/>
+              <a:defRPr sz="2000" kern="1200">
+                <a:solidFill>
+                  <a:schemeClr val="tx1"/>
+                </a:solidFill>
+                <a:latin typeface="+mn-lt"/>
+                <a:ea typeface="+mn-ea"/>
+                <a:cs typeface="+mn-cs"/>
+              </a:defRPr>
+            </a:lvl9pPr>
+          </a:lstStyle>
+          <a:p>
+            <a:pPr marL="0" marR="0" lvl="0" indent="0" algn="l" defTabSz="914400" rtl="0" eaLnBrk="1" fontAlgn="auto" latinLnBrk="0" hangingPunct="1">
+              <a:lnSpc>
+                <a:spcPct val="100000"/>
+              </a:lnSpc>
+              <a:spcBef>
+                <a:spcPct val="20000"/>
+              </a:spcBef>
+              <a:spcAft>
+                <a:spcPts val="0"/>
+              </a:spcAft>
+              <a:buClrTx/>
+              <a:buSzTx/>
+              <a:buNone/>
+              <a:defRPr/>
+            </a:pPr>
+            <a:r>
+              <a:rPr lang="zh-CN" altLang="en-US" sz="2400" dirty="0">
+                <a:solidFill>
+                  <a:srgbClr val="FF0000"/>
+                </a:solidFill>
+                <a:latin typeface="楷体" panose="02010609060101010101" pitchFamily="49" charset="-122"/>
+                <a:ea typeface="楷体" panose="02010609060101010101" pitchFamily="49" charset="-122"/>
+              </a:rPr>
+              <a:t>从个人的工作经历总结作为研发人员的心得体会；需包括以下内容：</a:t>
+            </a:r>
+            <a:endParaRPr lang="en-US" altLang="zh-CN" sz="2400" dirty="0">
+              <a:solidFill>
+                <a:srgbClr val="FF0000"/>
+              </a:solidFill>
+              <a:latin typeface="楷体" panose="02010609060101010101" pitchFamily="49" charset="-122"/>
+              <a:ea typeface="楷体" panose="02010609060101010101" pitchFamily="49" charset="-122"/>
+            </a:endParaRPr>
+          </a:p>
+          <a:p>
+            <a:pPr marL="719455" marR="0" lvl="0" indent="-363855" algn="l" defTabSz="914400" rtl="0" eaLnBrk="1" fontAlgn="auto" latinLnBrk="0" hangingPunct="1">
+              <a:lnSpc>
+                <a:spcPct val="100000"/>
+              </a:lnSpc>
+              <a:spcBef>
+                <a:spcPct val="20000"/>
+              </a:spcBef>
+              <a:spcAft>
+                <a:spcPts val="0"/>
+              </a:spcAft>
+              <a:buClrTx/>
+              <a:buSzTx/>
+              <a:buFont typeface="Wingdings" panose="05000000000000000000" pitchFamily="2" charset="2"/>
+              <a:buChar char="Ø"/>
+              <a:defRPr/>
+            </a:pPr>
+            <a:r>
+              <a:rPr lang="zh-CN" altLang="en-US" sz="2400" dirty="0">
+                <a:solidFill>
+                  <a:srgbClr val="FF0000"/>
+                </a:solidFill>
+                <a:latin typeface="楷体" panose="02010609060101010101" pitchFamily="49" charset="-122"/>
+                <a:ea typeface="楷体" panose="02010609060101010101" pitchFamily="49" charset="-122"/>
+              </a:rPr>
+              <a:t>工作中的一些心得体会</a:t>
+            </a:r>
+            <a:endParaRPr lang="en-US" altLang="zh-CN" sz="2400" dirty="0">
+              <a:solidFill>
+                <a:srgbClr val="FF0000"/>
+              </a:solidFill>
+              <a:latin typeface="楷体" panose="02010609060101010101" pitchFamily="49" charset="-122"/>
+              <a:ea typeface="楷体" panose="02010609060101010101" pitchFamily="49" charset="-122"/>
+            </a:endParaRPr>
+          </a:p>
+          <a:p>
+            <a:pPr marL="719455" marR="0" lvl="0" indent="-363855" algn="l" defTabSz="914400" rtl="0" eaLnBrk="1" fontAlgn="auto" latinLnBrk="0" hangingPunct="1">
+              <a:lnSpc>
+                <a:spcPct val="100000"/>
+              </a:lnSpc>
+              <a:spcBef>
+                <a:spcPct val="20000"/>
+              </a:spcBef>
+              <a:spcAft>
+                <a:spcPts val="0"/>
+              </a:spcAft>
+              <a:buClrTx/>
+              <a:buSzTx/>
+              <a:buFont typeface="Wingdings" panose="05000000000000000000" pitchFamily="2" charset="2"/>
+              <a:buChar char="Ø"/>
+              <a:defRPr/>
+            </a:pPr>
+            <a:r>
+              <a:rPr lang="zh-CN" altLang="en-US" sz="2400" dirty="0">
+                <a:solidFill>
+                  <a:srgbClr val="FF0000"/>
+                </a:solidFill>
+                <a:latin typeface="楷体" panose="02010609060101010101" pitchFamily="49" charset="-122"/>
+                <a:ea typeface="楷体" panose="02010609060101010101" pitchFamily="49" charset="-122"/>
+              </a:rPr>
+              <a:t>关于如何提高创新性的建议与想法</a:t>
+            </a:r>
+            <a:endParaRPr lang="en-US" altLang="zh-CN" sz="2400" dirty="0">
+              <a:solidFill>
+                <a:srgbClr val="FF0000"/>
+              </a:solidFill>
+              <a:latin typeface="楷体" panose="02010609060101010101" pitchFamily="49" charset="-122"/>
+              <a:ea typeface="楷体" panose="02010609060101010101" pitchFamily="49" charset="-122"/>
+            </a:endParaRPr>
+          </a:p>
+          <a:p>
+            <a:pPr marL="719455" marR="0" lvl="0" indent="-363855" algn="l" defTabSz="914400" rtl="0" eaLnBrk="1" fontAlgn="auto" latinLnBrk="0" hangingPunct="1">
+              <a:lnSpc>
+                <a:spcPct val="100000"/>
+              </a:lnSpc>
+              <a:spcBef>
+                <a:spcPct val="20000"/>
+              </a:spcBef>
+              <a:spcAft>
+                <a:spcPts val="0"/>
+              </a:spcAft>
+              <a:buClrTx/>
+              <a:buSzTx/>
+              <a:buFont typeface="Wingdings" panose="05000000000000000000" pitchFamily="2" charset="2"/>
+              <a:buChar char="Ø"/>
+              <a:defRPr/>
+            </a:pPr>
+            <a:r>
+              <a:rPr lang="zh-CN" altLang="en-US" sz="2400" dirty="0">
+                <a:solidFill>
+                  <a:srgbClr val="FF0000"/>
+                </a:solidFill>
+                <a:latin typeface="楷体" panose="02010609060101010101" pitchFamily="49" charset="-122"/>
+                <a:ea typeface="楷体" panose="02010609060101010101" pitchFamily="49" charset="-122"/>
+              </a:rPr>
+              <a:t>对公司当前研发管理的一些建议及想法</a:t>
+            </a:r>
+            <a:endParaRPr lang="en-US" altLang="zh-CN" sz="2400" dirty="0">
+              <a:solidFill>
+                <a:srgbClr val="FF0000"/>
+              </a:solidFill>
+              <a:latin typeface="楷体" panose="02010609060101010101" pitchFamily="49" charset="-122"/>
+              <a:ea typeface="楷体" panose="02010609060101010101" pitchFamily="49" charset="-122"/>
+            </a:endParaRPr>
+          </a:p>
+          <a:p>
+            <a:pPr marL="719455" marR="0" lvl="0" indent="-363855" algn="l" defTabSz="914400" rtl="0" eaLnBrk="1" fontAlgn="auto" latinLnBrk="0" hangingPunct="1">
+              <a:lnSpc>
+                <a:spcPct val="100000"/>
+              </a:lnSpc>
+              <a:spcBef>
+                <a:spcPct val="20000"/>
+              </a:spcBef>
+              <a:spcAft>
+                <a:spcPts val="0"/>
+              </a:spcAft>
+              <a:buClrTx/>
+              <a:buSzTx/>
+              <a:buFont typeface="Wingdings" panose="05000000000000000000" pitchFamily="2" charset="2"/>
+              <a:buChar char="Ø"/>
+              <a:defRPr/>
+            </a:pPr>
+            <a:r>
+              <a:rPr lang="zh-CN" altLang="en-US" sz="2400" dirty="0">
+                <a:solidFill>
+                  <a:srgbClr val="FF0000"/>
+                </a:solidFill>
+                <a:latin typeface="楷体" panose="02010609060101010101" pitchFamily="49" charset="-122"/>
+                <a:ea typeface="楷体" panose="02010609060101010101" pitchFamily="49" charset="-122"/>
+              </a:rPr>
+              <a:t>对机器视觉应用发展的一些看法与展望</a:t>
+            </a:r>
+            <a:endParaRPr lang="en-US" altLang="zh-CN" sz="2400" dirty="0">
+              <a:solidFill>
+                <a:srgbClr val="FF0000"/>
+              </a:solidFill>
+              <a:latin typeface="楷体" panose="02010609060101010101" pitchFamily="49" charset="-122"/>
+              <a:ea typeface="楷体" panose="02010609060101010101" pitchFamily="49" charset="-122"/>
+            </a:endParaRPr>
+          </a:p>
+          <a:p>
+            <a:pPr marL="719455" marR="0" lvl="0" indent="-363855" algn="l" defTabSz="914400" rtl="0" eaLnBrk="1" fontAlgn="auto" latinLnBrk="0" hangingPunct="1">
+              <a:lnSpc>
+                <a:spcPct val="100000"/>
+              </a:lnSpc>
+              <a:spcBef>
+                <a:spcPct val="20000"/>
+              </a:spcBef>
+              <a:spcAft>
+                <a:spcPts val="0"/>
+              </a:spcAft>
+              <a:buClrTx/>
+              <a:buSzTx/>
+              <a:buFont typeface="Wingdings" panose="05000000000000000000" pitchFamily="2" charset="2"/>
+              <a:buChar char="Ø"/>
+              <a:defRPr/>
+            </a:pPr>
+            <a:r>
+              <a:rPr kumimoji="0" lang="zh-CN" altLang="en-US" sz="2400" i="0" u="none" strike="noStrike" kern="1200" cap="none" spc="0" normalizeH="0" baseline="0" noProof="0" dirty="0">
+                <a:ln>
+                  <a:noFill/>
+                </a:ln>
+                <a:solidFill>
+                  <a:srgbClr val="FF0000"/>
+                </a:solidFill>
+                <a:effectLst/>
+                <a:uLnTx/>
+                <a:uFillTx/>
+                <a:latin typeface="楷体" panose="02010609060101010101" pitchFamily="49" charset="-122"/>
+                <a:ea typeface="楷体" panose="02010609060101010101" pitchFamily="49" charset="-122"/>
+              </a:rPr>
+              <a:t>个人的职业发展规划</a:t>
+            </a:r>
+            <a:endParaRPr kumimoji="0" lang="en-US" altLang="zh-CN" sz="2400" i="0" u="none" strike="noStrike" kern="1200" cap="none" spc="0" normalizeH="0" baseline="0" noProof="0" dirty="0">
+              <a:ln>
+                <a:noFill/>
+              </a:ln>
+              <a:solidFill>
+                <a:srgbClr val="FF0000"/>
+              </a:solidFill>
+              <a:effectLst/>
+              <a:uLnTx/>
+              <a:uFillTx/>
+              <a:latin typeface="楷体" panose="02010609060101010101" pitchFamily="49" charset="-122"/>
+              <a:ea typeface="楷体" panose="02010609060101010101" pitchFamily="49" charset="-122"/>
+            </a:endParaRPr>
+          </a:p>
+          <a:p>
+            <a:pPr marL="0" marR="0" lvl="0" indent="0" algn="l" defTabSz="914400" rtl="0" eaLnBrk="1" fontAlgn="auto" latinLnBrk="0" hangingPunct="1">
+              <a:lnSpc>
+                <a:spcPct val="100000"/>
+              </a:lnSpc>
+              <a:spcBef>
+                <a:spcPct val="20000"/>
+              </a:spcBef>
+              <a:spcAft>
+                <a:spcPts val="0"/>
+              </a:spcAft>
+              <a:buClrTx/>
+              <a:buSzTx/>
+              <a:buNone/>
+              <a:defRPr/>
+            </a:pPr>
+            <a:r>
+              <a:rPr kumimoji="0" lang="en-US" altLang="zh-CN" sz="2400" i="0" u="none" strike="noStrike" kern="1200" cap="none" spc="0" normalizeH="0" baseline="0" noProof="0" dirty="0">
+                <a:ln>
+                  <a:noFill/>
+                </a:ln>
+                <a:solidFill>
+                  <a:srgbClr val="FF0000"/>
+                </a:solidFill>
+                <a:effectLst/>
+                <a:uLnTx/>
+                <a:uFillTx/>
+                <a:latin typeface="楷体" panose="02010609060101010101" pitchFamily="49" charset="-122"/>
+                <a:ea typeface="楷体" panose="02010609060101010101" pitchFamily="49" charset="-122"/>
+              </a:rPr>
+              <a:t>(</a:t>
+            </a:r>
+            <a:r>
+              <a:rPr kumimoji="0" lang="zh-CN" altLang="en-US" sz="2400" i="0" u="none" strike="noStrike" kern="1200" cap="none" spc="0" normalizeH="0" baseline="0" noProof="0" dirty="0">
+                <a:ln>
+                  <a:noFill/>
+                </a:ln>
+                <a:solidFill>
+                  <a:srgbClr val="FF0000"/>
+                </a:solidFill>
+                <a:effectLst/>
+                <a:uLnTx/>
+                <a:uFillTx/>
+                <a:latin typeface="楷体" panose="02010609060101010101" pitchFamily="49" charset="-122"/>
+                <a:ea typeface="楷体" panose="02010609060101010101" pitchFamily="49" charset="-122"/>
+              </a:rPr>
+              <a:t>如果担任项目经理，可以从项目管理上着重描述</a:t>
+            </a:r>
+            <a:r>
+              <a:rPr kumimoji="0" lang="en-US" altLang="zh-CN" sz="2400" i="0" u="none" strike="noStrike" kern="1200" cap="none" spc="0" normalizeH="0" baseline="0" noProof="0" dirty="0">
+                <a:ln>
+                  <a:noFill/>
+                </a:ln>
+                <a:solidFill>
+                  <a:srgbClr val="FF0000"/>
+                </a:solidFill>
+                <a:effectLst/>
+                <a:uLnTx/>
+                <a:uFillTx/>
+                <a:latin typeface="楷体" panose="02010609060101010101" pitchFamily="49" charset="-122"/>
+                <a:ea typeface="楷体" panose="02010609060101010101" pitchFamily="49" charset="-122"/>
+              </a:rPr>
+              <a:t>)</a:t>
+            </a:r>
+            <a:endParaRPr kumimoji="0" lang="zh-CN" altLang="en-US" sz="2400" i="0" u="none" strike="noStrike" kern="1200" cap="none" spc="0" normalizeH="0" baseline="0" noProof="0" dirty="0">
+              <a:ln>
+                <a:noFill/>
+              </a:ln>
+              <a:solidFill>
+                <a:srgbClr val="FF0000"/>
+              </a:solidFill>
+              <a:effectLst/>
+              <a:uLnTx/>
+              <a:uFillTx/>
+              <a:latin typeface="楷体" panose="02010609060101010101" pitchFamily="49" charset="-122"/>
+              <a:ea typeface="楷体" panose="02010609060101010101" pitchFamily="49" charset="-122"/>
+            </a:endParaRPr>
+          </a:p>
+        </p:txBody>
+      </p:sp>
+    </p:spTree>
+  </p:cSld>
+  <p:clrMapOvr>
+    <a:masterClrMapping/>
+  </p:clrMapOvr>
+</p:sld>
+</file>
+
+<file path=ppt/slides/slide11.xml><?xml version="1.0" encoding="utf-8"?>
+<p:sld xmlns:a="http://schemas.openxmlformats.org/drawingml/2006/main" xmlns:r="http://schemas.openxmlformats.org/officeDocument/2006/relationships" xmlns:p="http://schemas.openxmlformats.org/presentationml/2006/main">
+  <p:cSld>
+    <p:spTree>
+      <p:nvGrpSpPr>
+        <p:cNvPr id="1" name=""/>
+        <p:cNvGrpSpPr/>
+        <p:nvPr/>
+      </p:nvGrpSpPr>
+      <p:grpSpPr>
+        <a:xfrm>
+          <a:off x="0" y="0"/>
+          <a:ext cx="0" cy="0"/>
+          <a:chOff x="0" y="0"/>
+          <a:chExt cx="0" cy="0"/>
+        </a:xfrm>
+      </p:grpSpPr>
+      <p:sp>
+        <p:nvSpPr>
+          <p:cNvPr id="3" name="矩形 2"/>
+          <p:cNvSpPr/>
+          <p:nvPr/>
+        </p:nvSpPr>
+        <p:spPr>
+          <a:xfrm>
+            <a:off x="1071538" y="1285860"/>
+            <a:ext cx="7143800" cy="584775"/>
+          </a:xfrm>
+          <a:prstGeom prst="rect">
+            <a:avLst/>
+          </a:prstGeom>
+        </p:spPr>
+        <p:txBody>
+          <a:bodyPr wrap="square">
+            <a:spAutoFit/>
+          </a:bodyPr>
+          <a:lstStyle/>
+          <a:p>
+            <a:pPr indent="-342900" algn="ctr" fontAlgn="auto">
+              <a:spcBef>
+                <a:spcPct val="20000"/>
+              </a:spcBef>
+              <a:spcAft>
+                <a:spcPts val="0"/>
+              </a:spcAft>
+            </a:pPr>
+            <a:r>
+              <a:rPr lang="zh-CN" altLang="en-US" sz="3200" b="1" dirty="0">
+                <a:solidFill>
+                  <a:prstClr val="white"/>
+                </a:solidFill>
+                <a:latin typeface="微软雅黑" panose="020B0503020204020204" pitchFamily="34" charset="-122"/>
+                <a:ea typeface="微软雅黑" panose="020B0503020204020204" pitchFamily="34" charset="-122"/>
+              </a:rPr>
+              <a:t>以机器视觉的应用推动社会的进步发展</a:t>
+            </a:r>
+            <a:endParaRPr lang="zh-CN" altLang="en-US" sz="3200" b="1" dirty="0">
+              <a:solidFill>
+                <a:prstClr val="white"/>
+              </a:solidFill>
+              <a:latin typeface="微软雅黑" panose="020B0503020204020204" pitchFamily="34" charset="-122"/>
+              <a:ea typeface="微软雅黑" panose="020B0503020204020204" pitchFamily="34" charset="-122"/>
+            </a:endParaRPr>
+          </a:p>
+        </p:txBody>
+      </p:sp>
+    </p:spTree>
+  </p:cSld>
+  <p:clrMapOvr>
+    <a:masterClrMapping/>
+  </p:clrMapOvr>
+  <p:transition spd="slow" advClick="0" advTm="6000">
+    <p:pull dir="r"/>
+  </p:transition>
+  <p:timing>
+    <p:tnLst>
+      <p:par>
+        <p:cTn id="1" dur="indefinite" restart="never" nodeType="tmRoot">
+          <p:childTnLst>
+            <p:seq concurrent="1" nextAc="seek">
+              <p:cTn id="2" dur="indefinite" nodeType="mainSeq">
+                <p:childTnLst>
+                  <p:par>
+                    <p:cTn id="3" fill="hold">
+                      <p:stCondLst>
+                        <p:cond delay="indefinite"/>
+                      </p:stCondLst>
+                      <p:childTnLst>
+                        <p:par>
+                          <p:cTn id="4" fill="hold">
+                            <p:stCondLst>
+                              <p:cond delay="0"/>
+                            </p:stCondLst>
+                            <p:childTnLst>
+                              <p:par>
+                                <p:cTn id="5" presetID="55" presetClass="entr" presetSubtype="0" fill="hold" grpId="0" nodeType="clickEffect">
+                                  <p:stCondLst>
+                                    <p:cond delay="0"/>
+                                  </p:stCondLst>
+                                  <p:childTnLst>
+                                    <p:set>
+                                      <p:cBhvr>
+                                        <p:cTn id="6" dur="1" fill="hold">
+                                          <p:stCondLst>
+                                            <p:cond delay="0"/>
+                                          </p:stCondLst>
+                                        </p:cTn>
+                                        <p:tgtEl>
+                                          <p:spTgt spid="3"/>
+                                        </p:tgtEl>
+                                        <p:attrNameLst>
+                                          <p:attrName>style.visibility</p:attrName>
+                                        </p:attrNameLst>
+                                      </p:cBhvr>
+                                      <p:to>
+                                        <p:strVal val="visible"/>
+                                      </p:to>
+                                    </p:set>
+                                    <p:anim calcmode="lin" valueType="num">
+                                      <p:cBhvr>
+                                        <p:cTn id="7" dur="1000" fill="hold"/>
+                                        <p:tgtEl>
+                                          <p:spTgt spid="3"/>
+                                        </p:tgtEl>
+                                        <p:attrNameLst>
+                                          <p:attrName>ppt_w</p:attrName>
+                                        </p:attrNameLst>
+                                      </p:cBhvr>
+                                      <p:tavLst>
+                                        <p:tav tm="0">
+                                          <p:val>
+                                            <p:strVal val="#ppt_w*0.70"/>
+                                          </p:val>
+                                        </p:tav>
+                                        <p:tav tm="100000">
+                                          <p:val>
+                                            <p:strVal val="#ppt_w"/>
+                                          </p:val>
+                                        </p:tav>
+                                      </p:tavLst>
+                                    </p:anim>
+                                    <p:anim calcmode="lin" valueType="num">
+                                      <p:cBhvr>
+                                        <p:cTn id="8" dur="1000" fill="hold"/>
+                                        <p:tgtEl>
+                                          <p:spTgt spid="3"/>
+                                        </p:tgtEl>
+                                        <p:attrNameLst>
+                                          <p:attrName>ppt_h</p:attrName>
+                                        </p:attrNameLst>
+                                      </p:cBhvr>
+                                      <p:tavLst>
+                                        <p:tav tm="0">
+                                          <p:val>
+                                            <p:strVal val="#ppt_h"/>
+                                          </p:val>
+                                        </p:tav>
+                                        <p:tav tm="100000">
+                                          <p:val>
+                                            <p:strVal val="#ppt_h"/>
+                                          </p:val>
+                                        </p:tav>
+                                      </p:tavLst>
+                                    </p:anim>
+                                    <p:animEffect transition="in" filter="fade">
+                                      <p:cBhvr>
+                                        <p:cTn id="9" dur="1000"/>
+                                        <p:tgtEl>
+                                          <p:spTgt spid="3"/>
+                                        </p:tgtEl>
+                                      </p:cBhvr>
+                                    </p:animEffect>
+                                  </p:childTnLst>
+                                </p:cTn>
+                              </p:par>
+                            </p:childTnLst>
+                          </p:cTn>
+                        </p:par>
+                      </p:childTnLst>
+                    </p:cTn>
+                  </p:par>
+                </p:childTnLst>
+              </p:cTn>
+              <p:prevCondLst>
+                <p:cond evt="onPrev" delay="0">
+                  <p:tgtEl>
+                    <p:sldTgt/>
+                  </p:tgtEl>
+                </p:cond>
+              </p:prevCondLst>
+              <p:nextCondLst>
+                <p:cond evt="onNext" delay="0">
+                  <p:tgtEl>
+                    <p:sldTgt/>
+                  </p:tgtEl>
+                </p:cond>
+              </p:nextCondLst>
+            </p:seq>
+          </p:childTnLst>
+        </p:cTn>
+      </p:par>
+    </p:tnLst>
+    <p:bldLst>
+      <p:bldP spid="3" grpId="0"/>
+    </p:bldLst>
+  </p:timing>
 </p:sld>
 </file>
 
@@ -14346,9 +15398,9 @@
                         </a:spcAft>
                       </a:pPr>
                       <a:r>
-                        <a:rPr lang="zh-CN" altLang="en-US" sz="1800" kern="100" dirty="0">
+                        <a:rPr lang="zh-CN" altLang="zh-CN" sz="1800" kern="100" dirty="0">
                           <a:solidFill>
-                            <a:srgbClr val="FF0000"/>
+                            <a:srgbClr val="000000"/>
                           </a:solidFill>
                           <a:effectLst/>
                           <a:uFill>
@@ -14362,9 +15414,9 @@
                         </a:rPr>
                         <a:t>系统整体设计及代码编写</a:t>
                       </a:r>
-                      <a:endParaRPr lang="zh-CN" altLang="en-US" sz="1800" kern="100" dirty="0">
+                      <a:endParaRPr lang="zh-CN" altLang="zh-CN" sz="1800" kern="100" dirty="0">
                         <a:solidFill>
-                          <a:srgbClr val="FF0000"/>
+                          <a:srgbClr val="000000"/>
                         </a:solidFill>
                         <a:effectLst/>
                         <a:uFill>
@@ -14417,7 +15469,7 @@
                     </a:lnB>
                   </a:tcPr>
                 </a:tc>
-                <a:tc>
+                <a:tc rowSpan="5">
                   <a:txBody>
                     <a:bodyPr/>
                     <a:lstStyle/>
@@ -14430,9 +15482,203 @@
                           <a:spcPts val="0"/>
                         </a:spcAft>
                       </a:pPr>
-                      <a:endParaRPr lang="zh-CN" sz="1800" kern="100" dirty="0">
+                      <a:r>
+                        <a:rPr lang="en-US" altLang="zh-CN" sz="1800" kern="100" dirty="0">
+                          <a:solidFill>
+                            <a:schemeClr val="tx1"/>
+                          </a:solidFill>
+                          <a:effectLst/>
+                          <a:uFill>
+                            <a:solidFill>
+                              <a:srgbClr val="000000"/>
+                            </a:solidFill>
+                          </a:uFill>
+                          <a:latin typeface="楷体" panose="02010609060101010101" pitchFamily="49" charset="-122"/>
+                          <a:ea typeface="楷体" panose="02010609060101010101" pitchFamily="49" charset="-122"/>
+                          <a:cs typeface="Calibri" panose="020F0502020204030204"/>
+                        </a:rPr>
+                        <a:t>1</a:t>
+                      </a:r>
+                      <a:r>
+                        <a:rPr lang="zh-CN" altLang="en-US" sz="1800" kern="100" dirty="0">
+                          <a:solidFill>
+                            <a:schemeClr val="tx1"/>
+                          </a:solidFill>
+                          <a:effectLst/>
+                          <a:uFill>
+                            <a:solidFill>
+                              <a:srgbClr val="000000"/>
+                            </a:solidFill>
+                          </a:uFill>
+                          <a:latin typeface="楷体" panose="02010609060101010101" pitchFamily="49" charset="-122"/>
+                          <a:ea typeface="楷体" panose="02010609060101010101" pitchFamily="49" charset="-122"/>
+                          <a:cs typeface="Calibri" panose="020F0502020204030204"/>
+                        </a:rPr>
+                        <a:t>、负责原</a:t>
+                      </a:r>
+                      <a:r>
+                        <a:rPr lang="en-US" altLang="zh-CN" sz="1800" kern="100" dirty="0">
+                          <a:solidFill>
+                            <a:schemeClr val="tx1"/>
+                          </a:solidFill>
+                          <a:effectLst/>
+                          <a:uFill>
+                            <a:solidFill>
+                              <a:srgbClr val="000000"/>
+                            </a:solidFill>
+                          </a:uFill>
+                          <a:latin typeface="楷体" panose="02010609060101010101" pitchFamily="49" charset="-122"/>
+                          <a:ea typeface="楷体" panose="02010609060101010101" pitchFamily="49" charset="-122"/>
+                          <a:cs typeface="Calibri" panose="020F0502020204030204"/>
+                        </a:rPr>
+                        <a:t>3.4</a:t>
+                      </a:r>
+                      <a:r>
+                        <a:rPr lang="zh-CN" altLang="en-US" sz="1800" kern="100" dirty="0">
+                          <a:solidFill>
+                            <a:schemeClr val="tx1"/>
+                          </a:solidFill>
+                          <a:effectLst/>
+                          <a:uFill>
+                            <a:solidFill>
+                              <a:srgbClr val="000000"/>
+                            </a:solidFill>
+                          </a:uFill>
+                          <a:latin typeface="楷体" panose="02010609060101010101" pitchFamily="49" charset="-122"/>
+                          <a:ea typeface="楷体" panose="02010609060101010101" pitchFamily="49" charset="-122"/>
+                          <a:cs typeface="Calibri" panose="020F0502020204030204"/>
+                        </a:rPr>
+                        <a:t>版本检测程序及查询程序系统部分</a:t>
+                      </a:r>
+                      <a:r>
+                        <a:rPr lang="en-US" altLang="zh-CN" sz="1800" kern="100" dirty="0">
+                          <a:solidFill>
+                            <a:schemeClr val="tx1"/>
+                          </a:solidFill>
+                          <a:effectLst/>
+                          <a:uFill>
+                            <a:solidFill>
+                              <a:srgbClr val="000000"/>
+                            </a:solidFill>
+                          </a:uFill>
+                          <a:latin typeface="楷体" panose="02010609060101010101" pitchFamily="49" charset="-122"/>
+                          <a:ea typeface="楷体" panose="02010609060101010101" pitchFamily="49" charset="-122"/>
+                          <a:cs typeface="Calibri" panose="020F0502020204030204"/>
+                        </a:rPr>
+                        <a:t>bug</a:t>
+                      </a:r>
+                      <a:r>
+                        <a:rPr lang="zh-CN" altLang="en-US" sz="1800" kern="100" dirty="0">
+                          <a:solidFill>
+                            <a:schemeClr val="tx1"/>
+                          </a:solidFill>
+                          <a:effectLst/>
+                          <a:uFill>
+                            <a:solidFill>
+                              <a:srgbClr val="000000"/>
+                            </a:solidFill>
+                          </a:uFill>
+                          <a:latin typeface="楷体" panose="02010609060101010101" pitchFamily="49" charset="-122"/>
+                          <a:ea typeface="楷体" panose="02010609060101010101" pitchFamily="49" charset="-122"/>
+                          <a:cs typeface="Calibri" panose="020F0502020204030204"/>
+                        </a:rPr>
+                        <a:t>修改；</a:t>
+                      </a:r>
+                      <a:endParaRPr lang="zh-CN" altLang="en-US" sz="1800" kern="100" dirty="0">
                         <a:solidFill>
-                          <a:srgbClr val="FF0000"/>
+                          <a:schemeClr val="tx1"/>
+                        </a:solidFill>
+                        <a:effectLst/>
+                        <a:uFill>
+                          <a:solidFill>
+                            <a:srgbClr val="000000"/>
+                          </a:solidFill>
+                        </a:uFill>
+                        <a:latin typeface="楷体" panose="02010609060101010101" pitchFamily="49" charset="-122"/>
+                        <a:ea typeface="楷体" panose="02010609060101010101" pitchFamily="49" charset="-122"/>
+                        <a:cs typeface="Calibri" panose="020F0502020204030204"/>
+                      </a:endParaRPr>
+                    </a:p>
+                    <a:p>
+                      <a:pPr algn="l">
+                        <a:lnSpc>
+                          <a:spcPts val="2200"/>
+                        </a:lnSpc>
+                        <a:spcAft>
+                          <a:spcPts val="0"/>
+                        </a:spcAft>
+                      </a:pPr>
+                      <a:r>
+                        <a:rPr lang="en-US" altLang="zh-CN" sz="1800" kern="100" dirty="0">
+                          <a:solidFill>
+                            <a:schemeClr val="tx1"/>
+                          </a:solidFill>
+                          <a:effectLst/>
+                          <a:uFill>
+                            <a:solidFill>
+                              <a:srgbClr val="000000"/>
+                            </a:solidFill>
+                          </a:uFill>
+                          <a:latin typeface="楷体" panose="02010609060101010101" pitchFamily="49" charset="-122"/>
+                          <a:ea typeface="楷体" panose="02010609060101010101" pitchFamily="49" charset="-122"/>
+                          <a:cs typeface="Calibri" panose="020F0502020204030204"/>
+                        </a:rPr>
+                        <a:t>2</a:t>
+                      </a:r>
+                      <a:r>
+                        <a:rPr lang="zh-CN" altLang="en-US" sz="1800" kern="100" dirty="0">
+                          <a:solidFill>
+                            <a:schemeClr val="tx1"/>
+                          </a:solidFill>
+                          <a:effectLst/>
+                          <a:uFill>
+                            <a:solidFill>
+                              <a:srgbClr val="000000"/>
+                            </a:solidFill>
+                          </a:uFill>
+                          <a:latin typeface="楷体" panose="02010609060101010101" pitchFamily="49" charset="-122"/>
+                          <a:ea typeface="楷体" panose="02010609060101010101" pitchFamily="49" charset="-122"/>
+                          <a:cs typeface="Calibri" panose="020F0502020204030204"/>
+                        </a:rPr>
+                        <a:t>、负责</a:t>
+                      </a:r>
+                      <a:r>
+                        <a:rPr lang="en-US" altLang="zh-CN" sz="1800" kern="100" dirty="0">
+                          <a:solidFill>
+                            <a:schemeClr val="tx1"/>
+                          </a:solidFill>
+                          <a:effectLst/>
+                          <a:uFill>
+                            <a:solidFill>
+                              <a:srgbClr val="000000"/>
+                            </a:solidFill>
+                          </a:uFill>
+                          <a:latin typeface="楷体" panose="02010609060101010101" pitchFamily="49" charset="-122"/>
+                          <a:ea typeface="楷体" panose="02010609060101010101" pitchFamily="49" charset="-122"/>
+                          <a:cs typeface="Calibri" panose="020F0502020204030204"/>
+                        </a:rPr>
+                        <a:t>3.5</a:t>
+                      </a:r>
+                      <a:r>
+                        <a:rPr lang="zh-CN" altLang="en-US" sz="1800" kern="100" dirty="0">
+                          <a:solidFill>
+                            <a:schemeClr val="tx1"/>
+                          </a:solidFill>
+                          <a:effectLst/>
+                          <a:uFill>
+                            <a:solidFill>
+                              <a:srgbClr val="000000"/>
+                            </a:solidFill>
+                          </a:uFill>
+                          <a:latin typeface="楷体" panose="02010609060101010101" pitchFamily="49" charset="-122"/>
+                          <a:ea typeface="楷体" panose="02010609060101010101" pitchFamily="49" charset="-122"/>
+                          <a:cs typeface="Calibri" panose="020F0502020204030204"/>
+                        </a:rPr>
+                        <a:t>版本系统整体设计，代码编写，程序测试。</a:t>
+                      </a:r>
+                      <a:endParaRPr lang="zh-CN" altLang="en-US" sz="1800" kern="100" dirty="0">
+                        <a:solidFill>
+                          <a:schemeClr val="tx1"/>
                         </a:solidFill>
                         <a:effectLst/>
                         <a:uFill>
@@ -14486,7 +15732,7 @@
                   </a:tcPr>
                 </a:tc>
               </a:tr>
-              <a:tr h="443666">
+              <a:tr h="443865">
                 <a:tc>
                   <a:txBody>
                     <a:bodyPr/>
@@ -14670,7 +15916,109 @@
                           <a:spcPts val="0"/>
                         </a:spcAft>
                       </a:pPr>
-                      <a:endParaRPr lang="zh-CN" sz="1800" kern="100" dirty="0">
+                      <a:r>
+                        <a:rPr lang="en-US" altLang="zh-CN" sz="1800" kern="100" dirty="0">
+                          <a:solidFill>
+                            <a:srgbClr val="000000"/>
+                          </a:solidFill>
+                          <a:effectLst/>
+                          <a:uFill>
+                            <a:solidFill>
+                              <a:srgbClr val="000000"/>
+                            </a:solidFill>
+                          </a:uFill>
+                          <a:latin typeface="楷体" panose="02010609060101010101" pitchFamily="49" charset="-122"/>
+                          <a:ea typeface="楷体" panose="02010609060101010101" pitchFamily="49" charset="-122"/>
+                          <a:cs typeface="Calibri" panose="020F0502020204030204"/>
+                        </a:rPr>
+                        <a:t>3.4</a:t>
+                      </a:r>
+                      <a:r>
+                        <a:rPr lang="zh-CN" altLang="zh-CN" sz="1800" kern="100" dirty="0">
+                          <a:solidFill>
+                            <a:srgbClr val="000000"/>
+                          </a:solidFill>
+                          <a:effectLst/>
+                          <a:uFill>
+                            <a:solidFill>
+                              <a:srgbClr val="000000"/>
+                            </a:solidFill>
+                          </a:uFill>
+                          <a:latin typeface="楷体" panose="02010609060101010101" pitchFamily="49" charset="-122"/>
+                          <a:ea typeface="楷体" panose="02010609060101010101" pitchFamily="49" charset="-122"/>
+                          <a:cs typeface="Calibri" panose="020F0502020204030204"/>
+                        </a:rPr>
+                        <a:t>版本系统</a:t>
+                      </a:r>
+                      <a:r>
+                        <a:rPr lang="en-US" altLang="zh-CN" sz="1800" kern="100" dirty="0">
+                          <a:solidFill>
+                            <a:srgbClr val="000000"/>
+                          </a:solidFill>
+                          <a:effectLst/>
+                          <a:uFill>
+                            <a:solidFill>
+                              <a:srgbClr val="000000"/>
+                            </a:solidFill>
+                          </a:uFill>
+                          <a:latin typeface="楷体" panose="02010609060101010101" pitchFamily="49" charset="-122"/>
+                          <a:ea typeface="楷体" panose="02010609060101010101" pitchFamily="49" charset="-122"/>
+                          <a:cs typeface="Calibri" panose="020F0502020204030204"/>
+                        </a:rPr>
+                        <a:t>bug</a:t>
+                      </a:r>
+                      <a:r>
+                        <a:rPr lang="zh-CN" altLang="en-US" sz="1800" kern="100" dirty="0">
+                          <a:solidFill>
+                            <a:srgbClr val="000000"/>
+                          </a:solidFill>
+                          <a:effectLst/>
+                          <a:uFill>
+                            <a:solidFill>
+                              <a:srgbClr val="000000"/>
+                            </a:solidFill>
+                          </a:uFill>
+                          <a:latin typeface="楷体" panose="02010609060101010101" pitchFamily="49" charset="-122"/>
+                          <a:ea typeface="楷体" panose="02010609060101010101" pitchFamily="49" charset="-122"/>
+                          <a:cs typeface="Calibri" panose="020F0502020204030204"/>
+                        </a:rPr>
+                        <a:t>修改及</a:t>
+                      </a:r>
+                      <a:r>
+                        <a:rPr lang="en-US" altLang="zh-CN" sz="1800" kern="100" dirty="0">
+                          <a:solidFill>
+                            <a:srgbClr val="000000"/>
+                          </a:solidFill>
+                          <a:effectLst/>
+                          <a:uFill>
+                            <a:solidFill>
+                              <a:srgbClr val="000000"/>
+                            </a:solidFill>
+                          </a:uFill>
+                          <a:latin typeface="楷体" panose="02010609060101010101" pitchFamily="49" charset="-122"/>
+                          <a:ea typeface="楷体" panose="02010609060101010101" pitchFamily="49" charset="-122"/>
+                          <a:cs typeface="Calibri" panose="020F0502020204030204"/>
+                        </a:rPr>
+                        <a:t>3.5</a:t>
+                      </a:r>
+                      <a:r>
+                        <a:rPr lang="zh-CN" altLang="en-US" sz="1800" kern="100" dirty="0">
+                          <a:solidFill>
+                            <a:srgbClr val="000000"/>
+                          </a:solidFill>
+                          <a:effectLst/>
+                          <a:uFill>
+                            <a:solidFill>
+                              <a:srgbClr val="000000"/>
+                            </a:solidFill>
+                          </a:uFill>
+                          <a:latin typeface="楷体" panose="02010609060101010101" pitchFamily="49" charset="-122"/>
+                          <a:ea typeface="楷体" panose="02010609060101010101" pitchFamily="49" charset="-122"/>
+                          <a:cs typeface="Calibri" panose="020F0502020204030204"/>
+                        </a:rPr>
+                        <a:t>版本系统开发</a:t>
+                      </a:r>
+                      <a:endParaRPr lang="zh-CN" altLang="en-US" sz="1800" kern="100" dirty="0">
                         <a:solidFill>
                           <a:srgbClr val="000000"/>
                         </a:solidFill>
@@ -14725,35 +16073,7 @@
                     </a:lnB>
                   </a:tcPr>
                 </a:tc>
-                <a:tc>
-                  <a:txBody>
-                    <a:bodyPr/>
-                    <a:lstStyle/>
-                    <a:p>
-                      <a:pPr algn="l">
-                        <a:lnSpc>
-                          <a:spcPts val="2200"/>
-                        </a:lnSpc>
-                        <a:spcAft>
-                          <a:spcPts val="0"/>
-                        </a:spcAft>
-                      </a:pPr>
-                      <a:endParaRPr lang="zh-CN" sz="1800" kern="100" dirty="0">
-                        <a:solidFill>
-                          <a:srgbClr val="000000"/>
-                        </a:solidFill>
-                        <a:effectLst/>
-                        <a:uFill>
-                          <a:solidFill>
-                            <a:srgbClr val="000000"/>
-                          </a:solidFill>
-                        </a:uFill>
-                        <a:latin typeface="楷体" panose="02010609060101010101" pitchFamily="49" charset="-122"/>
-                        <a:ea typeface="楷体" panose="02010609060101010101" pitchFamily="49" charset="-122"/>
-                        <a:cs typeface="Calibri" panose="020F0502020204030204"/>
-                      </a:endParaRPr>
-                    </a:p>
-                  </a:txBody>
+                <a:tc vMerge="1">
                   <a:tcPr marL="68580" marR="68580" marT="0" marB="0" anchor="ctr">
                     <a:lnL w="12700" cap="flat" cmpd="sng" algn="ctr">
                       <a:solidFill>
@@ -14978,6 +16298,23 @@
                           <a:spcPts val="0"/>
                         </a:spcAft>
                       </a:pPr>
+                      <a:r>
+                        <a:rPr lang="zh-CN" sz="1800" kern="100" dirty="0">
+                          <a:solidFill>
+                            <a:srgbClr val="000000"/>
+                          </a:solidFill>
+                          <a:effectLst/>
+                          <a:uFill>
+                            <a:solidFill>
+                              <a:srgbClr val="000000"/>
+                            </a:solidFill>
+                          </a:uFill>
+                          <a:latin typeface="楷体" panose="02010609060101010101" pitchFamily="49" charset="-122"/>
+                          <a:ea typeface="楷体" panose="02010609060101010101" pitchFamily="49" charset="-122"/>
+                          <a:cs typeface="Calibri" panose="020F0502020204030204"/>
+                        </a:rPr>
+                        <a:t>程序设计及开发</a:t>
+                      </a:r>
                       <a:endParaRPr lang="zh-CN" sz="1800" kern="100" dirty="0">
                         <a:solidFill>
                           <a:srgbClr val="000000"/>
@@ -15033,35 +16370,7 @@
                     </a:lnB>
                   </a:tcPr>
                 </a:tc>
-                <a:tc>
-                  <a:txBody>
-                    <a:bodyPr/>
-                    <a:lstStyle/>
-                    <a:p>
-                      <a:pPr algn="l">
-                        <a:lnSpc>
-                          <a:spcPts val="2200"/>
-                        </a:lnSpc>
-                        <a:spcAft>
-                          <a:spcPts val="0"/>
-                        </a:spcAft>
-                      </a:pPr>
-                      <a:endParaRPr lang="zh-CN" sz="1800" kern="100" dirty="0">
-                        <a:solidFill>
-                          <a:srgbClr val="000000"/>
-                        </a:solidFill>
-                        <a:effectLst/>
-                        <a:uFill>
-                          <a:solidFill>
-                            <a:srgbClr val="000000"/>
-                          </a:solidFill>
-                        </a:uFill>
-                        <a:latin typeface="楷体" panose="02010609060101010101" pitchFamily="49" charset="-122"/>
-                        <a:ea typeface="楷体" panose="02010609060101010101" pitchFamily="49" charset="-122"/>
-                        <a:cs typeface="Calibri" panose="020F0502020204030204"/>
-                      </a:endParaRPr>
-                    </a:p>
-                  </a:txBody>
+                <a:tc vMerge="1">
                   <a:tcPr marL="68580" marR="68580" marT="0" marB="0" anchor="ctr">
                     <a:lnL w="12700" cap="flat" cmpd="sng" algn="ctr">
                       <a:solidFill>
@@ -15302,6 +16611,114 @@
                         <a:buNone/>
                         <a:defRPr/>
                       </a:pPr>
+                      <a:r>
+                        <a:rPr lang="en-US" altLang="zh-CN" sz="1800" kern="100" dirty="0">
+                          <a:solidFill>
+                            <a:srgbClr val="000000"/>
+                          </a:solidFill>
+                          <a:effectLst/>
+                          <a:uFill>
+                            <a:solidFill>
+                              <a:srgbClr val="000000"/>
+                            </a:solidFill>
+                          </a:uFill>
+                          <a:latin typeface="楷体" panose="02010609060101010101" pitchFamily="49" charset="-122"/>
+                          <a:ea typeface="楷体" panose="02010609060101010101" pitchFamily="49" charset="-122"/>
+                          <a:cs typeface="Calibri" panose="020F0502020204030204"/>
+                          <a:sym typeface="+mn-ea"/>
+                        </a:rPr>
+                        <a:t>3.4</a:t>
+                      </a:r>
+                      <a:r>
+                        <a:rPr lang="zh-CN" altLang="zh-CN" sz="1800" kern="100" dirty="0">
+                          <a:solidFill>
+                            <a:srgbClr val="000000"/>
+                          </a:solidFill>
+                          <a:effectLst/>
+                          <a:uFill>
+                            <a:solidFill>
+                              <a:srgbClr val="000000"/>
+                            </a:solidFill>
+                          </a:uFill>
+                          <a:latin typeface="楷体" panose="02010609060101010101" pitchFamily="49" charset="-122"/>
+                          <a:ea typeface="楷体" panose="02010609060101010101" pitchFamily="49" charset="-122"/>
+                          <a:cs typeface="Calibri" panose="020F0502020204030204"/>
+                          <a:sym typeface="+mn-ea"/>
+                        </a:rPr>
+                        <a:t>版本系统</a:t>
+                      </a:r>
+                      <a:r>
+                        <a:rPr lang="en-US" altLang="zh-CN" sz="1800" kern="100" dirty="0">
+                          <a:solidFill>
+                            <a:srgbClr val="000000"/>
+                          </a:solidFill>
+                          <a:effectLst/>
+                          <a:uFill>
+                            <a:solidFill>
+                              <a:srgbClr val="000000"/>
+                            </a:solidFill>
+                          </a:uFill>
+                          <a:latin typeface="楷体" panose="02010609060101010101" pitchFamily="49" charset="-122"/>
+                          <a:ea typeface="楷体" panose="02010609060101010101" pitchFamily="49" charset="-122"/>
+                          <a:cs typeface="Calibri" panose="020F0502020204030204"/>
+                          <a:sym typeface="+mn-ea"/>
+                        </a:rPr>
+                        <a:t>bug</a:t>
+                      </a:r>
+                      <a:r>
+                        <a:rPr lang="zh-CN" altLang="en-US" sz="1800" kern="100" dirty="0">
+                          <a:solidFill>
+                            <a:srgbClr val="000000"/>
+                          </a:solidFill>
+                          <a:effectLst/>
+                          <a:uFill>
+                            <a:solidFill>
+                              <a:srgbClr val="000000"/>
+                            </a:solidFill>
+                          </a:uFill>
+                          <a:latin typeface="楷体" panose="02010609060101010101" pitchFamily="49" charset="-122"/>
+                          <a:ea typeface="楷体" panose="02010609060101010101" pitchFamily="49" charset="-122"/>
+                          <a:cs typeface="Calibri" panose="020F0502020204030204"/>
+                          <a:sym typeface="+mn-ea"/>
+                        </a:rPr>
+                        <a:t>修改及</a:t>
+                      </a:r>
+                      <a:r>
+                        <a:rPr lang="en-US" altLang="zh-CN" sz="1800" kern="100" dirty="0">
+                          <a:solidFill>
+                            <a:srgbClr val="000000"/>
+                          </a:solidFill>
+                          <a:effectLst/>
+                          <a:uFill>
+                            <a:solidFill>
+                              <a:srgbClr val="000000"/>
+                            </a:solidFill>
+                          </a:uFill>
+                          <a:latin typeface="楷体" panose="02010609060101010101" pitchFamily="49" charset="-122"/>
+                          <a:ea typeface="楷体" panose="02010609060101010101" pitchFamily="49" charset="-122"/>
+                          <a:cs typeface="Calibri" panose="020F0502020204030204"/>
+                          <a:sym typeface="+mn-ea"/>
+                        </a:rPr>
+                        <a:t>3.5</a:t>
+                      </a:r>
+                      <a:r>
+                        <a:rPr lang="zh-CN" altLang="en-US" sz="1800" kern="100" dirty="0">
+                          <a:solidFill>
+                            <a:srgbClr val="000000"/>
+                          </a:solidFill>
+                          <a:effectLst/>
+                          <a:uFill>
+                            <a:solidFill>
+                              <a:srgbClr val="000000"/>
+                            </a:solidFill>
+                          </a:uFill>
+                          <a:latin typeface="楷体" panose="02010609060101010101" pitchFamily="49" charset="-122"/>
+                          <a:ea typeface="楷体" panose="02010609060101010101" pitchFamily="49" charset="-122"/>
+                          <a:cs typeface="Calibri" panose="020F0502020204030204"/>
+                          <a:sym typeface="+mn-ea"/>
+                        </a:rPr>
+                        <a:t>版本系统开发</a:t>
+                      </a:r>
                       <a:endParaRPr lang="zh-CN" altLang="en-US" sz="1800" kern="100" dirty="0">
                         <a:solidFill>
                           <a:srgbClr val="000000"/>
@@ -15357,35 +16774,7 @@
                     </a:lnB>
                   </a:tcPr>
                 </a:tc>
-                <a:tc>
-                  <a:txBody>
-                    <a:bodyPr/>
-                    <a:lstStyle/>
-                    <a:p>
-                      <a:pPr algn="l">
-                        <a:lnSpc>
-                          <a:spcPts val="2200"/>
-                        </a:lnSpc>
-                        <a:spcAft>
-                          <a:spcPts val="0"/>
-                        </a:spcAft>
-                      </a:pPr>
-                      <a:endParaRPr lang="zh-CN" sz="1800" kern="100" dirty="0">
-                        <a:solidFill>
-                          <a:srgbClr val="000000"/>
-                        </a:solidFill>
-                        <a:effectLst/>
-                        <a:uFill>
-                          <a:solidFill>
-                            <a:srgbClr val="000000"/>
-                          </a:solidFill>
-                        </a:uFill>
-                        <a:latin typeface="楷体" panose="02010609060101010101" pitchFamily="49" charset="-122"/>
-                        <a:ea typeface="楷体" panose="02010609060101010101" pitchFamily="49" charset="-122"/>
-                        <a:cs typeface="Calibri" panose="020F0502020204030204"/>
-                      </a:endParaRPr>
-                    </a:p>
-                  </a:txBody>
+                <a:tc vMerge="1">
                   <a:tcPr marL="68580" marR="68580" marT="0" marB="0" anchor="ctr">
                     <a:lnL w="12700" cap="flat" cmpd="sng" algn="ctr">
                       <a:solidFill>
@@ -15626,6 +17015,23 @@
                         <a:buNone/>
                         <a:defRPr/>
                       </a:pPr>
+                      <a:r>
+                        <a:rPr lang="zh-CN" altLang="en-US" sz="1800" kern="100" dirty="0">
+                          <a:solidFill>
+                            <a:srgbClr val="000000"/>
+                          </a:solidFill>
+                          <a:effectLst/>
+                          <a:uFill>
+                            <a:solidFill>
+                              <a:srgbClr val="000000"/>
+                            </a:solidFill>
+                          </a:uFill>
+                          <a:latin typeface="楷体" panose="02010609060101010101" pitchFamily="49" charset="-122"/>
+                          <a:ea typeface="楷体" panose="02010609060101010101" pitchFamily="49" charset="-122"/>
+                          <a:cs typeface="Calibri" panose="020F0502020204030204"/>
+                        </a:rPr>
+                        <a:t>服务整体设计及开发</a:t>
+                      </a:r>
                       <a:endParaRPr lang="zh-CN" altLang="en-US" sz="1800" kern="100" dirty="0">
                         <a:solidFill>
                           <a:srgbClr val="000000"/>
@@ -15681,35 +17087,7 @@
                     </a:lnB>
                   </a:tcPr>
                 </a:tc>
-                <a:tc>
-                  <a:txBody>
-                    <a:bodyPr/>
-                    <a:lstStyle/>
-                    <a:p>
-                      <a:pPr algn="l">
-                        <a:lnSpc>
-                          <a:spcPts val="2200"/>
-                        </a:lnSpc>
-                        <a:spcAft>
-                          <a:spcPts val="0"/>
-                        </a:spcAft>
-                      </a:pPr>
-                      <a:endParaRPr lang="zh-CN" sz="1800" kern="100" dirty="0">
-                        <a:solidFill>
-                          <a:srgbClr val="000000"/>
-                        </a:solidFill>
-                        <a:effectLst/>
-                        <a:uFill>
-                          <a:solidFill>
-                            <a:srgbClr val="000000"/>
-                          </a:solidFill>
-                        </a:uFill>
-                        <a:latin typeface="楷体" panose="02010609060101010101" pitchFamily="49" charset="-122"/>
-                        <a:ea typeface="楷体" panose="02010609060101010101" pitchFamily="49" charset="-122"/>
-                        <a:cs typeface="Calibri" panose="020F0502020204030204"/>
-                      </a:endParaRPr>
-                    </a:p>
-                  </a:txBody>
+                <a:tc vMerge="1">
                   <a:tcPr marL="68580" marR="68580" marT="0" marB="0" anchor="ctr">
                     <a:lnL w="12700" cap="flat" cmpd="sng" algn="ctr">
                       <a:solidFill>
@@ -16510,7 +17888,28 @@
                 <a:latin typeface="楷体" panose="02010609060101010101" pitchFamily="49" charset="-122"/>
                 <a:ea typeface="楷体" panose="02010609060101010101" pitchFamily="49" charset="-122"/>
               </a:rPr>
-              <a:t>工作介绍</a:t>
+              <a:t>复卷在线</a:t>
+            </a:r>
+            <a:r>
+              <a:rPr lang="en-US" altLang="zh-CN" b="1" dirty="0">
+                <a:latin typeface="楷体" panose="02010609060101010101" pitchFamily="49" charset="-122"/>
+                <a:ea typeface="楷体" panose="02010609060101010101" pitchFamily="49" charset="-122"/>
+              </a:rPr>
+              <a:t>3.5</a:t>
+            </a:r>
+            <a:r>
+              <a:rPr lang="zh-CN" altLang="en-US" b="1" dirty="0">
+                <a:latin typeface="楷体" panose="02010609060101010101" pitchFamily="49" charset="-122"/>
+                <a:ea typeface="楷体" panose="02010609060101010101" pitchFamily="49" charset="-122"/>
+              </a:rPr>
+              <a:t>检测系统</a:t>
+            </a:r>
+            <a:r>
+              <a:rPr lang="zh-CN" altLang="en-US" b="1" dirty="0">
+                <a:latin typeface="楷体" panose="02010609060101010101" pitchFamily="49" charset="-122"/>
+                <a:ea typeface="楷体" panose="02010609060101010101" pitchFamily="49" charset="-122"/>
+              </a:rPr>
+              <a:t>项目介绍</a:t>
             </a:r>
             <a:endParaRPr lang="en-US" altLang="zh-CN" sz="2400" b="1" dirty="0">
               <a:latin typeface="楷体" panose="02010609060101010101" pitchFamily="49" charset="-122"/>
@@ -16551,583 +17950,132 @@
       </p:sp>
       <p:sp>
         <p:nvSpPr>
-          <p:cNvPr id="10" name="内容占位符 2"/>
+          <p:cNvPr id="5" name="文本框 4"/>
           <p:cNvSpPr txBox="1"/>
           <p:nvPr/>
         </p:nvSpPr>
         <p:spPr>
           <a:xfrm>
-            <a:off x="307974" y="1628800"/>
-            <a:ext cx="8455025" cy="4325323"/>
+            <a:off x="636270" y="2146935"/>
+            <a:ext cx="8126730" cy="2306955"/>
           </a:xfrm>
           <a:prstGeom prst="rect">
             <a:avLst/>
           </a:prstGeom>
+          <a:noFill/>
         </p:spPr>
         <p:txBody>
-          <a:bodyPr vert="horz" lIns="91440" tIns="45720" rIns="91440" bIns="45720" rtlCol="0">
-            <a:noAutofit/>
+          <a:bodyPr wrap="square" rtlCol="0">
+            <a:spAutoFit/>
           </a:bodyPr>
-          <a:lstStyle>
-            <a:lvl1pPr marL="342900" indent="-342900" algn="l" defTabSz="914400" rtl="0" eaLnBrk="1" latinLnBrk="0" hangingPunct="1">
-              <a:spcBef>
-                <a:spcPct val="20000"/>
-              </a:spcBef>
-              <a:buFont typeface="Wingdings" panose="05000000000000000000" pitchFamily="2" charset="2"/>
-              <a:buChar char="v"/>
-              <a:defRPr sz="2800" kern="1200">
-                <a:solidFill>
-                  <a:srgbClr val="135BAD"/>
-                </a:solidFill>
-                <a:latin typeface="微软雅黑" panose="020B0503020204020204" pitchFamily="34" charset="-122"/>
-                <a:ea typeface="微软雅黑" panose="020B0503020204020204" pitchFamily="34" charset="-122"/>
-                <a:cs typeface="+mn-cs"/>
-              </a:defRPr>
-            </a:lvl1pPr>
-            <a:lvl2pPr marL="742950" indent="-285750" algn="l" defTabSz="914400" rtl="0" eaLnBrk="1" latinLnBrk="0" hangingPunct="1">
-              <a:spcBef>
-                <a:spcPct val="20000"/>
-              </a:spcBef>
-              <a:buFont typeface="微软雅黑" panose="020B0503020204020204" pitchFamily="34" charset="-122"/>
-              <a:buChar char="◆"/>
-              <a:defRPr sz="2400" kern="1200">
-                <a:solidFill>
-                  <a:srgbClr val="135BAD"/>
-                </a:solidFill>
-                <a:latin typeface="微软雅黑" panose="020B0503020204020204" pitchFamily="34" charset="-122"/>
-                <a:ea typeface="微软雅黑" panose="020B0503020204020204" pitchFamily="34" charset="-122"/>
-                <a:cs typeface="+mn-cs"/>
-              </a:defRPr>
-            </a:lvl2pPr>
-            <a:lvl3pPr marL="1143000" indent="-228600" algn="l" defTabSz="914400" rtl="0" eaLnBrk="1" latinLnBrk="0" hangingPunct="1">
-              <a:spcBef>
-                <a:spcPct val="20000"/>
-              </a:spcBef>
-              <a:buFont typeface="Webdings" panose="05030102010509060703" pitchFamily="18" charset="2"/>
-              <a:buChar char="4"/>
-              <a:defRPr sz="2000" kern="1200">
-                <a:solidFill>
-                  <a:srgbClr val="135BAD"/>
-                </a:solidFill>
-                <a:latin typeface="微软雅黑" panose="020B0503020204020204" pitchFamily="34" charset="-122"/>
-                <a:ea typeface="微软雅黑" panose="020B0503020204020204" pitchFamily="34" charset="-122"/>
-                <a:cs typeface="+mn-cs"/>
-              </a:defRPr>
-            </a:lvl3pPr>
-            <a:lvl4pPr marL="1600200" indent="-228600" algn="l" defTabSz="914400" rtl="0" eaLnBrk="1" latinLnBrk="0" hangingPunct="1">
-              <a:spcBef>
-                <a:spcPct val="20000"/>
-              </a:spcBef>
-              <a:buFont typeface="Arial" panose="020B0604020202020204" pitchFamily="34" charset="0"/>
-              <a:buChar char="–"/>
-              <a:defRPr sz="2000" kern="1200">
-                <a:solidFill>
-                  <a:schemeClr val="tx1"/>
-                </a:solidFill>
-                <a:latin typeface="+mn-lt"/>
-                <a:ea typeface="+mn-ea"/>
-                <a:cs typeface="+mn-cs"/>
-              </a:defRPr>
-            </a:lvl4pPr>
-            <a:lvl5pPr marL="2057400" indent="-228600" algn="l" defTabSz="914400" rtl="0" eaLnBrk="1" latinLnBrk="0" hangingPunct="1">
-              <a:spcBef>
-                <a:spcPct val="20000"/>
-              </a:spcBef>
-              <a:buFont typeface="Arial" panose="020B0604020202020204" pitchFamily="34" charset="0"/>
-              <a:buChar char="»"/>
-              <a:defRPr sz="2000" kern="1200">
-                <a:solidFill>
-                  <a:schemeClr val="tx1"/>
-                </a:solidFill>
-                <a:latin typeface="+mn-lt"/>
-                <a:ea typeface="+mn-ea"/>
-                <a:cs typeface="+mn-cs"/>
-              </a:defRPr>
-            </a:lvl5pPr>
-            <a:lvl6pPr marL="2514600" indent="-228600" algn="l" defTabSz="914400" rtl="0" eaLnBrk="1" latinLnBrk="0" hangingPunct="1">
-              <a:spcBef>
-                <a:spcPct val="20000"/>
-              </a:spcBef>
-              <a:buFont typeface="Arial" panose="020B0604020202020204" pitchFamily="34" charset="0"/>
-              <a:buChar char="•"/>
-              <a:defRPr sz="2000" kern="1200">
-                <a:solidFill>
-                  <a:schemeClr val="tx1"/>
-                </a:solidFill>
-                <a:latin typeface="+mn-lt"/>
-                <a:ea typeface="+mn-ea"/>
-                <a:cs typeface="+mn-cs"/>
-              </a:defRPr>
-            </a:lvl6pPr>
-            <a:lvl7pPr marL="2971800" indent="-228600" algn="l" defTabSz="914400" rtl="0" eaLnBrk="1" latinLnBrk="0" hangingPunct="1">
-              <a:spcBef>
-                <a:spcPct val="20000"/>
-              </a:spcBef>
-              <a:buFont typeface="Arial" panose="020B0604020202020204" pitchFamily="34" charset="0"/>
-              <a:buChar char="•"/>
-              <a:defRPr sz="2000" kern="1200">
-                <a:solidFill>
-                  <a:schemeClr val="tx1"/>
-                </a:solidFill>
-                <a:latin typeface="+mn-lt"/>
-                <a:ea typeface="+mn-ea"/>
-                <a:cs typeface="+mn-cs"/>
-              </a:defRPr>
-            </a:lvl7pPr>
-            <a:lvl8pPr marL="3429000" indent="-228600" algn="l" defTabSz="914400" rtl="0" eaLnBrk="1" latinLnBrk="0" hangingPunct="1">
-              <a:spcBef>
-                <a:spcPct val="20000"/>
-              </a:spcBef>
-              <a:buFont typeface="Arial" panose="020B0604020202020204" pitchFamily="34" charset="0"/>
-              <a:buChar char="•"/>
-              <a:defRPr sz="2000" kern="1200">
-                <a:solidFill>
-                  <a:schemeClr val="tx1"/>
-                </a:solidFill>
-                <a:latin typeface="+mn-lt"/>
-                <a:ea typeface="+mn-ea"/>
-                <a:cs typeface="+mn-cs"/>
-              </a:defRPr>
-            </a:lvl8pPr>
-            <a:lvl9pPr marL="3886200" indent="-228600" algn="l" defTabSz="914400" rtl="0" eaLnBrk="1" latinLnBrk="0" hangingPunct="1">
-              <a:spcBef>
-                <a:spcPct val="20000"/>
-              </a:spcBef>
-              <a:buFont typeface="Arial" panose="020B0604020202020204" pitchFamily="34" charset="0"/>
-              <a:buChar char="•"/>
-              <a:defRPr sz="2000" kern="1200">
-                <a:solidFill>
-                  <a:schemeClr val="tx1"/>
-                </a:solidFill>
-                <a:latin typeface="+mn-lt"/>
-                <a:ea typeface="+mn-ea"/>
-                <a:cs typeface="+mn-cs"/>
-              </a:defRPr>
-            </a:lvl9pPr>
-          </a:lstStyle>
-          <a:p>
-            <a:pPr marL="0" marR="0" lvl="0" indent="0" algn="l" defTabSz="914400" rtl="0" eaLnBrk="1" fontAlgn="auto" latinLnBrk="0" hangingPunct="1">
-              <a:lnSpc>
-                <a:spcPct val="100000"/>
-              </a:lnSpc>
-              <a:spcBef>
-                <a:spcPct val="20000"/>
-              </a:spcBef>
-              <a:spcAft>
-                <a:spcPts val="0"/>
-              </a:spcAft>
-              <a:buClrTx/>
-              <a:buSzTx/>
-              <a:buNone/>
-              <a:defRPr/>
-            </a:pPr>
-            <a:r>
-              <a:rPr lang="zh-CN" altLang="en-US" sz="2400" dirty="0">
-                <a:solidFill>
-                  <a:srgbClr val="FF0000"/>
-                </a:solidFill>
-                <a:latin typeface="楷体" panose="02010609060101010101" pitchFamily="49" charset="-122"/>
-                <a:ea typeface="楷体" panose="02010609060101010101" pitchFamily="49" charset="-122"/>
+          <a:p>
+            <a:r>
+              <a:rPr lang="zh-CN" altLang="en-US"/>
+              <a:t>复卷在线</a:t>
+            </a:r>
+            <a:r>
+              <a:rPr lang="en-US" altLang="zh-CN"/>
+              <a:t>3.5</a:t>
+            </a:r>
+            <a:r>
+              <a:rPr lang="zh-CN" altLang="en-US"/>
+              <a:t>系统在收集客户需求之后，通过产品经理及研发人员的整合，提出了新的需求，在</a:t>
+            </a:r>
+            <a:r>
+              <a:rPr lang="en-US" altLang="zh-CN"/>
+              <a:t>3.4</a:t>
+            </a:r>
+            <a:r>
+              <a:rPr lang="zh-CN" altLang="en-US"/>
+              <a:t>版本的基础上进行了较大的改进。</a:t>
+            </a:r>
+            <a:endParaRPr lang="zh-CN" altLang="en-US"/>
+          </a:p>
+          <a:p>
+            <a:r>
+              <a:rPr lang="en-US" altLang="zh-CN"/>
+              <a:t>1</a:t>
+            </a:r>
+            <a:r>
+              <a:rPr lang="zh-CN" altLang="en-US"/>
+              <a:t>、增加了数据中心，不拘泥于单机版本；</a:t>
+            </a:r>
+            <a:endParaRPr lang="zh-CN" altLang="en-US"/>
+          </a:p>
+          <a:p>
+            <a:r>
+              <a:rPr lang="en-US" altLang="zh-CN"/>
+              <a:t>2</a:t>
+            </a:r>
+            <a:r>
+              <a:rPr lang="zh-CN" altLang="en-US"/>
+              <a:t>、对数据库重新选型，由</a:t>
+            </a:r>
+            <a:r>
+              <a:rPr lang="en-US" altLang="zh-CN"/>
+              <a:t>sqlserver</a:t>
+            </a:r>
+            <a:r>
+              <a:rPr lang="zh-CN" altLang="en-US"/>
+              <a:t>更换为</a:t>
+            </a:r>
+            <a:r>
+              <a:rPr lang="en-US" altLang="zh-CN"/>
+              <a:t>oracle</a:t>
+            </a:r>
+            <a:r>
+              <a:rPr lang="zh-CN" altLang="en-US"/>
+              <a:t>；</a:t>
+            </a:r>
+            <a:endParaRPr lang="zh-CN" altLang="en-US"/>
+          </a:p>
+          <a:p>
+            <a:r>
+              <a:rPr lang="en-US" altLang="zh-CN">
+                <a:sym typeface="+mn-ea"/>
               </a:rPr>
-              <a:t>从上面的列表里挑选一个自认为完成较好的任务详细描述；需包括以下内容：</a:t>
-            </a:r>
-            <a:endParaRPr lang="en-US" altLang="zh-CN" sz="2400" dirty="0">
-              <a:solidFill>
-                <a:srgbClr val="FF0000"/>
-              </a:solidFill>
-              <a:latin typeface="楷体" panose="02010609060101010101" pitchFamily="49" charset="-122"/>
-              <a:ea typeface="楷体" panose="02010609060101010101" pitchFamily="49" charset="-122"/>
-            </a:endParaRPr>
-          </a:p>
-          <a:p>
-            <a:pPr marL="719455" marR="0" lvl="0" indent="-363855" algn="l" defTabSz="914400" rtl="0" eaLnBrk="1" fontAlgn="auto" latinLnBrk="0" hangingPunct="1">
-              <a:lnSpc>
-                <a:spcPct val="100000"/>
-              </a:lnSpc>
-              <a:spcBef>
-                <a:spcPct val="20000"/>
-              </a:spcBef>
-              <a:spcAft>
-                <a:spcPts val="0"/>
-              </a:spcAft>
-              <a:buClrTx/>
-              <a:buSzTx/>
-              <a:buFont typeface="Wingdings" panose="05000000000000000000" pitchFamily="2" charset="2"/>
-              <a:buChar char="Ø"/>
-              <a:defRPr/>
-            </a:pPr>
-            <a:r>
-              <a:rPr lang="zh-CN" altLang="en-US" sz="2400" dirty="0">
-                <a:solidFill>
-                  <a:srgbClr val="FF0000"/>
-                </a:solidFill>
-                <a:latin typeface="楷体" panose="02010609060101010101" pitchFamily="49" charset="-122"/>
-                <a:ea typeface="楷体" panose="02010609060101010101" pitchFamily="49" charset="-122"/>
+              <a:t>3</a:t>
+            </a:r>
+            <a:r>
+              <a:rPr lang="zh-CN" altLang="en-US">
+                <a:sym typeface="+mn-ea"/>
               </a:rPr>
-              <a:t>项目</a:t>
-            </a:r>
-            <a:r>
-              <a:rPr lang="en-US" altLang="zh-CN" sz="2400" dirty="0">
-                <a:solidFill>
-                  <a:srgbClr val="FF0000"/>
-                </a:solidFill>
-                <a:latin typeface="楷体" panose="02010609060101010101" pitchFamily="49" charset="-122"/>
-                <a:ea typeface="楷体" panose="02010609060101010101" pitchFamily="49" charset="-122"/>
-              </a:rPr>
-              <a:t>/</a:t>
-            </a:r>
-            <a:r>
-              <a:rPr lang="zh-CN" altLang="en-US" sz="2400" dirty="0">
-                <a:solidFill>
-                  <a:srgbClr val="FF0000"/>
-                </a:solidFill>
-                <a:latin typeface="楷体" panose="02010609060101010101" pitchFamily="49" charset="-122"/>
-                <a:ea typeface="楷体" panose="02010609060101010101" pitchFamily="49" charset="-122"/>
-              </a:rPr>
-              <a:t>产品介绍</a:t>
-            </a:r>
-            <a:endParaRPr lang="en-US" altLang="zh-CN" sz="2400" dirty="0">
-              <a:solidFill>
-                <a:srgbClr val="FF0000"/>
-              </a:solidFill>
-              <a:latin typeface="楷体" panose="02010609060101010101" pitchFamily="49" charset="-122"/>
-              <a:ea typeface="楷体" panose="02010609060101010101" pitchFamily="49" charset="-122"/>
-            </a:endParaRPr>
-          </a:p>
-          <a:p>
-            <a:pPr marL="719455" marR="0" lvl="0" indent="-363855" algn="l" defTabSz="914400" rtl="0" eaLnBrk="1" fontAlgn="auto" latinLnBrk="0" hangingPunct="1">
-              <a:lnSpc>
-                <a:spcPct val="100000"/>
-              </a:lnSpc>
-              <a:spcBef>
-                <a:spcPct val="20000"/>
-              </a:spcBef>
-              <a:spcAft>
-                <a:spcPts val="0"/>
-              </a:spcAft>
-              <a:buClrTx/>
-              <a:buSzTx/>
-              <a:buFont typeface="Wingdings" panose="05000000000000000000" pitchFamily="2" charset="2"/>
-              <a:buChar char="Ø"/>
-              <a:defRPr/>
-            </a:pPr>
-            <a:r>
-              <a:rPr lang="zh-CN" altLang="en-US" sz="2400" dirty="0">
-                <a:solidFill>
-                  <a:srgbClr val="FF0000"/>
-                </a:solidFill>
-                <a:latin typeface="楷体" panose="02010609060101010101" pitchFamily="49" charset="-122"/>
-                <a:ea typeface="楷体" panose="02010609060101010101" pitchFamily="49" charset="-122"/>
-              </a:rPr>
-              <a:t>项目</a:t>
-            </a:r>
-            <a:r>
-              <a:rPr lang="en-US" altLang="zh-CN" sz="2400" dirty="0">
-                <a:solidFill>
-                  <a:srgbClr val="FF0000"/>
-                </a:solidFill>
-                <a:latin typeface="楷体" panose="02010609060101010101" pitchFamily="49" charset="-122"/>
-                <a:ea typeface="楷体" panose="02010609060101010101" pitchFamily="49" charset="-122"/>
-              </a:rPr>
-              <a:t>/</a:t>
-            </a:r>
-            <a:r>
-              <a:rPr lang="zh-CN" altLang="en-US" sz="2400" dirty="0">
-                <a:solidFill>
-                  <a:srgbClr val="FF0000"/>
-                </a:solidFill>
-                <a:latin typeface="楷体" panose="02010609060101010101" pitchFamily="49" charset="-122"/>
-                <a:ea typeface="楷体" panose="02010609060101010101" pitchFamily="49" charset="-122"/>
-              </a:rPr>
-              <a:t>产品的研发技术难点及创新点</a:t>
-            </a:r>
-            <a:endParaRPr lang="en-US" altLang="zh-CN" sz="2400" dirty="0">
-              <a:solidFill>
-                <a:srgbClr val="FF0000"/>
-              </a:solidFill>
-              <a:latin typeface="楷体" panose="02010609060101010101" pitchFamily="49" charset="-122"/>
-              <a:ea typeface="楷体" panose="02010609060101010101" pitchFamily="49" charset="-122"/>
-            </a:endParaRPr>
-          </a:p>
-          <a:p>
-            <a:pPr marL="719455" marR="0" lvl="0" indent="-363855" algn="l" defTabSz="914400" rtl="0" eaLnBrk="1" fontAlgn="auto" latinLnBrk="0" hangingPunct="1">
-              <a:lnSpc>
-                <a:spcPct val="100000"/>
-              </a:lnSpc>
-              <a:spcBef>
-                <a:spcPct val="20000"/>
-              </a:spcBef>
-              <a:spcAft>
-                <a:spcPts val="0"/>
-              </a:spcAft>
-              <a:buClrTx/>
-              <a:buSzTx/>
-              <a:buFont typeface="Wingdings" panose="05000000000000000000" pitchFamily="2" charset="2"/>
-              <a:buChar char="Ø"/>
-              <a:defRPr/>
-            </a:pPr>
-            <a:r>
-              <a:rPr lang="zh-CN" altLang="en-US" sz="2400" dirty="0">
-                <a:solidFill>
-                  <a:srgbClr val="FF0000"/>
-                </a:solidFill>
-                <a:latin typeface="楷体" panose="02010609060101010101" pitchFamily="49" charset="-122"/>
-                <a:ea typeface="楷体" panose="02010609060101010101" pitchFamily="49" charset="-122"/>
-              </a:rPr>
-              <a:t>本项目</a:t>
-            </a:r>
-            <a:r>
-              <a:rPr lang="en-US" altLang="zh-CN" sz="2400" dirty="0">
-                <a:solidFill>
-                  <a:srgbClr val="FF0000"/>
-                </a:solidFill>
-                <a:latin typeface="楷体" panose="02010609060101010101" pitchFamily="49" charset="-122"/>
-                <a:ea typeface="楷体" panose="02010609060101010101" pitchFamily="49" charset="-122"/>
-              </a:rPr>
-              <a:t>/</a:t>
-            </a:r>
-            <a:r>
-              <a:rPr lang="zh-CN" altLang="en-US" sz="2400" dirty="0">
-                <a:solidFill>
-                  <a:srgbClr val="FF0000"/>
-                </a:solidFill>
-                <a:latin typeface="楷体" panose="02010609060101010101" pitchFamily="49" charset="-122"/>
-                <a:ea typeface="楷体" panose="02010609060101010101" pitchFamily="49" charset="-122"/>
-              </a:rPr>
-              <a:t>产品中技术难点的数学描述与解决思路</a:t>
-            </a:r>
-            <a:endParaRPr lang="en-US" altLang="zh-CN" sz="2400" dirty="0">
-              <a:solidFill>
-                <a:srgbClr val="FF0000"/>
-              </a:solidFill>
-              <a:latin typeface="楷体" panose="02010609060101010101" pitchFamily="49" charset="-122"/>
-              <a:ea typeface="楷体" panose="02010609060101010101" pitchFamily="49" charset="-122"/>
-            </a:endParaRPr>
-          </a:p>
-          <a:p>
-            <a:pPr marL="719455" marR="0" lvl="0" indent="-363855" algn="l" defTabSz="914400" rtl="0" eaLnBrk="1" fontAlgn="auto" latinLnBrk="0" hangingPunct="1">
-              <a:lnSpc>
-                <a:spcPct val="100000"/>
-              </a:lnSpc>
-              <a:spcBef>
-                <a:spcPct val="20000"/>
-              </a:spcBef>
-              <a:spcAft>
-                <a:spcPts val="0"/>
-              </a:spcAft>
-              <a:buClrTx/>
-              <a:buSzTx/>
-              <a:buFont typeface="Wingdings" panose="05000000000000000000" pitchFamily="2" charset="2"/>
-              <a:buChar char="Ø"/>
-              <a:defRPr/>
-            </a:pPr>
-            <a:r>
-              <a:rPr lang="zh-CN" altLang="en-US" sz="2400" dirty="0">
-                <a:solidFill>
-                  <a:srgbClr val="FF0000"/>
-                </a:solidFill>
-                <a:latin typeface="楷体" panose="02010609060101010101" pitchFamily="49" charset="-122"/>
-                <a:ea typeface="楷体" panose="02010609060101010101" pitchFamily="49" charset="-122"/>
-              </a:rPr>
-              <a:t>个人的主要工作成就，工作占比等</a:t>
-            </a:r>
-            <a:endParaRPr lang="en-US" altLang="zh-CN" sz="2400" dirty="0">
-              <a:solidFill>
-                <a:srgbClr val="FF0000"/>
-              </a:solidFill>
-              <a:latin typeface="楷体" panose="02010609060101010101" pitchFamily="49" charset="-122"/>
-              <a:ea typeface="楷体" panose="02010609060101010101" pitchFamily="49" charset="-122"/>
-            </a:endParaRPr>
-          </a:p>
-          <a:p>
-            <a:pPr marL="719455" marR="0" lvl="0" indent="-363855" algn="l" defTabSz="914400" rtl="0" eaLnBrk="1" fontAlgn="auto" latinLnBrk="0" hangingPunct="1">
-              <a:lnSpc>
-                <a:spcPct val="100000"/>
-              </a:lnSpc>
-              <a:spcBef>
-                <a:spcPct val="20000"/>
-              </a:spcBef>
-              <a:spcAft>
-                <a:spcPts val="0"/>
-              </a:spcAft>
-              <a:buClrTx/>
-              <a:buSzTx/>
-              <a:buFont typeface="Wingdings" panose="05000000000000000000" pitchFamily="2" charset="2"/>
-              <a:buChar char="Ø"/>
-              <a:defRPr/>
-            </a:pPr>
-            <a:r>
-              <a:rPr kumimoji="0" lang="zh-CN" altLang="en-US" sz="2400" i="0" u="none" strike="noStrike" kern="1200" cap="none" spc="0" normalizeH="0" baseline="0" noProof="0" dirty="0">
-                <a:ln>
-                  <a:noFill/>
-                </a:ln>
-                <a:solidFill>
-                  <a:srgbClr val="FF0000"/>
-                </a:solidFill>
-                <a:effectLst/>
-                <a:uLnTx/>
-                <a:uFillTx/>
-                <a:latin typeface="楷体" panose="02010609060101010101" pitchFamily="49" charset="-122"/>
-                <a:ea typeface="楷体" panose="02010609060101010101" pitchFamily="49" charset="-122"/>
-              </a:rPr>
-              <a:t>在本项目</a:t>
-            </a:r>
-            <a:r>
-              <a:rPr kumimoji="0" lang="en-US" altLang="zh-CN" sz="2400" i="0" u="none" strike="noStrike" kern="1200" cap="none" spc="0" normalizeH="0" baseline="0" noProof="0" dirty="0">
-                <a:ln>
-                  <a:noFill/>
-                </a:ln>
-                <a:solidFill>
-                  <a:srgbClr val="FF0000"/>
-                </a:solidFill>
-                <a:effectLst/>
-                <a:uLnTx/>
-                <a:uFillTx/>
-                <a:latin typeface="楷体" panose="02010609060101010101" pitchFamily="49" charset="-122"/>
-                <a:ea typeface="楷体" panose="02010609060101010101" pitchFamily="49" charset="-122"/>
-              </a:rPr>
-              <a:t>/</a:t>
-            </a:r>
-            <a:r>
-              <a:rPr kumimoji="0" lang="zh-CN" altLang="en-US" sz="2400" i="0" u="none" strike="noStrike" kern="1200" cap="none" spc="0" normalizeH="0" baseline="0" noProof="0" dirty="0">
-                <a:ln>
-                  <a:noFill/>
-                </a:ln>
-                <a:solidFill>
-                  <a:srgbClr val="FF0000"/>
-                </a:solidFill>
-                <a:effectLst/>
-                <a:uLnTx/>
-                <a:uFillTx/>
-                <a:latin typeface="楷体" panose="02010609060101010101" pitchFamily="49" charset="-122"/>
-                <a:ea typeface="楷体" panose="02010609060101010101" pitchFamily="49" charset="-122"/>
-              </a:rPr>
-              <a:t>产品中的贡献</a:t>
-            </a:r>
-            <a:endParaRPr kumimoji="0" lang="en-US" altLang="zh-CN" sz="2400" i="0" u="none" strike="noStrike" kern="1200" cap="none" spc="0" normalizeH="0" baseline="0" noProof="0" dirty="0">
-              <a:ln>
-                <a:noFill/>
-              </a:ln>
-              <a:solidFill>
-                <a:srgbClr val="FF0000"/>
-              </a:solidFill>
-              <a:effectLst/>
-              <a:uLnTx/>
-              <a:uFillTx/>
-              <a:latin typeface="楷体" panose="02010609060101010101" pitchFamily="49" charset="-122"/>
-              <a:ea typeface="楷体" panose="02010609060101010101" pitchFamily="49" charset="-122"/>
-            </a:endParaRPr>
-          </a:p>
-          <a:p>
-            <a:pPr marL="719455" lvl="0" indent="-363855" fontAlgn="auto">
-              <a:spcAft>
-                <a:spcPts val="0"/>
-              </a:spcAft>
-              <a:buFont typeface="Wingdings" panose="05000000000000000000" pitchFamily="2" charset="2"/>
-              <a:buChar char="Ø"/>
-              <a:defRPr/>
-            </a:pPr>
-            <a:r>
-              <a:rPr lang="zh-CN" altLang="en-US" sz="2400" dirty="0">
-                <a:solidFill>
-                  <a:srgbClr val="FF0000"/>
-                </a:solidFill>
-                <a:latin typeface="楷体" panose="02010609060101010101" pitchFamily="49" charset="-122"/>
-                <a:ea typeface="楷体" panose="02010609060101010101" pitchFamily="49" charset="-122"/>
-              </a:rPr>
-              <a:t>个人在项目中管理能力的体现，包括计划、进度控制以及与客户沟通的能力</a:t>
-            </a:r>
-            <a:endParaRPr kumimoji="0" lang="en-US" altLang="zh-CN" sz="2400" i="0" u="none" strike="noStrike" kern="1200" cap="none" spc="0" normalizeH="0" baseline="0" noProof="0" dirty="0">
-              <a:ln>
-                <a:noFill/>
-              </a:ln>
-              <a:solidFill>
-                <a:srgbClr val="FF0000"/>
-              </a:solidFill>
-              <a:effectLst/>
-              <a:uLnTx/>
-              <a:uFillTx/>
-              <a:latin typeface="楷体" panose="02010609060101010101" pitchFamily="49" charset="-122"/>
-              <a:ea typeface="楷体" panose="02010609060101010101" pitchFamily="49" charset="-122"/>
-            </a:endParaRPr>
-          </a:p>
-          <a:p>
-            <a:pPr marL="0" marR="0" lvl="0" indent="0" algn="l" defTabSz="914400" rtl="0" eaLnBrk="1" fontAlgn="auto" latinLnBrk="0" hangingPunct="1">
-              <a:lnSpc>
-                <a:spcPct val="100000"/>
-              </a:lnSpc>
-              <a:spcBef>
-                <a:spcPct val="20000"/>
-              </a:spcBef>
-              <a:spcAft>
-                <a:spcPts val="0"/>
-              </a:spcAft>
-              <a:buClrTx/>
-              <a:buSzTx/>
-              <a:buNone/>
-              <a:defRPr/>
-            </a:pPr>
-            <a:r>
-              <a:rPr kumimoji="0" lang="en-US" altLang="zh-CN" sz="2400" i="0" u="none" strike="noStrike" kern="1200" cap="none" spc="0" normalizeH="0" baseline="0" noProof="0" dirty="0">
-                <a:ln>
-                  <a:noFill/>
-                </a:ln>
-                <a:solidFill>
-                  <a:srgbClr val="FF0000"/>
-                </a:solidFill>
-                <a:effectLst/>
-                <a:uLnTx/>
-                <a:uFillTx/>
-                <a:latin typeface="楷体" panose="02010609060101010101" pitchFamily="49" charset="-122"/>
-                <a:ea typeface="楷体" panose="02010609060101010101" pitchFamily="49" charset="-122"/>
-              </a:rPr>
-              <a:t>(</a:t>
-            </a:r>
-            <a:r>
-              <a:rPr kumimoji="0" lang="zh-CN" altLang="en-US" sz="2400" i="0" u="none" strike="noStrike" kern="1200" cap="none" spc="0" normalizeH="0" baseline="0" noProof="0" dirty="0">
-                <a:ln>
-                  <a:noFill/>
-                </a:ln>
-                <a:solidFill>
-                  <a:srgbClr val="FF0000"/>
-                </a:solidFill>
-                <a:effectLst/>
-                <a:uLnTx/>
-                <a:uFillTx/>
-                <a:latin typeface="楷体" panose="02010609060101010101" pitchFamily="49" charset="-122"/>
-                <a:ea typeface="楷体" panose="02010609060101010101" pitchFamily="49" charset="-122"/>
-              </a:rPr>
-              <a:t>如果担任项目经理，可以从项目管理上着重描述</a:t>
-            </a:r>
-            <a:r>
-              <a:rPr kumimoji="0" lang="en-US" altLang="zh-CN" sz="2400" i="0" u="none" strike="noStrike" kern="1200" cap="none" spc="0" normalizeH="0" baseline="0" noProof="0" dirty="0">
-                <a:ln>
-                  <a:noFill/>
-                </a:ln>
-                <a:solidFill>
-                  <a:srgbClr val="FF0000"/>
-                </a:solidFill>
-                <a:effectLst/>
-                <a:uLnTx/>
-                <a:uFillTx/>
-                <a:latin typeface="楷体" panose="02010609060101010101" pitchFamily="49" charset="-122"/>
-                <a:ea typeface="楷体" panose="02010609060101010101" pitchFamily="49" charset="-122"/>
-              </a:rPr>
-              <a:t>)</a:t>
-            </a:r>
-            <a:endParaRPr kumimoji="0" lang="zh-CN" altLang="en-US" sz="2400" i="0" u="none" strike="noStrike" kern="1200" cap="none" spc="0" normalizeH="0" baseline="0" noProof="0" dirty="0">
-              <a:ln>
-                <a:noFill/>
-              </a:ln>
-              <a:solidFill>
-                <a:srgbClr val="FF0000"/>
-              </a:solidFill>
-              <a:effectLst/>
-              <a:uLnTx/>
-              <a:uFillTx/>
-              <a:latin typeface="楷体" panose="02010609060101010101" pitchFamily="49" charset="-122"/>
-              <a:ea typeface="楷体" panose="02010609060101010101" pitchFamily="49" charset="-122"/>
-            </a:endParaRPr>
+              <a:t>、查询软件数据库连接方式改变，提高效率，无需配置；</a:t>
+            </a:r>
+            <a:endParaRPr lang="zh-CN" altLang="en-US"/>
+          </a:p>
+          <a:p>
+            <a:r>
+              <a:rPr lang="en-US" altLang="zh-CN"/>
+              <a:t>4</a:t>
+            </a:r>
+            <a:r>
+              <a:rPr lang="zh-CN" altLang="en-US"/>
+              <a:t>、为检测程序及查询程序添加新界面操作，增强用户体验；</a:t>
+            </a:r>
+            <a:endParaRPr lang="zh-CN" altLang="en-US"/>
+          </a:p>
+          <a:p>
+            <a:r>
+              <a:rPr lang="en-US" altLang="zh-CN"/>
+              <a:t>5</a:t>
+            </a:r>
+            <a:r>
+              <a:rPr lang="zh-CN" altLang="en-US"/>
+              <a:t>、重新设计部分数据结构减少层级及耦合，使程序扩展性更强；</a:t>
+            </a:r>
+            <a:endParaRPr lang="zh-CN" altLang="en-US"/>
+          </a:p>
+          <a:p>
+            <a:r>
+              <a:rPr lang="en-US" altLang="zh-CN"/>
+              <a:t>6</a:t>
+            </a:r>
+            <a:r>
+              <a:rPr lang="zh-CN" altLang="en-US"/>
+              <a:t>、二维码检测部分重构，满足客户需求。</a:t>
+            </a:r>
+            <a:endParaRPr lang="zh-CN" altLang="en-US"/>
           </a:p>
         </p:txBody>
       </p:sp>
@@ -17692,7 +18640,7 @@
                 <a:latin typeface="楷体" panose="02010609060101010101" pitchFamily="49" charset="-122"/>
                 <a:ea typeface="楷体" panose="02010609060101010101" pitchFamily="49" charset="-122"/>
               </a:rPr>
-              <a:t>突出贡献</a:t>
+              <a:t>技术难点及创新点</a:t>
             </a:r>
             <a:endParaRPr lang="en-US" altLang="zh-CN" sz="2400" b="1" dirty="0">
               <a:latin typeface="楷体" panose="02010609060101010101" pitchFamily="49" charset="-122"/>
@@ -17733,459 +18681,132 @@
       </p:sp>
       <p:sp>
         <p:nvSpPr>
-          <p:cNvPr id="10" name="内容占位符 2"/>
+          <p:cNvPr id="5" name="文本框 4"/>
           <p:cNvSpPr txBox="1"/>
           <p:nvPr/>
         </p:nvSpPr>
         <p:spPr>
           <a:xfrm>
-            <a:off x="307974" y="1916831"/>
-            <a:ext cx="8656514" cy="3097933"/>
+            <a:off x="636270" y="1969135"/>
+            <a:ext cx="8126730" cy="2306955"/>
           </a:xfrm>
           <a:prstGeom prst="rect">
             <a:avLst/>
           </a:prstGeom>
+          <a:noFill/>
         </p:spPr>
         <p:txBody>
-          <a:bodyPr vert="horz" lIns="91440" tIns="45720" rIns="91440" bIns="45720" rtlCol="0">
-            <a:normAutofit/>
+          <a:bodyPr wrap="square" rtlCol="0">
+            <a:spAutoFit/>
           </a:bodyPr>
-          <a:lstStyle>
-            <a:lvl1pPr marL="342900" indent="-342900" algn="l" defTabSz="914400" rtl="0" eaLnBrk="1" latinLnBrk="0" hangingPunct="1">
-              <a:spcBef>
-                <a:spcPct val="20000"/>
-              </a:spcBef>
-              <a:buFont typeface="Wingdings" panose="05000000000000000000" pitchFamily="2" charset="2"/>
-              <a:buChar char="v"/>
-              <a:defRPr sz="2800" kern="1200">
-                <a:solidFill>
-                  <a:srgbClr val="135BAD"/>
-                </a:solidFill>
-                <a:latin typeface="微软雅黑" panose="020B0503020204020204" pitchFamily="34" charset="-122"/>
-                <a:ea typeface="微软雅黑" panose="020B0503020204020204" pitchFamily="34" charset="-122"/>
-                <a:cs typeface="+mn-cs"/>
-              </a:defRPr>
-            </a:lvl1pPr>
-            <a:lvl2pPr marL="742950" indent="-285750" algn="l" defTabSz="914400" rtl="0" eaLnBrk="1" latinLnBrk="0" hangingPunct="1">
-              <a:spcBef>
-                <a:spcPct val="20000"/>
-              </a:spcBef>
-              <a:buFont typeface="微软雅黑" panose="020B0503020204020204" pitchFamily="34" charset="-122"/>
-              <a:buChar char="◆"/>
-              <a:defRPr sz="2400" kern="1200">
-                <a:solidFill>
-                  <a:srgbClr val="135BAD"/>
-                </a:solidFill>
-                <a:latin typeface="微软雅黑" panose="020B0503020204020204" pitchFamily="34" charset="-122"/>
-                <a:ea typeface="微软雅黑" panose="020B0503020204020204" pitchFamily="34" charset="-122"/>
-                <a:cs typeface="+mn-cs"/>
-              </a:defRPr>
-            </a:lvl2pPr>
-            <a:lvl3pPr marL="1143000" indent="-228600" algn="l" defTabSz="914400" rtl="0" eaLnBrk="1" latinLnBrk="0" hangingPunct="1">
-              <a:spcBef>
-                <a:spcPct val="20000"/>
-              </a:spcBef>
-              <a:buFont typeface="Webdings" panose="05030102010509060703" pitchFamily="18" charset="2"/>
-              <a:buChar char="4"/>
-              <a:defRPr sz="2000" kern="1200">
-                <a:solidFill>
-                  <a:srgbClr val="135BAD"/>
-                </a:solidFill>
-                <a:latin typeface="微软雅黑" panose="020B0503020204020204" pitchFamily="34" charset="-122"/>
-                <a:ea typeface="微软雅黑" panose="020B0503020204020204" pitchFamily="34" charset="-122"/>
-                <a:cs typeface="+mn-cs"/>
-              </a:defRPr>
-            </a:lvl3pPr>
-            <a:lvl4pPr marL="1600200" indent="-228600" algn="l" defTabSz="914400" rtl="0" eaLnBrk="1" latinLnBrk="0" hangingPunct="1">
-              <a:spcBef>
-                <a:spcPct val="20000"/>
-              </a:spcBef>
-              <a:buFont typeface="Arial" panose="020B0604020202020204" pitchFamily="34" charset="0"/>
-              <a:buChar char="–"/>
-              <a:defRPr sz="2000" kern="1200">
-                <a:solidFill>
-                  <a:schemeClr val="tx1"/>
-                </a:solidFill>
-                <a:latin typeface="+mn-lt"/>
-                <a:ea typeface="+mn-ea"/>
-                <a:cs typeface="+mn-cs"/>
-              </a:defRPr>
-            </a:lvl4pPr>
-            <a:lvl5pPr marL="2057400" indent="-228600" algn="l" defTabSz="914400" rtl="0" eaLnBrk="1" latinLnBrk="0" hangingPunct="1">
-              <a:spcBef>
-                <a:spcPct val="20000"/>
-              </a:spcBef>
-              <a:buFont typeface="Arial" panose="020B0604020202020204" pitchFamily="34" charset="0"/>
-              <a:buChar char="»"/>
-              <a:defRPr sz="2000" kern="1200">
-                <a:solidFill>
-                  <a:schemeClr val="tx1"/>
-                </a:solidFill>
-                <a:latin typeface="+mn-lt"/>
-                <a:ea typeface="+mn-ea"/>
-                <a:cs typeface="+mn-cs"/>
-              </a:defRPr>
-            </a:lvl5pPr>
-            <a:lvl6pPr marL="2514600" indent="-228600" algn="l" defTabSz="914400" rtl="0" eaLnBrk="1" latinLnBrk="0" hangingPunct="1">
-              <a:spcBef>
-                <a:spcPct val="20000"/>
-              </a:spcBef>
-              <a:buFont typeface="Arial" panose="020B0604020202020204" pitchFamily="34" charset="0"/>
-              <a:buChar char="•"/>
-              <a:defRPr sz="2000" kern="1200">
-                <a:solidFill>
-                  <a:schemeClr val="tx1"/>
-                </a:solidFill>
-                <a:latin typeface="+mn-lt"/>
-                <a:ea typeface="+mn-ea"/>
-                <a:cs typeface="+mn-cs"/>
-              </a:defRPr>
-            </a:lvl6pPr>
-            <a:lvl7pPr marL="2971800" indent="-228600" algn="l" defTabSz="914400" rtl="0" eaLnBrk="1" latinLnBrk="0" hangingPunct="1">
-              <a:spcBef>
-                <a:spcPct val="20000"/>
-              </a:spcBef>
-              <a:buFont typeface="Arial" panose="020B0604020202020204" pitchFamily="34" charset="0"/>
-              <a:buChar char="•"/>
-              <a:defRPr sz="2000" kern="1200">
-                <a:solidFill>
-                  <a:schemeClr val="tx1"/>
-                </a:solidFill>
-                <a:latin typeface="+mn-lt"/>
-                <a:ea typeface="+mn-ea"/>
-                <a:cs typeface="+mn-cs"/>
-              </a:defRPr>
-            </a:lvl7pPr>
-            <a:lvl8pPr marL="3429000" indent="-228600" algn="l" defTabSz="914400" rtl="0" eaLnBrk="1" latinLnBrk="0" hangingPunct="1">
-              <a:spcBef>
-                <a:spcPct val="20000"/>
-              </a:spcBef>
-              <a:buFont typeface="Arial" panose="020B0604020202020204" pitchFamily="34" charset="0"/>
-              <a:buChar char="•"/>
-              <a:defRPr sz="2000" kern="1200">
-                <a:solidFill>
-                  <a:schemeClr val="tx1"/>
-                </a:solidFill>
-                <a:latin typeface="+mn-lt"/>
-                <a:ea typeface="+mn-ea"/>
-                <a:cs typeface="+mn-cs"/>
-              </a:defRPr>
-            </a:lvl8pPr>
-            <a:lvl9pPr marL="3886200" indent="-228600" algn="l" defTabSz="914400" rtl="0" eaLnBrk="1" latinLnBrk="0" hangingPunct="1">
-              <a:spcBef>
-                <a:spcPct val="20000"/>
-              </a:spcBef>
-              <a:buFont typeface="Arial" panose="020B0604020202020204" pitchFamily="34" charset="0"/>
-              <a:buChar char="•"/>
-              <a:defRPr sz="2000" kern="1200">
-                <a:solidFill>
-                  <a:schemeClr val="tx1"/>
-                </a:solidFill>
-                <a:latin typeface="+mn-lt"/>
-                <a:ea typeface="+mn-ea"/>
-                <a:cs typeface="+mn-cs"/>
-              </a:defRPr>
-            </a:lvl9pPr>
-          </a:lstStyle>
-          <a:p>
-            <a:pPr marL="0" marR="0" lvl="0" indent="355600" algn="l" defTabSz="914400" rtl="0" eaLnBrk="1" fontAlgn="auto" latinLnBrk="0" hangingPunct="1">
-              <a:lnSpc>
-                <a:spcPct val="100000"/>
-              </a:lnSpc>
-              <a:spcBef>
-                <a:spcPct val="20000"/>
-              </a:spcBef>
-              <a:spcAft>
-                <a:spcPts val="0"/>
-              </a:spcAft>
-              <a:buClrTx/>
-              <a:buSzTx/>
-              <a:buNone/>
-              <a:defRPr/>
-            </a:pPr>
-            <a:r>
-              <a:rPr lang="zh-CN" altLang="en-US" sz="2400" dirty="0">
-                <a:solidFill>
-                  <a:srgbClr val="FF0000"/>
-                </a:solidFill>
-                <a:latin typeface="楷体" panose="02010609060101010101" pitchFamily="49" charset="-122"/>
-                <a:ea typeface="楷体" panose="02010609060101010101" pitchFamily="49" charset="-122"/>
+          <a:p>
+            <a:r>
+              <a:rPr lang="zh-CN" altLang="en-US"/>
+              <a:t>复卷在线</a:t>
+            </a:r>
+            <a:r>
+              <a:rPr lang="en-US" altLang="zh-CN"/>
+              <a:t>3.5</a:t>
+            </a:r>
+            <a:r>
+              <a:rPr lang="zh-CN" altLang="en-US"/>
+              <a:t>系统在收集客户需求之后，通过产品经理及研发人员的整合，提出了新的需求，在</a:t>
+            </a:r>
+            <a:r>
+              <a:rPr lang="en-US" altLang="zh-CN"/>
+              <a:t>3.4</a:t>
+            </a:r>
+            <a:r>
+              <a:rPr lang="zh-CN" altLang="en-US"/>
+              <a:t>版本的基础上进行了较大的改进。</a:t>
+            </a:r>
+            <a:endParaRPr lang="zh-CN" altLang="en-US"/>
+          </a:p>
+          <a:p>
+            <a:r>
+              <a:rPr lang="en-US" altLang="zh-CN"/>
+              <a:t>1</a:t>
+            </a:r>
+            <a:r>
+              <a:rPr lang="zh-CN" altLang="en-US"/>
+              <a:t>、增加了数据中心，不拘泥于单机版本；</a:t>
+            </a:r>
+            <a:endParaRPr lang="zh-CN" altLang="en-US"/>
+          </a:p>
+          <a:p>
+            <a:r>
+              <a:rPr lang="en-US" altLang="zh-CN"/>
+              <a:t>2</a:t>
+            </a:r>
+            <a:r>
+              <a:rPr lang="zh-CN" altLang="en-US"/>
+              <a:t>、对数据库重新选型，由</a:t>
+            </a:r>
+            <a:r>
+              <a:rPr lang="en-US" altLang="zh-CN"/>
+              <a:t>sqlserver</a:t>
+            </a:r>
+            <a:r>
+              <a:rPr lang="zh-CN" altLang="en-US"/>
+              <a:t>更换为</a:t>
+            </a:r>
+            <a:r>
+              <a:rPr lang="en-US" altLang="zh-CN"/>
+              <a:t>oracle</a:t>
+            </a:r>
+            <a:r>
+              <a:rPr lang="zh-CN" altLang="en-US"/>
+              <a:t>；</a:t>
+            </a:r>
+            <a:endParaRPr lang="zh-CN" altLang="en-US"/>
+          </a:p>
+          <a:p>
+            <a:r>
+              <a:rPr lang="en-US" altLang="zh-CN">
+                <a:sym typeface="+mn-ea"/>
               </a:rPr>
-              <a:t>从曾经参与过的产品项目中提炼个人的突出贡献，包括：</a:t>
-            </a:r>
-            <a:endParaRPr lang="en-US" altLang="zh-CN" sz="2400" dirty="0">
-              <a:solidFill>
-                <a:srgbClr val="FF0000"/>
-              </a:solidFill>
-              <a:latin typeface="楷体" panose="02010609060101010101" pitchFamily="49" charset="-122"/>
-              <a:ea typeface="楷体" panose="02010609060101010101" pitchFamily="49" charset="-122"/>
-            </a:endParaRPr>
-          </a:p>
-          <a:p>
-            <a:pPr marL="719455" marR="0" lvl="0" indent="-363855" algn="l" defTabSz="914400" rtl="0" eaLnBrk="1" fontAlgn="auto" latinLnBrk="0" hangingPunct="1">
-              <a:lnSpc>
-                <a:spcPct val="100000"/>
-              </a:lnSpc>
-              <a:spcBef>
-                <a:spcPct val="20000"/>
-              </a:spcBef>
-              <a:spcAft>
-                <a:spcPts val="0"/>
-              </a:spcAft>
-              <a:buClrTx/>
-              <a:buSzTx/>
-              <a:buFont typeface="Wingdings" panose="05000000000000000000" pitchFamily="2" charset="2"/>
-              <a:buChar char="Ø"/>
-              <a:defRPr/>
-            </a:pPr>
-            <a:r>
-              <a:rPr kumimoji="0" lang="zh-CN" altLang="en-US" sz="2400" i="0" u="none" strike="noStrike" kern="1200" cap="none" spc="0" normalizeH="0" baseline="0" noProof="0" dirty="0">
-                <a:ln>
-                  <a:noFill/>
-                </a:ln>
-                <a:solidFill>
-                  <a:srgbClr val="FF0000"/>
-                </a:solidFill>
-                <a:effectLst/>
-                <a:uLnTx/>
-                <a:uFillTx/>
-                <a:latin typeface="楷体" panose="02010609060101010101" pitchFamily="49" charset="-122"/>
-                <a:ea typeface="楷体" panose="02010609060101010101" pitchFamily="49" charset="-122"/>
+              <a:t>3</a:t>
+            </a:r>
+            <a:r>
+              <a:rPr lang="zh-CN" altLang="en-US">
+                <a:sym typeface="+mn-ea"/>
               </a:rPr>
-              <a:t>合理化建议对项目产品研发的推进起到关键作用</a:t>
-            </a:r>
-            <a:endParaRPr kumimoji="0" lang="en-US" altLang="zh-CN" sz="2400" i="0" u="none" strike="noStrike" kern="1200" cap="none" spc="0" normalizeH="0" baseline="0" noProof="0" dirty="0">
-              <a:ln>
-                <a:noFill/>
-              </a:ln>
-              <a:solidFill>
-                <a:srgbClr val="FF0000"/>
-              </a:solidFill>
-              <a:effectLst/>
-              <a:uLnTx/>
-              <a:uFillTx/>
-              <a:latin typeface="楷体" panose="02010609060101010101" pitchFamily="49" charset="-122"/>
-              <a:ea typeface="楷体" panose="02010609060101010101" pitchFamily="49" charset="-122"/>
-            </a:endParaRPr>
-          </a:p>
-          <a:p>
-            <a:pPr marL="719455" marR="0" lvl="0" indent="-363855" algn="l" defTabSz="914400" rtl="0" eaLnBrk="1" fontAlgn="auto" latinLnBrk="0" hangingPunct="1">
-              <a:lnSpc>
-                <a:spcPct val="100000"/>
-              </a:lnSpc>
-              <a:spcBef>
-                <a:spcPct val="20000"/>
-              </a:spcBef>
-              <a:spcAft>
-                <a:spcPts val="0"/>
-              </a:spcAft>
-              <a:buClrTx/>
-              <a:buSzTx/>
-              <a:buFont typeface="Wingdings" panose="05000000000000000000" pitchFamily="2" charset="2"/>
-              <a:buChar char="Ø"/>
-              <a:defRPr/>
-            </a:pPr>
-            <a:r>
-              <a:rPr lang="zh-CN" altLang="en-US" sz="2400" dirty="0">
-                <a:solidFill>
-                  <a:srgbClr val="FF0000"/>
-                </a:solidFill>
-                <a:latin typeface="楷体" panose="02010609060101010101" pitchFamily="49" charset="-122"/>
-                <a:ea typeface="楷体" panose="02010609060101010101" pitchFamily="49" charset="-122"/>
-              </a:rPr>
-              <a:t>项目研发和工作中的创新性思路</a:t>
-            </a:r>
-            <a:endParaRPr lang="en-US" altLang="zh-CN" sz="2400" dirty="0">
-              <a:solidFill>
-                <a:srgbClr val="FF0000"/>
-              </a:solidFill>
-              <a:latin typeface="楷体" panose="02010609060101010101" pitchFamily="49" charset="-122"/>
-              <a:ea typeface="楷体" panose="02010609060101010101" pitchFamily="49" charset="-122"/>
-            </a:endParaRPr>
-          </a:p>
-          <a:p>
-            <a:pPr marL="719455" marR="0" lvl="0" indent="-363855" algn="l" defTabSz="914400" rtl="0" eaLnBrk="1" fontAlgn="auto" latinLnBrk="0" hangingPunct="1">
-              <a:lnSpc>
-                <a:spcPct val="100000"/>
-              </a:lnSpc>
-              <a:spcBef>
-                <a:spcPct val="20000"/>
-              </a:spcBef>
-              <a:spcAft>
-                <a:spcPts val="0"/>
-              </a:spcAft>
-              <a:buClrTx/>
-              <a:buSzTx/>
-              <a:buFont typeface="Wingdings" panose="05000000000000000000" pitchFamily="2" charset="2"/>
-              <a:buChar char="Ø"/>
-              <a:defRPr/>
-            </a:pPr>
-            <a:r>
-              <a:rPr lang="zh-CN" altLang="en-US" sz="2400" dirty="0">
-                <a:solidFill>
-                  <a:srgbClr val="FF0000"/>
-                </a:solidFill>
-                <a:latin typeface="楷体" panose="02010609060101010101" pitchFamily="49" charset="-122"/>
-                <a:ea typeface="楷体" panose="02010609060101010101" pitchFamily="49" charset="-122"/>
-              </a:rPr>
-              <a:t>项目中提炼的可复用性模块</a:t>
-            </a:r>
-            <a:endParaRPr lang="en-US" altLang="zh-CN" sz="2400" dirty="0">
-              <a:solidFill>
-                <a:srgbClr val="FF0000"/>
-              </a:solidFill>
-              <a:latin typeface="楷体" panose="02010609060101010101" pitchFamily="49" charset="-122"/>
-              <a:ea typeface="楷体" panose="02010609060101010101" pitchFamily="49" charset="-122"/>
-            </a:endParaRPr>
-          </a:p>
-          <a:p>
-            <a:pPr marL="719455" marR="0" lvl="0" indent="-363855" algn="l" defTabSz="914400" rtl="0" eaLnBrk="1" fontAlgn="auto" latinLnBrk="0" hangingPunct="1">
-              <a:lnSpc>
-                <a:spcPct val="100000"/>
-              </a:lnSpc>
-              <a:spcBef>
-                <a:spcPct val="20000"/>
-              </a:spcBef>
-              <a:spcAft>
-                <a:spcPts val="0"/>
-              </a:spcAft>
-              <a:buClrTx/>
-              <a:buSzTx/>
-              <a:buFont typeface="Wingdings" panose="05000000000000000000" pitchFamily="2" charset="2"/>
-              <a:buChar char="Ø"/>
-              <a:defRPr/>
-            </a:pPr>
-            <a:r>
-              <a:rPr kumimoji="0" lang="zh-CN" altLang="en-US" sz="2400" i="0" u="none" strike="noStrike" kern="1200" cap="none" spc="0" normalizeH="0" baseline="0" noProof="0" dirty="0">
-                <a:ln>
-                  <a:noFill/>
-                </a:ln>
-                <a:solidFill>
-                  <a:srgbClr val="FF0000"/>
-                </a:solidFill>
-                <a:effectLst/>
-                <a:uLnTx/>
-                <a:uFillTx/>
-                <a:latin typeface="楷体" panose="02010609060101010101" pitchFamily="49" charset="-122"/>
-                <a:ea typeface="楷体" panose="02010609060101010101" pitchFamily="49" charset="-122"/>
-              </a:rPr>
-              <a:t>跟踪了解的最新视觉技术或本专业技术</a:t>
-            </a:r>
-            <a:endParaRPr kumimoji="0" lang="en-US" altLang="zh-CN" sz="2400" i="0" u="none" strike="noStrike" kern="1200" cap="none" spc="0" normalizeH="0" baseline="0" noProof="0" dirty="0">
-              <a:ln>
-                <a:noFill/>
-              </a:ln>
-              <a:solidFill>
-                <a:srgbClr val="FF0000"/>
-              </a:solidFill>
-              <a:effectLst/>
-              <a:uLnTx/>
-              <a:uFillTx/>
-              <a:latin typeface="楷体" panose="02010609060101010101" pitchFamily="49" charset="-122"/>
-              <a:ea typeface="楷体" panose="02010609060101010101" pitchFamily="49" charset="-122"/>
-            </a:endParaRPr>
-          </a:p>
-          <a:p>
-            <a:pPr marL="719455" lvl="0" indent="-363855" fontAlgn="auto">
-              <a:spcAft>
-                <a:spcPts val="0"/>
-              </a:spcAft>
-              <a:buFont typeface="Wingdings" panose="05000000000000000000" pitchFamily="2" charset="2"/>
-              <a:buChar char="Ø"/>
-              <a:defRPr/>
-            </a:pPr>
-            <a:r>
-              <a:rPr lang="zh-CN" altLang="en-US" sz="2400" dirty="0">
-                <a:solidFill>
-                  <a:srgbClr val="FF0000"/>
-                </a:solidFill>
-                <a:latin typeface="楷体" panose="02010609060101010101" pitchFamily="49" charset="-122"/>
-                <a:ea typeface="楷体" panose="02010609060101010101" pitchFamily="49" charset="-122"/>
-              </a:rPr>
-              <a:t>新员工培养或者参与的技术交流与培训工作</a:t>
-            </a:r>
-            <a:endParaRPr lang="en-US" altLang="zh-CN" sz="2400" dirty="0">
-              <a:solidFill>
-                <a:srgbClr val="FF0000"/>
-              </a:solidFill>
-              <a:latin typeface="楷体" panose="02010609060101010101" pitchFamily="49" charset="-122"/>
-              <a:ea typeface="楷体" panose="02010609060101010101" pitchFamily="49" charset="-122"/>
-            </a:endParaRPr>
-          </a:p>
-          <a:p>
-            <a:pPr marL="719455" lvl="0" indent="-363855" fontAlgn="auto">
-              <a:spcAft>
-                <a:spcPts val="0"/>
-              </a:spcAft>
-              <a:buFont typeface="Wingdings" panose="05000000000000000000" pitchFamily="2" charset="2"/>
-              <a:buChar char="Ø"/>
-              <a:defRPr/>
-            </a:pPr>
-            <a:r>
-              <a:rPr lang="zh-CN" altLang="en-US" sz="2400" dirty="0">
-                <a:solidFill>
-                  <a:srgbClr val="FF0000"/>
-                </a:solidFill>
-                <a:latin typeface="楷体" panose="02010609060101010101" pitchFamily="49" charset="-122"/>
-                <a:ea typeface="楷体" panose="02010609060101010101" pitchFamily="49" charset="-122"/>
-              </a:rPr>
-              <a:t>被</a:t>
-            </a:r>
-            <a:r>
-              <a:rPr kumimoji="0" lang="zh-CN" altLang="en-US" sz="2400" i="0" u="none" strike="noStrike" kern="1200" cap="none" spc="0" normalizeH="0" baseline="0" noProof="0" dirty="0">
-                <a:ln>
-                  <a:noFill/>
-                </a:ln>
-                <a:solidFill>
-                  <a:srgbClr val="FF0000"/>
-                </a:solidFill>
-                <a:effectLst/>
-                <a:uLnTx/>
-                <a:uFillTx/>
-                <a:latin typeface="楷体" panose="02010609060101010101" pitchFamily="49" charset="-122"/>
-                <a:ea typeface="楷体" panose="02010609060101010101" pitchFamily="49" charset="-122"/>
-              </a:rPr>
-              <a:t>技术培训</a:t>
-            </a:r>
-            <a:r>
-              <a:rPr lang="zh-CN" altLang="en-US" sz="2400" dirty="0">
-                <a:solidFill>
-                  <a:srgbClr val="FF0000"/>
-                </a:solidFill>
-                <a:latin typeface="楷体" panose="02010609060101010101" pitchFamily="49" charset="-122"/>
-                <a:ea typeface="楷体" panose="02010609060101010101" pitchFamily="49" charset="-122"/>
-              </a:rPr>
-              <a:t>部门认可哪些</a:t>
-            </a:r>
-            <a:r>
-              <a:rPr kumimoji="0" lang="zh-CN" altLang="en-US" sz="2400" i="0" u="none" strike="noStrike" kern="1200" cap="none" spc="0" normalizeH="0" baseline="0" noProof="0" dirty="0">
-                <a:ln>
-                  <a:noFill/>
-                </a:ln>
-                <a:solidFill>
-                  <a:srgbClr val="FF0000"/>
-                </a:solidFill>
-                <a:effectLst/>
-                <a:uLnTx/>
-                <a:uFillTx/>
-                <a:latin typeface="楷体" panose="02010609060101010101" pitchFamily="49" charset="-122"/>
-                <a:ea typeface="楷体" panose="02010609060101010101" pitchFamily="49" charset="-122"/>
-              </a:rPr>
-              <a:t>技术经验积累</a:t>
-            </a:r>
-            <a:endParaRPr kumimoji="0" lang="zh-CN" altLang="en-US" sz="2400" i="0" u="none" strike="noStrike" kern="1200" cap="none" spc="0" normalizeH="0" baseline="0" noProof="0" dirty="0">
-              <a:ln>
-                <a:noFill/>
-              </a:ln>
-              <a:solidFill>
-                <a:srgbClr val="FF0000"/>
-              </a:solidFill>
-              <a:effectLst/>
-              <a:uLnTx/>
-              <a:uFillTx/>
-              <a:latin typeface="楷体" panose="02010609060101010101" pitchFamily="49" charset="-122"/>
-              <a:ea typeface="楷体" panose="02010609060101010101" pitchFamily="49" charset="-122"/>
-            </a:endParaRPr>
+              <a:t>、查询软件数据库连接方式改变，提高效率，无需配置；</a:t>
+            </a:r>
+            <a:endParaRPr lang="zh-CN" altLang="en-US"/>
+          </a:p>
+          <a:p>
+            <a:r>
+              <a:rPr lang="en-US" altLang="zh-CN"/>
+              <a:t>4</a:t>
+            </a:r>
+            <a:r>
+              <a:rPr lang="zh-CN" altLang="en-US"/>
+              <a:t>、为检测程序及查询程序添加新界面操作，增强用户体验；</a:t>
+            </a:r>
+            <a:endParaRPr lang="zh-CN" altLang="en-US"/>
+          </a:p>
+          <a:p>
+            <a:r>
+              <a:rPr lang="en-US" altLang="zh-CN"/>
+              <a:t>5</a:t>
+            </a:r>
+            <a:r>
+              <a:rPr lang="zh-CN" altLang="en-US"/>
+              <a:t>、重新设计部分数据结构减少层级及耦合，使程序扩展性更强；</a:t>
+            </a:r>
+            <a:endParaRPr lang="zh-CN" altLang="en-US"/>
+          </a:p>
+          <a:p>
+            <a:r>
+              <a:rPr lang="en-US" altLang="zh-CN"/>
+              <a:t>6</a:t>
+            </a:r>
+            <a:r>
+              <a:rPr lang="zh-CN" altLang="en-US"/>
+              <a:t>、二维码检测部分重构，满足客户需求。</a:t>
+            </a:r>
+            <a:endParaRPr lang="zh-CN" altLang="en-US"/>
           </a:p>
         </p:txBody>
       </p:sp>
@@ -18746,11 +19367,11 @@
               <a:defRPr/>
             </a:pPr>
             <a:r>
-              <a:rPr lang="zh-CN" altLang="en-US" sz="2400" b="1" dirty="0">
+              <a:rPr lang="zh-CN" altLang="en-US" b="1" dirty="0">
                 <a:latin typeface="楷体" panose="02010609060101010101" pitchFamily="49" charset="-122"/>
                 <a:ea typeface="楷体" panose="02010609060101010101" pitchFamily="49" charset="-122"/>
               </a:rPr>
-              <a:t>突出贡献</a:t>
+              <a:t>工作介绍</a:t>
             </a:r>
             <a:endParaRPr lang="en-US" altLang="zh-CN" sz="2400" b="1" dirty="0">
               <a:latin typeface="楷体" panose="02010609060101010101" pitchFamily="49" charset="-122"/>
@@ -18797,8 +19418,8 @@
         </p:nvSpPr>
         <p:spPr>
           <a:xfrm>
-            <a:off x="307974" y="1916831"/>
-            <a:ext cx="8656514" cy="1507405"/>
+            <a:off x="307974" y="1628800"/>
+            <a:ext cx="8455025" cy="4325323"/>
           </a:xfrm>
           <a:prstGeom prst="rect">
             <a:avLst/>
@@ -18806,7 +19427,7 @@
         </p:spPr>
         <p:txBody>
           <a:bodyPr vert="horz" lIns="91440" tIns="45720" rIns="91440" bIns="45720" rtlCol="0">
-            <a:normAutofit/>
+            <a:noAutofit/>
           </a:bodyPr>
           <a:lstStyle>
             <a:lvl1pPr marL="342900" indent="-342900" algn="l" defTabSz="914400" rtl="0" eaLnBrk="1" latinLnBrk="0" hangingPunct="1">
@@ -18946,7 +19567,7 @@
             </a:lvl9pPr>
           </a:lstStyle>
           <a:p>
-            <a:pPr marL="0" marR="0" lvl="0" indent="355600" algn="l" defTabSz="914400" rtl="0" eaLnBrk="1" fontAlgn="auto" latinLnBrk="0" hangingPunct="1">
+            <a:pPr marL="0" marR="0" lvl="0" indent="0" algn="l" defTabSz="914400" rtl="0" eaLnBrk="1" fontAlgn="auto" latinLnBrk="0" hangingPunct="1">
               <a:lnSpc>
                 <a:spcPct val="100000"/>
               </a:lnSpc>
@@ -18969,7 +19590,391 @@
                 <a:latin typeface="楷体" panose="02010609060101010101" pitchFamily="49" charset="-122"/>
                 <a:ea typeface="楷体" panose="02010609060101010101" pitchFamily="49" charset="-122"/>
               </a:rPr>
-              <a:t>上述突出贡献案例展示：可以包括运行程序、录像、图片、源代码等等，能够明显证明突出业绩的案例。</a:t>
+              <a:t>从上面的列表里挑选一个自认为完成较好的任务详细描述；需包括以下内容：</a:t>
+            </a:r>
+            <a:endParaRPr lang="en-US" altLang="zh-CN" sz="2400" dirty="0">
+              <a:solidFill>
+                <a:srgbClr val="FF0000"/>
+              </a:solidFill>
+              <a:latin typeface="楷体" panose="02010609060101010101" pitchFamily="49" charset="-122"/>
+              <a:ea typeface="楷体" panose="02010609060101010101" pitchFamily="49" charset="-122"/>
+            </a:endParaRPr>
+          </a:p>
+          <a:p>
+            <a:pPr marL="719455" marR="0" lvl="0" indent="-363855" algn="l" defTabSz="914400" rtl="0" eaLnBrk="1" fontAlgn="auto" latinLnBrk="0" hangingPunct="1">
+              <a:lnSpc>
+                <a:spcPct val="100000"/>
+              </a:lnSpc>
+              <a:spcBef>
+                <a:spcPct val="20000"/>
+              </a:spcBef>
+              <a:spcAft>
+                <a:spcPts val="0"/>
+              </a:spcAft>
+              <a:buClrTx/>
+              <a:buSzTx/>
+              <a:buFont typeface="Wingdings" panose="05000000000000000000" pitchFamily="2" charset="2"/>
+              <a:buChar char="Ø"/>
+              <a:defRPr/>
+            </a:pPr>
+            <a:r>
+              <a:rPr lang="zh-CN" altLang="en-US" sz="2400" dirty="0">
+                <a:solidFill>
+                  <a:srgbClr val="FF0000"/>
+                </a:solidFill>
+                <a:latin typeface="楷体" panose="02010609060101010101" pitchFamily="49" charset="-122"/>
+                <a:ea typeface="楷体" panose="02010609060101010101" pitchFamily="49" charset="-122"/>
+              </a:rPr>
+              <a:t>项目</a:t>
+            </a:r>
+            <a:r>
+              <a:rPr lang="en-US" altLang="zh-CN" sz="2400" dirty="0">
+                <a:solidFill>
+                  <a:srgbClr val="FF0000"/>
+                </a:solidFill>
+                <a:latin typeface="楷体" panose="02010609060101010101" pitchFamily="49" charset="-122"/>
+                <a:ea typeface="楷体" panose="02010609060101010101" pitchFamily="49" charset="-122"/>
+              </a:rPr>
+              <a:t>/</a:t>
+            </a:r>
+            <a:r>
+              <a:rPr lang="zh-CN" altLang="en-US" sz="2400" dirty="0">
+                <a:solidFill>
+                  <a:srgbClr val="FF0000"/>
+                </a:solidFill>
+                <a:latin typeface="楷体" panose="02010609060101010101" pitchFamily="49" charset="-122"/>
+                <a:ea typeface="楷体" panose="02010609060101010101" pitchFamily="49" charset="-122"/>
+              </a:rPr>
+              <a:t>产品介绍</a:t>
+            </a:r>
+            <a:endParaRPr lang="en-US" altLang="zh-CN" sz="2400" dirty="0">
+              <a:solidFill>
+                <a:srgbClr val="FF0000"/>
+              </a:solidFill>
+              <a:latin typeface="楷体" panose="02010609060101010101" pitchFamily="49" charset="-122"/>
+              <a:ea typeface="楷体" panose="02010609060101010101" pitchFamily="49" charset="-122"/>
+            </a:endParaRPr>
+          </a:p>
+          <a:p>
+            <a:pPr marL="719455" marR="0" lvl="0" indent="-363855" algn="l" defTabSz="914400" rtl="0" eaLnBrk="1" fontAlgn="auto" latinLnBrk="0" hangingPunct="1">
+              <a:lnSpc>
+                <a:spcPct val="100000"/>
+              </a:lnSpc>
+              <a:spcBef>
+                <a:spcPct val="20000"/>
+              </a:spcBef>
+              <a:spcAft>
+                <a:spcPts val="0"/>
+              </a:spcAft>
+              <a:buClrTx/>
+              <a:buSzTx/>
+              <a:buFont typeface="Wingdings" panose="05000000000000000000" pitchFamily="2" charset="2"/>
+              <a:buChar char="Ø"/>
+              <a:defRPr/>
+            </a:pPr>
+            <a:r>
+              <a:rPr lang="zh-CN" altLang="en-US" sz="2400" dirty="0">
+                <a:solidFill>
+                  <a:srgbClr val="FF0000"/>
+                </a:solidFill>
+                <a:latin typeface="楷体" panose="02010609060101010101" pitchFamily="49" charset="-122"/>
+                <a:ea typeface="楷体" panose="02010609060101010101" pitchFamily="49" charset="-122"/>
+              </a:rPr>
+              <a:t>项目</a:t>
+            </a:r>
+            <a:r>
+              <a:rPr lang="en-US" altLang="zh-CN" sz="2400" dirty="0">
+                <a:solidFill>
+                  <a:srgbClr val="FF0000"/>
+                </a:solidFill>
+                <a:latin typeface="楷体" panose="02010609060101010101" pitchFamily="49" charset="-122"/>
+                <a:ea typeface="楷体" panose="02010609060101010101" pitchFamily="49" charset="-122"/>
+              </a:rPr>
+              <a:t>/</a:t>
+            </a:r>
+            <a:r>
+              <a:rPr lang="zh-CN" altLang="en-US" sz="2400" dirty="0">
+                <a:solidFill>
+                  <a:srgbClr val="FF0000"/>
+                </a:solidFill>
+                <a:latin typeface="楷体" panose="02010609060101010101" pitchFamily="49" charset="-122"/>
+                <a:ea typeface="楷体" panose="02010609060101010101" pitchFamily="49" charset="-122"/>
+              </a:rPr>
+              <a:t>产品的研发技术难点及创新点</a:t>
+            </a:r>
+            <a:endParaRPr lang="en-US" altLang="zh-CN" sz="2400" dirty="0">
+              <a:solidFill>
+                <a:srgbClr val="FF0000"/>
+              </a:solidFill>
+              <a:latin typeface="楷体" panose="02010609060101010101" pitchFamily="49" charset="-122"/>
+              <a:ea typeface="楷体" panose="02010609060101010101" pitchFamily="49" charset="-122"/>
+            </a:endParaRPr>
+          </a:p>
+          <a:p>
+            <a:pPr marL="719455" marR="0" lvl="0" indent="-363855" algn="l" defTabSz="914400" rtl="0" eaLnBrk="1" fontAlgn="auto" latinLnBrk="0" hangingPunct="1">
+              <a:lnSpc>
+                <a:spcPct val="100000"/>
+              </a:lnSpc>
+              <a:spcBef>
+                <a:spcPct val="20000"/>
+              </a:spcBef>
+              <a:spcAft>
+                <a:spcPts val="0"/>
+              </a:spcAft>
+              <a:buClrTx/>
+              <a:buSzTx/>
+              <a:buFont typeface="Wingdings" panose="05000000000000000000" pitchFamily="2" charset="2"/>
+              <a:buChar char="Ø"/>
+              <a:defRPr/>
+            </a:pPr>
+            <a:r>
+              <a:rPr lang="zh-CN" altLang="en-US" sz="2400" dirty="0">
+                <a:solidFill>
+                  <a:srgbClr val="FF0000"/>
+                </a:solidFill>
+                <a:latin typeface="楷体" panose="02010609060101010101" pitchFamily="49" charset="-122"/>
+                <a:ea typeface="楷体" panose="02010609060101010101" pitchFamily="49" charset="-122"/>
+              </a:rPr>
+              <a:t>本项目</a:t>
+            </a:r>
+            <a:r>
+              <a:rPr lang="en-US" altLang="zh-CN" sz="2400" dirty="0">
+                <a:solidFill>
+                  <a:srgbClr val="FF0000"/>
+                </a:solidFill>
+                <a:latin typeface="楷体" panose="02010609060101010101" pitchFamily="49" charset="-122"/>
+                <a:ea typeface="楷体" panose="02010609060101010101" pitchFamily="49" charset="-122"/>
+              </a:rPr>
+              <a:t>/</a:t>
+            </a:r>
+            <a:r>
+              <a:rPr lang="zh-CN" altLang="en-US" sz="2400" dirty="0">
+                <a:solidFill>
+                  <a:srgbClr val="FF0000"/>
+                </a:solidFill>
+                <a:latin typeface="楷体" panose="02010609060101010101" pitchFamily="49" charset="-122"/>
+                <a:ea typeface="楷体" panose="02010609060101010101" pitchFamily="49" charset="-122"/>
+              </a:rPr>
+              <a:t>产品中技术难点的数学描述与解决思路</a:t>
+            </a:r>
+            <a:endParaRPr lang="en-US" altLang="zh-CN" sz="2400" dirty="0">
+              <a:solidFill>
+                <a:srgbClr val="FF0000"/>
+              </a:solidFill>
+              <a:latin typeface="楷体" panose="02010609060101010101" pitchFamily="49" charset="-122"/>
+              <a:ea typeface="楷体" panose="02010609060101010101" pitchFamily="49" charset="-122"/>
+            </a:endParaRPr>
+          </a:p>
+          <a:p>
+            <a:pPr marL="719455" marR="0" lvl="0" indent="-363855" algn="l" defTabSz="914400" rtl="0" eaLnBrk="1" fontAlgn="auto" latinLnBrk="0" hangingPunct="1">
+              <a:lnSpc>
+                <a:spcPct val="100000"/>
+              </a:lnSpc>
+              <a:spcBef>
+                <a:spcPct val="20000"/>
+              </a:spcBef>
+              <a:spcAft>
+                <a:spcPts val="0"/>
+              </a:spcAft>
+              <a:buClrTx/>
+              <a:buSzTx/>
+              <a:buFont typeface="Wingdings" panose="05000000000000000000" pitchFamily="2" charset="2"/>
+              <a:buChar char="Ø"/>
+              <a:defRPr/>
+            </a:pPr>
+            <a:r>
+              <a:rPr lang="zh-CN" altLang="en-US" sz="2400" dirty="0">
+                <a:solidFill>
+                  <a:srgbClr val="FF0000"/>
+                </a:solidFill>
+                <a:latin typeface="楷体" panose="02010609060101010101" pitchFamily="49" charset="-122"/>
+                <a:ea typeface="楷体" panose="02010609060101010101" pitchFamily="49" charset="-122"/>
+              </a:rPr>
+              <a:t>个人的主要工作成就，工作占比等</a:t>
+            </a:r>
+            <a:endParaRPr lang="en-US" altLang="zh-CN" sz="2400" dirty="0">
+              <a:solidFill>
+                <a:srgbClr val="FF0000"/>
+              </a:solidFill>
+              <a:latin typeface="楷体" panose="02010609060101010101" pitchFamily="49" charset="-122"/>
+              <a:ea typeface="楷体" panose="02010609060101010101" pitchFamily="49" charset="-122"/>
+            </a:endParaRPr>
+          </a:p>
+          <a:p>
+            <a:pPr marL="719455" marR="0" lvl="0" indent="-363855" algn="l" defTabSz="914400" rtl="0" eaLnBrk="1" fontAlgn="auto" latinLnBrk="0" hangingPunct="1">
+              <a:lnSpc>
+                <a:spcPct val="100000"/>
+              </a:lnSpc>
+              <a:spcBef>
+                <a:spcPct val="20000"/>
+              </a:spcBef>
+              <a:spcAft>
+                <a:spcPts val="0"/>
+              </a:spcAft>
+              <a:buClrTx/>
+              <a:buSzTx/>
+              <a:buFont typeface="Wingdings" panose="05000000000000000000" pitchFamily="2" charset="2"/>
+              <a:buChar char="Ø"/>
+              <a:defRPr/>
+            </a:pPr>
+            <a:r>
+              <a:rPr kumimoji="0" lang="zh-CN" altLang="en-US" sz="2400" i="0" u="none" strike="noStrike" kern="1200" cap="none" spc="0" normalizeH="0" baseline="0" noProof="0" dirty="0">
+                <a:ln>
+                  <a:noFill/>
+                </a:ln>
+                <a:solidFill>
+                  <a:srgbClr val="FF0000"/>
+                </a:solidFill>
+                <a:effectLst/>
+                <a:uLnTx/>
+                <a:uFillTx/>
+                <a:latin typeface="楷体" panose="02010609060101010101" pitchFamily="49" charset="-122"/>
+                <a:ea typeface="楷体" panose="02010609060101010101" pitchFamily="49" charset="-122"/>
+              </a:rPr>
+              <a:t>在本项目</a:t>
+            </a:r>
+            <a:r>
+              <a:rPr kumimoji="0" lang="en-US" altLang="zh-CN" sz="2400" i="0" u="none" strike="noStrike" kern="1200" cap="none" spc="0" normalizeH="0" baseline="0" noProof="0" dirty="0">
+                <a:ln>
+                  <a:noFill/>
+                </a:ln>
+                <a:solidFill>
+                  <a:srgbClr val="FF0000"/>
+                </a:solidFill>
+                <a:effectLst/>
+                <a:uLnTx/>
+                <a:uFillTx/>
+                <a:latin typeface="楷体" panose="02010609060101010101" pitchFamily="49" charset="-122"/>
+                <a:ea typeface="楷体" panose="02010609060101010101" pitchFamily="49" charset="-122"/>
+              </a:rPr>
+              <a:t>/</a:t>
+            </a:r>
+            <a:r>
+              <a:rPr kumimoji="0" lang="zh-CN" altLang="en-US" sz="2400" i="0" u="none" strike="noStrike" kern="1200" cap="none" spc="0" normalizeH="0" baseline="0" noProof="0" dirty="0">
+                <a:ln>
+                  <a:noFill/>
+                </a:ln>
+                <a:solidFill>
+                  <a:srgbClr val="FF0000"/>
+                </a:solidFill>
+                <a:effectLst/>
+                <a:uLnTx/>
+                <a:uFillTx/>
+                <a:latin typeface="楷体" panose="02010609060101010101" pitchFamily="49" charset="-122"/>
+                <a:ea typeface="楷体" panose="02010609060101010101" pitchFamily="49" charset="-122"/>
+              </a:rPr>
+              <a:t>产品中的贡献</a:t>
+            </a:r>
+            <a:endParaRPr kumimoji="0" lang="en-US" altLang="zh-CN" sz="2400" i="0" u="none" strike="noStrike" kern="1200" cap="none" spc="0" normalizeH="0" baseline="0" noProof="0" dirty="0">
+              <a:ln>
+                <a:noFill/>
+              </a:ln>
+              <a:solidFill>
+                <a:srgbClr val="FF0000"/>
+              </a:solidFill>
+              <a:effectLst/>
+              <a:uLnTx/>
+              <a:uFillTx/>
+              <a:latin typeface="楷体" panose="02010609060101010101" pitchFamily="49" charset="-122"/>
+              <a:ea typeface="楷体" panose="02010609060101010101" pitchFamily="49" charset="-122"/>
+            </a:endParaRPr>
+          </a:p>
+          <a:p>
+            <a:pPr marL="719455" lvl="0" indent="-363855" fontAlgn="auto">
+              <a:spcAft>
+                <a:spcPts val="0"/>
+              </a:spcAft>
+              <a:buFont typeface="Wingdings" panose="05000000000000000000" pitchFamily="2" charset="2"/>
+              <a:buChar char="Ø"/>
+              <a:defRPr/>
+            </a:pPr>
+            <a:r>
+              <a:rPr lang="zh-CN" altLang="en-US" sz="2400" dirty="0">
+                <a:solidFill>
+                  <a:srgbClr val="FF0000"/>
+                </a:solidFill>
+                <a:latin typeface="楷体" panose="02010609060101010101" pitchFamily="49" charset="-122"/>
+                <a:ea typeface="楷体" panose="02010609060101010101" pitchFamily="49" charset="-122"/>
+              </a:rPr>
+              <a:t>个人在项目中管理能力的体现，包括计划、进度控制以及与客户沟通的能力</a:t>
+            </a:r>
+            <a:endParaRPr kumimoji="0" lang="en-US" altLang="zh-CN" sz="2400" i="0" u="none" strike="noStrike" kern="1200" cap="none" spc="0" normalizeH="0" baseline="0" noProof="0" dirty="0">
+              <a:ln>
+                <a:noFill/>
+              </a:ln>
+              <a:solidFill>
+                <a:srgbClr val="FF0000"/>
+              </a:solidFill>
+              <a:effectLst/>
+              <a:uLnTx/>
+              <a:uFillTx/>
+              <a:latin typeface="楷体" panose="02010609060101010101" pitchFamily="49" charset="-122"/>
+              <a:ea typeface="楷体" panose="02010609060101010101" pitchFamily="49" charset="-122"/>
+            </a:endParaRPr>
+          </a:p>
+          <a:p>
+            <a:pPr marL="0" marR="0" lvl="0" indent="0" algn="l" defTabSz="914400" rtl="0" eaLnBrk="1" fontAlgn="auto" latinLnBrk="0" hangingPunct="1">
+              <a:lnSpc>
+                <a:spcPct val="100000"/>
+              </a:lnSpc>
+              <a:spcBef>
+                <a:spcPct val="20000"/>
+              </a:spcBef>
+              <a:spcAft>
+                <a:spcPts val="0"/>
+              </a:spcAft>
+              <a:buClrTx/>
+              <a:buSzTx/>
+              <a:buNone/>
+              <a:defRPr/>
+            </a:pPr>
+            <a:r>
+              <a:rPr kumimoji="0" lang="en-US" altLang="zh-CN" sz="2400" i="0" u="none" strike="noStrike" kern="1200" cap="none" spc="0" normalizeH="0" baseline="0" noProof="0" dirty="0">
+                <a:ln>
+                  <a:noFill/>
+                </a:ln>
+                <a:solidFill>
+                  <a:srgbClr val="FF0000"/>
+                </a:solidFill>
+                <a:effectLst/>
+                <a:uLnTx/>
+                <a:uFillTx/>
+                <a:latin typeface="楷体" panose="02010609060101010101" pitchFamily="49" charset="-122"/>
+                <a:ea typeface="楷体" panose="02010609060101010101" pitchFamily="49" charset="-122"/>
+              </a:rPr>
+              <a:t>(</a:t>
+            </a:r>
+            <a:r>
+              <a:rPr kumimoji="0" lang="zh-CN" altLang="en-US" sz="2400" i="0" u="none" strike="noStrike" kern="1200" cap="none" spc="0" normalizeH="0" baseline="0" noProof="0" dirty="0">
+                <a:ln>
+                  <a:noFill/>
+                </a:ln>
+                <a:solidFill>
+                  <a:srgbClr val="FF0000"/>
+                </a:solidFill>
+                <a:effectLst/>
+                <a:uLnTx/>
+                <a:uFillTx/>
+                <a:latin typeface="楷体" panose="02010609060101010101" pitchFamily="49" charset="-122"/>
+                <a:ea typeface="楷体" panose="02010609060101010101" pitchFamily="49" charset="-122"/>
+              </a:rPr>
+              <a:t>如果担任项目经理，可以从项目管理上着重描述</a:t>
+            </a:r>
+            <a:r>
+              <a:rPr kumimoji="0" lang="en-US" altLang="zh-CN" sz="2400" i="0" u="none" strike="noStrike" kern="1200" cap="none" spc="0" normalizeH="0" baseline="0" noProof="0" dirty="0">
+                <a:ln>
+                  <a:noFill/>
+                </a:ln>
+                <a:solidFill>
+                  <a:srgbClr val="FF0000"/>
+                </a:solidFill>
+                <a:effectLst/>
+                <a:uLnTx/>
+                <a:uFillTx/>
+                <a:latin typeface="楷体" panose="02010609060101010101" pitchFamily="49" charset="-122"/>
+                <a:ea typeface="楷体" panose="02010609060101010101" pitchFamily="49" charset="-122"/>
+              </a:rPr>
+              <a:t>)</a:t>
             </a:r>
             <a:endParaRPr kumimoji="0" lang="zh-CN" altLang="en-US" sz="2400" i="0" u="none" strike="noStrike" kern="1200" cap="none" spc="0" normalizeH="0" baseline="0" noProof="0" dirty="0">
               <a:ln>
@@ -19254,7 +20259,7 @@
                 <a:latin typeface="微软雅黑" panose="020B0503020204020204" pitchFamily="34" charset="-122"/>
                 <a:ea typeface="微软雅黑" panose="020B0503020204020204" pitchFamily="34" charset="-122"/>
               </a:rPr>
-              <a:t>未来展望</a:t>
+              <a:t>工作业绩</a:t>
             </a:r>
             <a:endParaRPr lang="zh-CN" altLang="en-US" b="1" dirty="0">
               <a:solidFill>
@@ -19373,14 +20378,14 @@
       </p:sp>
       <p:sp>
         <p:nvSpPr>
-          <p:cNvPr id="11" name="内容占位符 2"/>
+          <p:cNvPr id="9" name="内容占位符 2"/>
           <p:cNvSpPr txBox="1"/>
           <p:nvPr/>
         </p:nvSpPr>
         <p:spPr>
           <a:xfrm>
-            <a:off x="344487" y="1556792"/>
-            <a:ext cx="8455025" cy="3097933"/>
+            <a:off x="307975" y="1196752"/>
+            <a:ext cx="8455025" cy="646484"/>
           </a:xfrm>
           <a:prstGeom prst="rect">
             <a:avLst/>
@@ -19388,7 +20393,7 @@
         </p:spPr>
         <p:txBody>
           <a:bodyPr vert="horz" lIns="91440" tIns="45720" rIns="91440" bIns="45720" rtlCol="0">
-            <a:normAutofit fontScale="92500"/>
+            <a:normAutofit/>
           </a:bodyPr>
           <a:lstStyle>
             <a:lvl1pPr marL="342900" indent="-342900" algn="l" defTabSz="914400" rtl="0" eaLnBrk="1" latinLnBrk="0" hangingPunct="1">
@@ -19544,14 +20549,230 @@
               <a:defRPr/>
             </a:pPr>
             <a:r>
-              <a:rPr lang="zh-CN" altLang="en-US" sz="2400" dirty="0">
-                <a:solidFill>
-                  <a:srgbClr val="FF0000"/>
-                </a:solidFill>
+              <a:rPr lang="zh-CN" altLang="en-US" sz="2400" b="1" dirty="0">
                 <a:latin typeface="楷体" panose="02010609060101010101" pitchFamily="49" charset="-122"/>
                 <a:ea typeface="楷体" panose="02010609060101010101" pitchFamily="49" charset="-122"/>
               </a:rPr>
-              <a:t>从个人的工作经历总结作为研发人员的心得体会；需包括以下内容：</a:t>
+              <a:t>突出贡献</a:t>
+            </a:r>
+            <a:endParaRPr lang="en-US" altLang="zh-CN" sz="2400" b="1" dirty="0">
+              <a:latin typeface="楷体" panose="02010609060101010101" pitchFamily="49" charset="-122"/>
+              <a:ea typeface="楷体" panose="02010609060101010101" pitchFamily="49" charset="-122"/>
+            </a:endParaRPr>
+          </a:p>
+          <a:p>
+            <a:pPr marL="0" marR="0" lvl="0" indent="0" algn="l" defTabSz="914400" rtl="0" eaLnBrk="1" fontAlgn="auto" latinLnBrk="0" hangingPunct="1">
+              <a:lnSpc>
+                <a:spcPct val="100000"/>
+              </a:lnSpc>
+              <a:spcBef>
+                <a:spcPct val="20000"/>
+              </a:spcBef>
+              <a:spcAft>
+                <a:spcPts val="0"/>
+              </a:spcAft>
+              <a:buClrTx/>
+              <a:buSzTx/>
+              <a:buNone/>
+              <a:defRPr/>
+            </a:pPr>
+            <a:endParaRPr kumimoji="0" lang="zh-CN" altLang="en-US" sz="2800" b="0" i="0" u="none" strike="noStrike" kern="1200" cap="none" spc="0" normalizeH="0" baseline="0" noProof="0" dirty="0">
+              <a:ln>
+                <a:noFill/>
+              </a:ln>
+              <a:solidFill>
+                <a:srgbClr val="135BAD"/>
+              </a:solidFill>
+              <a:effectLst/>
+              <a:uLnTx/>
+              <a:uFillTx/>
+              <a:latin typeface="楷体" panose="02010609060101010101" pitchFamily="49" charset="-122"/>
+              <a:ea typeface="楷体" panose="02010609060101010101" pitchFamily="49" charset="-122"/>
+            </a:endParaRPr>
+          </a:p>
+        </p:txBody>
+      </p:sp>
+      <p:sp>
+        <p:nvSpPr>
+          <p:cNvPr id="10" name="内容占位符 2"/>
+          <p:cNvSpPr txBox="1"/>
+          <p:nvPr/>
+        </p:nvSpPr>
+        <p:spPr>
+          <a:xfrm>
+            <a:off x="307974" y="1916831"/>
+            <a:ext cx="8656514" cy="3097933"/>
+          </a:xfrm>
+          <a:prstGeom prst="rect">
+            <a:avLst/>
+          </a:prstGeom>
+        </p:spPr>
+        <p:txBody>
+          <a:bodyPr vert="horz" lIns="91440" tIns="45720" rIns="91440" bIns="45720" rtlCol="0">
+            <a:normAutofit/>
+          </a:bodyPr>
+          <a:lstStyle>
+            <a:lvl1pPr marL="342900" indent="-342900" algn="l" defTabSz="914400" rtl="0" eaLnBrk="1" latinLnBrk="0" hangingPunct="1">
+              <a:spcBef>
+                <a:spcPct val="20000"/>
+              </a:spcBef>
+              <a:buFont typeface="Wingdings" panose="05000000000000000000" pitchFamily="2" charset="2"/>
+              <a:buChar char="v"/>
+              <a:defRPr sz="2800" kern="1200">
+                <a:solidFill>
+                  <a:srgbClr val="135BAD"/>
+                </a:solidFill>
+                <a:latin typeface="微软雅黑" panose="020B0503020204020204" pitchFamily="34" charset="-122"/>
+                <a:ea typeface="微软雅黑" panose="020B0503020204020204" pitchFamily="34" charset="-122"/>
+                <a:cs typeface="+mn-cs"/>
+              </a:defRPr>
+            </a:lvl1pPr>
+            <a:lvl2pPr marL="742950" indent="-285750" algn="l" defTabSz="914400" rtl="0" eaLnBrk="1" latinLnBrk="0" hangingPunct="1">
+              <a:spcBef>
+                <a:spcPct val="20000"/>
+              </a:spcBef>
+              <a:buFont typeface="微软雅黑" panose="020B0503020204020204" pitchFamily="34" charset="-122"/>
+              <a:buChar char="◆"/>
+              <a:defRPr sz="2400" kern="1200">
+                <a:solidFill>
+                  <a:srgbClr val="135BAD"/>
+                </a:solidFill>
+                <a:latin typeface="微软雅黑" panose="020B0503020204020204" pitchFamily="34" charset="-122"/>
+                <a:ea typeface="微软雅黑" panose="020B0503020204020204" pitchFamily="34" charset="-122"/>
+                <a:cs typeface="+mn-cs"/>
+              </a:defRPr>
+            </a:lvl2pPr>
+            <a:lvl3pPr marL="1143000" indent="-228600" algn="l" defTabSz="914400" rtl="0" eaLnBrk="1" latinLnBrk="0" hangingPunct="1">
+              <a:spcBef>
+                <a:spcPct val="20000"/>
+              </a:spcBef>
+              <a:buFont typeface="Webdings" panose="05030102010509060703" pitchFamily="18" charset="2"/>
+              <a:buChar char="4"/>
+              <a:defRPr sz="2000" kern="1200">
+                <a:solidFill>
+                  <a:srgbClr val="135BAD"/>
+                </a:solidFill>
+                <a:latin typeface="微软雅黑" panose="020B0503020204020204" pitchFamily="34" charset="-122"/>
+                <a:ea typeface="微软雅黑" panose="020B0503020204020204" pitchFamily="34" charset="-122"/>
+                <a:cs typeface="+mn-cs"/>
+              </a:defRPr>
+            </a:lvl3pPr>
+            <a:lvl4pPr marL="1600200" indent="-228600" algn="l" defTabSz="914400" rtl="0" eaLnBrk="1" latinLnBrk="0" hangingPunct="1">
+              <a:spcBef>
+                <a:spcPct val="20000"/>
+              </a:spcBef>
+              <a:buFont typeface="Arial" panose="020B0604020202020204" pitchFamily="34" charset="0"/>
+              <a:buChar char="–"/>
+              <a:defRPr sz="2000" kern="1200">
+                <a:solidFill>
+                  <a:schemeClr val="tx1"/>
+                </a:solidFill>
+                <a:latin typeface="+mn-lt"/>
+                <a:ea typeface="+mn-ea"/>
+                <a:cs typeface="+mn-cs"/>
+              </a:defRPr>
+            </a:lvl4pPr>
+            <a:lvl5pPr marL="2057400" indent="-228600" algn="l" defTabSz="914400" rtl="0" eaLnBrk="1" latinLnBrk="0" hangingPunct="1">
+              <a:spcBef>
+                <a:spcPct val="20000"/>
+              </a:spcBef>
+              <a:buFont typeface="Arial" panose="020B0604020202020204" pitchFamily="34" charset="0"/>
+              <a:buChar char="»"/>
+              <a:defRPr sz="2000" kern="1200">
+                <a:solidFill>
+                  <a:schemeClr val="tx1"/>
+                </a:solidFill>
+                <a:latin typeface="+mn-lt"/>
+                <a:ea typeface="+mn-ea"/>
+                <a:cs typeface="+mn-cs"/>
+              </a:defRPr>
+            </a:lvl5pPr>
+            <a:lvl6pPr marL="2514600" indent="-228600" algn="l" defTabSz="914400" rtl="0" eaLnBrk="1" latinLnBrk="0" hangingPunct="1">
+              <a:spcBef>
+                <a:spcPct val="20000"/>
+              </a:spcBef>
+              <a:buFont typeface="Arial" panose="020B0604020202020204" pitchFamily="34" charset="0"/>
+              <a:buChar char="•"/>
+              <a:defRPr sz="2000" kern="1200">
+                <a:solidFill>
+                  <a:schemeClr val="tx1"/>
+                </a:solidFill>
+                <a:latin typeface="+mn-lt"/>
+                <a:ea typeface="+mn-ea"/>
+                <a:cs typeface="+mn-cs"/>
+              </a:defRPr>
+            </a:lvl6pPr>
+            <a:lvl7pPr marL="2971800" indent="-228600" algn="l" defTabSz="914400" rtl="0" eaLnBrk="1" latinLnBrk="0" hangingPunct="1">
+              <a:spcBef>
+                <a:spcPct val="20000"/>
+              </a:spcBef>
+              <a:buFont typeface="Arial" panose="020B0604020202020204" pitchFamily="34" charset="0"/>
+              <a:buChar char="•"/>
+              <a:defRPr sz="2000" kern="1200">
+                <a:solidFill>
+                  <a:schemeClr val="tx1"/>
+                </a:solidFill>
+                <a:latin typeface="+mn-lt"/>
+                <a:ea typeface="+mn-ea"/>
+                <a:cs typeface="+mn-cs"/>
+              </a:defRPr>
+            </a:lvl7pPr>
+            <a:lvl8pPr marL="3429000" indent="-228600" algn="l" defTabSz="914400" rtl="0" eaLnBrk="1" latinLnBrk="0" hangingPunct="1">
+              <a:spcBef>
+                <a:spcPct val="20000"/>
+              </a:spcBef>
+              <a:buFont typeface="Arial" panose="020B0604020202020204" pitchFamily="34" charset="0"/>
+              <a:buChar char="•"/>
+              <a:defRPr sz="2000" kern="1200">
+                <a:solidFill>
+                  <a:schemeClr val="tx1"/>
+                </a:solidFill>
+                <a:latin typeface="+mn-lt"/>
+                <a:ea typeface="+mn-ea"/>
+                <a:cs typeface="+mn-cs"/>
+              </a:defRPr>
+            </a:lvl8pPr>
+            <a:lvl9pPr marL="3886200" indent="-228600" algn="l" defTabSz="914400" rtl="0" eaLnBrk="1" latinLnBrk="0" hangingPunct="1">
+              <a:spcBef>
+                <a:spcPct val="20000"/>
+              </a:spcBef>
+              <a:buFont typeface="Arial" panose="020B0604020202020204" pitchFamily="34" charset="0"/>
+              <a:buChar char="•"/>
+              <a:defRPr sz="2000" kern="1200">
+                <a:solidFill>
+                  <a:schemeClr val="tx1"/>
+                </a:solidFill>
+                <a:latin typeface="+mn-lt"/>
+                <a:ea typeface="+mn-ea"/>
+                <a:cs typeface="+mn-cs"/>
+              </a:defRPr>
+            </a:lvl9pPr>
+          </a:lstStyle>
+          <a:p>
+            <a:pPr marL="0" marR="0" lvl="0" indent="355600" algn="l" defTabSz="914400" rtl="0" eaLnBrk="1" fontAlgn="auto" latinLnBrk="0" hangingPunct="1">
+              <a:lnSpc>
+                <a:spcPct val="100000"/>
+              </a:lnSpc>
+              <a:spcBef>
+                <a:spcPct val="20000"/>
+              </a:spcBef>
+              <a:spcAft>
+                <a:spcPts val="0"/>
+              </a:spcAft>
+              <a:buClrTx/>
+              <a:buSzTx/>
+              <a:buNone/>
+              <a:defRPr/>
+            </a:pPr>
+            <a:r>
+              <a:rPr lang="zh-CN" altLang="en-US" sz="2400" dirty="0">
+                <a:solidFill>
+                  <a:srgbClr val="FF0000"/>
+                </a:solidFill>
+                <a:latin typeface="楷体" panose="02010609060101010101" pitchFamily="49" charset="-122"/>
+                <a:ea typeface="楷体" panose="02010609060101010101" pitchFamily="49" charset="-122"/>
+              </a:rPr>
+              <a:t>从曾经参与过的产品项目中提炼个人的突出贡献，包括：</a:t>
             </a:r>
             <a:endParaRPr lang="en-US" altLang="zh-CN" sz="2400" dirty="0">
               <a:solidFill>
@@ -19579,19 +20800,31 @@
               <a:defRPr/>
             </a:pPr>
             <a:r>
-              <a:rPr lang="zh-CN" altLang="en-US" sz="2400" dirty="0">
+              <a:rPr kumimoji="0" lang="zh-CN" altLang="en-US" sz="2400" i="0" u="none" strike="noStrike" kern="1200" cap="none" spc="0" normalizeH="0" baseline="0" noProof="0" dirty="0">
+                <a:ln>
+                  <a:noFill/>
+                </a:ln>
                 <a:solidFill>
                   <a:srgbClr val="FF0000"/>
                 </a:solidFill>
+                <a:effectLst/>
+                <a:uLnTx/>
+                <a:uFillTx/>
                 <a:latin typeface="楷体" panose="02010609060101010101" pitchFamily="49" charset="-122"/>
                 <a:ea typeface="楷体" panose="02010609060101010101" pitchFamily="49" charset="-122"/>
               </a:rPr>
-              <a:t>工作中的一些心得体会</a:t>
-            </a:r>
-            <a:endParaRPr lang="en-US" altLang="zh-CN" sz="2400" dirty="0">
+              <a:t>合理化建议对项目产品研发的推进起到关键作用</a:t>
+            </a:r>
+            <a:endParaRPr kumimoji="0" lang="en-US" altLang="zh-CN" sz="2400" i="0" u="none" strike="noStrike" kern="1200" cap="none" spc="0" normalizeH="0" baseline="0" noProof="0" dirty="0">
+              <a:ln>
+                <a:noFill/>
+              </a:ln>
               <a:solidFill>
                 <a:srgbClr val="FF0000"/>
               </a:solidFill>
+              <a:effectLst/>
+              <a:uLnTx/>
+              <a:uFillTx/>
               <a:latin typeface="楷体" panose="02010609060101010101" pitchFamily="49" charset="-122"/>
               <a:ea typeface="楷体" panose="02010609060101010101" pitchFamily="49" charset="-122"/>
             </a:endParaRPr>
@@ -19621,7 +20854,7 @@
                 <a:latin typeface="楷体" panose="02010609060101010101" pitchFamily="49" charset="-122"/>
                 <a:ea typeface="楷体" panose="02010609060101010101" pitchFamily="49" charset="-122"/>
               </a:rPr>
-              <a:t>关于如何提高创新性的建议与想法</a:t>
+              <a:t>项目研发和工作中的创新性思路</a:t>
             </a:r>
             <a:endParaRPr lang="en-US" altLang="zh-CN" sz="2400" dirty="0">
               <a:solidFill>
@@ -19656,7 +20889,7 @@
                 <a:latin typeface="楷体" panose="02010609060101010101" pitchFamily="49" charset="-122"/>
                 <a:ea typeface="楷体" panose="02010609060101010101" pitchFamily="49" charset="-122"/>
               </a:rPr>
-              <a:t>对公司当前研发管理的一些建议及想法</a:t>
+              <a:t>项目中提炼的可复用性模块</a:t>
             </a:r>
             <a:endParaRPr lang="en-US" altLang="zh-CN" sz="2400" dirty="0">
               <a:solidFill>
@@ -19684,41 +20917,6 @@
               <a:defRPr/>
             </a:pPr>
             <a:r>
-              <a:rPr lang="zh-CN" altLang="en-US" sz="2400" dirty="0">
-                <a:solidFill>
-                  <a:srgbClr val="FF0000"/>
-                </a:solidFill>
-                <a:latin typeface="楷体" panose="02010609060101010101" pitchFamily="49" charset="-122"/>
-                <a:ea typeface="楷体" panose="02010609060101010101" pitchFamily="49" charset="-122"/>
-              </a:rPr>
-              <a:t>对机器视觉应用发展的一些看法与展望</a:t>
-            </a:r>
-            <a:endParaRPr lang="en-US" altLang="zh-CN" sz="2400" dirty="0">
-              <a:solidFill>
-                <a:srgbClr val="FF0000"/>
-              </a:solidFill>
-              <a:latin typeface="楷体" panose="02010609060101010101" pitchFamily="49" charset="-122"/>
-              <a:ea typeface="楷体" panose="02010609060101010101" pitchFamily="49" charset="-122"/>
-            </a:endParaRPr>
-          </a:p>
-          <a:p>
-            <a:pPr marL="719455" marR="0" lvl="0" indent="-363855" algn="l" defTabSz="914400" rtl="0" eaLnBrk="1" fontAlgn="auto" latinLnBrk="0" hangingPunct="1">
-              <a:lnSpc>
-                <a:spcPct val="100000"/>
-              </a:lnSpc>
-              <a:spcBef>
-                <a:spcPct val="20000"/>
-              </a:spcBef>
-              <a:spcAft>
-                <a:spcPts val="0"/>
-              </a:spcAft>
-              <a:buClrTx/>
-              <a:buSzTx/>
-              <a:buFont typeface="Wingdings" panose="05000000000000000000" pitchFamily="2" charset="2"/>
-              <a:buChar char="Ø"/>
-              <a:defRPr/>
-            </a:pPr>
-            <a:r>
               <a:rPr kumimoji="0" lang="zh-CN" altLang="en-US" sz="2400" i="0" u="none" strike="noStrike" kern="1200" cap="none" spc="0" normalizeH="0" baseline="0" noProof="0" dirty="0">
                 <a:ln>
                   <a:noFill/>
@@ -19732,7 +20930,7 @@
                 <a:latin typeface="楷体" panose="02010609060101010101" pitchFamily="49" charset="-122"/>
                 <a:ea typeface="楷体" panose="02010609060101010101" pitchFamily="49" charset="-122"/>
               </a:rPr>
-              <a:t>个人的职业发展规划</a:t>
+              <a:t>跟踪了解的最新视觉技术或本专业技术</a:t>
             </a:r>
             <a:endParaRPr kumimoji="0" lang="en-US" altLang="zh-CN" sz="2400" i="0" u="none" strike="noStrike" kern="1200" cap="none" spc="0" normalizeH="0" baseline="0" noProof="0" dirty="0">
               <a:ln>
@@ -19749,23 +20947,53 @@
             </a:endParaRPr>
           </a:p>
           <a:p>
-            <a:pPr marL="0" marR="0" lvl="0" indent="0" algn="l" defTabSz="914400" rtl="0" eaLnBrk="1" fontAlgn="auto" latinLnBrk="0" hangingPunct="1">
-              <a:lnSpc>
-                <a:spcPct val="100000"/>
-              </a:lnSpc>
-              <a:spcBef>
-                <a:spcPct val="20000"/>
-              </a:spcBef>
+            <a:pPr marL="719455" lvl="0" indent="-363855" fontAlgn="auto">
               <a:spcAft>
                 <a:spcPts val="0"/>
               </a:spcAft>
-              <a:buClrTx/>
-              <a:buSzTx/>
-              <a:buNone/>
+              <a:buFont typeface="Wingdings" panose="05000000000000000000" pitchFamily="2" charset="2"/>
+              <a:buChar char="Ø"/>
               <a:defRPr/>
             </a:pPr>
             <a:r>
-              <a:rPr kumimoji="0" lang="en-US" altLang="zh-CN" sz="2400" i="0" u="none" strike="noStrike" kern="1200" cap="none" spc="0" normalizeH="0" baseline="0" noProof="0" dirty="0">
+              <a:rPr lang="zh-CN" altLang="en-US" sz="2400" dirty="0">
+                <a:solidFill>
+                  <a:srgbClr val="FF0000"/>
+                </a:solidFill>
+                <a:latin typeface="楷体" panose="02010609060101010101" pitchFamily="49" charset="-122"/>
+                <a:ea typeface="楷体" panose="02010609060101010101" pitchFamily="49" charset="-122"/>
+              </a:rPr>
+              <a:t>新员工培养或者参与的技术交流与培训工作</a:t>
+            </a:r>
+            <a:endParaRPr lang="en-US" altLang="zh-CN" sz="2400" dirty="0">
+              <a:solidFill>
+                <a:srgbClr val="FF0000"/>
+              </a:solidFill>
+              <a:latin typeface="楷体" panose="02010609060101010101" pitchFamily="49" charset="-122"/>
+              <a:ea typeface="楷体" panose="02010609060101010101" pitchFamily="49" charset="-122"/>
+            </a:endParaRPr>
+          </a:p>
+          <a:p>
+            <a:pPr marL="719455" lvl="0" indent="-363855" fontAlgn="auto">
+              <a:spcAft>
+                <a:spcPts val="0"/>
+              </a:spcAft>
+              <a:buFont typeface="Wingdings" panose="05000000000000000000" pitchFamily="2" charset="2"/>
+              <a:buChar char="Ø"/>
+              <a:defRPr/>
+            </a:pPr>
+            <a:r>
+              <a:rPr lang="zh-CN" altLang="en-US" sz="2400" dirty="0">
+                <a:solidFill>
+                  <a:srgbClr val="FF0000"/>
+                </a:solidFill>
+                <a:latin typeface="楷体" panose="02010609060101010101" pitchFamily="49" charset="-122"/>
+                <a:ea typeface="楷体" panose="02010609060101010101" pitchFamily="49" charset="-122"/>
+              </a:rPr>
+              <a:t>被</a:t>
+            </a:r>
+            <a:r>
+              <a:rPr kumimoji="0" lang="zh-CN" altLang="en-US" sz="2400" i="0" u="none" strike="noStrike" kern="1200" cap="none" spc="0" normalizeH="0" baseline="0" noProof="0" dirty="0">
                 <a:ln>
                   <a:noFill/>
                 </a:ln>
@@ -19778,7 +21006,17 @@
                 <a:latin typeface="楷体" panose="02010609060101010101" pitchFamily="49" charset="-122"/>
                 <a:ea typeface="楷体" panose="02010609060101010101" pitchFamily="49" charset="-122"/>
               </a:rPr>
-              <a:t>(</a:t>
+              <a:t>技术培训</a:t>
+            </a:r>
+            <a:r>
+              <a:rPr lang="zh-CN" altLang="en-US" sz="2400" dirty="0">
+                <a:solidFill>
+                  <a:srgbClr val="FF0000"/>
+                </a:solidFill>
+                <a:latin typeface="楷体" panose="02010609060101010101" pitchFamily="49" charset="-122"/>
+                <a:ea typeface="楷体" panose="02010609060101010101" pitchFamily="49" charset="-122"/>
+              </a:rPr>
+              <a:t>部门认可哪些</a:t>
             </a:r>
             <a:r>
               <a:rPr kumimoji="0" lang="zh-CN" altLang="en-US" sz="2400" i="0" u="none" strike="noStrike" kern="1200" cap="none" spc="0" normalizeH="0" baseline="0" noProof="0" dirty="0">
@@ -19794,23 +21032,7 @@
                 <a:latin typeface="楷体" panose="02010609060101010101" pitchFamily="49" charset="-122"/>
                 <a:ea typeface="楷体" panose="02010609060101010101" pitchFamily="49" charset="-122"/>
               </a:rPr>
-              <a:t>如果担任项目经理，可以从项目管理上着重描述</a:t>
-            </a:r>
-            <a:r>
-              <a:rPr kumimoji="0" lang="en-US" altLang="zh-CN" sz="2400" i="0" u="none" strike="noStrike" kern="1200" cap="none" spc="0" normalizeH="0" baseline="0" noProof="0" dirty="0">
-                <a:ln>
-                  <a:noFill/>
-                </a:ln>
-                <a:solidFill>
-                  <a:srgbClr val="FF0000"/>
-                </a:solidFill>
-                <a:effectLst/>
-                <a:uLnTx/>
-                <a:uFillTx/>
-                <a:latin typeface="楷体" panose="02010609060101010101" pitchFamily="49" charset="-122"/>
-                <a:ea typeface="楷体" panose="02010609060101010101" pitchFamily="49" charset="-122"/>
-              </a:rPr>
-              <a:t>)</a:t>
+              <a:t>技术经验积累</a:t>
             </a:r>
             <a:endParaRPr kumimoji="0" lang="zh-CN" altLang="en-US" sz="2400" i="0" u="none" strike="noStrike" kern="1200" cap="none" spc="0" normalizeH="0" baseline="0" noProof="0" dirty="0">
               <a:ln>
@@ -19853,51 +21075,775 @@
           <a:chExt cx="0" cy="0"/>
         </a:xfrm>
       </p:grpSpPr>
-      <p:sp>
-        <p:nvSpPr>
-          <p:cNvPr id="3" name="矩形 2"/>
-          <p:cNvSpPr/>
+      <p:cxnSp>
+        <p:nvCxnSpPr>
+          <p:cNvPr id="12" name="直接连接符 11"/>
+          <p:cNvCxnSpPr/>
           <p:nvPr/>
-        </p:nvSpPr>
+        </p:nvCxnSpPr>
         <p:spPr>
           <a:xfrm>
-            <a:off x="1071538" y="1285860"/>
-            <a:ext cx="7143800" cy="584775"/>
+            <a:off x="428596" y="6499246"/>
+            <a:ext cx="3714776" cy="1588"/>
+          </a:xfrm>
+          <a:prstGeom prst="line">
+            <a:avLst/>
+          </a:prstGeom>
+          <a:ln w="28575">
+            <a:solidFill>
+              <a:srgbClr val="0070C0"/>
+            </a:solidFill>
+          </a:ln>
+        </p:spPr>
+        <p:style>
+          <a:lnRef idx="1">
+            <a:schemeClr val="accent1"/>
+          </a:lnRef>
+          <a:fillRef idx="0">
+            <a:schemeClr val="accent1"/>
+          </a:fillRef>
+          <a:effectRef idx="0">
+            <a:schemeClr val="accent1"/>
+          </a:effectRef>
+          <a:fontRef idx="minor">
+            <a:schemeClr val="tx1"/>
+          </a:fontRef>
+        </p:style>
+      </p:cxnSp>
+      <p:sp>
+        <p:nvSpPr>
+          <p:cNvPr id="17" name="TextBox 16"/>
+          <p:cNvSpPr txBox="1"/>
+          <p:nvPr/>
+        </p:nvSpPr>
+        <p:spPr>
+          <a:xfrm>
+            <a:off x="357158" y="6500834"/>
+            <a:ext cx="2209259" cy="253916"/>
+          </a:xfrm>
+          <a:prstGeom prst="rect">
+            <a:avLst/>
+          </a:prstGeom>
+          <a:noFill/>
+        </p:spPr>
+        <p:txBody>
+          <a:bodyPr wrap="none" rtlCol="0">
+            <a:spAutoFit/>
+          </a:bodyPr>
+          <a:lstStyle/>
+          <a:p>
+            <a:r>
+              <a:rPr lang="en-US" altLang="zh-CN" sz="1050" dirty="0"/>
+              <a:t>Beijing </a:t>
+            </a:r>
+            <a:r>
+              <a:rPr lang="en-US" altLang="zh-CN" sz="1050" dirty="0" err="1"/>
+              <a:t>Daheng</a:t>
+            </a:r>
+            <a:r>
+              <a:rPr lang="en-US" altLang="zh-CN" sz="1050" dirty="0"/>
+              <a:t> Image Vision Co., Ltd.</a:t>
+            </a:r>
+            <a:endParaRPr lang="en-US" altLang="zh-CN" sz="1050" dirty="0"/>
+          </a:p>
+        </p:txBody>
+      </p:sp>
+      <p:sp>
+        <p:nvSpPr>
+          <p:cNvPr id="20" name="标题 1"/>
+          <p:cNvSpPr txBox="1"/>
+          <p:nvPr/>
+        </p:nvSpPr>
+        <p:spPr bwMode="auto">
+          <a:xfrm>
+            <a:off x="533400" y="0"/>
+            <a:ext cx="8229600" cy="914400"/>
+          </a:xfrm>
+          <a:prstGeom prst="rect">
+            <a:avLst/>
+          </a:prstGeom>
+          <a:noFill/>
+          <a:ln w="9525">
+            <a:noFill/>
+            <a:miter lim="800000"/>
+          </a:ln>
+        </p:spPr>
+        <p:txBody>
+          <a:bodyPr vert="horz" wrap="square" lIns="91440" tIns="45720" rIns="91440" bIns="45720" numCol="1" anchor="ctr" anchorCtr="0" compatLnSpc="1"/>
+          <a:lstStyle>
+            <a:lvl1pPr algn="ctr" rtl="0" eaLnBrk="1" fontAlgn="base" hangingPunct="1">
+              <a:spcBef>
+                <a:spcPct val="0"/>
+              </a:spcBef>
+              <a:spcAft>
+                <a:spcPct val="0"/>
+              </a:spcAft>
+              <a:defRPr sz="4400">
+                <a:solidFill>
+                  <a:schemeClr val="tx2"/>
+                </a:solidFill>
+                <a:latin typeface="+mj-lt"/>
+                <a:ea typeface="+mj-ea"/>
+                <a:cs typeface="+mj-cs"/>
+              </a:defRPr>
+            </a:lvl1pPr>
+            <a:lvl2pPr algn="ctr" rtl="0" eaLnBrk="1" fontAlgn="base" hangingPunct="1">
+              <a:spcBef>
+                <a:spcPct val="0"/>
+              </a:spcBef>
+              <a:spcAft>
+                <a:spcPct val="0"/>
+              </a:spcAft>
+              <a:defRPr sz="4400">
+                <a:solidFill>
+                  <a:schemeClr val="tx2"/>
+                </a:solidFill>
+                <a:latin typeface="Arial" panose="020B0604020202020204" pitchFamily="34" charset="0"/>
+                <a:ea typeface="宋体" panose="02010600030101010101" pitchFamily="2" charset="-122"/>
+              </a:defRPr>
+            </a:lvl2pPr>
+            <a:lvl3pPr algn="ctr" rtl="0" eaLnBrk="1" fontAlgn="base" hangingPunct="1">
+              <a:spcBef>
+                <a:spcPct val="0"/>
+              </a:spcBef>
+              <a:spcAft>
+                <a:spcPct val="0"/>
+              </a:spcAft>
+              <a:defRPr sz="4400">
+                <a:solidFill>
+                  <a:schemeClr val="tx2"/>
+                </a:solidFill>
+                <a:latin typeface="Arial" panose="020B0604020202020204" pitchFamily="34" charset="0"/>
+                <a:ea typeface="宋体" panose="02010600030101010101" pitchFamily="2" charset="-122"/>
+              </a:defRPr>
+            </a:lvl3pPr>
+            <a:lvl4pPr algn="ctr" rtl="0" eaLnBrk="1" fontAlgn="base" hangingPunct="1">
+              <a:spcBef>
+                <a:spcPct val="0"/>
+              </a:spcBef>
+              <a:spcAft>
+                <a:spcPct val="0"/>
+              </a:spcAft>
+              <a:defRPr sz="4400">
+                <a:solidFill>
+                  <a:schemeClr val="tx2"/>
+                </a:solidFill>
+                <a:latin typeface="Arial" panose="020B0604020202020204" pitchFamily="34" charset="0"/>
+                <a:ea typeface="宋体" panose="02010600030101010101" pitchFamily="2" charset="-122"/>
+              </a:defRPr>
+            </a:lvl4pPr>
+            <a:lvl5pPr algn="ctr" rtl="0" eaLnBrk="1" fontAlgn="base" hangingPunct="1">
+              <a:spcBef>
+                <a:spcPct val="0"/>
+              </a:spcBef>
+              <a:spcAft>
+                <a:spcPct val="0"/>
+              </a:spcAft>
+              <a:defRPr sz="4400">
+                <a:solidFill>
+                  <a:schemeClr val="tx2"/>
+                </a:solidFill>
+                <a:latin typeface="Arial" panose="020B0604020202020204" pitchFamily="34" charset="0"/>
+                <a:ea typeface="宋体" panose="02010600030101010101" pitchFamily="2" charset="-122"/>
+              </a:defRPr>
+            </a:lvl5pPr>
+            <a:lvl6pPr marL="457200" algn="ctr" rtl="0" eaLnBrk="1" fontAlgn="base" hangingPunct="1">
+              <a:spcBef>
+                <a:spcPct val="0"/>
+              </a:spcBef>
+              <a:spcAft>
+                <a:spcPct val="0"/>
+              </a:spcAft>
+              <a:defRPr sz="4400">
+                <a:solidFill>
+                  <a:schemeClr val="tx2"/>
+                </a:solidFill>
+                <a:latin typeface="Arial" panose="020B0604020202020204" pitchFamily="34" charset="0"/>
+                <a:ea typeface="宋体" panose="02010600030101010101" pitchFamily="2" charset="-122"/>
+              </a:defRPr>
+            </a:lvl6pPr>
+            <a:lvl7pPr marL="914400" algn="ctr" rtl="0" eaLnBrk="1" fontAlgn="base" hangingPunct="1">
+              <a:spcBef>
+                <a:spcPct val="0"/>
+              </a:spcBef>
+              <a:spcAft>
+                <a:spcPct val="0"/>
+              </a:spcAft>
+              <a:defRPr sz="4400">
+                <a:solidFill>
+                  <a:schemeClr val="tx2"/>
+                </a:solidFill>
+                <a:latin typeface="Arial" panose="020B0604020202020204" pitchFamily="34" charset="0"/>
+                <a:ea typeface="宋体" panose="02010600030101010101" pitchFamily="2" charset="-122"/>
+              </a:defRPr>
+            </a:lvl7pPr>
+            <a:lvl8pPr marL="1371600" algn="ctr" rtl="0" eaLnBrk="1" fontAlgn="base" hangingPunct="1">
+              <a:spcBef>
+                <a:spcPct val="0"/>
+              </a:spcBef>
+              <a:spcAft>
+                <a:spcPct val="0"/>
+              </a:spcAft>
+              <a:defRPr sz="4400">
+                <a:solidFill>
+                  <a:schemeClr val="tx2"/>
+                </a:solidFill>
+                <a:latin typeface="Arial" panose="020B0604020202020204" pitchFamily="34" charset="0"/>
+                <a:ea typeface="宋体" panose="02010600030101010101" pitchFamily="2" charset="-122"/>
+              </a:defRPr>
+            </a:lvl8pPr>
+            <a:lvl9pPr marL="1828800" algn="ctr" rtl="0" eaLnBrk="1" fontAlgn="base" hangingPunct="1">
+              <a:spcBef>
+                <a:spcPct val="0"/>
+              </a:spcBef>
+              <a:spcAft>
+                <a:spcPct val="0"/>
+              </a:spcAft>
+              <a:defRPr sz="4400">
+                <a:solidFill>
+                  <a:schemeClr val="tx2"/>
+                </a:solidFill>
+                <a:latin typeface="Arial" panose="020B0604020202020204" pitchFamily="34" charset="0"/>
+                <a:ea typeface="宋体" panose="02010600030101010101" pitchFamily="2" charset="-122"/>
+              </a:defRPr>
+            </a:lvl9pPr>
+          </a:lstStyle>
+          <a:p>
+            <a:r>
+              <a:rPr lang="zh-CN" altLang="en-US" b="1" dirty="0">
+                <a:solidFill>
+                  <a:schemeClr val="bg1"/>
+                </a:solidFill>
+                <a:latin typeface="微软雅黑" panose="020B0503020204020204" pitchFamily="34" charset="-122"/>
+                <a:ea typeface="微软雅黑" panose="020B0503020204020204" pitchFamily="34" charset="-122"/>
+              </a:rPr>
+              <a:t>工作业绩</a:t>
+            </a:r>
+            <a:endParaRPr lang="zh-CN" altLang="en-US" b="1" dirty="0">
+              <a:solidFill>
+                <a:schemeClr val="bg1"/>
+              </a:solidFill>
+              <a:latin typeface="微软雅黑" panose="020B0503020204020204" pitchFamily="34" charset="-122"/>
+              <a:ea typeface="微软雅黑" panose="020B0503020204020204" pitchFamily="34" charset="-122"/>
+            </a:endParaRPr>
+          </a:p>
+        </p:txBody>
+      </p:sp>
+      <p:sp>
+        <p:nvSpPr>
+          <p:cNvPr id="2" name="AutoShape 12" descr="http://img1.imgtn.bdimg.com/it/u=987737760,2271887046&amp;fm=15&amp;gp=0.jpg"/>
+          <p:cNvSpPr>
+            <a:spLocks noChangeAspect="1" noChangeArrowheads="1"/>
+          </p:cNvSpPr>
+          <p:nvPr/>
+        </p:nvSpPr>
+        <p:spPr bwMode="auto">
+          <a:xfrm>
+            <a:off x="155575" y="-144463"/>
+            <a:ext cx="304800" cy="304801"/>
+          </a:xfrm>
+          <a:prstGeom prst="rect">
+            <a:avLst/>
+          </a:prstGeom>
+          <a:noFill/>
+          <a:extLst>
+            <a:ext uri="{909E8E84-426E-40DD-AFC4-6F175D3DCCD1}">
+              <a14:hiddenFill xmlns:a14="http://schemas.microsoft.com/office/drawing/2010/main">
+                <a:solidFill>
+                  <a:srgbClr val="FFFFFF"/>
+                </a:solidFill>
+              </a14:hiddenFill>
+            </a:ext>
+          </a:extLst>
+        </p:spPr>
+        <p:txBody>
+          <a:bodyPr vert="horz" wrap="square" lIns="91440" tIns="45720" rIns="91440" bIns="45720" numCol="1" anchor="t" anchorCtr="0" compatLnSpc="1"/>
+          <a:lstStyle/>
+          <a:p>
+            <a:endParaRPr lang="zh-CN" altLang="en-US"/>
+          </a:p>
+        </p:txBody>
+      </p:sp>
+      <p:sp>
+        <p:nvSpPr>
+          <p:cNvPr id="3" name="AutoShape 14" descr="http://img1.imgtn.bdimg.com/it/u=987737760,2271887046&amp;fm=15&amp;gp=0.jpg"/>
+          <p:cNvSpPr>
+            <a:spLocks noChangeAspect="1" noChangeArrowheads="1"/>
+          </p:cNvSpPr>
+          <p:nvPr/>
+        </p:nvSpPr>
+        <p:spPr bwMode="auto">
+          <a:xfrm>
+            <a:off x="307975" y="7937"/>
+            <a:ext cx="304800" cy="304801"/>
+          </a:xfrm>
+          <a:prstGeom prst="rect">
+            <a:avLst/>
+          </a:prstGeom>
+          <a:noFill/>
+          <a:extLst>
+            <a:ext uri="{909E8E84-426E-40DD-AFC4-6F175D3DCCD1}">
+              <a14:hiddenFill xmlns:a14="http://schemas.microsoft.com/office/drawing/2010/main">
+                <a:solidFill>
+                  <a:srgbClr val="FFFFFF"/>
+                </a:solidFill>
+              </a14:hiddenFill>
+            </a:ext>
+          </a:extLst>
+        </p:spPr>
+        <p:txBody>
+          <a:bodyPr vert="horz" wrap="square" lIns="91440" tIns="45720" rIns="91440" bIns="45720" numCol="1" anchor="t" anchorCtr="0" compatLnSpc="1"/>
+          <a:lstStyle/>
+          <a:p>
+            <a:endParaRPr lang="zh-CN" altLang="en-US"/>
+          </a:p>
+        </p:txBody>
+      </p:sp>
+      <p:sp>
+        <p:nvSpPr>
+          <p:cNvPr id="4" name="AutoShape 16" descr="http://img1.imgtn.bdimg.com/it/u=987737760,2271887046&amp;fm=15&amp;gp=0.jpg"/>
+          <p:cNvSpPr>
+            <a:spLocks noChangeAspect="1" noChangeArrowheads="1"/>
+          </p:cNvSpPr>
+          <p:nvPr/>
+        </p:nvSpPr>
+        <p:spPr bwMode="auto">
+          <a:xfrm>
+            <a:off x="460375" y="160337"/>
+            <a:ext cx="304800" cy="304801"/>
+          </a:xfrm>
+          <a:prstGeom prst="rect">
+            <a:avLst/>
+          </a:prstGeom>
+          <a:noFill/>
+          <a:extLst>
+            <a:ext uri="{909E8E84-426E-40DD-AFC4-6F175D3DCCD1}">
+              <a14:hiddenFill xmlns:a14="http://schemas.microsoft.com/office/drawing/2010/main">
+                <a:solidFill>
+                  <a:srgbClr val="FFFFFF"/>
+                </a:solidFill>
+              </a14:hiddenFill>
+            </a:ext>
+          </a:extLst>
+        </p:spPr>
+        <p:txBody>
+          <a:bodyPr vert="horz" wrap="square" lIns="91440" tIns="45720" rIns="91440" bIns="45720" numCol="1" anchor="t" anchorCtr="0" compatLnSpc="1"/>
+          <a:lstStyle/>
+          <a:p>
+            <a:endParaRPr lang="zh-CN" altLang="en-US"/>
+          </a:p>
+        </p:txBody>
+      </p:sp>
+      <p:sp>
+        <p:nvSpPr>
+          <p:cNvPr id="9" name="内容占位符 2"/>
+          <p:cNvSpPr txBox="1"/>
+          <p:nvPr/>
+        </p:nvSpPr>
+        <p:spPr>
+          <a:xfrm>
+            <a:off x="307975" y="1196752"/>
+            <a:ext cx="8455025" cy="646484"/>
           </a:xfrm>
           <a:prstGeom prst="rect">
             <a:avLst/>
           </a:prstGeom>
         </p:spPr>
         <p:txBody>
-          <a:bodyPr wrap="square">
-            <a:spAutoFit/>
+          <a:bodyPr vert="horz" lIns="91440" tIns="45720" rIns="91440" bIns="45720" rtlCol="0">
+            <a:normAutofit/>
           </a:bodyPr>
-          <a:lstStyle/>
-          <a:p>
-            <a:pPr indent="-342900" algn="ctr" fontAlgn="auto">
+          <a:lstStyle>
+            <a:lvl1pPr marL="342900" indent="-342900" algn="l" defTabSz="914400" rtl="0" eaLnBrk="1" latinLnBrk="0" hangingPunct="1">
+              <a:spcBef>
+                <a:spcPct val="20000"/>
+              </a:spcBef>
+              <a:buFont typeface="Wingdings" panose="05000000000000000000" pitchFamily="2" charset="2"/>
+              <a:buChar char="v"/>
+              <a:defRPr sz="2800" kern="1200">
+                <a:solidFill>
+                  <a:srgbClr val="135BAD"/>
+                </a:solidFill>
+                <a:latin typeface="微软雅黑" panose="020B0503020204020204" pitchFamily="34" charset="-122"/>
+                <a:ea typeface="微软雅黑" panose="020B0503020204020204" pitchFamily="34" charset="-122"/>
+                <a:cs typeface="+mn-cs"/>
+              </a:defRPr>
+            </a:lvl1pPr>
+            <a:lvl2pPr marL="742950" indent="-285750" algn="l" defTabSz="914400" rtl="0" eaLnBrk="1" latinLnBrk="0" hangingPunct="1">
+              <a:spcBef>
+                <a:spcPct val="20000"/>
+              </a:spcBef>
+              <a:buFont typeface="微软雅黑" panose="020B0503020204020204" pitchFamily="34" charset="-122"/>
+              <a:buChar char="◆"/>
+              <a:defRPr sz="2400" kern="1200">
+                <a:solidFill>
+                  <a:srgbClr val="135BAD"/>
+                </a:solidFill>
+                <a:latin typeface="微软雅黑" panose="020B0503020204020204" pitchFamily="34" charset="-122"/>
+                <a:ea typeface="微软雅黑" panose="020B0503020204020204" pitchFamily="34" charset="-122"/>
+                <a:cs typeface="+mn-cs"/>
+              </a:defRPr>
+            </a:lvl2pPr>
+            <a:lvl3pPr marL="1143000" indent="-228600" algn="l" defTabSz="914400" rtl="0" eaLnBrk="1" latinLnBrk="0" hangingPunct="1">
+              <a:spcBef>
+                <a:spcPct val="20000"/>
+              </a:spcBef>
+              <a:buFont typeface="Webdings" panose="05030102010509060703" pitchFamily="18" charset="2"/>
+              <a:buChar char="4"/>
+              <a:defRPr sz="2000" kern="1200">
+                <a:solidFill>
+                  <a:srgbClr val="135BAD"/>
+                </a:solidFill>
+                <a:latin typeface="微软雅黑" panose="020B0503020204020204" pitchFamily="34" charset="-122"/>
+                <a:ea typeface="微软雅黑" panose="020B0503020204020204" pitchFamily="34" charset="-122"/>
+                <a:cs typeface="+mn-cs"/>
+              </a:defRPr>
+            </a:lvl3pPr>
+            <a:lvl4pPr marL="1600200" indent="-228600" algn="l" defTabSz="914400" rtl="0" eaLnBrk="1" latinLnBrk="0" hangingPunct="1">
+              <a:spcBef>
+                <a:spcPct val="20000"/>
+              </a:spcBef>
+              <a:buFont typeface="Arial" panose="020B0604020202020204" pitchFamily="34" charset="0"/>
+              <a:buChar char="–"/>
+              <a:defRPr sz="2000" kern="1200">
+                <a:solidFill>
+                  <a:schemeClr val="tx1"/>
+                </a:solidFill>
+                <a:latin typeface="+mn-lt"/>
+                <a:ea typeface="+mn-ea"/>
+                <a:cs typeface="+mn-cs"/>
+              </a:defRPr>
+            </a:lvl4pPr>
+            <a:lvl5pPr marL="2057400" indent="-228600" algn="l" defTabSz="914400" rtl="0" eaLnBrk="1" latinLnBrk="0" hangingPunct="1">
+              <a:spcBef>
+                <a:spcPct val="20000"/>
+              </a:spcBef>
+              <a:buFont typeface="Arial" panose="020B0604020202020204" pitchFamily="34" charset="0"/>
+              <a:buChar char="»"/>
+              <a:defRPr sz="2000" kern="1200">
+                <a:solidFill>
+                  <a:schemeClr val="tx1"/>
+                </a:solidFill>
+                <a:latin typeface="+mn-lt"/>
+                <a:ea typeface="+mn-ea"/>
+                <a:cs typeface="+mn-cs"/>
+              </a:defRPr>
+            </a:lvl5pPr>
+            <a:lvl6pPr marL="2514600" indent="-228600" algn="l" defTabSz="914400" rtl="0" eaLnBrk="1" latinLnBrk="0" hangingPunct="1">
+              <a:spcBef>
+                <a:spcPct val="20000"/>
+              </a:spcBef>
+              <a:buFont typeface="Arial" panose="020B0604020202020204" pitchFamily="34" charset="0"/>
+              <a:buChar char="•"/>
+              <a:defRPr sz="2000" kern="1200">
+                <a:solidFill>
+                  <a:schemeClr val="tx1"/>
+                </a:solidFill>
+                <a:latin typeface="+mn-lt"/>
+                <a:ea typeface="+mn-ea"/>
+                <a:cs typeface="+mn-cs"/>
+              </a:defRPr>
+            </a:lvl6pPr>
+            <a:lvl7pPr marL="2971800" indent="-228600" algn="l" defTabSz="914400" rtl="0" eaLnBrk="1" latinLnBrk="0" hangingPunct="1">
+              <a:spcBef>
+                <a:spcPct val="20000"/>
+              </a:spcBef>
+              <a:buFont typeface="Arial" panose="020B0604020202020204" pitchFamily="34" charset="0"/>
+              <a:buChar char="•"/>
+              <a:defRPr sz="2000" kern="1200">
+                <a:solidFill>
+                  <a:schemeClr val="tx1"/>
+                </a:solidFill>
+                <a:latin typeface="+mn-lt"/>
+                <a:ea typeface="+mn-ea"/>
+                <a:cs typeface="+mn-cs"/>
+              </a:defRPr>
+            </a:lvl7pPr>
+            <a:lvl8pPr marL="3429000" indent="-228600" algn="l" defTabSz="914400" rtl="0" eaLnBrk="1" latinLnBrk="0" hangingPunct="1">
+              <a:spcBef>
+                <a:spcPct val="20000"/>
+              </a:spcBef>
+              <a:buFont typeface="Arial" panose="020B0604020202020204" pitchFamily="34" charset="0"/>
+              <a:buChar char="•"/>
+              <a:defRPr sz="2000" kern="1200">
+                <a:solidFill>
+                  <a:schemeClr val="tx1"/>
+                </a:solidFill>
+                <a:latin typeface="+mn-lt"/>
+                <a:ea typeface="+mn-ea"/>
+                <a:cs typeface="+mn-cs"/>
+              </a:defRPr>
+            </a:lvl8pPr>
+            <a:lvl9pPr marL="3886200" indent="-228600" algn="l" defTabSz="914400" rtl="0" eaLnBrk="1" latinLnBrk="0" hangingPunct="1">
+              <a:spcBef>
+                <a:spcPct val="20000"/>
+              </a:spcBef>
+              <a:buFont typeface="Arial" panose="020B0604020202020204" pitchFamily="34" charset="0"/>
+              <a:buChar char="•"/>
+              <a:defRPr sz="2000" kern="1200">
+                <a:solidFill>
+                  <a:schemeClr val="tx1"/>
+                </a:solidFill>
+                <a:latin typeface="+mn-lt"/>
+                <a:ea typeface="+mn-ea"/>
+                <a:cs typeface="+mn-cs"/>
+              </a:defRPr>
+            </a:lvl9pPr>
+          </a:lstStyle>
+          <a:p>
+            <a:pPr marL="0" marR="0" lvl="0" indent="0" algn="l" defTabSz="914400" rtl="0" eaLnBrk="1" fontAlgn="auto" latinLnBrk="0" hangingPunct="1">
+              <a:lnSpc>
+                <a:spcPct val="100000"/>
+              </a:lnSpc>
               <a:spcBef>
                 <a:spcPct val="20000"/>
               </a:spcBef>
               <a:spcAft>
                 <a:spcPts val="0"/>
               </a:spcAft>
+              <a:buClrTx/>
+              <a:buSzTx/>
+              <a:buNone/>
+              <a:defRPr/>
             </a:pPr>
             <a:r>
-              <a:rPr lang="zh-CN" altLang="en-US" sz="3200" b="1" dirty="0">
-                <a:solidFill>
-                  <a:prstClr val="white"/>
+              <a:rPr lang="zh-CN" altLang="en-US" sz="2400" b="1" dirty="0">
+                <a:latin typeface="楷体" panose="02010609060101010101" pitchFamily="49" charset="-122"/>
+                <a:ea typeface="楷体" panose="02010609060101010101" pitchFamily="49" charset="-122"/>
+              </a:rPr>
+              <a:t>突出贡献</a:t>
+            </a:r>
+            <a:endParaRPr lang="en-US" altLang="zh-CN" sz="2400" b="1" dirty="0">
+              <a:latin typeface="楷体" panose="02010609060101010101" pitchFamily="49" charset="-122"/>
+              <a:ea typeface="楷体" panose="02010609060101010101" pitchFamily="49" charset="-122"/>
+            </a:endParaRPr>
+          </a:p>
+          <a:p>
+            <a:pPr marL="0" marR="0" lvl="0" indent="0" algn="l" defTabSz="914400" rtl="0" eaLnBrk="1" fontAlgn="auto" latinLnBrk="0" hangingPunct="1">
+              <a:lnSpc>
+                <a:spcPct val="100000"/>
+              </a:lnSpc>
+              <a:spcBef>
+                <a:spcPct val="20000"/>
+              </a:spcBef>
+              <a:spcAft>
+                <a:spcPts val="0"/>
+              </a:spcAft>
+              <a:buClrTx/>
+              <a:buSzTx/>
+              <a:buNone/>
+              <a:defRPr/>
+            </a:pPr>
+            <a:endParaRPr kumimoji="0" lang="zh-CN" altLang="en-US" sz="2800" b="0" i="0" u="none" strike="noStrike" kern="1200" cap="none" spc="0" normalizeH="0" baseline="0" noProof="0" dirty="0">
+              <a:ln>
+                <a:noFill/>
+              </a:ln>
+              <a:solidFill>
+                <a:srgbClr val="135BAD"/>
+              </a:solidFill>
+              <a:effectLst/>
+              <a:uLnTx/>
+              <a:uFillTx/>
+              <a:latin typeface="楷体" panose="02010609060101010101" pitchFamily="49" charset="-122"/>
+              <a:ea typeface="楷体" panose="02010609060101010101" pitchFamily="49" charset="-122"/>
+            </a:endParaRPr>
+          </a:p>
+        </p:txBody>
+      </p:sp>
+      <p:sp>
+        <p:nvSpPr>
+          <p:cNvPr id="10" name="内容占位符 2"/>
+          <p:cNvSpPr txBox="1"/>
+          <p:nvPr/>
+        </p:nvSpPr>
+        <p:spPr>
+          <a:xfrm>
+            <a:off x="307974" y="1916831"/>
+            <a:ext cx="8656514" cy="1507405"/>
+          </a:xfrm>
+          <a:prstGeom prst="rect">
+            <a:avLst/>
+          </a:prstGeom>
+        </p:spPr>
+        <p:txBody>
+          <a:bodyPr vert="horz" lIns="91440" tIns="45720" rIns="91440" bIns="45720" rtlCol="0">
+            <a:normAutofit/>
+          </a:bodyPr>
+          <a:lstStyle>
+            <a:lvl1pPr marL="342900" indent="-342900" algn="l" defTabSz="914400" rtl="0" eaLnBrk="1" latinLnBrk="0" hangingPunct="1">
+              <a:spcBef>
+                <a:spcPct val="20000"/>
+              </a:spcBef>
+              <a:buFont typeface="Wingdings" panose="05000000000000000000" pitchFamily="2" charset="2"/>
+              <a:buChar char="v"/>
+              <a:defRPr sz="2800" kern="1200">
+                <a:solidFill>
+                  <a:srgbClr val="135BAD"/>
                 </a:solidFill>
                 <a:latin typeface="微软雅黑" panose="020B0503020204020204" pitchFamily="34" charset="-122"/>
                 <a:ea typeface="微软雅黑" panose="020B0503020204020204" pitchFamily="34" charset="-122"/>
+                <a:cs typeface="+mn-cs"/>
+              </a:defRPr>
+            </a:lvl1pPr>
+            <a:lvl2pPr marL="742950" indent="-285750" algn="l" defTabSz="914400" rtl="0" eaLnBrk="1" latinLnBrk="0" hangingPunct="1">
+              <a:spcBef>
+                <a:spcPct val="20000"/>
+              </a:spcBef>
+              <a:buFont typeface="微软雅黑" panose="020B0503020204020204" pitchFamily="34" charset="-122"/>
+              <a:buChar char="◆"/>
+              <a:defRPr sz="2400" kern="1200">
+                <a:solidFill>
+                  <a:srgbClr val="135BAD"/>
+                </a:solidFill>
+                <a:latin typeface="微软雅黑" panose="020B0503020204020204" pitchFamily="34" charset="-122"/>
+                <a:ea typeface="微软雅黑" panose="020B0503020204020204" pitchFamily="34" charset="-122"/>
+                <a:cs typeface="+mn-cs"/>
+              </a:defRPr>
+            </a:lvl2pPr>
+            <a:lvl3pPr marL="1143000" indent="-228600" algn="l" defTabSz="914400" rtl="0" eaLnBrk="1" latinLnBrk="0" hangingPunct="1">
+              <a:spcBef>
+                <a:spcPct val="20000"/>
+              </a:spcBef>
+              <a:buFont typeface="Webdings" panose="05030102010509060703" pitchFamily="18" charset="2"/>
+              <a:buChar char="4"/>
+              <a:defRPr sz="2000" kern="1200">
+                <a:solidFill>
+                  <a:srgbClr val="135BAD"/>
+                </a:solidFill>
+                <a:latin typeface="微软雅黑" panose="020B0503020204020204" pitchFamily="34" charset="-122"/>
+                <a:ea typeface="微软雅黑" panose="020B0503020204020204" pitchFamily="34" charset="-122"/>
+                <a:cs typeface="+mn-cs"/>
+              </a:defRPr>
+            </a:lvl3pPr>
+            <a:lvl4pPr marL="1600200" indent="-228600" algn="l" defTabSz="914400" rtl="0" eaLnBrk="1" latinLnBrk="0" hangingPunct="1">
+              <a:spcBef>
+                <a:spcPct val="20000"/>
+              </a:spcBef>
+              <a:buFont typeface="Arial" panose="020B0604020202020204" pitchFamily="34" charset="0"/>
+              <a:buChar char="–"/>
+              <a:defRPr sz="2000" kern="1200">
+                <a:solidFill>
+                  <a:schemeClr val="tx1"/>
+                </a:solidFill>
+                <a:latin typeface="+mn-lt"/>
+                <a:ea typeface="+mn-ea"/>
+                <a:cs typeface="+mn-cs"/>
+              </a:defRPr>
+            </a:lvl4pPr>
+            <a:lvl5pPr marL="2057400" indent="-228600" algn="l" defTabSz="914400" rtl="0" eaLnBrk="1" latinLnBrk="0" hangingPunct="1">
+              <a:spcBef>
+                <a:spcPct val="20000"/>
+              </a:spcBef>
+              <a:buFont typeface="Arial" panose="020B0604020202020204" pitchFamily="34" charset="0"/>
+              <a:buChar char="»"/>
+              <a:defRPr sz="2000" kern="1200">
+                <a:solidFill>
+                  <a:schemeClr val="tx1"/>
+                </a:solidFill>
+                <a:latin typeface="+mn-lt"/>
+                <a:ea typeface="+mn-ea"/>
+                <a:cs typeface="+mn-cs"/>
+              </a:defRPr>
+            </a:lvl5pPr>
+            <a:lvl6pPr marL="2514600" indent="-228600" algn="l" defTabSz="914400" rtl="0" eaLnBrk="1" latinLnBrk="0" hangingPunct="1">
+              <a:spcBef>
+                <a:spcPct val="20000"/>
+              </a:spcBef>
+              <a:buFont typeface="Arial" panose="020B0604020202020204" pitchFamily="34" charset="0"/>
+              <a:buChar char="•"/>
+              <a:defRPr sz="2000" kern="1200">
+                <a:solidFill>
+                  <a:schemeClr val="tx1"/>
+                </a:solidFill>
+                <a:latin typeface="+mn-lt"/>
+                <a:ea typeface="+mn-ea"/>
+                <a:cs typeface="+mn-cs"/>
+              </a:defRPr>
+            </a:lvl6pPr>
+            <a:lvl7pPr marL="2971800" indent="-228600" algn="l" defTabSz="914400" rtl="0" eaLnBrk="1" latinLnBrk="0" hangingPunct="1">
+              <a:spcBef>
+                <a:spcPct val="20000"/>
+              </a:spcBef>
+              <a:buFont typeface="Arial" panose="020B0604020202020204" pitchFamily="34" charset="0"/>
+              <a:buChar char="•"/>
+              <a:defRPr sz="2000" kern="1200">
+                <a:solidFill>
+                  <a:schemeClr val="tx1"/>
+                </a:solidFill>
+                <a:latin typeface="+mn-lt"/>
+                <a:ea typeface="+mn-ea"/>
+                <a:cs typeface="+mn-cs"/>
+              </a:defRPr>
+            </a:lvl7pPr>
+            <a:lvl8pPr marL="3429000" indent="-228600" algn="l" defTabSz="914400" rtl="0" eaLnBrk="1" latinLnBrk="0" hangingPunct="1">
+              <a:spcBef>
+                <a:spcPct val="20000"/>
+              </a:spcBef>
+              <a:buFont typeface="Arial" panose="020B0604020202020204" pitchFamily="34" charset="0"/>
+              <a:buChar char="•"/>
+              <a:defRPr sz="2000" kern="1200">
+                <a:solidFill>
+                  <a:schemeClr val="tx1"/>
+                </a:solidFill>
+                <a:latin typeface="+mn-lt"/>
+                <a:ea typeface="+mn-ea"/>
+                <a:cs typeface="+mn-cs"/>
+              </a:defRPr>
+            </a:lvl8pPr>
+            <a:lvl9pPr marL="3886200" indent="-228600" algn="l" defTabSz="914400" rtl="0" eaLnBrk="1" latinLnBrk="0" hangingPunct="1">
+              <a:spcBef>
+                <a:spcPct val="20000"/>
+              </a:spcBef>
+              <a:buFont typeface="Arial" panose="020B0604020202020204" pitchFamily="34" charset="0"/>
+              <a:buChar char="•"/>
+              <a:defRPr sz="2000" kern="1200">
+                <a:solidFill>
+                  <a:schemeClr val="tx1"/>
+                </a:solidFill>
+                <a:latin typeface="+mn-lt"/>
+                <a:ea typeface="+mn-ea"/>
+                <a:cs typeface="+mn-cs"/>
+              </a:defRPr>
+            </a:lvl9pPr>
+          </a:lstStyle>
+          <a:p>
+            <a:pPr marL="0" marR="0" lvl="0" indent="355600" algn="l" defTabSz="914400" rtl="0" eaLnBrk="1" fontAlgn="auto" latinLnBrk="0" hangingPunct="1">
+              <a:lnSpc>
+                <a:spcPct val="100000"/>
+              </a:lnSpc>
+              <a:spcBef>
+                <a:spcPct val="20000"/>
+              </a:spcBef>
+              <a:spcAft>
+                <a:spcPts val="0"/>
+              </a:spcAft>
+              <a:buClrTx/>
+              <a:buSzTx/>
+              <a:buNone/>
+              <a:defRPr/>
+            </a:pPr>
+            <a:r>
+              <a:rPr lang="zh-CN" altLang="en-US" sz="2400" dirty="0">
+                <a:solidFill>
+                  <a:srgbClr val="FF0000"/>
+                </a:solidFill>
+                <a:latin typeface="楷体" panose="02010609060101010101" pitchFamily="49" charset="-122"/>
+                <a:ea typeface="楷体" panose="02010609060101010101" pitchFamily="49" charset="-122"/>
               </a:rPr>
-              <a:t>以机器视觉的应用推动社会的进步发展</a:t>
-            </a:r>
-            <a:endParaRPr lang="zh-CN" altLang="en-US" sz="3200" b="1" dirty="0">
+              <a:t>上述突出贡献案例展示：可以包括运行程序、录像、图片、源代码等等，能够明显证明突出业绩的案例。</a:t>
+            </a:r>
+            <a:endParaRPr kumimoji="0" lang="zh-CN" altLang="en-US" sz="2400" i="0" u="none" strike="noStrike" kern="1200" cap="none" spc="0" normalizeH="0" baseline="0" noProof="0" dirty="0">
+              <a:ln>
+                <a:noFill/>
+              </a:ln>
               <a:solidFill>
-                <a:prstClr val="white"/>
+                <a:srgbClr val="FF0000"/>
               </a:solidFill>
-              <a:latin typeface="微软雅黑" panose="020B0503020204020204" pitchFamily="34" charset="-122"/>
-              <a:ea typeface="微软雅黑" panose="020B0503020204020204" pitchFamily="34" charset="-122"/>
+              <a:effectLst/>
+              <a:uLnTx/>
+              <a:uFillTx/>
+              <a:latin typeface="楷体" panose="02010609060101010101" pitchFamily="49" charset="-122"/>
+              <a:ea typeface="楷体" panose="02010609060101010101" pitchFamily="49" charset="-122"/>
             </a:endParaRPr>
           </a:p>
         </p:txBody>
@@ -19907,141 +21853,6 @@
   <p:clrMapOvr>
     <a:masterClrMapping/>
   </p:clrMapOvr>
-  <p:transition spd="slow" advClick="0" advTm="6000">
-    <p:pull dir="r"/>
-  </p:transition>
-  <p:timing>
-    <p:tnLst>
-      <p:par>
-        <p:cTn id="1" dur="indefinite" restart="never" nodeType="tmRoot">
-          <p:childTnLst>
-            <p:seq concurrent="1" nextAc="seek">
-              <p:cTn id="2" dur="indefinite" nodeType="mainSeq">
-                <p:childTnLst>
-                  <p:par>
-                    <p:cTn id="3" fill="hold">
-                      <p:stCondLst>
-                        <p:cond delay="indefinite"/>
-                      </p:stCondLst>
-                      <p:childTnLst>
-                        <p:par>
-                          <p:cTn id="4" fill="hold">
-                            <p:stCondLst>
-                              <p:cond delay="0"/>
-                            </p:stCondLst>
-                            <p:childTnLst>
-                              <p:par>
-                                <p:cTn id="5" presetID="55" presetClass="entr" presetSubtype="0" fill="hold" grpId="0" nodeType="clickEffect">
-                                  <p:stCondLst>
-                                    <p:cond delay="0"/>
-                                  </p:stCondLst>
-                                  <p:childTnLst>
-                                    <p:set>
-                                      <p:cBhvr>
-                                        <p:cTn id="6" dur="1" fill="hold">
-                                          <p:stCondLst>
-                                            <p:cond delay="0"/>
-                                          </p:stCondLst>
-                                        </p:cTn>
-                                        <p:tgtEl>
-                                          <p:spTgt spid="3"/>
-                                        </p:tgtEl>
-                                        <p:attrNameLst>
-                                          <p:attrName>style.visibility</p:attrName>
-                                        </p:attrNameLst>
-                                      </p:cBhvr>
-                                      <p:to>
-                                        <p:strVal val="visible"/>
-                                      </p:to>
-                                    </p:set>
-                                    <p:anim calcmode="lin" valueType="num">
-                                      <p:cBhvr>
-                                        <p:cTn id="7" dur="1000" fill="hold"/>
-                                        <p:tgtEl>
-                                          <p:spTgt spid="3"/>
-                                        </p:tgtEl>
-                                        <p:attrNameLst>
-                                          <p:attrName>ppt_w</p:attrName>
-                                        </p:attrNameLst>
-                                      </p:cBhvr>
-                                      <p:tavLst>
-                                        <p:tav tm="0">
-                                          <p:val>
-                                            <p:strVal val="#ppt_w*0.70"/>
-                                          </p:val>
-                                        </p:tav>
-                                        <p:tav tm="100000">
-                                          <p:val>
-                                            <p:strVal val="#ppt_w"/>
-                                          </p:val>
-                                        </p:tav>
-                                      </p:tavLst>
-                                    </p:anim>
-                                    <p:anim calcmode="lin" valueType="num">
-                                      <p:cBhvr>
-                                        <p:cTn id="8" dur="1000" fill="hold"/>
-                                        <p:tgtEl>
-                                          <p:spTgt spid="3"/>
-                                        </p:tgtEl>
-                                        <p:attrNameLst>
-                                          <p:attrName>ppt_h</p:attrName>
-                                        </p:attrNameLst>
-                                      </p:cBhvr>
-                                      <p:tavLst>
-                                        <p:tav tm="0">
-                                          <p:val>
-                                            <p:strVal val="#ppt_h"/>
-                                          </p:val>
-                                        </p:tav>
-                                        <p:tav tm="100000">
-                                          <p:val>
-                                            <p:strVal val="#ppt_h"/>
-                                          </p:val>
-                                        </p:tav>
-                                      </p:tavLst>
-                                    </p:anim>
-                                    <p:animEffect transition="in" filter="fade">
-                                      <p:cBhvr>
-                                        <p:cTn id="9" dur="1000"/>
-                                        <p:tgtEl>
-                                          <p:spTgt spid="3"/>
-                                        </p:tgtEl>
-                                      </p:cBhvr>
-                                    </p:animEffect>
-                                  </p:childTnLst>
-                                </p:cTn>
-                              </p:par>
-                            </p:childTnLst>
-                          </p:cTn>
-                        </p:par>
-                      </p:childTnLst>
-                    </p:cTn>
-                  </p:par>
-                </p:childTnLst>
-              </p:cTn>
-              <p:prevCondLst>
-                <p:cond evt="onPrev" delay="0">
-                  <p:tgtEl>
-                    <p:sldTgt/>
-                  </p:tgtEl>
-                </p:cond>
-              </p:prevCondLst>
-              <p:nextCondLst>
-                <p:cond evt="onNext" delay="0">
-                  <p:tgtEl>
-                    <p:sldTgt/>
-                  </p:tgtEl>
-                </p:cond>
-              </p:nextCondLst>
-            </p:seq>
-          </p:childTnLst>
-        </p:cTn>
-      </p:par>
-    </p:tnLst>
-    <p:bldLst>
-      <p:bldP spid="3" grpId="0"/>
-    </p:bldLst>
-  </p:timing>
 </p:sld>
 </file>
 

--- a/研发工程师述职报告PPT-张赵浩然-2018.pptx
+++ b/研发工程师述职报告PPT-张赵浩然-2018.pptx
@@ -17902,14 +17902,7 @@
                 <a:latin typeface="楷体" panose="02010609060101010101" pitchFamily="49" charset="-122"/>
                 <a:ea typeface="楷体" panose="02010609060101010101" pitchFamily="49" charset="-122"/>
               </a:rPr>
-              <a:t>检测系统</a:t>
-            </a:r>
-            <a:r>
-              <a:rPr lang="zh-CN" altLang="en-US" b="1" dirty="0">
-                <a:latin typeface="楷体" panose="02010609060101010101" pitchFamily="49" charset="-122"/>
-                <a:ea typeface="楷体" panose="02010609060101010101" pitchFamily="49" charset="-122"/>
-              </a:rPr>
-              <a:t>项目介绍</a:t>
+              <a:t>检测系统项目介绍</a:t>
             </a:r>
             <a:endParaRPr lang="en-US" altLang="zh-CN" sz="2400" b="1" dirty="0">
               <a:latin typeface="楷体" panose="02010609060101010101" pitchFamily="49" charset="-122"/>
@@ -18687,8 +18680,8 @@
         </p:nvSpPr>
         <p:spPr>
           <a:xfrm>
-            <a:off x="636270" y="1969135"/>
-            <a:ext cx="8126730" cy="2306955"/>
+            <a:off x="636270" y="1960880"/>
+            <a:ext cx="8126730" cy="1198880"/>
           </a:xfrm>
           <a:prstGeom prst="rect">
             <a:avLst/>
@@ -18701,26 +18694,10 @@
           </a:bodyPr>
           <a:p>
             <a:r>
-              <a:rPr lang="zh-CN" altLang="en-US"/>
-              <a:t>复卷在线</a:t>
-            </a:r>
-            <a:r>
-              <a:rPr lang="en-US" altLang="zh-CN"/>
-              <a:t>3.5</a:t>
-            </a:r>
-            <a:r>
-              <a:rPr lang="zh-CN" altLang="en-US"/>
-              <a:t>系统在收集客户需求之后，通过产品经理及研发人员的整合，提出了新的需求，在</a:t>
-            </a:r>
-            <a:r>
-              <a:rPr lang="en-US" altLang="zh-CN"/>
-              <a:t>3.4</a:t>
-            </a:r>
-            <a:r>
-              <a:rPr lang="zh-CN" altLang="en-US"/>
-              <a:t>版本的基础上进行了较大的改进。</a:t>
-            </a:r>
-            <a:endParaRPr lang="zh-CN" altLang="en-US"/>
+              <a:rPr lang="zh-CN"/>
+              <a:t>技术难点</a:t>
+            </a:r>
+            <a:endParaRPr lang="zh-CN"/>
           </a:p>
           <a:p>
             <a:r>
@@ -18729,7 +18706,7 @@
             </a:r>
             <a:r>
               <a:rPr lang="zh-CN" altLang="en-US"/>
-              <a:t>、增加了数据中心，不拘泥于单机版本；</a:t>
+              <a:t>、数据中心架构设计及实现语言选型；</a:t>
             </a:r>
             <a:endParaRPr lang="zh-CN" altLang="en-US"/>
           </a:p>
@@ -18740,15 +18717,50 @@
             </a:r>
             <a:r>
               <a:rPr lang="zh-CN" altLang="en-US"/>
-              <a:t>、对数据库重新选型，由</a:t>
+              <a:t>、</a:t>
             </a:r>
             <a:r>
               <a:rPr lang="en-US" altLang="zh-CN"/>
-              <a:t>sqlserver</a:t>
+              <a:t>python</a:t>
             </a:r>
             <a:r>
               <a:rPr lang="zh-CN" altLang="en-US"/>
-              <a:t>更换为</a:t>
+              <a:t>，</a:t>
+            </a:r>
+            <a:r>
+              <a:rPr lang="en-US" altLang="zh-CN"/>
+              <a:t>C++</a:t>
+            </a:r>
+            <a:r>
+              <a:rPr lang="zh-CN" altLang="en-US"/>
+              <a:t>，</a:t>
+            </a:r>
+            <a:r>
+              <a:rPr lang="en-US" altLang="zh-CN"/>
+              <a:t>QT web</a:t>
+            </a:r>
+            <a:r>
+              <a:rPr lang="zh-CN" altLang="en-US"/>
+              <a:t>服务上传下载技术壁垒打通；</a:t>
+            </a:r>
+            <a:endParaRPr lang="zh-CN" altLang="en-US"/>
+          </a:p>
+          <a:p>
+            <a:r>
+              <a:rPr lang="en-US" altLang="zh-CN"/>
+              <a:t>3</a:t>
+            </a:r>
+            <a:r>
+              <a:rPr lang="zh-CN" altLang="en-US"/>
+              <a:t>、</a:t>
+            </a:r>
+            <a:r>
+              <a:rPr lang="en-US" altLang="zh-CN"/>
+              <a:t>QT</a:t>
+            </a:r>
+            <a:r>
+              <a:rPr lang="zh-CN" altLang="en-US"/>
+              <a:t>操作</a:t>
             </a:r>
             <a:r>
               <a:rPr lang="en-US" altLang="zh-CN"/>
@@ -18756,55 +18768,7 @@
             </a:r>
             <a:r>
               <a:rPr lang="zh-CN" altLang="en-US"/>
-              <a:t>；</a:t>
-            </a:r>
-            <a:endParaRPr lang="zh-CN" altLang="en-US"/>
-          </a:p>
-          <a:p>
-            <a:r>
-              <a:rPr lang="en-US" altLang="zh-CN">
-                <a:sym typeface="+mn-ea"/>
-              </a:rPr>
-              <a:t>3</a:t>
-            </a:r>
-            <a:r>
-              <a:rPr lang="zh-CN" altLang="en-US">
-                <a:sym typeface="+mn-ea"/>
-              </a:rPr>
-              <a:t>、查询软件数据库连接方式改变，提高效率，无需配置；</a:t>
-            </a:r>
-            <a:endParaRPr lang="zh-CN" altLang="en-US"/>
-          </a:p>
-          <a:p>
-            <a:r>
-              <a:rPr lang="en-US" altLang="zh-CN"/>
-              <a:t>4</a:t>
-            </a:r>
-            <a:r>
-              <a:rPr lang="zh-CN" altLang="en-US"/>
-              <a:t>、为检测程序及查询程序添加新界面操作，增强用户体验；</a:t>
-            </a:r>
-            <a:endParaRPr lang="zh-CN" altLang="en-US"/>
-          </a:p>
-          <a:p>
-            <a:r>
-              <a:rPr lang="en-US" altLang="zh-CN"/>
-              <a:t>5</a:t>
-            </a:r>
-            <a:r>
-              <a:rPr lang="zh-CN" altLang="en-US"/>
-              <a:t>、重新设计部分数据结构减少层级及耦合，使程序扩展性更强；</a:t>
-            </a:r>
-            <a:endParaRPr lang="zh-CN" altLang="en-US"/>
-          </a:p>
-          <a:p>
-            <a:r>
-              <a:rPr lang="en-US" altLang="zh-CN"/>
-              <a:t>6</a:t>
-            </a:r>
-            <a:r>
-              <a:rPr lang="zh-CN" altLang="en-US"/>
-              <a:t>、二维码检测部分重构，满足客户需求。</a:t>
+              <a:t>数据库中文乱码解决；</a:t>
             </a:r>
             <a:endParaRPr lang="zh-CN" altLang="en-US"/>
           </a:p>

--- a/研发工程师述职报告PPT-张赵浩然-2018.pptx
+++ b/研发工程师述职报告PPT-张赵浩然-2018.pptx
@@ -15,12 +15,15 @@
     <p:sldId id="511" r:id="rId8"/>
     <p:sldId id="543" r:id="rId9"/>
     <p:sldId id="610" r:id="rId10"/>
-    <p:sldId id="611" r:id="rId11"/>
-    <p:sldId id="605" r:id="rId12"/>
-    <p:sldId id="606" r:id="rId13"/>
-    <p:sldId id="607" r:id="rId14"/>
-    <p:sldId id="596" r:id="rId15"/>
-    <p:sldId id="531" r:id="rId16"/>
+    <p:sldId id="618" r:id="rId11"/>
+    <p:sldId id="617" r:id="rId12"/>
+    <p:sldId id="611" r:id="rId13"/>
+    <p:sldId id="619" r:id="rId14"/>
+    <p:sldId id="621" r:id="rId15"/>
+    <p:sldId id="620" r:id="rId16"/>
+    <p:sldId id="607" r:id="rId17"/>
+    <p:sldId id="596" r:id="rId18"/>
+    <p:sldId id="531" r:id="rId19"/>
   </p:sldIdLst>
   <p:sldSz cx="9144000" cy="6858000" type="screen4x3"/>
   <p:notesSz cx="6858000" cy="9144000"/>
@@ -11607,6 +11610,2548 @@
                 <a:latin typeface="微软雅黑" panose="020B0503020204020204" pitchFamily="34" charset="-122"/>
                 <a:ea typeface="微软雅黑" panose="020B0503020204020204" pitchFamily="34" charset="-122"/>
               </a:rPr>
+              <a:t>突出贡献</a:t>
+            </a:r>
+            <a:endParaRPr lang="zh-CN" altLang="en-US" b="1" dirty="0">
+              <a:solidFill>
+                <a:schemeClr val="bg1"/>
+              </a:solidFill>
+              <a:latin typeface="微软雅黑" panose="020B0503020204020204" pitchFamily="34" charset="-122"/>
+              <a:ea typeface="微软雅黑" panose="020B0503020204020204" pitchFamily="34" charset="-122"/>
+            </a:endParaRPr>
+          </a:p>
+        </p:txBody>
+      </p:sp>
+      <p:sp>
+        <p:nvSpPr>
+          <p:cNvPr id="2" name="AutoShape 12" descr="http://img1.imgtn.bdimg.com/it/u=987737760,2271887046&amp;fm=15&amp;gp=0.jpg"/>
+          <p:cNvSpPr>
+            <a:spLocks noChangeAspect="1" noChangeArrowheads="1"/>
+          </p:cNvSpPr>
+          <p:nvPr/>
+        </p:nvSpPr>
+        <p:spPr bwMode="auto">
+          <a:xfrm>
+            <a:off x="155575" y="-144463"/>
+            <a:ext cx="304800" cy="304801"/>
+          </a:xfrm>
+          <a:prstGeom prst="rect">
+            <a:avLst/>
+          </a:prstGeom>
+          <a:noFill/>
+          <a:extLst>
+            <a:ext uri="{909E8E84-426E-40DD-AFC4-6F175D3DCCD1}">
+              <a14:hiddenFill xmlns:a14="http://schemas.microsoft.com/office/drawing/2010/main">
+                <a:solidFill>
+                  <a:srgbClr val="FFFFFF"/>
+                </a:solidFill>
+              </a14:hiddenFill>
+            </a:ext>
+          </a:extLst>
+        </p:spPr>
+        <p:txBody>
+          <a:bodyPr vert="horz" wrap="square" lIns="91440" tIns="45720" rIns="91440" bIns="45720" numCol="1" anchor="t" anchorCtr="0" compatLnSpc="1"/>
+          <a:lstStyle/>
+          <a:p>
+            <a:endParaRPr lang="zh-CN" altLang="en-US"/>
+          </a:p>
+        </p:txBody>
+      </p:sp>
+      <p:sp>
+        <p:nvSpPr>
+          <p:cNvPr id="3" name="AutoShape 14" descr="http://img1.imgtn.bdimg.com/it/u=987737760,2271887046&amp;fm=15&amp;gp=0.jpg"/>
+          <p:cNvSpPr>
+            <a:spLocks noChangeAspect="1" noChangeArrowheads="1"/>
+          </p:cNvSpPr>
+          <p:nvPr/>
+        </p:nvSpPr>
+        <p:spPr bwMode="auto">
+          <a:xfrm>
+            <a:off x="307975" y="7937"/>
+            <a:ext cx="304800" cy="304801"/>
+          </a:xfrm>
+          <a:prstGeom prst="rect">
+            <a:avLst/>
+          </a:prstGeom>
+          <a:noFill/>
+          <a:extLst>
+            <a:ext uri="{909E8E84-426E-40DD-AFC4-6F175D3DCCD1}">
+              <a14:hiddenFill xmlns:a14="http://schemas.microsoft.com/office/drawing/2010/main">
+                <a:solidFill>
+                  <a:srgbClr val="FFFFFF"/>
+                </a:solidFill>
+              </a14:hiddenFill>
+            </a:ext>
+          </a:extLst>
+        </p:spPr>
+        <p:txBody>
+          <a:bodyPr vert="horz" wrap="square" lIns="91440" tIns="45720" rIns="91440" bIns="45720" numCol="1" anchor="t" anchorCtr="0" compatLnSpc="1"/>
+          <a:lstStyle/>
+          <a:p>
+            <a:endParaRPr lang="zh-CN" altLang="en-US"/>
+          </a:p>
+        </p:txBody>
+      </p:sp>
+      <p:sp>
+        <p:nvSpPr>
+          <p:cNvPr id="4" name="AutoShape 16" descr="http://img1.imgtn.bdimg.com/it/u=987737760,2271887046&amp;fm=15&amp;gp=0.jpg"/>
+          <p:cNvSpPr>
+            <a:spLocks noChangeAspect="1" noChangeArrowheads="1"/>
+          </p:cNvSpPr>
+          <p:nvPr/>
+        </p:nvSpPr>
+        <p:spPr bwMode="auto">
+          <a:xfrm>
+            <a:off x="460375" y="160337"/>
+            <a:ext cx="304800" cy="304801"/>
+          </a:xfrm>
+          <a:prstGeom prst="rect">
+            <a:avLst/>
+          </a:prstGeom>
+          <a:noFill/>
+          <a:extLst>
+            <a:ext uri="{909E8E84-426E-40DD-AFC4-6F175D3DCCD1}">
+              <a14:hiddenFill xmlns:a14="http://schemas.microsoft.com/office/drawing/2010/main">
+                <a:solidFill>
+                  <a:srgbClr val="FFFFFF"/>
+                </a:solidFill>
+              </a14:hiddenFill>
+            </a:ext>
+          </a:extLst>
+        </p:spPr>
+        <p:txBody>
+          <a:bodyPr vert="horz" wrap="square" lIns="91440" tIns="45720" rIns="91440" bIns="45720" numCol="1" anchor="t" anchorCtr="0" compatLnSpc="1"/>
+          <a:lstStyle/>
+          <a:p>
+            <a:endParaRPr lang="zh-CN" altLang="en-US"/>
+          </a:p>
+        </p:txBody>
+      </p:sp>
+      <p:sp>
+        <p:nvSpPr>
+          <p:cNvPr id="9" name="内容占位符 2"/>
+          <p:cNvSpPr txBox="1"/>
+          <p:nvPr/>
+        </p:nvSpPr>
+        <p:spPr>
+          <a:xfrm>
+            <a:off x="307975" y="1196752"/>
+            <a:ext cx="8455025" cy="646484"/>
+          </a:xfrm>
+          <a:prstGeom prst="rect">
+            <a:avLst/>
+          </a:prstGeom>
+        </p:spPr>
+        <p:txBody>
+          <a:bodyPr vert="horz" lIns="91440" tIns="45720" rIns="91440" bIns="45720" rtlCol="0">
+            <a:normAutofit/>
+          </a:bodyPr>
+          <a:lstStyle>
+            <a:lvl1pPr marL="342900" indent="-342900" algn="l" defTabSz="914400" rtl="0" eaLnBrk="1" latinLnBrk="0" hangingPunct="1">
+              <a:spcBef>
+                <a:spcPct val="20000"/>
+              </a:spcBef>
+              <a:buFont typeface="Wingdings" panose="05000000000000000000" pitchFamily="2" charset="2"/>
+              <a:buChar char="v"/>
+              <a:defRPr sz="2800" kern="1200">
+                <a:solidFill>
+                  <a:srgbClr val="135BAD"/>
+                </a:solidFill>
+                <a:latin typeface="微软雅黑" panose="020B0503020204020204" pitchFamily="34" charset="-122"/>
+                <a:ea typeface="微软雅黑" panose="020B0503020204020204" pitchFamily="34" charset="-122"/>
+                <a:cs typeface="+mn-cs"/>
+              </a:defRPr>
+            </a:lvl1pPr>
+            <a:lvl2pPr marL="742950" indent="-285750" algn="l" defTabSz="914400" rtl="0" eaLnBrk="1" latinLnBrk="0" hangingPunct="1">
+              <a:spcBef>
+                <a:spcPct val="20000"/>
+              </a:spcBef>
+              <a:buFont typeface="微软雅黑" panose="020B0503020204020204" pitchFamily="34" charset="-122"/>
+              <a:buChar char="◆"/>
+              <a:defRPr sz="2400" kern="1200">
+                <a:solidFill>
+                  <a:srgbClr val="135BAD"/>
+                </a:solidFill>
+                <a:latin typeface="微软雅黑" panose="020B0503020204020204" pitchFamily="34" charset="-122"/>
+                <a:ea typeface="微软雅黑" panose="020B0503020204020204" pitchFamily="34" charset="-122"/>
+                <a:cs typeface="+mn-cs"/>
+              </a:defRPr>
+            </a:lvl2pPr>
+            <a:lvl3pPr marL="1143000" indent="-228600" algn="l" defTabSz="914400" rtl="0" eaLnBrk="1" latinLnBrk="0" hangingPunct="1">
+              <a:spcBef>
+                <a:spcPct val="20000"/>
+              </a:spcBef>
+              <a:buFont typeface="Webdings" panose="05030102010509060703" pitchFamily="18" charset="2"/>
+              <a:buChar char="4"/>
+              <a:defRPr sz="2000" kern="1200">
+                <a:solidFill>
+                  <a:srgbClr val="135BAD"/>
+                </a:solidFill>
+                <a:latin typeface="微软雅黑" panose="020B0503020204020204" pitchFamily="34" charset="-122"/>
+                <a:ea typeface="微软雅黑" panose="020B0503020204020204" pitchFamily="34" charset="-122"/>
+                <a:cs typeface="+mn-cs"/>
+              </a:defRPr>
+            </a:lvl3pPr>
+            <a:lvl4pPr marL="1600200" indent="-228600" algn="l" defTabSz="914400" rtl="0" eaLnBrk="1" latinLnBrk="0" hangingPunct="1">
+              <a:spcBef>
+                <a:spcPct val="20000"/>
+              </a:spcBef>
+              <a:buFont typeface="Arial" panose="020B0604020202020204" pitchFamily="34" charset="0"/>
+              <a:buChar char="–"/>
+              <a:defRPr sz="2000" kern="1200">
+                <a:solidFill>
+                  <a:schemeClr val="tx1"/>
+                </a:solidFill>
+                <a:latin typeface="+mn-lt"/>
+                <a:ea typeface="+mn-ea"/>
+                <a:cs typeface="+mn-cs"/>
+              </a:defRPr>
+            </a:lvl4pPr>
+            <a:lvl5pPr marL="2057400" indent="-228600" algn="l" defTabSz="914400" rtl="0" eaLnBrk="1" latinLnBrk="0" hangingPunct="1">
+              <a:spcBef>
+                <a:spcPct val="20000"/>
+              </a:spcBef>
+              <a:buFont typeface="Arial" panose="020B0604020202020204" pitchFamily="34" charset="0"/>
+              <a:buChar char="»"/>
+              <a:defRPr sz="2000" kern="1200">
+                <a:solidFill>
+                  <a:schemeClr val="tx1"/>
+                </a:solidFill>
+                <a:latin typeface="+mn-lt"/>
+                <a:ea typeface="+mn-ea"/>
+                <a:cs typeface="+mn-cs"/>
+              </a:defRPr>
+            </a:lvl5pPr>
+            <a:lvl6pPr marL="2514600" indent="-228600" algn="l" defTabSz="914400" rtl="0" eaLnBrk="1" latinLnBrk="0" hangingPunct="1">
+              <a:spcBef>
+                <a:spcPct val="20000"/>
+              </a:spcBef>
+              <a:buFont typeface="Arial" panose="020B0604020202020204" pitchFamily="34" charset="0"/>
+              <a:buChar char="•"/>
+              <a:defRPr sz="2000" kern="1200">
+                <a:solidFill>
+                  <a:schemeClr val="tx1"/>
+                </a:solidFill>
+                <a:latin typeface="+mn-lt"/>
+                <a:ea typeface="+mn-ea"/>
+                <a:cs typeface="+mn-cs"/>
+              </a:defRPr>
+            </a:lvl6pPr>
+            <a:lvl7pPr marL="2971800" indent="-228600" algn="l" defTabSz="914400" rtl="0" eaLnBrk="1" latinLnBrk="0" hangingPunct="1">
+              <a:spcBef>
+                <a:spcPct val="20000"/>
+              </a:spcBef>
+              <a:buFont typeface="Arial" panose="020B0604020202020204" pitchFamily="34" charset="0"/>
+              <a:buChar char="•"/>
+              <a:defRPr sz="2000" kern="1200">
+                <a:solidFill>
+                  <a:schemeClr val="tx1"/>
+                </a:solidFill>
+                <a:latin typeface="+mn-lt"/>
+                <a:ea typeface="+mn-ea"/>
+                <a:cs typeface="+mn-cs"/>
+              </a:defRPr>
+            </a:lvl7pPr>
+            <a:lvl8pPr marL="3429000" indent="-228600" algn="l" defTabSz="914400" rtl="0" eaLnBrk="1" latinLnBrk="0" hangingPunct="1">
+              <a:spcBef>
+                <a:spcPct val="20000"/>
+              </a:spcBef>
+              <a:buFont typeface="Arial" panose="020B0604020202020204" pitchFamily="34" charset="0"/>
+              <a:buChar char="•"/>
+              <a:defRPr sz="2000" kern="1200">
+                <a:solidFill>
+                  <a:schemeClr val="tx1"/>
+                </a:solidFill>
+                <a:latin typeface="+mn-lt"/>
+                <a:ea typeface="+mn-ea"/>
+                <a:cs typeface="+mn-cs"/>
+              </a:defRPr>
+            </a:lvl8pPr>
+            <a:lvl9pPr marL="3886200" indent="-228600" algn="l" defTabSz="914400" rtl="0" eaLnBrk="1" latinLnBrk="0" hangingPunct="1">
+              <a:spcBef>
+                <a:spcPct val="20000"/>
+              </a:spcBef>
+              <a:buFont typeface="Arial" panose="020B0604020202020204" pitchFamily="34" charset="0"/>
+              <a:buChar char="•"/>
+              <a:defRPr sz="2000" kern="1200">
+                <a:solidFill>
+                  <a:schemeClr val="tx1"/>
+                </a:solidFill>
+                <a:latin typeface="+mn-lt"/>
+                <a:ea typeface="+mn-ea"/>
+                <a:cs typeface="+mn-cs"/>
+              </a:defRPr>
+            </a:lvl9pPr>
+          </a:lstStyle>
+          <a:p>
+            <a:pPr marL="0" marR="0" lvl="0" indent="0" algn="l" defTabSz="914400" rtl="0" eaLnBrk="1" fontAlgn="auto" latinLnBrk="0" hangingPunct="1">
+              <a:lnSpc>
+                <a:spcPct val="100000"/>
+              </a:lnSpc>
+              <a:spcBef>
+                <a:spcPct val="20000"/>
+              </a:spcBef>
+              <a:spcAft>
+                <a:spcPts val="0"/>
+              </a:spcAft>
+              <a:buClrTx/>
+              <a:buSzTx/>
+              <a:buNone/>
+              <a:defRPr/>
+            </a:pPr>
+            <a:r>
+              <a:rPr lang="zh-CN" altLang="en-US" sz="2400" b="1" dirty="0">
+                <a:latin typeface="楷体" panose="02010609060101010101" pitchFamily="49" charset="-122"/>
+                <a:ea typeface="楷体" panose="02010609060101010101" pitchFamily="49" charset="-122"/>
+              </a:rPr>
+              <a:t>对产品的推进作用</a:t>
+            </a:r>
+            <a:endParaRPr lang="en-US" altLang="zh-CN" sz="2400" b="1" dirty="0">
+              <a:latin typeface="楷体" panose="02010609060101010101" pitchFamily="49" charset="-122"/>
+              <a:ea typeface="楷体" panose="02010609060101010101" pitchFamily="49" charset="-122"/>
+            </a:endParaRPr>
+          </a:p>
+          <a:p>
+            <a:pPr marL="0" marR="0" lvl="0" indent="0" algn="l" defTabSz="914400" rtl="0" eaLnBrk="1" fontAlgn="auto" latinLnBrk="0" hangingPunct="1">
+              <a:lnSpc>
+                <a:spcPct val="100000"/>
+              </a:lnSpc>
+              <a:spcBef>
+                <a:spcPct val="20000"/>
+              </a:spcBef>
+              <a:spcAft>
+                <a:spcPts val="0"/>
+              </a:spcAft>
+              <a:buClrTx/>
+              <a:buSzTx/>
+              <a:buNone/>
+              <a:defRPr/>
+            </a:pPr>
+            <a:endParaRPr kumimoji="0" lang="zh-CN" altLang="en-US" sz="2800" b="0" i="0" u="none" strike="noStrike" kern="1200" cap="none" spc="0" normalizeH="0" baseline="0" noProof="0" dirty="0">
+              <a:ln>
+                <a:noFill/>
+              </a:ln>
+              <a:solidFill>
+                <a:srgbClr val="135BAD"/>
+              </a:solidFill>
+              <a:effectLst/>
+              <a:uLnTx/>
+              <a:uFillTx/>
+              <a:latin typeface="楷体" panose="02010609060101010101" pitchFamily="49" charset="-122"/>
+              <a:ea typeface="楷体" panose="02010609060101010101" pitchFamily="49" charset="-122"/>
+            </a:endParaRPr>
+          </a:p>
+        </p:txBody>
+      </p:sp>
+      <p:sp>
+        <p:nvSpPr>
+          <p:cNvPr id="5" name="文本框 4"/>
+          <p:cNvSpPr txBox="1"/>
+          <p:nvPr/>
+        </p:nvSpPr>
+        <p:spPr>
+          <a:xfrm>
+            <a:off x="460375" y="2046605"/>
+            <a:ext cx="8126730" cy="922020"/>
+          </a:xfrm>
+          <a:prstGeom prst="rect">
+            <a:avLst/>
+          </a:prstGeom>
+          <a:noFill/>
+        </p:spPr>
+        <p:txBody>
+          <a:bodyPr wrap="square" rtlCol="0">
+            <a:spAutoFit/>
+          </a:bodyPr>
+          <a:p>
+            <a:r>
+              <a:rPr lang="en-US" altLang="zh-CN"/>
+              <a:t>1</a:t>
+            </a:r>
+            <a:r>
+              <a:rPr lang="zh-CN" altLang="en-US"/>
+              <a:t>、参与需求研讨，推动产品研发进程；</a:t>
+            </a:r>
+            <a:endParaRPr lang="zh-CN" altLang="en-US"/>
+          </a:p>
+          <a:p>
+            <a:r>
+              <a:rPr lang="en-US" altLang="zh-CN"/>
+              <a:t>2</a:t>
+            </a:r>
+            <a:r>
+              <a:rPr lang="zh-CN" altLang="en-US"/>
+              <a:t>、解决技术难题，突破技术壁垒；</a:t>
+            </a:r>
+            <a:endParaRPr lang="zh-CN" altLang="en-US"/>
+          </a:p>
+          <a:p>
+            <a:r>
+              <a:rPr lang="en-US" altLang="zh-CN"/>
+              <a:t>3</a:t>
+            </a:r>
+            <a:r>
+              <a:rPr lang="zh-CN" altLang="en-US"/>
+              <a:t>、采用新技术稳定快速开发系统。</a:t>
+            </a:r>
+            <a:endParaRPr lang="zh-CN" altLang="en-US"/>
+          </a:p>
+        </p:txBody>
+      </p:sp>
+      <p:sp>
+        <p:nvSpPr>
+          <p:cNvPr id="6" name="内容占位符 2"/>
+          <p:cNvSpPr txBox="1"/>
+          <p:nvPr/>
+        </p:nvSpPr>
+        <p:spPr>
+          <a:xfrm>
+            <a:off x="215265" y="3294157"/>
+            <a:ext cx="8455025" cy="646484"/>
+          </a:xfrm>
+          <a:prstGeom prst="rect">
+            <a:avLst/>
+          </a:prstGeom>
+        </p:spPr>
+        <p:txBody>
+          <a:bodyPr vert="horz" lIns="91440" tIns="45720" rIns="91440" bIns="45720" rtlCol="0">
+            <a:normAutofit/>
+          </a:bodyPr>
+          <a:lstStyle>
+            <a:lvl1pPr marL="342900" indent="-342900" algn="l" defTabSz="914400" rtl="0" eaLnBrk="1" latinLnBrk="0" hangingPunct="1">
+              <a:spcBef>
+                <a:spcPct val="20000"/>
+              </a:spcBef>
+              <a:buFont typeface="Wingdings" panose="05000000000000000000" pitchFamily="2" charset="2"/>
+              <a:buChar char="v"/>
+              <a:defRPr sz="2800" kern="1200">
+                <a:solidFill>
+                  <a:srgbClr val="135BAD"/>
+                </a:solidFill>
+                <a:latin typeface="微软雅黑" panose="020B0503020204020204" pitchFamily="34" charset="-122"/>
+                <a:ea typeface="微软雅黑" panose="020B0503020204020204" pitchFamily="34" charset="-122"/>
+                <a:cs typeface="+mn-cs"/>
+              </a:defRPr>
+            </a:lvl1pPr>
+            <a:lvl2pPr marL="742950" indent="-285750" algn="l" defTabSz="914400" rtl="0" eaLnBrk="1" latinLnBrk="0" hangingPunct="1">
+              <a:spcBef>
+                <a:spcPct val="20000"/>
+              </a:spcBef>
+              <a:buFont typeface="微软雅黑" panose="020B0503020204020204" pitchFamily="34" charset="-122"/>
+              <a:buChar char="◆"/>
+              <a:defRPr sz="2400" kern="1200">
+                <a:solidFill>
+                  <a:srgbClr val="135BAD"/>
+                </a:solidFill>
+                <a:latin typeface="微软雅黑" panose="020B0503020204020204" pitchFamily="34" charset="-122"/>
+                <a:ea typeface="微软雅黑" panose="020B0503020204020204" pitchFamily="34" charset="-122"/>
+                <a:cs typeface="+mn-cs"/>
+              </a:defRPr>
+            </a:lvl2pPr>
+            <a:lvl3pPr marL="1143000" indent="-228600" algn="l" defTabSz="914400" rtl="0" eaLnBrk="1" latinLnBrk="0" hangingPunct="1">
+              <a:spcBef>
+                <a:spcPct val="20000"/>
+              </a:spcBef>
+              <a:buFont typeface="Webdings" panose="05030102010509060703" pitchFamily="18" charset="2"/>
+              <a:buChar char="4"/>
+              <a:defRPr sz="2000" kern="1200">
+                <a:solidFill>
+                  <a:srgbClr val="135BAD"/>
+                </a:solidFill>
+                <a:latin typeface="微软雅黑" panose="020B0503020204020204" pitchFamily="34" charset="-122"/>
+                <a:ea typeface="微软雅黑" panose="020B0503020204020204" pitchFamily="34" charset="-122"/>
+                <a:cs typeface="+mn-cs"/>
+              </a:defRPr>
+            </a:lvl3pPr>
+            <a:lvl4pPr marL="1600200" indent="-228600" algn="l" defTabSz="914400" rtl="0" eaLnBrk="1" latinLnBrk="0" hangingPunct="1">
+              <a:spcBef>
+                <a:spcPct val="20000"/>
+              </a:spcBef>
+              <a:buFont typeface="Arial" panose="020B0604020202020204" pitchFamily="34" charset="0"/>
+              <a:buChar char="–"/>
+              <a:defRPr sz="2000" kern="1200">
+                <a:solidFill>
+                  <a:schemeClr val="tx1"/>
+                </a:solidFill>
+                <a:latin typeface="+mn-lt"/>
+                <a:ea typeface="+mn-ea"/>
+                <a:cs typeface="+mn-cs"/>
+              </a:defRPr>
+            </a:lvl4pPr>
+            <a:lvl5pPr marL="2057400" indent="-228600" algn="l" defTabSz="914400" rtl="0" eaLnBrk="1" latinLnBrk="0" hangingPunct="1">
+              <a:spcBef>
+                <a:spcPct val="20000"/>
+              </a:spcBef>
+              <a:buFont typeface="Arial" panose="020B0604020202020204" pitchFamily="34" charset="0"/>
+              <a:buChar char="»"/>
+              <a:defRPr sz="2000" kern="1200">
+                <a:solidFill>
+                  <a:schemeClr val="tx1"/>
+                </a:solidFill>
+                <a:latin typeface="+mn-lt"/>
+                <a:ea typeface="+mn-ea"/>
+                <a:cs typeface="+mn-cs"/>
+              </a:defRPr>
+            </a:lvl5pPr>
+            <a:lvl6pPr marL="2514600" indent="-228600" algn="l" defTabSz="914400" rtl="0" eaLnBrk="1" latinLnBrk="0" hangingPunct="1">
+              <a:spcBef>
+                <a:spcPct val="20000"/>
+              </a:spcBef>
+              <a:buFont typeface="Arial" panose="020B0604020202020204" pitchFamily="34" charset="0"/>
+              <a:buChar char="•"/>
+              <a:defRPr sz="2000" kern="1200">
+                <a:solidFill>
+                  <a:schemeClr val="tx1"/>
+                </a:solidFill>
+                <a:latin typeface="+mn-lt"/>
+                <a:ea typeface="+mn-ea"/>
+                <a:cs typeface="+mn-cs"/>
+              </a:defRPr>
+            </a:lvl6pPr>
+            <a:lvl7pPr marL="2971800" indent="-228600" algn="l" defTabSz="914400" rtl="0" eaLnBrk="1" latinLnBrk="0" hangingPunct="1">
+              <a:spcBef>
+                <a:spcPct val="20000"/>
+              </a:spcBef>
+              <a:buFont typeface="Arial" panose="020B0604020202020204" pitchFamily="34" charset="0"/>
+              <a:buChar char="•"/>
+              <a:defRPr sz="2000" kern="1200">
+                <a:solidFill>
+                  <a:schemeClr val="tx1"/>
+                </a:solidFill>
+                <a:latin typeface="+mn-lt"/>
+                <a:ea typeface="+mn-ea"/>
+                <a:cs typeface="+mn-cs"/>
+              </a:defRPr>
+            </a:lvl7pPr>
+            <a:lvl8pPr marL="3429000" indent="-228600" algn="l" defTabSz="914400" rtl="0" eaLnBrk="1" latinLnBrk="0" hangingPunct="1">
+              <a:spcBef>
+                <a:spcPct val="20000"/>
+              </a:spcBef>
+              <a:buFont typeface="Arial" panose="020B0604020202020204" pitchFamily="34" charset="0"/>
+              <a:buChar char="•"/>
+              <a:defRPr sz="2000" kern="1200">
+                <a:solidFill>
+                  <a:schemeClr val="tx1"/>
+                </a:solidFill>
+                <a:latin typeface="+mn-lt"/>
+                <a:ea typeface="+mn-ea"/>
+                <a:cs typeface="+mn-cs"/>
+              </a:defRPr>
+            </a:lvl8pPr>
+            <a:lvl9pPr marL="3886200" indent="-228600" algn="l" defTabSz="914400" rtl="0" eaLnBrk="1" latinLnBrk="0" hangingPunct="1">
+              <a:spcBef>
+                <a:spcPct val="20000"/>
+              </a:spcBef>
+              <a:buFont typeface="Arial" panose="020B0604020202020204" pitchFamily="34" charset="0"/>
+              <a:buChar char="•"/>
+              <a:defRPr sz="2000" kern="1200">
+                <a:solidFill>
+                  <a:schemeClr val="tx1"/>
+                </a:solidFill>
+                <a:latin typeface="+mn-lt"/>
+                <a:ea typeface="+mn-ea"/>
+                <a:cs typeface="+mn-cs"/>
+              </a:defRPr>
+            </a:lvl9pPr>
+          </a:lstStyle>
+          <a:p>
+            <a:pPr marL="0" marR="0" lvl="0" indent="0" algn="l" defTabSz="914400" rtl="0" eaLnBrk="1" fontAlgn="auto" latinLnBrk="0" hangingPunct="1">
+              <a:lnSpc>
+                <a:spcPct val="100000"/>
+              </a:lnSpc>
+              <a:spcBef>
+                <a:spcPct val="20000"/>
+              </a:spcBef>
+              <a:spcAft>
+                <a:spcPts val="0"/>
+              </a:spcAft>
+              <a:buClrTx/>
+              <a:buSzTx/>
+              <a:buNone/>
+              <a:defRPr/>
+            </a:pPr>
+            <a:r>
+              <a:rPr lang="zh-CN" altLang="en-US" sz="2400" b="1" dirty="0">
+                <a:latin typeface="楷体" panose="02010609060101010101" pitchFamily="49" charset="-122"/>
+                <a:ea typeface="楷体" panose="02010609060101010101" pitchFamily="49" charset="-122"/>
+              </a:rPr>
+              <a:t>创新性思路</a:t>
+            </a:r>
+            <a:endParaRPr lang="en-US" altLang="zh-CN" sz="2400" b="1" dirty="0">
+              <a:latin typeface="楷体" panose="02010609060101010101" pitchFamily="49" charset="-122"/>
+              <a:ea typeface="楷体" panose="02010609060101010101" pitchFamily="49" charset="-122"/>
+            </a:endParaRPr>
+          </a:p>
+          <a:p>
+            <a:pPr marL="0" marR="0" lvl="0" indent="0" algn="l" defTabSz="914400" rtl="0" eaLnBrk="1" fontAlgn="auto" latinLnBrk="0" hangingPunct="1">
+              <a:lnSpc>
+                <a:spcPct val="100000"/>
+              </a:lnSpc>
+              <a:spcBef>
+                <a:spcPct val="20000"/>
+              </a:spcBef>
+              <a:spcAft>
+                <a:spcPts val="0"/>
+              </a:spcAft>
+              <a:buClrTx/>
+              <a:buSzTx/>
+              <a:buNone/>
+              <a:defRPr/>
+            </a:pPr>
+            <a:endParaRPr kumimoji="0" lang="zh-CN" altLang="en-US" sz="2800" b="0" i="0" u="none" strike="noStrike" kern="1200" cap="none" spc="0" normalizeH="0" baseline="0" noProof="0" dirty="0">
+              <a:ln>
+                <a:noFill/>
+              </a:ln>
+              <a:solidFill>
+                <a:srgbClr val="135BAD"/>
+              </a:solidFill>
+              <a:effectLst/>
+              <a:uLnTx/>
+              <a:uFillTx/>
+              <a:latin typeface="楷体" panose="02010609060101010101" pitchFamily="49" charset="-122"/>
+              <a:ea typeface="楷体" panose="02010609060101010101" pitchFamily="49" charset="-122"/>
+            </a:endParaRPr>
+          </a:p>
+        </p:txBody>
+      </p:sp>
+      <p:sp>
+        <p:nvSpPr>
+          <p:cNvPr id="7" name="文本框 6"/>
+          <p:cNvSpPr txBox="1"/>
+          <p:nvPr/>
+        </p:nvSpPr>
+        <p:spPr>
+          <a:xfrm>
+            <a:off x="471805" y="3940810"/>
+            <a:ext cx="8126730" cy="1476375"/>
+          </a:xfrm>
+          <a:prstGeom prst="rect">
+            <a:avLst/>
+          </a:prstGeom>
+          <a:noFill/>
+        </p:spPr>
+        <p:txBody>
+          <a:bodyPr wrap="square" rtlCol="0">
+            <a:spAutoFit/>
+          </a:bodyPr>
+          <a:p>
+            <a:r>
+              <a:rPr lang="en-US"/>
+              <a:t>1</a:t>
+            </a:r>
+            <a:r>
+              <a:rPr lang="zh-CN" altLang="en-US"/>
+              <a:t>、数据中心数据量巨大，</a:t>
+            </a:r>
+            <a:r>
+              <a:rPr lang="en-US" altLang="zh-CN"/>
+              <a:t>SqlServer</a:t>
+            </a:r>
+            <a:r>
+              <a:rPr lang="zh-CN" altLang="en-US"/>
+              <a:t>在性能及容量限制的情况下，引入</a:t>
+            </a:r>
+            <a:r>
+              <a:rPr lang="en-US" altLang="zh-CN"/>
+              <a:t>oracle</a:t>
+            </a:r>
+            <a:r>
+              <a:rPr lang="zh-CN" altLang="en-US"/>
+              <a:t>数据库；</a:t>
+            </a:r>
+            <a:endParaRPr lang="zh-CN" altLang="en-US"/>
+          </a:p>
+          <a:p>
+            <a:r>
+              <a:rPr lang="en-US" altLang="zh-CN"/>
+              <a:t>2</a:t>
+            </a:r>
+            <a:r>
+              <a:rPr lang="zh-CN" altLang="en-US"/>
+              <a:t>、在数据中心文件及具体数据相对无关，不构成计算相关的基础上，放弃开发时间较长且需要设计应用层协议的</a:t>
+            </a:r>
+            <a:r>
+              <a:rPr lang="en-US" altLang="zh-CN"/>
+              <a:t>TCP/IP</a:t>
+            </a:r>
+            <a:r>
+              <a:rPr lang="zh-CN" altLang="en-US"/>
+              <a:t>，采用本身就是应用层协议的</a:t>
+            </a:r>
+            <a:r>
+              <a:rPr lang="en-US" altLang="zh-CN"/>
+              <a:t>http</a:t>
+            </a:r>
+            <a:r>
+              <a:rPr lang="zh-CN" altLang="en-US"/>
+              <a:t>，并采用已成熟的基于</a:t>
+            </a:r>
+            <a:r>
+              <a:rPr lang="en-US" altLang="zh-CN"/>
+              <a:t>Python</a:t>
+            </a:r>
+            <a:r>
+              <a:rPr lang="zh-CN" altLang="en-US"/>
+              <a:t>语言的</a:t>
+            </a:r>
+            <a:r>
+              <a:rPr lang="en-US" altLang="zh-CN"/>
+              <a:t>Django</a:t>
+            </a:r>
+            <a:r>
+              <a:rPr lang="zh-CN" altLang="en-US"/>
+              <a:t>框架快速开发数据中心服务。</a:t>
+            </a:r>
+            <a:endParaRPr lang="zh-CN" altLang="en-US"/>
+          </a:p>
+        </p:txBody>
+      </p:sp>
+    </p:spTree>
+  </p:cSld>
+  <p:clrMapOvr>
+    <a:masterClrMapping/>
+  </p:clrMapOvr>
+</p:sld>
+</file>
+
+<file path=ppt/slides/slide11.xml><?xml version="1.0" encoding="utf-8"?>
+<p:sld xmlns:a="http://schemas.openxmlformats.org/drawingml/2006/main" xmlns:r="http://schemas.openxmlformats.org/officeDocument/2006/relationships" xmlns:p="http://schemas.openxmlformats.org/presentationml/2006/main">
+  <p:cSld>
+    <p:spTree>
+      <p:nvGrpSpPr>
+        <p:cNvPr id="1" name=""/>
+        <p:cNvGrpSpPr/>
+        <p:nvPr/>
+      </p:nvGrpSpPr>
+      <p:grpSpPr>
+        <a:xfrm>
+          <a:off x="0" y="0"/>
+          <a:ext cx="0" cy="0"/>
+          <a:chOff x="0" y="0"/>
+          <a:chExt cx="0" cy="0"/>
+        </a:xfrm>
+      </p:grpSpPr>
+      <p:cxnSp>
+        <p:nvCxnSpPr>
+          <p:cNvPr id="12" name="直接连接符 11"/>
+          <p:cNvCxnSpPr/>
+          <p:nvPr/>
+        </p:nvCxnSpPr>
+        <p:spPr>
+          <a:xfrm>
+            <a:off x="428596" y="6499246"/>
+            <a:ext cx="3714776" cy="1588"/>
+          </a:xfrm>
+          <a:prstGeom prst="line">
+            <a:avLst/>
+          </a:prstGeom>
+          <a:ln w="28575">
+            <a:solidFill>
+              <a:srgbClr val="0070C0"/>
+            </a:solidFill>
+          </a:ln>
+        </p:spPr>
+        <p:style>
+          <a:lnRef idx="1">
+            <a:schemeClr val="accent1"/>
+          </a:lnRef>
+          <a:fillRef idx="0">
+            <a:schemeClr val="accent1"/>
+          </a:fillRef>
+          <a:effectRef idx="0">
+            <a:schemeClr val="accent1"/>
+          </a:effectRef>
+          <a:fontRef idx="minor">
+            <a:schemeClr val="tx1"/>
+          </a:fontRef>
+        </p:style>
+      </p:cxnSp>
+      <p:sp>
+        <p:nvSpPr>
+          <p:cNvPr id="17" name="TextBox 16"/>
+          <p:cNvSpPr txBox="1"/>
+          <p:nvPr/>
+        </p:nvSpPr>
+        <p:spPr>
+          <a:xfrm>
+            <a:off x="357158" y="6500834"/>
+            <a:ext cx="2209259" cy="253916"/>
+          </a:xfrm>
+          <a:prstGeom prst="rect">
+            <a:avLst/>
+          </a:prstGeom>
+          <a:noFill/>
+        </p:spPr>
+        <p:txBody>
+          <a:bodyPr wrap="none" rtlCol="0">
+            <a:spAutoFit/>
+          </a:bodyPr>
+          <a:lstStyle/>
+          <a:p>
+            <a:r>
+              <a:rPr lang="en-US" altLang="zh-CN" sz="1050" dirty="0"/>
+              <a:t>Beijing </a:t>
+            </a:r>
+            <a:r>
+              <a:rPr lang="en-US" altLang="zh-CN" sz="1050" dirty="0" err="1"/>
+              <a:t>Daheng</a:t>
+            </a:r>
+            <a:r>
+              <a:rPr lang="en-US" altLang="zh-CN" sz="1050" dirty="0"/>
+              <a:t> Image Vision Co., Ltd.</a:t>
+            </a:r>
+            <a:endParaRPr lang="en-US" altLang="zh-CN" sz="1050" dirty="0"/>
+          </a:p>
+        </p:txBody>
+      </p:sp>
+      <p:sp>
+        <p:nvSpPr>
+          <p:cNvPr id="2" name="AutoShape 12" descr="http://img1.imgtn.bdimg.com/it/u=987737760,2271887046&amp;fm=15&amp;gp=0.jpg"/>
+          <p:cNvSpPr>
+            <a:spLocks noChangeAspect="1" noChangeArrowheads="1"/>
+          </p:cNvSpPr>
+          <p:nvPr/>
+        </p:nvSpPr>
+        <p:spPr bwMode="auto">
+          <a:xfrm>
+            <a:off x="155575" y="-144463"/>
+            <a:ext cx="304800" cy="304801"/>
+          </a:xfrm>
+          <a:prstGeom prst="rect">
+            <a:avLst/>
+          </a:prstGeom>
+          <a:noFill/>
+          <a:extLst>
+            <a:ext uri="{909E8E84-426E-40DD-AFC4-6F175D3DCCD1}">
+              <a14:hiddenFill xmlns:a14="http://schemas.microsoft.com/office/drawing/2010/main">
+                <a:solidFill>
+                  <a:srgbClr val="FFFFFF"/>
+                </a:solidFill>
+              </a14:hiddenFill>
+            </a:ext>
+          </a:extLst>
+        </p:spPr>
+        <p:txBody>
+          <a:bodyPr vert="horz" wrap="square" lIns="91440" tIns="45720" rIns="91440" bIns="45720" numCol="1" anchor="t" anchorCtr="0" compatLnSpc="1"/>
+          <a:lstStyle/>
+          <a:p>
+            <a:endParaRPr lang="zh-CN" altLang="en-US"/>
+          </a:p>
+        </p:txBody>
+      </p:sp>
+      <p:sp>
+        <p:nvSpPr>
+          <p:cNvPr id="3" name="AutoShape 14" descr="http://img1.imgtn.bdimg.com/it/u=987737760,2271887046&amp;fm=15&amp;gp=0.jpg"/>
+          <p:cNvSpPr>
+            <a:spLocks noChangeAspect="1" noChangeArrowheads="1"/>
+          </p:cNvSpPr>
+          <p:nvPr/>
+        </p:nvSpPr>
+        <p:spPr bwMode="auto">
+          <a:xfrm>
+            <a:off x="307975" y="7937"/>
+            <a:ext cx="304800" cy="304801"/>
+          </a:xfrm>
+          <a:prstGeom prst="rect">
+            <a:avLst/>
+          </a:prstGeom>
+          <a:noFill/>
+          <a:extLst>
+            <a:ext uri="{909E8E84-426E-40DD-AFC4-6F175D3DCCD1}">
+              <a14:hiddenFill xmlns:a14="http://schemas.microsoft.com/office/drawing/2010/main">
+                <a:solidFill>
+                  <a:srgbClr val="FFFFFF"/>
+                </a:solidFill>
+              </a14:hiddenFill>
+            </a:ext>
+          </a:extLst>
+        </p:spPr>
+        <p:txBody>
+          <a:bodyPr vert="horz" wrap="square" lIns="91440" tIns="45720" rIns="91440" bIns="45720" numCol="1" anchor="t" anchorCtr="0" compatLnSpc="1"/>
+          <a:lstStyle/>
+          <a:p>
+            <a:endParaRPr lang="zh-CN" altLang="en-US"/>
+          </a:p>
+        </p:txBody>
+      </p:sp>
+      <p:sp>
+        <p:nvSpPr>
+          <p:cNvPr id="4" name="AutoShape 16" descr="http://img1.imgtn.bdimg.com/it/u=987737760,2271887046&amp;fm=15&amp;gp=0.jpg"/>
+          <p:cNvSpPr>
+            <a:spLocks noChangeAspect="1" noChangeArrowheads="1"/>
+          </p:cNvSpPr>
+          <p:nvPr/>
+        </p:nvSpPr>
+        <p:spPr bwMode="auto">
+          <a:xfrm>
+            <a:off x="460375" y="160337"/>
+            <a:ext cx="304800" cy="304801"/>
+          </a:xfrm>
+          <a:prstGeom prst="rect">
+            <a:avLst/>
+          </a:prstGeom>
+          <a:noFill/>
+          <a:extLst>
+            <a:ext uri="{909E8E84-426E-40DD-AFC4-6F175D3DCCD1}">
+              <a14:hiddenFill xmlns:a14="http://schemas.microsoft.com/office/drawing/2010/main">
+                <a:solidFill>
+                  <a:srgbClr val="FFFFFF"/>
+                </a:solidFill>
+              </a14:hiddenFill>
+            </a:ext>
+          </a:extLst>
+        </p:spPr>
+        <p:txBody>
+          <a:bodyPr vert="horz" wrap="square" lIns="91440" tIns="45720" rIns="91440" bIns="45720" numCol="1" anchor="t" anchorCtr="0" compatLnSpc="1"/>
+          <a:lstStyle/>
+          <a:p>
+            <a:endParaRPr lang="zh-CN" altLang="en-US"/>
+          </a:p>
+        </p:txBody>
+      </p:sp>
+      <p:sp>
+        <p:nvSpPr>
+          <p:cNvPr id="9" name="内容占位符 2"/>
+          <p:cNvSpPr txBox="1"/>
+          <p:nvPr/>
+        </p:nvSpPr>
+        <p:spPr>
+          <a:xfrm>
+            <a:off x="307975" y="1196752"/>
+            <a:ext cx="8455025" cy="646484"/>
+          </a:xfrm>
+          <a:prstGeom prst="rect">
+            <a:avLst/>
+          </a:prstGeom>
+        </p:spPr>
+        <p:txBody>
+          <a:bodyPr vert="horz" lIns="91440" tIns="45720" rIns="91440" bIns="45720" rtlCol="0">
+            <a:normAutofit/>
+          </a:bodyPr>
+          <a:lstStyle>
+            <a:lvl1pPr marL="342900" indent="-342900" algn="l" defTabSz="914400" rtl="0" eaLnBrk="1" latinLnBrk="0" hangingPunct="1">
+              <a:spcBef>
+                <a:spcPct val="20000"/>
+              </a:spcBef>
+              <a:buFont typeface="Wingdings" panose="05000000000000000000" pitchFamily="2" charset="2"/>
+              <a:buChar char="v"/>
+              <a:defRPr sz="2800" kern="1200">
+                <a:solidFill>
+                  <a:srgbClr val="135BAD"/>
+                </a:solidFill>
+                <a:latin typeface="微软雅黑" panose="020B0503020204020204" pitchFamily="34" charset="-122"/>
+                <a:ea typeface="微软雅黑" panose="020B0503020204020204" pitchFamily="34" charset="-122"/>
+                <a:cs typeface="+mn-cs"/>
+              </a:defRPr>
+            </a:lvl1pPr>
+            <a:lvl2pPr marL="742950" indent="-285750" algn="l" defTabSz="914400" rtl="0" eaLnBrk="1" latinLnBrk="0" hangingPunct="1">
+              <a:spcBef>
+                <a:spcPct val="20000"/>
+              </a:spcBef>
+              <a:buFont typeface="微软雅黑" panose="020B0503020204020204" pitchFamily="34" charset="-122"/>
+              <a:buChar char="◆"/>
+              <a:defRPr sz="2400" kern="1200">
+                <a:solidFill>
+                  <a:srgbClr val="135BAD"/>
+                </a:solidFill>
+                <a:latin typeface="微软雅黑" panose="020B0503020204020204" pitchFamily="34" charset="-122"/>
+                <a:ea typeface="微软雅黑" panose="020B0503020204020204" pitchFamily="34" charset="-122"/>
+                <a:cs typeface="+mn-cs"/>
+              </a:defRPr>
+            </a:lvl2pPr>
+            <a:lvl3pPr marL="1143000" indent="-228600" algn="l" defTabSz="914400" rtl="0" eaLnBrk="1" latinLnBrk="0" hangingPunct="1">
+              <a:spcBef>
+                <a:spcPct val="20000"/>
+              </a:spcBef>
+              <a:buFont typeface="Webdings" panose="05030102010509060703" pitchFamily="18" charset="2"/>
+              <a:buChar char="4"/>
+              <a:defRPr sz="2000" kern="1200">
+                <a:solidFill>
+                  <a:srgbClr val="135BAD"/>
+                </a:solidFill>
+                <a:latin typeface="微软雅黑" panose="020B0503020204020204" pitchFamily="34" charset="-122"/>
+                <a:ea typeface="微软雅黑" panose="020B0503020204020204" pitchFamily="34" charset="-122"/>
+                <a:cs typeface="+mn-cs"/>
+              </a:defRPr>
+            </a:lvl3pPr>
+            <a:lvl4pPr marL="1600200" indent="-228600" algn="l" defTabSz="914400" rtl="0" eaLnBrk="1" latinLnBrk="0" hangingPunct="1">
+              <a:spcBef>
+                <a:spcPct val="20000"/>
+              </a:spcBef>
+              <a:buFont typeface="Arial" panose="020B0604020202020204" pitchFamily="34" charset="0"/>
+              <a:buChar char="–"/>
+              <a:defRPr sz="2000" kern="1200">
+                <a:solidFill>
+                  <a:schemeClr val="tx1"/>
+                </a:solidFill>
+                <a:latin typeface="+mn-lt"/>
+                <a:ea typeface="+mn-ea"/>
+                <a:cs typeface="+mn-cs"/>
+              </a:defRPr>
+            </a:lvl4pPr>
+            <a:lvl5pPr marL="2057400" indent="-228600" algn="l" defTabSz="914400" rtl="0" eaLnBrk="1" latinLnBrk="0" hangingPunct="1">
+              <a:spcBef>
+                <a:spcPct val="20000"/>
+              </a:spcBef>
+              <a:buFont typeface="Arial" panose="020B0604020202020204" pitchFamily="34" charset="0"/>
+              <a:buChar char="»"/>
+              <a:defRPr sz="2000" kern="1200">
+                <a:solidFill>
+                  <a:schemeClr val="tx1"/>
+                </a:solidFill>
+                <a:latin typeface="+mn-lt"/>
+                <a:ea typeface="+mn-ea"/>
+                <a:cs typeface="+mn-cs"/>
+              </a:defRPr>
+            </a:lvl5pPr>
+            <a:lvl6pPr marL="2514600" indent="-228600" algn="l" defTabSz="914400" rtl="0" eaLnBrk="1" latinLnBrk="0" hangingPunct="1">
+              <a:spcBef>
+                <a:spcPct val="20000"/>
+              </a:spcBef>
+              <a:buFont typeface="Arial" panose="020B0604020202020204" pitchFamily="34" charset="0"/>
+              <a:buChar char="•"/>
+              <a:defRPr sz="2000" kern="1200">
+                <a:solidFill>
+                  <a:schemeClr val="tx1"/>
+                </a:solidFill>
+                <a:latin typeface="+mn-lt"/>
+                <a:ea typeface="+mn-ea"/>
+                <a:cs typeface="+mn-cs"/>
+              </a:defRPr>
+            </a:lvl6pPr>
+            <a:lvl7pPr marL="2971800" indent="-228600" algn="l" defTabSz="914400" rtl="0" eaLnBrk="1" latinLnBrk="0" hangingPunct="1">
+              <a:spcBef>
+                <a:spcPct val="20000"/>
+              </a:spcBef>
+              <a:buFont typeface="Arial" panose="020B0604020202020204" pitchFamily="34" charset="0"/>
+              <a:buChar char="•"/>
+              <a:defRPr sz="2000" kern="1200">
+                <a:solidFill>
+                  <a:schemeClr val="tx1"/>
+                </a:solidFill>
+                <a:latin typeface="+mn-lt"/>
+                <a:ea typeface="+mn-ea"/>
+                <a:cs typeface="+mn-cs"/>
+              </a:defRPr>
+            </a:lvl7pPr>
+            <a:lvl8pPr marL="3429000" indent="-228600" algn="l" defTabSz="914400" rtl="0" eaLnBrk="1" latinLnBrk="0" hangingPunct="1">
+              <a:spcBef>
+                <a:spcPct val="20000"/>
+              </a:spcBef>
+              <a:buFont typeface="Arial" panose="020B0604020202020204" pitchFamily="34" charset="0"/>
+              <a:buChar char="•"/>
+              <a:defRPr sz="2000" kern="1200">
+                <a:solidFill>
+                  <a:schemeClr val="tx1"/>
+                </a:solidFill>
+                <a:latin typeface="+mn-lt"/>
+                <a:ea typeface="+mn-ea"/>
+                <a:cs typeface="+mn-cs"/>
+              </a:defRPr>
+            </a:lvl8pPr>
+            <a:lvl9pPr marL="3886200" indent="-228600" algn="l" defTabSz="914400" rtl="0" eaLnBrk="1" latinLnBrk="0" hangingPunct="1">
+              <a:spcBef>
+                <a:spcPct val="20000"/>
+              </a:spcBef>
+              <a:buFont typeface="Arial" panose="020B0604020202020204" pitchFamily="34" charset="0"/>
+              <a:buChar char="•"/>
+              <a:defRPr sz="2000" kern="1200">
+                <a:solidFill>
+                  <a:schemeClr val="tx1"/>
+                </a:solidFill>
+                <a:latin typeface="+mn-lt"/>
+                <a:ea typeface="+mn-ea"/>
+                <a:cs typeface="+mn-cs"/>
+              </a:defRPr>
+            </a:lvl9pPr>
+          </a:lstStyle>
+          <a:p>
+            <a:pPr marL="0" marR="0" lvl="0" indent="0" algn="l" defTabSz="914400" rtl="0" eaLnBrk="1" fontAlgn="auto" latinLnBrk="0" hangingPunct="1">
+              <a:lnSpc>
+                <a:spcPct val="100000"/>
+              </a:lnSpc>
+              <a:spcBef>
+                <a:spcPct val="20000"/>
+              </a:spcBef>
+              <a:spcAft>
+                <a:spcPts val="0"/>
+              </a:spcAft>
+              <a:buClrTx/>
+              <a:buSzTx/>
+              <a:buNone/>
+              <a:defRPr/>
+            </a:pPr>
+            <a:r>
+              <a:rPr lang="zh-CN" altLang="en-US" sz="2400" b="1" dirty="0">
+                <a:latin typeface="楷体" panose="02010609060101010101" pitchFamily="49" charset="-122"/>
+                <a:ea typeface="楷体" panose="02010609060101010101" pitchFamily="49" charset="-122"/>
+              </a:rPr>
+              <a:t>可复用模块</a:t>
+            </a:r>
+            <a:endParaRPr lang="en-US" altLang="zh-CN" sz="2400" b="1" dirty="0">
+              <a:latin typeface="楷体" panose="02010609060101010101" pitchFamily="49" charset="-122"/>
+              <a:ea typeface="楷体" panose="02010609060101010101" pitchFamily="49" charset="-122"/>
+            </a:endParaRPr>
+          </a:p>
+          <a:p>
+            <a:pPr marL="0" marR="0" lvl="0" indent="0" algn="l" defTabSz="914400" rtl="0" eaLnBrk="1" fontAlgn="auto" latinLnBrk="0" hangingPunct="1">
+              <a:lnSpc>
+                <a:spcPct val="100000"/>
+              </a:lnSpc>
+              <a:spcBef>
+                <a:spcPct val="20000"/>
+              </a:spcBef>
+              <a:spcAft>
+                <a:spcPts val="0"/>
+              </a:spcAft>
+              <a:buClrTx/>
+              <a:buSzTx/>
+              <a:buNone/>
+              <a:defRPr/>
+            </a:pPr>
+            <a:endParaRPr kumimoji="0" lang="zh-CN" altLang="en-US" sz="2800" b="0" i="0" u="none" strike="noStrike" kern="1200" cap="none" spc="0" normalizeH="0" baseline="0" noProof="0" dirty="0">
+              <a:ln>
+                <a:noFill/>
+              </a:ln>
+              <a:solidFill>
+                <a:srgbClr val="135BAD"/>
+              </a:solidFill>
+              <a:effectLst/>
+              <a:uLnTx/>
+              <a:uFillTx/>
+              <a:latin typeface="楷体" panose="02010609060101010101" pitchFamily="49" charset="-122"/>
+              <a:ea typeface="楷体" panose="02010609060101010101" pitchFamily="49" charset="-122"/>
+            </a:endParaRPr>
+          </a:p>
+        </p:txBody>
+      </p:sp>
+      <p:sp>
+        <p:nvSpPr>
+          <p:cNvPr id="5" name="标题 1"/>
+          <p:cNvSpPr txBox="1"/>
+          <p:nvPr/>
+        </p:nvSpPr>
+        <p:spPr bwMode="auto">
+          <a:xfrm>
+            <a:off x="533400" y="0"/>
+            <a:ext cx="8229600" cy="914400"/>
+          </a:xfrm>
+          <a:prstGeom prst="rect">
+            <a:avLst/>
+          </a:prstGeom>
+          <a:noFill/>
+          <a:ln w="9525">
+            <a:noFill/>
+            <a:miter lim="800000"/>
+          </a:ln>
+        </p:spPr>
+        <p:txBody>
+          <a:bodyPr vert="horz" wrap="square" lIns="91440" tIns="45720" rIns="91440" bIns="45720" numCol="1" anchor="ctr" anchorCtr="0" compatLnSpc="1"/>
+          <a:lstStyle>
+            <a:lvl1pPr algn="ctr" rtl="0" eaLnBrk="1" fontAlgn="base" hangingPunct="1">
+              <a:spcBef>
+                <a:spcPct val="0"/>
+              </a:spcBef>
+              <a:spcAft>
+                <a:spcPct val="0"/>
+              </a:spcAft>
+              <a:defRPr sz="4400">
+                <a:solidFill>
+                  <a:schemeClr val="tx2"/>
+                </a:solidFill>
+                <a:latin typeface="+mj-lt"/>
+                <a:ea typeface="+mj-ea"/>
+                <a:cs typeface="+mj-cs"/>
+              </a:defRPr>
+            </a:lvl1pPr>
+            <a:lvl2pPr algn="ctr" rtl="0" eaLnBrk="1" fontAlgn="base" hangingPunct="1">
+              <a:spcBef>
+                <a:spcPct val="0"/>
+              </a:spcBef>
+              <a:spcAft>
+                <a:spcPct val="0"/>
+              </a:spcAft>
+              <a:defRPr sz="4400">
+                <a:solidFill>
+                  <a:schemeClr val="tx2"/>
+                </a:solidFill>
+                <a:latin typeface="Arial" panose="020B0604020202020204" pitchFamily="34" charset="0"/>
+                <a:ea typeface="宋体" panose="02010600030101010101" pitchFamily="2" charset="-122"/>
+              </a:defRPr>
+            </a:lvl2pPr>
+            <a:lvl3pPr algn="ctr" rtl="0" eaLnBrk="1" fontAlgn="base" hangingPunct="1">
+              <a:spcBef>
+                <a:spcPct val="0"/>
+              </a:spcBef>
+              <a:spcAft>
+                <a:spcPct val="0"/>
+              </a:spcAft>
+              <a:defRPr sz="4400">
+                <a:solidFill>
+                  <a:schemeClr val="tx2"/>
+                </a:solidFill>
+                <a:latin typeface="Arial" panose="020B0604020202020204" pitchFamily="34" charset="0"/>
+                <a:ea typeface="宋体" panose="02010600030101010101" pitchFamily="2" charset="-122"/>
+              </a:defRPr>
+            </a:lvl3pPr>
+            <a:lvl4pPr algn="ctr" rtl="0" eaLnBrk="1" fontAlgn="base" hangingPunct="1">
+              <a:spcBef>
+                <a:spcPct val="0"/>
+              </a:spcBef>
+              <a:spcAft>
+                <a:spcPct val="0"/>
+              </a:spcAft>
+              <a:defRPr sz="4400">
+                <a:solidFill>
+                  <a:schemeClr val="tx2"/>
+                </a:solidFill>
+                <a:latin typeface="Arial" panose="020B0604020202020204" pitchFamily="34" charset="0"/>
+                <a:ea typeface="宋体" panose="02010600030101010101" pitchFamily="2" charset="-122"/>
+              </a:defRPr>
+            </a:lvl4pPr>
+            <a:lvl5pPr algn="ctr" rtl="0" eaLnBrk="1" fontAlgn="base" hangingPunct="1">
+              <a:spcBef>
+                <a:spcPct val="0"/>
+              </a:spcBef>
+              <a:spcAft>
+                <a:spcPct val="0"/>
+              </a:spcAft>
+              <a:defRPr sz="4400">
+                <a:solidFill>
+                  <a:schemeClr val="tx2"/>
+                </a:solidFill>
+                <a:latin typeface="Arial" panose="020B0604020202020204" pitchFamily="34" charset="0"/>
+                <a:ea typeface="宋体" panose="02010600030101010101" pitchFamily="2" charset="-122"/>
+              </a:defRPr>
+            </a:lvl5pPr>
+            <a:lvl6pPr marL="457200" algn="ctr" rtl="0" eaLnBrk="1" fontAlgn="base" hangingPunct="1">
+              <a:spcBef>
+                <a:spcPct val="0"/>
+              </a:spcBef>
+              <a:spcAft>
+                <a:spcPct val="0"/>
+              </a:spcAft>
+              <a:defRPr sz="4400">
+                <a:solidFill>
+                  <a:schemeClr val="tx2"/>
+                </a:solidFill>
+                <a:latin typeface="Arial" panose="020B0604020202020204" pitchFamily="34" charset="0"/>
+                <a:ea typeface="宋体" panose="02010600030101010101" pitchFamily="2" charset="-122"/>
+              </a:defRPr>
+            </a:lvl6pPr>
+            <a:lvl7pPr marL="914400" algn="ctr" rtl="0" eaLnBrk="1" fontAlgn="base" hangingPunct="1">
+              <a:spcBef>
+                <a:spcPct val="0"/>
+              </a:spcBef>
+              <a:spcAft>
+                <a:spcPct val="0"/>
+              </a:spcAft>
+              <a:defRPr sz="4400">
+                <a:solidFill>
+                  <a:schemeClr val="tx2"/>
+                </a:solidFill>
+                <a:latin typeface="Arial" panose="020B0604020202020204" pitchFamily="34" charset="0"/>
+                <a:ea typeface="宋体" panose="02010600030101010101" pitchFamily="2" charset="-122"/>
+              </a:defRPr>
+            </a:lvl7pPr>
+            <a:lvl8pPr marL="1371600" algn="ctr" rtl="0" eaLnBrk="1" fontAlgn="base" hangingPunct="1">
+              <a:spcBef>
+                <a:spcPct val="0"/>
+              </a:spcBef>
+              <a:spcAft>
+                <a:spcPct val="0"/>
+              </a:spcAft>
+              <a:defRPr sz="4400">
+                <a:solidFill>
+                  <a:schemeClr val="tx2"/>
+                </a:solidFill>
+                <a:latin typeface="Arial" panose="020B0604020202020204" pitchFamily="34" charset="0"/>
+                <a:ea typeface="宋体" panose="02010600030101010101" pitchFamily="2" charset="-122"/>
+              </a:defRPr>
+            </a:lvl8pPr>
+            <a:lvl9pPr marL="1828800" algn="ctr" rtl="0" eaLnBrk="1" fontAlgn="base" hangingPunct="1">
+              <a:spcBef>
+                <a:spcPct val="0"/>
+              </a:spcBef>
+              <a:spcAft>
+                <a:spcPct val="0"/>
+              </a:spcAft>
+              <a:defRPr sz="4400">
+                <a:solidFill>
+                  <a:schemeClr val="tx2"/>
+                </a:solidFill>
+                <a:latin typeface="Arial" panose="020B0604020202020204" pitchFamily="34" charset="0"/>
+                <a:ea typeface="宋体" panose="02010600030101010101" pitchFamily="2" charset="-122"/>
+              </a:defRPr>
+            </a:lvl9pPr>
+          </a:lstStyle>
+          <a:p>
+            <a:r>
+              <a:rPr lang="zh-CN" altLang="en-US" b="1" dirty="0">
+                <a:solidFill>
+                  <a:schemeClr val="bg1"/>
+                </a:solidFill>
+                <a:latin typeface="微软雅黑" panose="020B0503020204020204" pitchFamily="34" charset="-122"/>
+                <a:ea typeface="微软雅黑" panose="020B0503020204020204" pitchFamily="34" charset="-122"/>
+              </a:rPr>
+              <a:t>突出贡献</a:t>
+            </a:r>
+            <a:endParaRPr lang="zh-CN" altLang="en-US" b="1" dirty="0">
+              <a:solidFill>
+                <a:schemeClr val="bg1"/>
+              </a:solidFill>
+              <a:latin typeface="微软雅黑" panose="020B0503020204020204" pitchFamily="34" charset="-122"/>
+              <a:ea typeface="微软雅黑" panose="020B0503020204020204" pitchFamily="34" charset="-122"/>
+            </a:endParaRPr>
+          </a:p>
+        </p:txBody>
+      </p:sp>
+      <p:sp>
+        <p:nvSpPr>
+          <p:cNvPr id="7" name="文本框 6"/>
+          <p:cNvSpPr txBox="1"/>
+          <p:nvPr/>
+        </p:nvSpPr>
+        <p:spPr>
+          <a:xfrm>
+            <a:off x="356870" y="1995805"/>
+            <a:ext cx="8126730" cy="645160"/>
+          </a:xfrm>
+          <a:prstGeom prst="rect">
+            <a:avLst/>
+          </a:prstGeom>
+          <a:noFill/>
+        </p:spPr>
+        <p:txBody>
+          <a:bodyPr wrap="square" rtlCol="0">
+            <a:spAutoFit/>
+          </a:bodyPr>
+          <a:p>
+            <a:r>
+              <a:rPr lang="zh-CN" altLang="en-US"/>
+              <a:t>以</a:t>
+            </a:r>
+            <a:r>
+              <a:rPr lang="en-US" altLang="zh-CN"/>
+              <a:t>Django</a:t>
+            </a:r>
+            <a:r>
+              <a:rPr lang="zh-CN" altLang="en-US"/>
+              <a:t>为服务，</a:t>
+            </a:r>
+            <a:r>
+              <a:rPr lang="en-US" altLang="zh-CN"/>
+              <a:t>C++</a:t>
+            </a:r>
+            <a:r>
+              <a:rPr lang="zh-CN" altLang="en-US"/>
+              <a:t>，</a:t>
+            </a:r>
+            <a:r>
+              <a:rPr lang="en-US" altLang="zh-CN"/>
+              <a:t>QT</a:t>
+            </a:r>
+            <a:r>
+              <a:rPr lang="zh-CN" altLang="en-US"/>
+              <a:t>上传下载文件数据的整套</a:t>
+            </a:r>
+            <a:r>
+              <a:rPr lang="zh-CN" altLang="en-US">
+                <a:sym typeface="+mn-ea"/>
+              </a:rPr>
+              <a:t>模拟</a:t>
+            </a:r>
+            <a:r>
+              <a:rPr lang="en-US" altLang="zh-CN">
+                <a:sym typeface="+mn-ea"/>
+              </a:rPr>
+              <a:t>C/S</a:t>
+            </a:r>
+            <a:r>
+              <a:rPr lang="zh-CN" altLang="en-US">
+                <a:sym typeface="+mn-ea"/>
+              </a:rPr>
+              <a:t>的</a:t>
+            </a:r>
+            <a:r>
+              <a:rPr lang="en-US" altLang="zh-CN">
+                <a:sym typeface="+mn-ea"/>
+              </a:rPr>
+              <a:t>B/S</a:t>
+            </a:r>
+            <a:r>
+              <a:rPr lang="zh-CN" altLang="en-US"/>
+              <a:t>服务架构，完全可复用，其具用以下特点：</a:t>
+            </a:r>
+            <a:endParaRPr lang="zh-CN" altLang="en-US"/>
+          </a:p>
+        </p:txBody>
+      </p:sp>
+      <p:sp>
+        <p:nvSpPr>
+          <p:cNvPr id="6" name="文本框 5"/>
+          <p:cNvSpPr txBox="1"/>
+          <p:nvPr/>
+        </p:nvSpPr>
+        <p:spPr>
+          <a:xfrm>
+            <a:off x="541655" y="2958465"/>
+            <a:ext cx="8134350" cy="2030095"/>
+          </a:xfrm>
+          <a:prstGeom prst="rect">
+            <a:avLst/>
+          </a:prstGeom>
+          <a:noFill/>
+        </p:spPr>
+        <p:txBody>
+          <a:bodyPr wrap="square" rtlCol="0">
+            <a:spAutoFit/>
+          </a:bodyPr>
+          <a:p>
+            <a:pPr algn="ctr"/>
+            <a:r>
+              <a:rPr lang="en-US" altLang="zh-CN">
+                <a:sym typeface="+mn-ea"/>
+              </a:rPr>
+              <a:t>1</a:t>
+            </a:r>
+            <a:r>
+              <a:rPr lang="zh-CN" altLang="en-US">
+                <a:sym typeface="+mn-ea"/>
+              </a:rPr>
+              <a:t>、开发效率高；</a:t>
+            </a:r>
+            <a:endParaRPr lang="zh-CN" altLang="en-US">
+              <a:sym typeface="+mn-ea"/>
+            </a:endParaRPr>
+          </a:p>
+          <a:p>
+            <a:pPr algn="ctr"/>
+            <a:endParaRPr lang="zh-CN" altLang="en-US"/>
+          </a:p>
+          <a:p>
+            <a:pPr algn="ctr"/>
+            <a:r>
+              <a:rPr lang="en-US" altLang="zh-CN">
+                <a:sym typeface="+mn-ea"/>
+              </a:rPr>
+              <a:t>2</a:t>
+            </a:r>
+            <a:r>
+              <a:rPr lang="zh-CN" altLang="en-US">
+                <a:sym typeface="+mn-ea"/>
+              </a:rPr>
+              <a:t>、拓展性强；</a:t>
+            </a:r>
+            <a:endParaRPr lang="zh-CN" altLang="en-US">
+              <a:sym typeface="+mn-ea"/>
+            </a:endParaRPr>
+          </a:p>
+          <a:p>
+            <a:pPr algn="ctr"/>
+            <a:endParaRPr lang="zh-CN" altLang="en-US"/>
+          </a:p>
+          <a:p>
+            <a:pPr algn="ctr"/>
+            <a:r>
+              <a:rPr lang="en-US" altLang="zh-CN">
+                <a:sym typeface="+mn-ea"/>
+              </a:rPr>
+              <a:t>3</a:t>
+            </a:r>
+            <a:r>
+              <a:rPr lang="zh-CN" altLang="en-US">
+                <a:sym typeface="+mn-ea"/>
+              </a:rPr>
+              <a:t>、适用性广；</a:t>
+            </a:r>
+            <a:endParaRPr lang="zh-CN" altLang="en-US">
+              <a:sym typeface="+mn-ea"/>
+            </a:endParaRPr>
+          </a:p>
+          <a:p>
+            <a:pPr algn="ctr"/>
+            <a:endParaRPr lang="zh-CN" altLang="en-US"/>
+          </a:p>
+          <a:p>
+            <a:pPr algn="ctr"/>
+            <a:r>
+              <a:rPr lang="en-US" altLang="zh-CN"/>
+              <a:t>4</a:t>
+            </a:r>
+            <a:r>
+              <a:rPr lang="zh-CN" altLang="en-US"/>
+              <a:t>、模块化，耦合性弱。</a:t>
+            </a:r>
+            <a:endParaRPr lang="zh-CN" altLang="en-US"/>
+          </a:p>
+        </p:txBody>
+      </p:sp>
+    </p:spTree>
+  </p:cSld>
+  <p:clrMapOvr>
+    <a:masterClrMapping/>
+  </p:clrMapOvr>
+</p:sld>
+</file>
+
+<file path=ppt/slides/slide12.xml><?xml version="1.0" encoding="utf-8"?>
+<p:sld xmlns:a="http://schemas.openxmlformats.org/drawingml/2006/main" xmlns:r="http://schemas.openxmlformats.org/officeDocument/2006/relationships" xmlns:p="http://schemas.openxmlformats.org/presentationml/2006/main">
+  <p:cSld>
+    <p:spTree>
+      <p:nvGrpSpPr>
+        <p:cNvPr id="1" name=""/>
+        <p:cNvGrpSpPr/>
+        <p:nvPr/>
+      </p:nvGrpSpPr>
+      <p:grpSpPr>
+        <a:xfrm>
+          <a:off x="0" y="0"/>
+          <a:ext cx="0" cy="0"/>
+          <a:chOff x="0" y="0"/>
+          <a:chExt cx="0" cy="0"/>
+        </a:xfrm>
+      </p:grpSpPr>
+      <p:cxnSp>
+        <p:nvCxnSpPr>
+          <p:cNvPr id="12" name="直接连接符 11"/>
+          <p:cNvCxnSpPr/>
+          <p:nvPr/>
+        </p:nvCxnSpPr>
+        <p:spPr>
+          <a:xfrm>
+            <a:off x="428596" y="6499246"/>
+            <a:ext cx="3714776" cy="1588"/>
+          </a:xfrm>
+          <a:prstGeom prst="line">
+            <a:avLst/>
+          </a:prstGeom>
+          <a:ln w="28575">
+            <a:solidFill>
+              <a:srgbClr val="0070C0"/>
+            </a:solidFill>
+          </a:ln>
+        </p:spPr>
+        <p:style>
+          <a:lnRef idx="1">
+            <a:schemeClr val="accent1"/>
+          </a:lnRef>
+          <a:fillRef idx="0">
+            <a:schemeClr val="accent1"/>
+          </a:fillRef>
+          <a:effectRef idx="0">
+            <a:schemeClr val="accent1"/>
+          </a:effectRef>
+          <a:fontRef idx="minor">
+            <a:schemeClr val="tx1"/>
+          </a:fontRef>
+        </p:style>
+      </p:cxnSp>
+      <p:sp>
+        <p:nvSpPr>
+          <p:cNvPr id="17" name="TextBox 16"/>
+          <p:cNvSpPr txBox="1"/>
+          <p:nvPr/>
+        </p:nvSpPr>
+        <p:spPr>
+          <a:xfrm>
+            <a:off x="357158" y="6500834"/>
+            <a:ext cx="2209259" cy="253916"/>
+          </a:xfrm>
+          <a:prstGeom prst="rect">
+            <a:avLst/>
+          </a:prstGeom>
+          <a:noFill/>
+        </p:spPr>
+        <p:txBody>
+          <a:bodyPr wrap="none" rtlCol="0">
+            <a:spAutoFit/>
+          </a:bodyPr>
+          <a:lstStyle/>
+          <a:p>
+            <a:r>
+              <a:rPr lang="en-US" altLang="zh-CN" sz="1050" dirty="0"/>
+              <a:t>Beijing </a:t>
+            </a:r>
+            <a:r>
+              <a:rPr lang="en-US" altLang="zh-CN" sz="1050" dirty="0" err="1"/>
+              <a:t>Daheng</a:t>
+            </a:r>
+            <a:r>
+              <a:rPr lang="en-US" altLang="zh-CN" sz="1050" dirty="0"/>
+              <a:t> Image Vision Co., Ltd.</a:t>
+            </a:r>
+            <a:endParaRPr lang="en-US" altLang="zh-CN" sz="1050" dirty="0"/>
+          </a:p>
+        </p:txBody>
+      </p:sp>
+      <p:sp>
+        <p:nvSpPr>
+          <p:cNvPr id="2" name="AutoShape 12" descr="http://img1.imgtn.bdimg.com/it/u=987737760,2271887046&amp;fm=15&amp;gp=0.jpg"/>
+          <p:cNvSpPr>
+            <a:spLocks noChangeAspect="1" noChangeArrowheads="1"/>
+          </p:cNvSpPr>
+          <p:nvPr/>
+        </p:nvSpPr>
+        <p:spPr bwMode="auto">
+          <a:xfrm>
+            <a:off x="155575" y="-144463"/>
+            <a:ext cx="304800" cy="304801"/>
+          </a:xfrm>
+          <a:prstGeom prst="rect">
+            <a:avLst/>
+          </a:prstGeom>
+          <a:noFill/>
+          <a:extLst>
+            <a:ext uri="{909E8E84-426E-40DD-AFC4-6F175D3DCCD1}">
+              <a14:hiddenFill xmlns:a14="http://schemas.microsoft.com/office/drawing/2010/main">
+                <a:solidFill>
+                  <a:srgbClr val="FFFFFF"/>
+                </a:solidFill>
+              </a14:hiddenFill>
+            </a:ext>
+          </a:extLst>
+        </p:spPr>
+        <p:txBody>
+          <a:bodyPr vert="horz" wrap="square" lIns="91440" tIns="45720" rIns="91440" bIns="45720" numCol="1" anchor="t" anchorCtr="0" compatLnSpc="1"/>
+          <a:lstStyle/>
+          <a:p>
+            <a:endParaRPr lang="zh-CN" altLang="en-US"/>
+          </a:p>
+        </p:txBody>
+      </p:sp>
+      <p:sp>
+        <p:nvSpPr>
+          <p:cNvPr id="3" name="AutoShape 14" descr="http://img1.imgtn.bdimg.com/it/u=987737760,2271887046&amp;fm=15&amp;gp=0.jpg"/>
+          <p:cNvSpPr>
+            <a:spLocks noChangeAspect="1" noChangeArrowheads="1"/>
+          </p:cNvSpPr>
+          <p:nvPr/>
+        </p:nvSpPr>
+        <p:spPr bwMode="auto">
+          <a:xfrm>
+            <a:off x="307975" y="7937"/>
+            <a:ext cx="304800" cy="304801"/>
+          </a:xfrm>
+          <a:prstGeom prst="rect">
+            <a:avLst/>
+          </a:prstGeom>
+          <a:noFill/>
+          <a:extLst>
+            <a:ext uri="{909E8E84-426E-40DD-AFC4-6F175D3DCCD1}">
+              <a14:hiddenFill xmlns:a14="http://schemas.microsoft.com/office/drawing/2010/main">
+                <a:solidFill>
+                  <a:srgbClr val="FFFFFF"/>
+                </a:solidFill>
+              </a14:hiddenFill>
+            </a:ext>
+          </a:extLst>
+        </p:spPr>
+        <p:txBody>
+          <a:bodyPr vert="horz" wrap="square" lIns="91440" tIns="45720" rIns="91440" bIns="45720" numCol="1" anchor="t" anchorCtr="0" compatLnSpc="1"/>
+          <a:lstStyle/>
+          <a:p>
+            <a:endParaRPr lang="zh-CN" altLang="en-US"/>
+          </a:p>
+        </p:txBody>
+      </p:sp>
+      <p:sp>
+        <p:nvSpPr>
+          <p:cNvPr id="4" name="AutoShape 16" descr="http://img1.imgtn.bdimg.com/it/u=987737760,2271887046&amp;fm=15&amp;gp=0.jpg"/>
+          <p:cNvSpPr>
+            <a:spLocks noChangeAspect="1" noChangeArrowheads="1"/>
+          </p:cNvSpPr>
+          <p:nvPr/>
+        </p:nvSpPr>
+        <p:spPr bwMode="auto">
+          <a:xfrm>
+            <a:off x="460375" y="160337"/>
+            <a:ext cx="304800" cy="304801"/>
+          </a:xfrm>
+          <a:prstGeom prst="rect">
+            <a:avLst/>
+          </a:prstGeom>
+          <a:noFill/>
+          <a:extLst>
+            <a:ext uri="{909E8E84-426E-40DD-AFC4-6F175D3DCCD1}">
+              <a14:hiddenFill xmlns:a14="http://schemas.microsoft.com/office/drawing/2010/main">
+                <a:solidFill>
+                  <a:srgbClr val="FFFFFF"/>
+                </a:solidFill>
+              </a14:hiddenFill>
+            </a:ext>
+          </a:extLst>
+        </p:spPr>
+        <p:txBody>
+          <a:bodyPr vert="horz" wrap="square" lIns="91440" tIns="45720" rIns="91440" bIns="45720" numCol="1" anchor="t" anchorCtr="0" compatLnSpc="1"/>
+          <a:lstStyle/>
+          <a:p>
+            <a:endParaRPr lang="zh-CN" altLang="en-US"/>
+          </a:p>
+        </p:txBody>
+      </p:sp>
+      <p:sp>
+        <p:nvSpPr>
+          <p:cNvPr id="9" name="内容占位符 2"/>
+          <p:cNvSpPr txBox="1"/>
+          <p:nvPr/>
+        </p:nvSpPr>
+        <p:spPr>
+          <a:xfrm>
+            <a:off x="307975" y="1196752"/>
+            <a:ext cx="8455025" cy="646484"/>
+          </a:xfrm>
+          <a:prstGeom prst="rect">
+            <a:avLst/>
+          </a:prstGeom>
+        </p:spPr>
+        <p:txBody>
+          <a:bodyPr vert="horz" lIns="91440" tIns="45720" rIns="91440" bIns="45720" rtlCol="0">
+            <a:normAutofit/>
+          </a:bodyPr>
+          <a:lstStyle>
+            <a:lvl1pPr marL="342900" indent="-342900" algn="l" defTabSz="914400" rtl="0" eaLnBrk="1" latinLnBrk="0" hangingPunct="1">
+              <a:spcBef>
+                <a:spcPct val="20000"/>
+              </a:spcBef>
+              <a:buFont typeface="Wingdings" panose="05000000000000000000" pitchFamily="2" charset="2"/>
+              <a:buChar char="v"/>
+              <a:defRPr sz="2800" kern="1200">
+                <a:solidFill>
+                  <a:srgbClr val="135BAD"/>
+                </a:solidFill>
+                <a:latin typeface="微软雅黑" panose="020B0503020204020204" pitchFamily="34" charset="-122"/>
+                <a:ea typeface="微软雅黑" panose="020B0503020204020204" pitchFamily="34" charset="-122"/>
+                <a:cs typeface="+mn-cs"/>
+              </a:defRPr>
+            </a:lvl1pPr>
+            <a:lvl2pPr marL="742950" indent="-285750" algn="l" defTabSz="914400" rtl="0" eaLnBrk="1" latinLnBrk="0" hangingPunct="1">
+              <a:spcBef>
+                <a:spcPct val="20000"/>
+              </a:spcBef>
+              <a:buFont typeface="微软雅黑" panose="020B0503020204020204" pitchFamily="34" charset="-122"/>
+              <a:buChar char="◆"/>
+              <a:defRPr sz="2400" kern="1200">
+                <a:solidFill>
+                  <a:srgbClr val="135BAD"/>
+                </a:solidFill>
+                <a:latin typeface="微软雅黑" panose="020B0503020204020204" pitchFamily="34" charset="-122"/>
+                <a:ea typeface="微软雅黑" panose="020B0503020204020204" pitchFamily="34" charset="-122"/>
+                <a:cs typeface="+mn-cs"/>
+              </a:defRPr>
+            </a:lvl2pPr>
+            <a:lvl3pPr marL="1143000" indent="-228600" algn="l" defTabSz="914400" rtl="0" eaLnBrk="1" latinLnBrk="0" hangingPunct="1">
+              <a:spcBef>
+                <a:spcPct val="20000"/>
+              </a:spcBef>
+              <a:buFont typeface="Webdings" panose="05030102010509060703" pitchFamily="18" charset="2"/>
+              <a:buChar char="4"/>
+              <a:defRPr sz="2000" kern="1200">
+                <a:solidFill>
+                  <a:srgbClr val="135BAD"/>
+                </a:solidFill>
+                <a:latin typeface="微软雅黑" panose="020B0503020204020204" pitchFamily="34" charset="-122"/>
+                <a:ea typeface="微软雅黑" panose="020B0503020204020204" pitchFamily="34" charset="-122"/>
+                <a:cs typeface="+mn-cs"/>
+              </a:defRPr>
+            </a:lvl3pPr>
+            <a:lvl4pPr marL="1600200" indent="-228600" algn="l" defTabSz="914400" rtl="0" eaLnBrk="1" latinLnBrk="0" hangingPunct="1">
+              <a:spcBef>
+                <a:spcPct val="20000"/>
+              </a:spcBef>
+              <a:buFont typeface="Arial" panose="020B0604020202020204" pitchFamily="34" charset="0"/>
+              <a:buChar char="–"/>
+              <a:defRPr sz="2000" kern="1200">
+                <a:solidFill>
+                  <a:schemeClr val="tx1"/>
+                </a:solidFill>
+                <a:latin typeface="+mn-lt"/>
+                <a:ea typeface="+mn-ea"/>
+                <a:cs typeface="+mn-cs"/>
+              </a:defRPr>
+            </a:lvl4pPr>
+            <a:lvl5pPr marL="2057400" indent="-228600" algn="l" defTabSz="914400" rtl="0" eaLnBrk="1" latinLnBrk="0" hangingPunct="1">
+              <a:spcBef>
+                <a:spcPct val="20000"/>
+              </a:spcBef>
+              <a:buFont typeface="Arial" panose="020B0604020202020204" pitchFamily="34" charset="0"/>
+              <a:buChar char="»"/>
+              <a:defRPr sz="2000" kern="1200">
+                <a:solidFill>
+                  <a:schemeClr val="tx1"/>
+                </a:solidFill>
+                <a:latin typeface="+mn-lt"/>
+                <a:ea typeface="+mn-ea"/>
+                <a:cs typeface="+mn-cs"/>
+              </a:defRPr>
+            </a:lvl5pPr>
+            <a:lvl6pPr marL="2514600" indent="-228600" algn="l" defTabSz="914400" rtl="0" eaLnBrk="1" latinLnBrk="0" hangingPunct="1">
+              <a:spcBef>
+                <a:spcPct val="20000"/>
+              </a:spcBef>
+              <a:buFont typeface="Arial" panose="020B0604020202020204" pitchFamily="34" charset="0"/>
+              <a:buChar char="•"/>
+              <a:defRPr sz="2000" kern="1200">
+                <a:solidFill>
+                  <a:schemeClr val="tx1"/>
+                </a:solidFill>
+                <a:latin typeface="+mn-lt"/>
+                <a:ea typeface="+mn-ea"/>
+                <a:cs typeface="+mn-cs"/>
+              </a:defRPr>
+            </a:lvl6pPr>
+            <a:lvl7pPr marL="2971800" indent="-228600" algn="l" defTabSz="914400" rtl="0" eaLnBrk="1" latinLnBrk="0" hangingPunct="1">
+              <a:spcBef>
+                <a:spcPct val="20000"/>
+              </a:spcBef>
+              <a:buFont typeface="Arial" panose="020B0604020202020204" pitchFamily="34" charset="0"/>
+              <a:buChar char="•"/>
+              <a:defRPr sz="2000" kern="1200">
+                <a:solidFill>
+                  <a:schemeClr val="tx1"/>
+                </a:solidFill>
+                <a:latin typeface="+mn-lt"/>
+                <a:ea typeface="+mn-ea"/>
+                <a:cs typeface="+mn-cs"/>
+              </a:defRPr>
+            </a:lvl7pPr>
+            <a:lvl8pPr marL="3429000" indent="-228600" algn="l" defTabSz="914400" rtl="0" eaLnBrk="1" latinLnBrk="0" hangingPunct="1">
+              <a:spcBef>
+                <a:spcPct val="20000"/>
+              </a:spcBef>
+              <a:buFont typeface="Arial" panose="020B0604020202020204" pitchFamily="34" charset="0"/>
+              <a:buChar char="•"/>
+              <a:defRPr sz="2000" kern="1200">
+                <a:solidFill>
+                  <a:schemeClr val="tx1"/>
+                </a:solidFill>
+                <a:latin typeface="+mn-lt"/>
+                <a:ea typeface="+mn-ea"/>
+                <a:cs typeface="+mn-cs"/>
+              </a:defRPr>
+            </a:lvl8pPr>
+            <a:lvl9pPr marL="3886200" indent="-228600" algn="l" defTabSz="914400" rtl="0" eaLnBrk="1" latinLnBrk="0" hangingPunct="1">
+              <a:spcBef>
+                <a:spcPct val="20000"/>
+              </a:spcBef>
+              <a:buFont typeface="Arial" panose="020B0604020202020204" pitchFamily="34" charset="0"/>
+              <a:buChar char="•"/>
+              <a:defRPr sz="2000" kern="1200">
+                <a:solidFill>
+                  <a:schemeClr val="tx1"/>
+                </a:solidFill>
+                <a:latin typeface="+mn-lt"/>
+                <a:ea typeface="+mn-ea"/>
+                <a:cs typeface="+mn-cs"/>
+              </a:defRPr>
+            </a:lvl9pPr>
+          </a:lstStyle>
+          <a:p>
+            <a:pPr marL="0" marR="0" lvl="0" indent="0" algn="l" defTabSz="914400" rtl="0" eaLnBrk="1" fontAlgn="auto" latinLnBrk="0" hangingPunct="1">
+              <a:lnSpc>
+                <a:spcPct val="100000"/>
+              </a:lnSpc>
+              <a:spcBef>
+                <a:spcPct val="20000"/>
+              </a:spcBef>
+              <a:spcAft>
+                <a:spcPts val="0"/>
+              </a:spcAft>
+              <a:buClrTx/>
+              <a:buSzTx/>
+              <a:buNone/>
+              <a:defRPr/>
+            </a:pPr>
+            <a:r>
+              <a:rPr lang="zh-CN" altLang="en-US" sz="2400" b="1" dirty="0">
+                <a:latin typeface="楷体" panose="02010609060101010101" pitchFamily="49" charset="-122"/>
+                <a:ea typeface="楷体" panose="02010609060101010101" pitchFamily="49" charset="-122"/>
+              </a:rPr>
+              <a:t>程序及代码展示</a:t>
+            </a:r>
+            <a:endParaRPr lang="en-US" altLang="zh-CN" sz="2400" b="1" dirty="0">
+              <a:latin typeface="楷体" panose="02010609060101010101" pitchFamily="49" charset="-122"/>
+              <a:ea typeface="楷体" panose="02010609060101010101" pitchFamily="49" charset="-122"/>
+            </a:endParaRPr>
+          </a:p>
+          <a:p>
+            <a:pPr marL="0" marR="0" lvl="0" indent="0" algn="l" defTabSz="914400" rtl="0" eaLnBrk="1" fontAlgn="auto" latinLnBrk="0" hangingPunct="1">
+              <a:lnSpc>
+                <a:spcPct val="100000"/>
+              </a:lnSpc>
+              <a:spcBef>
+                <a:spcPct val="20000"/>
+              </a:spcBef>
+              <a:spcAft>
+                <a:spcPts val="0"/>
+              </a:spcAft>
+              <a:buClrTx/>
+              <a:buSzTx/>
+              <a:buNone/>
+              <a:defRPr/>
+            </a:pPr>
+            <a:endParaRPr kumimoji="0" lang="zh-CN" altLang="en-US" sz="2800" b="0" i="0" u="none" strike="noStrike" kern="1200" cap="none" spc="0" normalizeH="0" baseline="0" noProof="0" dirty="0">
+              <a:ln>
+                <a:noFill/>
+              </a:ln>
+              <a:solidFill>
+                <a:srgbClr val="135BAD"/>
+              </a:solidFill>
+              <a:effectLst/>
+              <a:uLnTx/>
+              <a:uFillTx/>
+              <a:latin typeface="楷体" panose="02010609060101010101" pitchFamily="49" charset="-122"/>
+              <a:ea typeface="楷体" panose="02010609060101010101" pitchFamily="49" charset="-122"/>
+            </a:endParaRPr>
+          </a:p>
+        </p:txBody>
+      </p:sp>
+      <p:sp>
+        <p:nvSpPr>
+          <p:cNvPr id="10" name="内容占位符 2"/>
+          <p:cNvSpPr txBox="1"/>
+          <p:nvPr/>
+        </p:nvSpPr>
+        <p:spPr>
+          <a:xfrm>
+            <a:off x="307974" y="1916831"/>
+            <a:ext cx="8656514" cy="1507405"/>
+          </a:xfrm>
+          <a:prstGeom prst="rect">
+            <a:avLst/>
+          </a:prstGeom>
+        </p:spPr>
+        <p:txBody>
+          <a:bodyPr vert="horz" lIns="91440" tIns="45720" rIns="91440" bIns="45720" rtlCol="0">
+            <a:normAutofit/>
+          </a:bodyPr>
+          <a:lstStyle>
+            <a:lvl1pPr marL="342900" indent="-342900" algn="l" defTabSz="914400" rtl="0" eaLnBrk="1" latinLnBrk="0" hangingPunct="1">
+              <a:spcBef>
+                <a:spcPct val="20000"/>
+              </a:spcBef>
+              <a:buFont typeface="Wingdings" panose="05000000000000000000" pitchFamily="2" charset="2"/>
+              <a:buChar char="v"/>
+              <a:defRPr sz="2800" kern="1200">
+                <a:solidFill>
+                  <a:srgbClr val="135BAD"/>
+                </a:solidFill>
+                <a:latin typeface="微软雅黑" panose="020B0503020204020204" pitchFamily="34" charset="-122"/>
+                <a:ea typeface="微软雅黑" panose="020B0503020204020204" pitchFamily="34" charset="-122"/>
+                <a:cs typeface="+mn-cs"/>
+              </a:defRPr>
+            </a:lvl1pPr>
+            <a:lvl2pPr marL="742950" indent="-285750" algn="l" defTabSz="914400" rtl="0" eaLnBrk="1" latinLnBrk="0" hangingPunct="1">
+              <a:spcBef>
+                <a:spcPct val="20000"/>
+              </a:spcBef>
+              <a:buFont typeface="微软雅黑" panose="020B0503020204020204" pitchFamily="34" charset="-122"/>
+              <a:buChar char="◆"/>
+              <a:defRPr sz="2400" kern="1200">
+                <a:solidFill>
+                  <a:srgbClr val="135BAD"/>
+                </a:solidFill>
+                <a:latin typeface="微软雅黑" panose="020B0503020204020204" pitchFamily="34" charset="-122"/>
+                <a:ea typeface="微软雅黑" panose="020B0503020204020204" pitchFamily="34" charset="-122"/>
+                <a:cs typeface="+mn-cs"/>
+              </a:defRPr>
+            </a:lvl2pPr>
+            <a:lvl3pPr marL="1143000" indent="-228600" algn="l" defTabSz="914400" rtl="0" eaLnBrk="1" latinLnBrk="0" hangingPunct="1">
+              <a:spcBef>
+                <a:spcPct val="20000"/>
+              </a:spcBef>
+              <a:buFont typeface="Webdings" panose="05030102010509060703" pitchFamily="18" charset="2"/>
+              <a:buChar char="4"/>
+              <a:defRPr sz="2000" kern="1200">
+                <a:solidFill>
+                  <a:srgbClr val="135BAD"/>
+                </a:solidFill>
+                <a:latin typeface="微软雅黑" panose="020B0503020204020204" pitchFamily="34" charset="-122"/>
+                <a:ea typeface="微软雅黑" panose="020B0503020204020204" pitchFamily="34" charset="-122"/>
+                <a:cs typeface="+mn-cs"/>
+              </a:defRPr>
+            </a:lvl3pPr>
+            <a:lvl4pPr marL="1600200" indent="-228600" algn="l" defTabSz="914400" rtl="0" eaLnBrk="1" latinLnBrk="0" hangingPunct="1">
+              <a:spcBef>
+                <a:spcPct val="20000"/>
+              </a:spcBef>
+              <a:buFont typeface="Arial" panose="020B0604020202020204" pitchFamily="34" charset="0"/>
+              <a:buChar char="–"/>
+              <a:defRPr sz="2000" kern="1200">
+                <a:solidFill>
+                  <a:schemeClr val="tx1"/>
+                </a:solidFill>
+                <a:latin typeface="+mn-lt"/>
+                <a:ea typeface="+mn-ea"/>
+                <a:cs typeface="+mn-cs"/>
+              </a:defRPr>
+            </a:lvl4pPr>
+            <a:lvl5pPr marL="2057400" indent="-228600" algn="l" defTabSz="914400" rtl="0" eaLnBrk="1" latinLnBrk="0" hangingPunct="1">
+              <a:spcBef>
+                <a:spcPct val="20000"/>
+              </a:spcBef>
+              <a:buFont typeface="Arial" panose="020B0604020202020204" pitchFamily="34" charset="0"/>
+              <a:buChar char="»"/>
+              <a:defRPr sz="2000" kern="1200">
+                <a:solidFill>
+                  <a:schemeClr val="tx1"/>
+                </a:solidFill>
+                <a:latin typeface="+mn-lt"/>
+                <a:ea typeface="+mn-ea"/>
+                <a:cs typeface="+mn-cs"/>
+              </a:defRPr>
+            </a:lvl5pPr>
+            <a:lvl6pPr marL="2514600" indent="-228600" algn="l" defTabSz="914400" rtl="0" eaLnBrk="1" latinLnBrk="0" hangingPunct="1">
+              <a:spcBef>
+                <a:spcPct val="20000"/>
+              </a:spcBef>
+              <a:buFont typeface="Arial" panose="020B0604020202020204" pitchFamily="34" charset="0"/>
+              <a:buChar char="•"/>
+              <a:defRPr sz="2000" kern="1200">
+                <a:solidFill>
+                  <a:schemeClr val="tx1"/>
+                </a:solidFill>
+                <a:latin typeface="+mn-lt"/>
+                <a:ea typeface="+mn-ea"/>
+                <a:cs typeface="+mn-cs"/>
+              </a:defRPr>
+            </a:lvl6pPr>
+            <a:lvl7pPr marL="2971800" indent="-228600" algn="l" defTabSz="914400" rtl="0" eaLnBrk="1" latinLnBrk="0" hangingPunct="1">
+              <a:spcBef>
+                <a:spcPct val="20000"/>
+              </a:spcBef>
+              <a:buFont typeface="Arial" panose="020B0604020202020204" pitchFamily="34" charset="0"/>
+              <a:buChar char="•"/>
+              <a:defRPr sz="2000" kern="1200">
+                <a:solidFill>
+                  <a:schemeClr val="tx1"/>
+                </a:solidFill>
+                <a:latin typeface="+mn-lt"/>
+                <a:ea typeface="+mn-ea"/>
+                <a:cs typeface="+mn-cs"/>
+              </a:defRPr>
+            </a:lvl7pPr>
+            <a:lvl8pPr marL="3429000" indent="-228600" algn="l" defTabSz="914400" rtl="0" eaLnBrk="1" latinLnBrk="0" hangingPunct="1">
+              <a:spcBef>
+                <a:spcPct val="20000"/>
+              </a:spcBef>
+              <a:buFont typeface="Arial" panose="020B0604020202020204" pitchFamily="34" charset="0"/>
+              <a:buChar char="•"/>
+              <a:defRPr sz="2000" kern="1200">
+                <a:solidFill>
+                  <a:schemeClr val="tx1"/>
+                </a:solidFill>
+                <a:latin typeface="+mn-lt"/>
+                <a:ea typeface="+mn-ea"/>
+                <a:cs typeface="+mn-cs"/>
+              </a:defRPr>
+            </a:lvl8pPr>
+            <a:lvl9pPr marL="3886200" indent="-228600" algn="l" defTabSz="914400" rtl="0" eaLnBrk="1" latinLnBrk="0" hangingPunct="1">
+              <a:spcBef>
+                <a:spcPct val="20000"/>
+              </a:spcBef>
+              <a:buFont typeface="Arial" panose="020B0604020202020204" pitchFamily="34" charset="0"/>
+              <a:buChar char="•"/>
+              <a:defRPr sz="2000" kern="1200">
+                <a:solidFill>
+                  <a:schemeClr val="tx1"/>
+                </a:solidFill>
+                <a:latin typeface="+mn-lt"/>
+                <a:ea typeface="+mn-ea"/>
+                <a:cs typeface="+mn-cs"/>
+              </a:defRPr>
+            </a:lvl9pPr>
+          </a:lstStyle>
+          <a:p>
+            <a:pPr marL="0" marR="0" lvl="0" indent="355600" algn="l" defTabSz="914400" rtl="0" eaLnBrk="1" fontAlgn="auto" latinLnBrk="0" hangingPunct="1">
+              <a:lnSpc>
+                <a:spcPct val="100000"/>
+              </a:lnSpc>
+              <a:spcBef>
+                <a:spcPct val="20000"/>
+              </a:spcBef>
+              <a:spcAft>
+                <a:spcPts val="0"/>
+              </a:spcAft>
+              <a:buClrTx/>
+              <a:buSzTx/>
+              <a:buNone/>
+              <a:defRPr/>
+            </a:pPr>
+            <a:r>
+              <a:rPr lang="zh-CN" altLang="en-US" sz="2400" dirty="0">
+                <a:solidFill>
+                  <a:srgbClr val="FF0000"/>
+                </a:solidFill>
+                <a:latin typeface="楷体" panose="02010609060101010101" pitchFamily="49" charset="-122"/>
+                <a:ea typeface="楷体" panose="02010609060101010101" pitchFamily="49" charset="-122"/>
+              </a:rPr>
+              <a:t>上述突出贡献案例展示：可以包括运行程序、录像、图片、源代码等等，能够明显证明突出业绩的案例。</a:t>
+            </a:r>
+            <a:endParaRPr kumimoji="0" lang="zh-CN" altLang="en-US" sz="2400" i="0" u="none" strike="noStrike" kern="1200" cap="none" spc="0" normalizeH="0" baseline="0" noProof="0" dirty="0">
+              <a:ln>
+                <a:noFill/>
+              </a:ln>
+              <a:solidFill>
+                <a:srgbClr val="FF0000"/>
+              </a:solidFill>
+              <a:effectLst/>
+              <a:uLnTx/>
+              <a:uFillTx/>
+              <a:latin typeface="楷体" panose="02010609060101010101" pitchFamily="49" charset="-122"/>
+              <a:ea typeface="楷体" panose="02010609060101010101" pitchFamily="49" charset="-122"/>
+            </a:endParaRPr>
+          </a:p>
+        </p:txBody>
+      </p:sp>
+      <p:sp>
+        <p:nvSpPr>
+          <p:cNvPr id="5" name="标题 1"/>
+          <p:cNvSpPr txBox="1"/>
+          <p:nvPr/>
+        </p:nvSpPr>
+        <p:spPr bwMode="auto">
+          <a:xfrm>
+            <a:off x="533400" y="0"/>
+            <a:ext cx="8229600" cy="914400"/>
+          </a:xfrm>
+          <a:prstGeom prst="rect">
+            <a:avLst/>
+          </a:prstGeom>
+          <a:noFill/>
+          <a:ln w="9525">
+            <a:noFill/>
+            <a:miter lim="800000"/>
+          </a:ln>
+        </p:spPr>
+        <p:txBody>
+          <a:bodyPr vert="horz" wrap="square" lIns="91440" tIns="45720" rIns="91440" bIns="45720" numCol="1" anchor="ctr" anchorCtr="0" compatLnSpc="1"/>
+          <a:lstStyle>
+            <a:lvl1pPr algn="ctr" rtl="0" eaLnBrk="1" fontAlgn="base" hangingPunct="1">
+              <a:spcBef>
+                <a:spcPct val="0"/>
+              </a:spcBef>
+              <a:spcAft>
+                <a:spcPct val="0"/>
+              </a:spcAft>
+              <a:defRPr sz="4400">
+                <a:solidFill>
+                  <a:schemeClr val="tx2"/>
+                </a:solidFill>
+                <a:latin typeface="+mj-lt"/>
+                <a:ea typeface="+mj-ea"/>
+                <a:cs typeface="+mj-cs"/>
+              </a:defRPr>
+            </a:lvl1pPr>
+            <a:lvl2pPr algn="ctr" rtl="0" eaLnBrk="1" fontAlgn="base" hangingPunct="1">
+              <a:spcBef>
+                <a:spcPct val="0"/>
+              </a:spcBef>
+              <a:spcAft>
+                <a:spcPct val="0"/>
+              </a:spcAft>
+              <a:defRPr sz="4400">
+                <a:solidFill>
+                  <a:schemeClr val="tx2"/>
+                </a:solidFill>
+                <a:latin typeface="Arial" panose="020B0604020202020204" pitchFamily="34" charset="0"/>
+                <a:ea typeface="宋体" panose="02010600030101010101" pitchFamily="2" charset="-122"/>
+              </a:defRPr>
+            </a:lvl2pPr>
+            <a:lvl3pPr algn="ctr" rtl="0" eaLnBrk="1" fontAlgn="base" hangingPunct="1">
+              <a:spcBef>
+                <a:spcPct val="0"/>
+              </a:spcBef>
+              <a:spcAft>
+                <a:spcPct val="0"/>
+              </a:spcAft>
+              <a:defRPr sz="4400">
+                <a:solidFill>
+                  <a:schemeClr val="tx2"/>
+                </a:solidFill>
+                <a:latin typeface="Arial" panose="020B0604020202020204" pitchFamily="34" charset="0"/>
+                <a:ea typeface="宋体" panose="02010600030101010101" pitchFamily="2" charset="-122"/>
+              </a:defRPr>
+            </a:lvl3pPr>
+            <a:lvl4pPr algn="ctr" rtl="0" eaLnBrk="1" fontAlgn="base" hangingPunct="1">
+              <a:spcBef>
+                <a:spcPct val="0"/>
+              </a:spcBef>
+              <a:spcAft>
+                <a:spcPct val="0"/>
+              </a:spcAft>
+              <a:defRPr sz="4400">
+                <a:solidFill>
+                  <a:schemeClr val="tx2"/>
+                </a:solidFill>
+                <a:latin typeface="Arial" panose="020B0604020202020204" pitchFamily="34" charset="0"/>
+                <a:ea typeface="宋体" panose="02010600030101010101" pitchFamily="2" charset="-122"/>
+              </a:defRPr>
+            </a:lvl4pPr>
+            <a:lvl5pPr algn="ctr" rtl="0" eaLnBrk="1" fontAlgn="base" hangingPunct="1">
+              <a:spcBef>
+                <a:spcPct val="0"/>
+              </a:spcBef>
+              <a:spcAft>
+                <a:spcPct val="0"/>
+              </a:spcAft>
+              <a:defRPr sz="4400">
+                <a:solidFill>
+                  <a:schemeClr val="tx2"/>
+                </a:solidFill>
+                <a:latin typeface="Arial" panose="020B0604020202020204" pitchFamily="34" charset="0"/>
+                <a:ea typeface="宋体" panose="02010600030101010101" pitchFamily="2" charset="-122"/>
+              </a:defRPr>
+            </a:lvl5pPr>
+            <a:lvl6pPr marL="457200" algn="ctr" rtl="0" eaLnBrk="1" fontAlgn="base" hangingPunct="1">
+              <a:spcBef>
+                <a:spcPct val="0"/>
+              </a:spcBef>
+              <a:spcAft>
+                <a:spcPct val="0"/>
+              </a:spcAft>
+              <a:defRPr sz="4400">
+                <a:solidFill>
+                  <a:schemeClr val="tx2"/>
+                </a:solidFill>
+                <a:latin typeface="Arial" panose="020B0604020202020204" pitchFamily="34" charset="0"/>
+                <a:ea typeface="宋体" panose="02010600030101010101" pitchFamily="2" charset="-122"/>
+              </a:defRPr>
+            </a:lvl6pPr>
+            <a:lvl7pPr marL="914400" algn="ctr" rtl="0" eaLnBrk="1" fontAlgn="base" hangingPunct="1">
+              <a:spcBef>
+                <a:spcPct val="0"/>
+              </a:spcBef>
+              <a:spcAft>
+                <a:spcPct val="0"/>
+              </a:spcAft>
+              <a:defRPr sz="4400">
+                <a:solidFill>
+                  <a:schemeClr val="tx2"/>
+                </a:solidFill>
+                <a:latin typeface="Arial" panose="020B0604020202020204" pitchFamily="34" charset="0"/>
+                <a:ea typeface="宋体" panose="02010600030101010101" pitchFamily="2" charset="-122"/>
+              </a:defRPr>
+            </a:lvl7pPr>
+            <a:lvl8pPr marL="1371600" algn="ctr" rtl="0" eaLnBrk="1" fontAlgn="base" hangingPunct="1">
+              <a:spcBef>
+                <a:spcPct val="0"/>
+              </a:spcBef>
+              <a:spcAft>
+                <a:spcPct val="0"/>
+              </a:spcAft>
+              <a:defRPr sz="4400">
+                <a:solidFill>
+                  <a:schemeClr val="tx2"/>
+                </a:solidFill>
+                <a:latin typeface="Arial" panose="020B0604020202020204" pitchFamily="34" charset="0"/>
+                <a:ea typeface="宋体" panose="02010600030101010101" pitchFamily="2" charset="-122"/>
+              </a:defRPr>
+            </a:lvl8pPr>
+            <a:lvl9pPr marL="1828800" algn="ctr" rtl="0" eaLnBrk="1" fontAlgn="base" hangingPunct="1">
+              <a:spcBef>
+                <a:spcPct val="0"/>
+              </a:spcBef>
+              <a:spcAft>
+                <a:spcPct val="0"/>
+              </a:spcAft>
+              <a:defRPr sz="4400">
+                <a:solidFill>
+                  <a:schemeClr val="tx2"/>
+                </a:solidFill>
+                <a:latin typeface="Arial" panose="020B0604020202020204" pitchFamily="34" charset="0"/>
+                <a:ea typeface="宋体" panose="02010600030101010101" pitchFamily="2" charset="-122"/>
+              </a:defRPr>
+            </a:lvl9pPr>
+          </a:lstStyle>
+          <a:p>
+            <a:r>
+              <a:rPr lang="zh-CN" altLang="en-US" b="1" dirty="0">
+                <a:solidFill>
+                  <a:schemeClr val="bg1"/>
+                </a:solidFill>
+                <a:latin typeface="微软雅黑" panose="020B0503020204020204" pitchFamily="34" charset="-122"/>
+                <a:ea typeface="微软雅黑" panose="020B0503020204020204" pitchFamily="34" charset="-122"/>
+              </a:rPr>
+              <a:t>突出贡献</a:t>
+            </a:r>
+            <a:endParaRPr lang="zh-CN" altLang="en-US" b="1" dirty="0">
+              <a:solidFill>
+                <a:schemeClr val="bg1"/>
+              </a:solidFill>
+              <a:latin typeface="微软雅黑" panose="020B0503020204020204" pitchFamily="34" charset="-122"/>
+              <a:ea typeface="微软雅黑" panose="020B0503020204020204" pitchFamily="34" charset="-122"/>
+            </a:endParaRPr>
+          </a:p>
+        </p:txBody>
+      </p:sp>
+    </p:spTree>
+  </p:cSld>
+  <p:clrMapOvr>
+    <a:masterClrMapping/>
+  </p:clrMapOvr>
+</p:sld>
+</file>
+
+<file path=ppt/slides/slide13.xml><?xml version="1.0" encoding="utf-8"?>
+<p:sld xmlns:a="http://schemas.openxmlformats.org/drawingml/2006/main" xmlns:r="http://schemas.openxmlformats.org/officeDocument/2006/relationships" xmlns:p="http://schemas.openxmlformats.org/presentationml/2006/main">
+  <p:cSld>
+    <p:spTree>
+      <p:nvGrpSpPr>
+        <p:cNvPr id="1" name=""/>
+        <p:cNvGrpSpPr/>
+        <p:nvPr/>
+      </p:nvGrpSpPr>
+      <p:grpSpPr>
+        <a:xfrm>
+          <a:off x="0" y="0"/>
+          <a:ext cx="0" cy="0"/>
+          <a:chOff x="0" y="0"/>
+          <a:chExt cx="0" cy="0"/>
+        </a:xfrm>
+      </p:grpSpPr>
+      <p:cxnSp>
+        <p:nvCxnSpPr>
+          <p:cNvPr id="12" name="直接连接符 11"/>
+          <p:cNvCxnSpPr/>
+          <p:nvPr/>
+        </p:nvCxnSpPr>
+        <p:spPr>
+          <a:xfrm>
+            <a:off x="428596" y="6499246"/>
+            <a:ext cx="3714776" cy="1588"/>
+          </a:xfrm>
+          <a:prstGeom prst="line">
+            <a:avLst/>
+          </a:prstGeom>
+          <a:ln w="28575">
+            <a:solidFill>
+              <a:srgbClr val="0070C0"/>
+            </a:solidFill>
+          </a:ln>
+        </p:spPr>
+        <p:style>
+          <a:lnRef idx="1">
+            <a:schemeClr val="accent1"/>
+          </a:lnRef>
+          <a:fillRef idx="0">
+            <a:schemeClr val="accent1"/>
+          </a:fillRef>
+          <a:effectRef idx="0">
+            <a:schemeClr val="accent1"/>
+          </a:effectRef>
+          <a:fontRef idx="minor">
+            <a:schemeClr val="tx1"/>
+          </a:fontRef>
+        </p:style>
+      </p:cxnSp>
+      <p:sp>
+        <p:nvSpPr>
+          <p:cNvPr id="17" name="TextBox 16"/>
+          <p:cNvSpPr txBox="1"/>
+          <p:nvPr/>
+        </p:nvSpPr>
+        <p:spPr>
+          <a:xfrm>
+            <a:off x="357158" y="6500834"/>
+            <a:ext cx="2209259" cy="253916"/>
+          </a:xfrm>
+          <a:prstGeom prst="rect">
+            <a:avLst/>
+          </a:prstGeom>
+          <a:noFill/>
+        </p:spPr>
+        <p:txBody>
+          <a:bodyPr wrap="none" rtlCol="0">
+            <a:spAutoFit/>
+          </a:bodyPr>
+          <a:lstStyle/>
+          <a:p>
+            <a:r>
+              <a:rPr lang="en-US" altLang="zh-CN" sz="1050" dirty="0"/>
+              <a:t>Beijing </a:t>
+            </a:r>
+            <a:r>
+              <a:rPr lang="en-US" altLang="zh-CN" sz="1050" dirty="0" err="1"/>
+              <a:t>Daheng</a:t>
+            </a:r>
+            <a:r>
+              <a:rPr lang="en-US" altLang="zh-CN" sz="1050" dirty="0"/>
+              <a:t> Image Vision Co., Ltd.</a:t>
+            </a:r>
+            <a:endParaRPr lang="en-US" altLang="zh-CN" sz="1050" dirty="0"/>
+          </a:p>
+        </p:txBody>
+      </p:sp>
+      <p:sp>
+        <p:nvSpPr>
+          <p:cNvPr id="20" name="标题 1"/>
+          <p:cNvSpPr txBox="1"/>
+          <p:nvPr/>
+        </p:nvSpPr>
+        <p:spPr bwMode="auto">
+          <a:xfrm>
+            <a:off x="533400" y="0"/>
+            <a:ext cx="8229600" cy="914400"/>
+          </a:xfrm>
+          <a:prstGeom prst="rect">
+            <a:avLst/>
+          </a:prstGeom>
+          <a:noFill/>
+          <a:ln w="9525">
+            <a:noFill/>
+            <a:miter lim="800000"/>
+          </a:ln>
+        </p:spPr>
+        <p:txBody>
+          <a:bodyPr vert="horz" wrap="square" lIns="91440" tIns="45720" rIns="91440" bIns="45720" numCol="1" anchor="ctr" anchorCtr="0" compatLnSpc="1"/>
+          <a:lstStyle>
+            <a:lvl1pPr algn="ctr" rtl="0" eaLnBrk="1" fontAlgn="base" hangingPunct="1">
+              <a:spcBef>
+                <a:spcPct val="0"/>
+              </a:spcBef>
+              <a:spcAft>
+                <a:spcPct val="0"/>
+              </a:spcAft>
+              <a:defRPr sz="4400">
+                <a:solidFill>
+                  <a:schemeClr val="tx2"/>
+                </a:solidFill>
+                <a:latin typeface="+mj-lt"/>
+                <a:ea typeface="+mj-ea"/>
+                <a:cs typeface="+mj-cs"/>
+              </a:defRPr>
+            </a:lvl1pPr>
+            <a:lvl2pPr algn="ctr" rtl="0" eaLnBrk="1" fontAlgn="base" hangingPunct="1">
+              <a:spcBef>
+                <a:spcPct val="0"/>
+              </a:spcBef>
+              <a:spcAft>
+                <a:spcPct val="0"/>
+              </a:spcAft>
+              <a:defRPr sz="4400">
+                <a:solidFill>
+                  <a:schemeClr val="tx2"/>
+                </a:solidFill>
+                <a:latin typeface="Arial" panose="020B0604020202020204" pitchFamily="34" charset="0"/>
+                <a:ea typeface="宋体" panose="02010600030101010101" pitchFamily="2" charset="-122"/>
+              </a:defRPr>
+            </a:lvl2pPr>
+            <a:lvl3pPr algn="ctr" rtl="0" eaLnBrk="1" fontAlgn="base" hangingPunct="1">
+              <a:spcBef>
+                <a:spcPct val="0"/>
+              </a:spcBef>
+              <a:spcAft>
+                <a:spcPct val="0"/>
+              </a:spcAft>
+              <a:defRPr sz="4400">
+                <a:solidFill>
+                  <a:schemeClr val="tx2"/>
+                </a:solidFill>
+                <a:latin typeface="Arial" panose="020B0604020202020204" pitchFamily="34" charset="0"/>
+                <a:ea typeface="宋体" panose="02010600030101010101" pitchFamily="2" charset="-122"/>
+              </a:defRPr>
+            </a:lvl3pPr>
+            <a:lvl4pPr algn="ctr" rtl="0" eaLnBrk="1" fontAlgn="base" hangingPunct="1">
+              <a:spcBef>
+                <a:spcPct val="0"/>
+              </a:spcBef>
+              <a:spcAft>
+                <a:spcPct val="0"/>
+              </a:spcAft>
+              <a:defRPr sz="4400">
+                <a:solidFill>
+                  <a:schemeClr val="tx2"/>
+                </a:solidFill>
+                <a:latin typeface="Arial" panose="020B0604020202020204" pitchFamily="34" charset="0"/>
+                <a:ea typeface="宋体" panose="02010600030101010101" pitchFamily="2" charset="-122"/>
+              </a:defRPr>
+            </a:lvl4pPr>
+            <a:lvl5pPr algn="ctr" rtl="0" eaLnBrk="1" fontAlgn="base" hangingPunct="1">
+              <a:spcBef>
+                <a:spcPct val="0"/>
+              </a:spcBef>
+              <a:spcAft>
+                <a:spcPct val="0"/>
+              </a:spcAft>
+              <a:defRPr sz="4400">
+                <a:solidFill>
+                  <a:schemeClr val="tx2"/>
+                </a:solidFill>
+                <a:latin typeface="Arial" panose="020B0604020202020204" pitchFamily="34" charset="0"/>
+                <a:ea typeface="宋体" panose="02010600030101010101" pitchFamily="2" charset="-122"/>
+              </a:defRPr>
+            </a:lvl5pPr>
+            <a:lvl6pPr marL="457200" algn="ctr" rtl="0" eaLnBrk="1" fontAlgn="base" hangingPunct="1">
+              <a:spcBef>
+                <a:spcPct val="0"/>
+              </a:spcBef>
+              <a:spcAft>
+                <a:spcPct val="0"/>
+              </a:spcAft>
+              <a:defRPr sz="4400">
+                <a:solidFill>
+                  <a:schemeClr val="tx2"/>
+                </a:solidFill>
+                <a:latin typeface="Arial" panose="020B0604020202020204" pitchFamily="34" charset="0"/>
+                <a:ea typeface="宋体" panose="02010600030101010101" pitchFamily="2" charset="-122"/>
+              </a:defRPr>
+            </a:lvl6pPr>
+            <a:lvl7pPr marL="914400" algn="ctr" rtl="0" eaLnBrk="1" fontAlgn="base" hangingPunct="1">
+              <a:spcBef>
+                <a:spcPct val="0"/>
+              </a:spcBef>
+              <a:spcAft>
+                <a:spcPct val="0"/>
+              </a:spcAft>
+              <a:defRPr sz="4400">
+                <a:solidFill>
+                  <a:schemeClr val="tx2"/>
+                </a:solidFill>
+                <a:latin typeface="Arial" panose="020B0604020202020204" pitchFamily="34" charset="0"/>
+                <a:ea typeface="宋体" panose="02010600030101010101" pitchFamily="2" charset="-122"/>
+              </a:defRPr>
+            </a:lvl7pPr>
+            <a:lvl8pPr marL="1371600" algn="ctr" rtl="0" eaLnBrk="1" fontAlgn="base" hangingPunct="1">
+              <a:spcBef>
+                <a:spcPct val="0"/>
+              </a:spcBef>
+              <a:spcAft>
+                <a:spcPct val="0"/>
+              </a:spcAft>
+              <a:defRPr sz="4400">
+                <a:solidFill>
+                  <a:schemeClr val="tx2"/>
+                </a:solidFill>
+                <a:latin typeface="Arial" panose="020B0604020202020204" pitchFamily="34" charset="0"/>
+                <a:ea typeface="宋体" panose="02010600030101010101" pitchFamily="2" charset="-122"/>
+              </a:defRPr>
+            </a:lvl8pPr>
+            <a:lvl9pPr marL="1828800" algn="ctr" rtl="0" eaLnBrk="1" fontAlgn="base" hangingPunct="1">
+              <a:spcBef>
+                <a:spcPct val="0"/>
+              </a:spcBef>
+              <a:spcAft>
+                <a:spcPct val="0"/>
+              </a:spcAft>
+              <a:defRPr sz="4400">
+                <a:solidFill>
+                  <a:schemeClr val="tx2"/>
+                </a:solidFill>
+                <a:latin typeface="Arial" panose="020B0604020202020204" pitchFamily="34" charset="0"/>
+                <a:ea typeface="宋体" panose="02010600030101010101" pitchFamily="2" charset="-122"/>
+              </a:defRPr>
+            </a:lvl9pPr>
+          </a:lstStyle>
+          <a:p>
+            <a:r>
+              <a:rPr lang="zh-CN" altLang="en-US" b="1" dirty="0">
+                <a:solidFill>
+                  <a:schemeClr val="bg1"/>
+                </a:solidFill>
+                <a:latin typeface="微软雅黑" panose="020B0503020204020204" pitchFamily="34" charset="-122"/>
+                <a:ea typeface="微软雅黑" panose="020B0503020204020204" pitchFamily="34" charset="-122"/>
+              </a:rPr>
               <a:t>未来展望</a:t>
             </a:r>
             <a:endParaRPr lang="zh-CN" altLang="en-US" b="1" dirty="0">
@@ -12189,7 +14734,7 @@
 </p:sld>
 </file>
 
-<file path=ppt/slides/slide11.xml><?xml version="1.0" encoding="utf-8"?>
+<file path=ppt/slides/slide14.xml><?xml version="1.0" encoding="utf-8"?>
 <p:sld xmlns:a="http://schemas.openxmlformats.org/drawingml/2006/main" xmlns:r="http://schemas.openxmlformats.org/officeDocument/2006/relationships" xmlns:p="http://schemas.openxmlformats.org/presentationml/2006/main">
   <p:cSld>
     <p:spTree>
@@ -14297,7 +16842,42 @@
                 <a:latin typeface="楷体" panose="02010609060101010101" pitchFamily="49" charset="-122"/>
                 <a:ea typeface="楷体" panose="02010609060101010101" pitchFamily="49" charset="-122"/>
               </a:rPr>
-              <a:t>张赵浩然毕业于哈尔滨工业大学，硕士学位，任印刷检测事业部系统工程师。</a:t>
+              <a:t>张赵浩然毕业于哈尔滨工业大学，硕士学位，</a:t>
+            </a:r>
+            <a:r>
+              <a:rPr lang="en-US" altLang="zh-CN" dirty="0">
+                <a:latin typeface="楷体" panose="02010609060101010101" pitchFamily="49" charset="-122"/>
+                <a:ea typeface="楷体" panose="02010609060101010101" pitchFamily="49" charset="-122"/>
+              </a:rPr>
+              <a:t>2018</a:t>
+            </a:r>
+            <a:r>
+              <a:rPr lang="zh-CN" altLang="en-US" dirty="0">
+                <a:latin typeface="楷体" panose="02010609060101010101" pitchFamily="49" charset="-122"/>
+                <a:ea typeface="楷体" panose="02010609060101010101" pitchFamily="49" charset="-122"/>
+              </a:rPr>
+              <a:t>年</a:t>
+            </a:r>
+            <a:r>
+              <a:rPr lang="en-US" altLang="zh-CN" dirty="0">
+                <a:latin typeface="楷体" panose="02010609060101010101" pitchFamily="49" charset="-122"/>
+                <a:ea typeface="楷体" panose="02010609060101010101" pitchFamily="49" charset="-122"/>
+              </a:rPr>
+              <a:t>7</a:t>
+            </a:r>
+            <a:r>
+              <a:rPr lang="zh-CN" altLang="en-US" dirty="0">
+                <a:latin typeface="楷体" panose="02010609060101010101" pitchFamily="49" charset="-122"/>
+                <a:ea typeface="楷体" panose="02010609060101010101" pitchFamily="49" charset="-122"/>
+              </a:rPr>
+              <a:t>月入职大恒图像，</a:t>
+            </a:r>
+            <a:r>
+              <a:rPr lang="zh-CN" altLang="en-US" dirty="0">
+                <a:latin typeface="楷体" panose="02010609060101010101" pitchFamily="49" charset="-122"/>
+                <a:ea typeface="楷体" panose="02010609060101010101" pitchFamily="49" charset="-122"/>
+              </a:rPr>
+              <a:t>任印刷检测事业部系统工程师。</a:t>
             </a:r>
             <a:endParaRPr lang="en-US" altLang="zh-CN" dirty="0">
               <a:solidFill>
@@ -17949,8 +20529,8 @@
         </p:nvSpPr>
         <p:spPr>
           <a:xfrm>
-            <a:off x="636270" y="2146935"/>
-            <a:ext cx="8126730" cy="2306955"/>
+            <a:off x="636270" y="2155825"/>
+            <a:ext cx="8126730" cy="645160"/>
           </a:xfrm>
           <a:prstGeom prst="rect">
             <a:avLst/>
@@ -17980,93 +20560,53 @@
             </a:r>
             <a:r>
               <a:rPr lang="zh-CN" altLang="en-US"/>
-              <a:t>版本的基础上进行了较大的改进。</a:t>
+              <a:t>版本的基础上进行了较大的改进，系统整体架构如下：</a:t>
             </a:r>
             <a:endParaRPr lang="zh-CN" altLang="en-US"/>
           </a:p>
-          <a:p>
+        </p:txBody>
+      </p:sp>
+      <p:sp>
+        <p:nvSpPr>
+          <p:cNvPr id="6" name="文本框 5"/>
+          <p:cNvSpPr txBox="1"/>
+          <p:nvPr/>
+        </p:nvSpPr>
+        <p:spPr>
+          <a:xfrm>
+            <a:off x="636270" y="5360670"/>
+            <a:ext cx="8126730" cy="368300"/>
+          </a:xfrm>
+          <a:prstGeom prst="rect">
+            <a:avLst/>
+          </a:prstGeom>
+          <a:noFill/>
+        </p:spPr>
+        <p:txBody>
+          <a:bodyPr wrap="square" rtlCol="0">
+            <a:spAutoFit/>
+          </a:bodyPr>
+          <a:p>
+            <a:pPr algn="ctr"/>
+            <a:r>
+              <a:rPr lang="zh-CN" altLang="en-US"/>
+              <a:t>模拟</a:t>
+            </a:r>
             <a:r>
               <a:rPr lang="en-US" altLang="zh-CN"/>
-              <a:t>1</a:t>
+              <a:t>C/S</a:t>
             </a:r>
             <a:r>
               <a:rPr lang="zh-CN" altLang="en-US"/>
-              <a:t>、增加了数据中心，不拘泥于单机版本；</a:t>
-            </a:r>
-            <a:endParaRPr lang="zh-CN" altLang="en-US"/>
-          </a:p>
-          <a:p>
+              <a:t>的</a:t>
+            </a:r>
             <a:r>
               <a:rPr lang="en-US" altLang="zh-CN"/>
-              <a:t>2</a:t>
+              <a:t>B/S</a:t>
             </a:r>
             <a:r>
               <a:rPr lang="zh-CN" altLang="en-US"/>
-              <a:t>、对数据库重新选型，由</a:t>
-            </a:r>
-            <a:r>
-              <a:rPr lang="en-US" altLang="zh-CN"/>
-              <a:t>sqlserver</a:t>
-            </a:r>
-            <a:r>
-              <a:rPr lang="zh-CN" altLang="en-US"/>
-              <a:t>更换为</a:t>
-            </a:r>
-            <a:r>
-              <a:rPr lang="en-US" altLang="zh-CN"/>
-              <a:t>oracle</a:t>
-            </a:r>
-            <a:r>
-              <a:rPr lang="zh-CN" altLang="en-US"/>
-              <a:t>；</a:t>
-            </a:r>
-            <a:endParaRPr lang="zh-CN" altLang="en-US"/>
-          </a:p>
-          <a:p>
-            <a:r>
-              <a:rPr lang="en-US" altLang="zh-CN">
-                <a:sym typeface="+mn-ea"/>
-              </a:rPr>
-              <a:t>3</a:t>
-            </a:r>
-            <a:r>
-              <a:rPr lang="zh-CN" altLang="en-US">
-                <a:sym typeface="+mn-ea"/>
-              </a:rPr>
-              <a:t>、查询软件数据库连接方式改变，提高效率，无需配置；</a:t>
-            </a:r>
-            <a:endParaRPr lang="zh-CN" altLang="en-US"/>
-          </a:p>
-          <a:p>
-            <a:r>
-              <a:rPr lang="en-US" altLang="zh-CN"/>
-              <a:t>4</a:t>
-            </a:r>
-            <a:r>
-              <a:rPr lang="zh-CN" altLang="en-US"/>
-              <a:t>、为检测程序及查询程序添加新界面操作，增强用户体验；</a:t>
-            </a:r>
-            <a:endParaRPr lang="zh-CN" altLang="en-US"/>
-          </a:p>
-          <a:p>
-            <a:r>
-              <a:rPr lang="en-US" altLang="zh-CN"/>
-              <a:t>5</a:t>
-            </a:r>
-            <a:r>
-              <a:rPr lang="zh-CN" altLang="en-US"/>
-              <a:t>、重新设计部分数据结构减少层级及耦合，使程序扩展性更强；</a:t>
-            </a:r>
-            <a:endParaRPr lang="zh-CN" altLang="en-US"/>
-          </a:p>
-          <a:p>
-            <a:r>
-              <a:rPr lang="en-US" altLang="zh-CN"/>
-              <a:t>6</a:t>
-            </a:r>
-            <a:r>
-              <a:rPr lang="zh-CN" altLang="en-US"/>
-              <a:t>、二维码检测部分重构，满足客户需求。</a:t>
+              <a:t>架构</a:t>
             </a:r>
             <a:endParaRPr lang="zh-CN" altLang="en-US"/>
           </a:p>
@@ -18629,11 +21169,25 @@
               <a:defRPr/>
             </a:pPr>
             <a:r>
-              <a:rPr lang="zh-CN" altLang="en-US" sz="2400" b="1" dirty="0">
+              <a:rPr lang="zh-CN" altLang="en-US" b="1" dirty="0">
                 <a:latin typeface="楷体" panose="02010609060101010101" pitchFamily="49" charset="-122"/>
                 <a:ea typeface="楷体" panose="02010609060101010101" pitchFamily="49" charset="-122"/>
               </a:rPr>
-              <a:t>技术难点及创新点</a:t>
+              <a:t>复卷在线</a:t>
+            </a:r>
+            <a:r>
+              <a:rPr lang="en-US" altLang="zh-CN" b="1" dirty="0">
+                <a:latin typeface="楷体" panose="02010609060101010101" pitchFamily="49" charset="-122"/>
+                <a:ea typeface="楷体" panose="02010609060101010101" pitchFamily="49" charset="-122"/>
+              </a:rPr>
+              <a:t>3.5</a:t>
+            </a:r>
+            <a:r>
+              <a:rPr lang="zh-CN" altLang="en-US" b="1" dirty="0">
+                <a:latin typeface="楷体" panose="02010609060101010101" pitchFamily="49" charset="-122"/>
+                <a:ea typeface="楷体" panose="02010609060101010101" pitchFamily="49" charset="-122"/>
+              </a:rPr>
+              <a:t>检测系统项目介绍</a:t>
             </a:r>
             <a:endParaRPr lang="en-US" altLang="zh-CN" sz="2400" b="1" dirty="0">
               <a:latin typeface="楷体" panose="02010609060101010101" pitchFamily="49" charset="-122"/>
@@ -18680,8 +21234,8 @@
         </p:nvSpPr>
         <p:spPr>
           <a:xfrm>
-            <a:off x="636270" y="1960880"/>
-            <a:ext cx="8126730" cy="1198880"/>
+            <a:off x="712470" y="2493645"/>
+            <a:ext cx="8126730" cy="1753235"/>
           </a:xfrm>
           <a:prstGeom prst="rect">
             <a:avLst/>
@@ -18694,19 +21248,12 @@
           </a:bodyPr>
           <a:p>
             <a:r>
-              <a:rPr lang="zh-CN"/>
-              <a:t>技术难点</a:t>
-            </a:r>
-            <a:endParaRPr lang="zh-CN"/>
-          </a:p>
-          <a:p>
-            <a:r>
               <a:rPr lang="en-US" altLang="zh-CN"/>
               <a:t>1</a:t>
             </a:r>
             <a:r>
               <a:rPr lang="zh-CN" altLang="en-US"/>
-              <a:t>、数据中心架构设计及实现语言选型；</a:t>
+              <a:t>、增加了数据中心，不拘泥于单机版本；</a:t>
             </a:r>
             <a:endParaRPr lang="zh-CN" altLang="en-US"/>
           </a:p>
@@ -18717,50 +21264,15 @@
             </a:r>
             <a:r>
               <a:rPr lang="zh-CN" altLang="en-US"/>
-              <a:t>、</a:t>
+              <a:t>、对数据库重新选型，由</a:t>
             </a:r>
             <a:r>
               <a:rPr lang="en-US" altLang="zh-CN"/>
-              <a:t>python</a:t>
+              <a:t>sqlserver</a:t>
             </a:r>
             <a:r>
               <a:rPr lang="zh-CN" altLang="en-US"/>
-              <a:t>，</a:t>
-            </a:r>
-            <a:r>
-              <a:rPr lang="en-US" altLang="zh-CN"/>
-              <a:t>C++</a:t>
-            </a:r>
-            <a:r>
-              <a:rPr lang="zh-CN" altLang="en-US"/>
-              <a:t>，</a:t>
-            </a:r>
-            <a:r>
-              <a:rPr lang="en-US" altLang="zh-CN"/>
-              <a:t>QT web</a:t>
-            </a:r>
-            <a:r>
-              <a:rPr lang="zh-CN" altLang="en-US"/>
-              <a:t>服务上传下载技术壁垒打通；</a:t>
-            </a:r>
-            <a:endParaRPr lang="zh-CN" altLang="en-US"/>
-          </a:p>
-          <a:p>
-            <a:r>
-              <a:rPr lang="en-US" altLang="zh-CN"/>
-              <a:t>3</a:t>
-            </a:r>
-            <a:r>
-              <a:rPr lang="zh-CN" altLang="en-US"/>
-              <a:t>、</a:t>
-            </a:r>
-            <a:r>
-              <a:rPr lang="en-US" altLang="zh-CN"/>
-              <a:t>QT</a:t>
-            </a:r>
-            <a:r>
-              <a:rPr lang="zh-CN" altLang="en-US"/>
-              <a:t>操作</a:t>
+              <a:t>更换为</a:t>
             </a:r>
             <a:r>
               <a:rPr lang="en-US" altLang="zh-CN"/>
@@ -18768,7 +21280,55 @@
             </a:r>
             <a:r>
               <a:rPr lang="zh-CN" altLang="en-US"/>
-              <a:t>数据库中文乱码解决；</a:t>
+              <a:t>；</a:t>
+            </a:r>
+            <a:endParaRPr lang="zh-CN" altLang="en-US"/>
+          </a:p>
+          <a:p>
+            <a:r>
+              <a:rPr lang="en-US" altLang="zh-CN">
+                <a:sym typeface="+mn-ea"/>
+              </a:rPr>
+              <a:t>3</a:t>
+            </a:r>
+            <a:r>
+              <a:rPr lang="zh-CN" altLang="en-US">
+                <a:sym typeface="+mn-ea"/>
+              </a:rPr>
+              <a:t>、查询软件数据库连接方式改变，提高效率，无需配置；</a:t>
+            </a:r>
+            <a:endParaRPr lang="zh-CN" altLang="en-US"/>
+          </a:p>
+          <a:p>
+            <a:r>
+              <a:rPr lang="en-US" altLang="zh-CN"/>
+              <a:t>4</a:t>
+            </a:r>
+            <a:r>
+              <a:rPr lang="zh-CN" altLang="en-US"/>
+              <a:t>、为检测程序及查询程序添加新界面操作，增强用户体验；</a:t>
+            </a:r>
+            <a:endParaRPr lang="zh-CN" altLang="en-US"/>
+          </a:p>
+          <a:p>
+            <a:r>
+              <a:rPr lang="en-US" altLang="zh-CN"/>
+              <a:t>5</a:t>
+            </a:r>
+            <a:r>
+              <a:rPr lang="zh-CN" altLang="en-US"/>
+              <a:t>、重新设计部分数据结构减少层级及耦合，使程序扩展性更强；</a:t>
+            </a:r>
+            <a:endParaRPr lang="zh-CN" altLang="en-US"/>
+          </a:p>
+          <a:p>
+            <a:r>
+              <a:rPr lang="en-US" altLang="zh-CN"/>
+              <a:t>6</a:t>
+            </a:r>
+            <a:r>
+              <a:rPr lang="zh-CN" altLang="en-US"/>
+              <a:t>、二维码检测部分重构，满足客户需求。</a:t>
             </a:r>
             <a:endParaRPr lang="zh-CN" altLang="en-US"/>
           </a:p>
@@ -19331,11 +21891,11 @@
               <a:defRPr/>
             </a:pPr>
             <a:r>
-              <a:rPr lang="zh-CN" altLang="en-US" b="1" dirty="0">
+              <a:rPr lang="zh-CN" altLang="en-US" sz="2400" b="1" dirty="0">
                 <a:latin typeface="楷体" panose="02010609060101010101" pitchFamily="49" charset="-122"/>
                 <a:ea typeface="楷体" panose="02010609060101010101" pitchFamily="49" charset="-122"/>
               </a:rPr>
-              <a:t>工作介绍</a:t>
+              <a:t>技术难点及创新点</a:t>
             </a:r>
             <a:endParaRPr lang="en-US" altLang="zh-CN" sz="2400" b="1" dirty="0">
               <a:latin typeface="楷体" panose="02010609060101010101" pitchFamily="49" charset="-122"/>
@@ -19376,583 +21936,232 @@
       </p:sp>
       <p:sp>
         <p:nvSpPr>
-          <p:cNvPr id="10" name="内容占位符 2"/>
+          <p:cNvPr id="5" name="文本框 4"/>
           <p:cNvSpPr txBox="1"/>
           <p:nvPr/>
         </p:nvSpPr>
         <p:spPr>
           <a:xfrm>
-            <a:off x="307974" y="1628800"/>
-            <a:ext cx="8455025" cy="4325323"/>
+            <a:off x="636270" y="1960880"/>
+            <a:ext cx="8126730" cy="1476375"/>
           </a:xfrm>
           <a:prstGeom prst="rect">
             <a:avLst/>
           </a:prstGeom>
+          <a:noFill/>
         </p:spPr>
         <p:txBody>
-          <a:bodyPr vert="horz" lIns="91440" tIns="45720" rIns="91440" bIns="45720" rtlCol="0">
-            <a:noAutofit/>
+          <a:bodyPr wrap="square" rtlCol="0">
+            <a:spAutoFit/>
           </a:bodyPr>
-          <a:lstStyle>
-            <a:lvl1pPr marL="342900" indent="-342900" algn="l" defTabSz="914400" rtl="0" eaLnBrk="1" latinLnBrk="0" hangingPunct="1">
-              <a:spcBef>
-                <a:spcPct val="20000"/>
-              </a:spcBef>
-              <a:buFont typeface="Wingdings" panose="05000000000000000000" pitchFamily="2" charset="2"/>
-              <a:buChar char="v"/>
-              <a:defRPr sz="2800" kern="1200">
-                <a:solidFill>
-                  <a:srgbClr val="135BAD"/>
-                </a:solidFill>
-                <a:latin typeface="微软雅黑" panose="020B0503020204020204" pitchFamily="34" charset="-122"/>
-                <a:ea typeface="微软雅黑" panose="020B0503020204020204" pitchFamily="34" charset="-122"/>
-                <a:cs typeface="+mn-cs"/>
-              </a:defRPr>
-            </a:lvl1pPr>
-            <a:lvl2pPr marL="742950" indent="-285750" algn="l" defTabSz="914400" rtl="0" eaLnBrk="1" latinLnBrk="0" hangingPunct="1">
-              <a:spcBef>
-                <a:spcPct val="20000"/>
-              </a:spcBef>
-              <a:buFont typeface="微软雅黑" panose="020B0503020204020204" pitchFamily="34" charset="-122"/>
-              <a:buChar char="◆"/>
-              <a:defRPr sz="2400" kern="1200">
-                <a:solidFill>
-                  <a:srgbClr val="135BAD"/>
-                </a:solidFill>
-                <a:latin typeface="微软雅黑" panose="020B0503020204020204" pitchFamily="34" charset="-122"/>
-                <a:ea typeface="微软雅黑" panose="020B0503020204020204" pitchFamily="34" charset="-122"/>
-                <a:cs typeface="+mn-cs"/>
-              </a:defRPr>
-            </a:lvl2pPr>
-            <a:lvl3pPr marL="1143000" indent="-228600" algn="l" defTabSz="914400" rtl="0" eaLnBrk="1" latinLnBrk="0" hangingPunct="1">
-              <a:spcBef>
-                <a:spcPct val="20000"/>
-              </a:spcBef>
-              <a:buFont typeface="Webdings" panose="05030102010509060703" pitchFamily="18" charset="2"/>
-              <a:buChar char="4"/>
-              <a:defRPr sz="2000" kern="1200">
-                <a:solidFill>
-                  <a:srgbClr val="135BAD"/>
-                </a:solidFill>
-                <a:latin typeface="微软雅黑" panose="020B0503020204020204" pitchFamily="34" charset="-122"/>
-                <a:ea typeface="微软雅黑" panose="020B0503020204020204" pitchFamily="34" charset="-122"/>
-                <a:cs typeface="+mn-cs"/>
-              </a:defRPr>
-            </a:lvl3pPr>
-            <a:lvl4pPr marL="1600200" indent="-228600" algn="l" defTabSz="914400" rtl="0" eaLnBrk="1" latinLnBrk="0" hangingPunct="1">
-              <a:spcBef>
-                <a:spcPct val="20000"/>
-              </a:spcBef>
-              <a:buFont typeface="Arial" panose="020B0604020202020204" pitchFamily="34" charset="0"/>
-              <a:buChar char="–"/>
-              <a:defRPr sz="2000" kern="1200">
-                <a:solidFill>
-                  <a:schemeClr val="tx1"/>
-                </a:solidFill>
-                <a:latin typeface="+mn-lt"/>
-                <a:ea typeface="+mn-ea"/>
-                <a:cs typeface="+mn-cs"/>
-              </a:defRPr>
-            </a:lvl4pPr>
-            <a:lvl5pPr marL="2057400" indent="-228600" algn="l" defTabSz="914400" rtl="0" eaLnBrk="1" latinLnBrk="0" hangingPunct="1">
-              <a:spcBef>
-                <a:spcPct val="20000"/>
-              </a:spcBef>
-              <a:buFont typeface="Arial" panose="020B0604020202020204" pitchFamily="34" charset="0"/>
-              <a:buChar char="»"/>
-              <a:defRPr sz="2000" kern="1200">
-                <a:solidFill>
-                  <a:schemeClr val="tx1"/>
-                </a:solidFill>
-                <a:latin typeface="+mn-lt"/>
-                <a:ea typeface="+mn-ea"/>
-                <a:cs typeface="+mn-cs"/>
-              </a:defRPr>
-            </a:lvl5pPr>
-            <a:lvl6pPr marL="2514600" indent="-228600" algn="l" defTabSz="914400" rtl="0" eaLnBrk="1" latinLnBrk="0" hangingPunct="1">
-              <a:spcBef>
-                <a:spcPct val="20000"/>
-              </a:spcBef>
-              <a:buFont typeface="Arial" panose="020B0604020202020204" pitchFamily="34" charset="0"/>
-              <a:buChar char="•"/>
-              <a:defRPr sz="2000" kern="1200">
-                <a:solidFill>
-                  <a:schemeClr val="tx1"/>
-                </a:solidFill>
-                <a:latin typeface="+mn-lt"/>
-                <a:ea typeface="+mn-ea"/>
-                <a:cs typeface="+mn-cs"/>
-              </a:defRPr>
-            </a:lvl6pPr>
-            <a:lvl7pPr marL="2971800" indent="-228600" algn="l" defTabSz="914400" rtl="0" eaLnBrk="1" latinLnBrk="0" hangingPunct="1">
-              <a:spcBef>
-                <a:spcPct val="20000"/>
-              </a:spcBef>
-              <a:buFont typeface="Arial" panose="020B0604020202020204" pitchFamily="34" charset="0"/>
-              <a:buChar char="•"/>
-              <a:defRPr sz="2000" kern="1200">
-                <a:solidFill>
-                  <a:schemeClr val="tx1"/>
-                </a:solidFill>
-                <a:latin typeface="+mn-lt"/>
-                <a:ea typeface="+mn-ea"/>
-                <a:cs typeface="+mn-cs"/>
-              </a:defRPr>
-            </a:lvl7pPr>
-            <a:lvl8pPr marL="3429000" indent="-228600" algn="l" defTabSz="914400" rtl="0" eaLnBrk="1" latinLnBrk="0" hangingPunct="1">
-              <a:spcBef>
-                <a:spcPct val="20000"/>
-              </a:spcBef>
-              <a:buFont typeface="Arial" panose="020B0604020202020204" pitchFamily="34" charset="0"/>
-              <a:buChar char="•"/>
-              <a:defRPr sz="2000" kern="1200">
-                <a:solidFill>
-                  <a:schemeClr val="tx1"/>
-                </a:solidFill>
-                <a:latin typeface="+mn-lt"/>
-                <a:ea typeface="+mn-ea"/>
-                <a:cs typeface="+mn-cs"/>
-              </a:defRPr>
-            </a:lvl8pPr>
-            <a:lvl9pPr marL="3886200" indent="-228600" algn="l" defTabSz="914400" rtl="0" eaLnBrk="1" latinLnBrk="0" hangingPunct="1">
-              <a:spcBef>
-                <a:spcPct val="20000"/>
-              </a:spcBef>
-              <a:buFont typeface="Arial" panose="020B0604020202020204" pitchFamily="34" charset="0"/>
-              <a:buChar char="•"/>
-              <a:defRPr sz="2000" kern="1200">
-                <a:solidFill>
-                  <a:schemeClr val="tx1"/>
-                </a:solidFill>
-                <a:latin typeface="+mn-lt"/>
-                <a:ea typeface="+mn-ea"/>
-                <a:cs typeface="+mn-cs"/>
-              </a:defRPr>
-            </a:lvl9pPr>
-          </a:lstStyle>
-          <a:p>
-            <a:pPr marL="0" marR="0" lvl="0" indent="0" algn="l" defTabSz="914400" rtl="0" eaLnBrk="1" fontAlgn="auto" latinLnBrk="0" hangingPunct="1">
-              <a:lnSpc>
-                <a:spcPct val="100000"/>
-              </a:lnSpc>
-              <a:spcBef>
-                <a:spcPct val="20000"/>
-              </a:spcBef>
-              <a:spcAft>
-                <a:spcPts val="0"/>
-              </a:spcAft>
-              <a:buClrTx/>
-              <a:buSzTx/>
-              <a:buNone/>
-              <a:defRPr/>
-            </a:pPr>
-            <a:r>
-              <a:rPr lang="zh-CN" altLang="en-US" sz="2400" dirty="0">
-                <a:solidFill>
-                  <a:srgbClr val="FF0000"/>
-                </a:solidFill>
-                <a:latin typeface="楷体" panose="02010609060101010101" pitchFamily="49" charset="-122"/>
-                <a:ea typeface="楷体" panose="02010609060101010101" pitchFamily="49" charset="-122"/>
-              </a:rPr>
-              <a:t>从上面的列表里挑选一个自认为完成较好的任务详细描述；需包括以下内容：</a:t>
-            </a:r>
-            <a:endParaRPr lang="en-US" altLang="zh-CN" sz="2400" dirty="0">
-              <a:solidFill>
-                <a:srgbClr val="FF0000"/>
-              </a:solidFill>
-              <a:latin typeface="楷体" panose="02010609060101010101" pitchFamily="49" charset="-122"/>
-              <a:ea typeface="楷体" panose="02010609060101010101" pitchFamily="49" charset="-122"/>
-            </a:endParaRPr>
-          </a:p>
-          <a:p>
-            <a:pPr marL="719455" marR="0" lvl="0" indent="-363855" algn="l" defTabSz="914400" rtl="0" eaLnBrk="1" fontAlgn="auto" latinLnBrk="0" hangingPunct="1">
-              <a:lnSpc>
-                <a:spcPct val="100000"/>
-              </a:lnSpc>
-              <a:spcBef>
-                <a:spcPct val="20000"/>
-              </a:spcBef>
-              <a:spcAft>
-                <a:spcPts val="0"/>
-              </a:spcAft>
-              <a:buClrTx/>
-              <a:buSzTx/>
-              <a:buFont typeface="Wingdings" panose="05000000000000000000" pitchFamily="2" charset="2"/>
-              <a:buChar char="Ø"/>
-              <a:defRPr/>
-            </a:pPr>
-            <a:r>
-              <a:rPr lang="zh-CN" altLang="en-US" sz="2400" dirty="0">
-                <a:solidFill>
-                  <a:srgbClr val="FF0000"/>
-                </a:solidFill>
-                <a:latin typeface="楷体" panose="02010609060101010101" pitchFamily="49" charset="-122"/>
-                <a:ea typeface="楷体" panose="02010609060101010101" pitchFamily="49" charset="-122"/>
-              </a:rPr>
-              <a:t>项目</a:t>
-            </a:r>
-            <a:r>
-              <a:rPr lang="en-US" altLang="zh-CN" sz="2400" dirty="0">
-                <a:solidFill>
-                  <a:srgbClr val="FF0000"/>
-                </a:solidFill>
-                <a:latin typeface="楷体" panose="02010609060101010101" pitchFamily="49" charset="-122"/>
-                <a:ea typeface="楷体" panose="02010609060101010101" pitchFamily="49" charset="-122"/>
-              </a:rPr>
-              <a:t>/</a:t>
-            </a:r>
-            <a:r>
-              <a:rPr lang="zh-CN" altLang="en-US" sz="2400" dirty="0">
-                <a:solidFill>
-                  <a:srgbClr val="FF0000"/>
-                </a:solidFill>
-                <a:latin typeface="楷体" panose="02010609060101010101" pitchFamily="49" charset="-122"/>
-                <a:ea typeface="楷体" panose="02010609060101010101" pitchFamily="49" charset="-122"/>
-              </a:rPr>
-              <a:t>产品介绍</a:t>
-            </a:r>
-            <a:endParaRPr lang="en-US" altLang="zh-CN" sz="2400" dirty="0">
-              <a:solidFill>
-                <a:srgbClr val="FF0000"/>
-              </a:solidFill>
-              <a:latin typeface="楷体" panose="02010609060101010101" pitchFamily="49" charset="-122"/>
-              <a:ea typeface="楷体" panose="02010609060101010101" pitchFamily="49" charset="-122"/>
-            </a:endParaRPr>
-          </a:p>
-          <a:p>
-            <a:pPr marL="719455" marR="0" lvl="0" indent="-363855" algn="l" defTabSz="914400" rtl="0" eaLnBrk="1" fontAlgn="auto" latinLnBrk="0" hangingPunct="1">
-              <a:lnSpc>
-                <a:spcPct val="100000"/>
-              </a:lnSpc>
-              <a:spcBef>
-                <a:spcPct val="20000"/>
-              </a:spcBef>
-              <a:spcAft>
-                <a:spcPts val="0"/>
-              </a:spcAft>
-              <a:buClrTx/>
-              <a:buSzTx/>
-              <a:buFont typeface="Wingdings" panose="05000000000000000000" pitchFamily="2" charset="2"/>
-              <a:buChar char="Ø"/>
-              <a:defRPr/>
-            </a:pPr>
-            <a:r>
-              <a:rPr lang="zh-CN" altLang="en-US" sz="2400" dirty="0">
-                <a:solidFill>
-                  <a:srgbClr val="FF0000"/>
-                </a:solidFill>
-                <a:latin typeface="楷体" panose="02010609060101010101" pitchFamily="49" charset="-122"/>
-                <a:ea typeface="楷体" panose="02010609060101010101" pitchFamily="49" charset="-122"/>
-              </a:rPr>
-              <a:t>项目</a:t>
-            </a:r>
-            <a:r>
-              <a:rPr lang="en-US" altLang="zh-CN" sz="2400" dirty="0">
-                <a:solidFill>
-                  <a:srgbClr val="FF0000"/>
-                </a:solidFill>
-                <a:latin typeface="楷体" panose="02010609060101010101" pitchFamily="49" charset="-122"/>
-                <a:ea typeface="楷体" panose="02010609060101010101" pitchFamily="49" charset="-122"/>
-              </a:rPr>
-              <a:t>/</a:t>
-            </a:r>
-            <a:r>
-              <a:rPr lang="zh-CN" altLang="en-US" sz="2400" dirty="0">
-                <a:solidFill>
-                  <a:srgbClr val="FF0000"/>
-                </a:solidFill>
-                <a:latin typeface="楷体" panose="02010609060101010101" pitchFamily="49" charset="-122"/>
-                <a:ea typeface="楷体" panose="02010609060101010101" pitchFamily="49" charset="-122"/>
-              </a:rPr>
-              <a:t>产品的研发技术难点及创新点</a:t>
-            </a:r>
-            <a:endParaRPr lang="en-US" altLang="zh-CN" sz="2400" dirty="0">
-              <a:solidFill>
-                <a:srgbClr val="FF0000"/>
-              </a:solidFill>
-              <a:latin typeface="楷体" panose="02010609060101010101" pitchFamily="49" charset="-122"/>
-              <a:ea typeface="楷体" panose="02010609060101010101" pitchFamily="49" charset="-122"/>
-            </a:endParaRPr>
-          </a:p>
-          <a:p>
-            <a:pPr marL="719455" marR="0" lvl="0" indent="-363855" algn="l" defTabSz="914400" rtl="0" eaLnBrk="1" fontAlgn="auto" latinLnBrk="0" hangingPunct="1">
-              <a:lnSpc>
-                <a:spcPct val="100000"/>
-              </a:lnSpc>
-              <a:spcBef>
-                <a:spcPct val="20000"/>
-              </a:spcBef>
-              <a:spcAft>
-                <a:spcPts val="0"/>
-              </a:spcAft>
-              <a:buClrTx/>
-              <a:buSzTx/>
-              <a:buFont typeface="Wingdings" panose="05000000000000000000" pitchFamily="2" charset="2"/>
-              <a:buChar char="Ø"/>
-              <a:defRPr/>
-            </a:pPr>
-            <a:r>
-              <a:rPr lang="zh-CN" altLang="en-US" sz="2400" dirty="0">
-                <a:solidFill>
-                  <a:srgbClr val="FF0000"/>
-                </a:solidFill>
-                <a:latin typeface="楷体" panose="02010609060101010101" pitchFamily="49" charset="-122"/>
-                <a:ea typeface="楷体" panose="02010609060101010101" pitchFamily="49" charset="-122"/>
-              </a:rPr>
-              <a:t>本项目</a:t>
-            </a:r>
-            <a:r>
-              <a:rPr lang="en-US" altLang="zh-CN" sz="2400" dirty="0">
-                <a:solidFill>
-                  <a:srgbClr val="FF0000"/>
-                </a:solidFill>
-                <a:latin typeface="楷体" panose="02010609060101010101" pitchFamily="49" charset="-122"/>
-                <a:ea typeface="楷体" panose="02010609060101010101" pitchFamily="49" charset="-122"/>
-              </a:rPr>
-              <a:t>/</a:t>
-            </a:r>
-            <a:r>
-              <a:rPr lang="zh-CN" altLang="en-US" sz="2400" dirty="0">
-                <a:solidFill>
-                  <a:srgbClr val="FF0000"/>
-                </a:solidFill>
-                <a:latin typeface="楷体" panose="02010609060101010101" pitchFamily="49" charset="-122"/>
-                <a:ea typeface="楷体" panose="02010609060101010101" pitchFamily="49" charset="-122"/>
-              </a:rPr>
-              <a:t>产品中技术难点的数学描述与解决思路</a:t>
-            </a:r>
-            <a:endParaRPr lang="en-US" altLang="zh-CN" sz="2400" dirty="0">
-              <a:solidFill>
-                <a:srgbClr val="FF0000"/>
-              </a:solidFill>
-              <a:latin typeface="楷体" panose="02010609060101010101" pitchFamily="49" charset="-122"/>
-              <a:ea typeface="楷体" panose="02010609060101010101" pitchFamily="49" charset="-122"/>
-            </a:endParaRPr>
-          </a:p>
-          <a:p>
-            <a:pPr marL="719455" marR="0" lvl="0" indent="-363855" algn="l" defTabSz="914400" rtl="0" eaLnBrk="1" fontAlgn="auto" latinLnBrk="0" hangingPunct="1">
-              <a:lnSpc>
-                <a:spcPct val="100000"/>
-              </a:lnSpc>
-              <a:spcBef>
-                <a:spcPct val="20000"/>
-              </a:spcBef>
-              <a:spcAft>
-                <a:spcPts val="0"/>
-              </a:spcAft>
-              <a:buClrTx/>
-              <a:buSzTx/>
-              <a:buFont typeface="Wingdings" panose="05000000000000000000" pitchFamily="2" charset="2"/>
-              <a:buChar char="Ø"/>
-              <a:defRPr/>
-            </a:pPr>
-            <a:r>
-              <a:rPr lang="zh-CN" altLang="en-US" sz="2400" dirty="0">
-                <a:solidFill>
-                  <a:srgbClr val="FF0000"/>
-                </a:solidFill>
-                <a:latin typeface="楷体" panose="02010609060101010101" pitchFamily="49" charset="-122"/>
-                <a:ea typeface="楷体" panose="02010609060101010101" pitchFamily="49" charset="-122"/>
-              </a:rPr>
-              <a:t>个人的主要工作成就，工作占比等</a:t>
-            </a:r>
-            <a:endParaRPr lang="en-US" altLang="zh-CN" sz="2400" dirty="0">
-              <a:solidFill>
-                <a:srgbClr val="FF0000"/>
-              </a:solidFill>
-              <a:latin typeface="楷体" panose="02010609060101010101" pitchFamily="49" charset="-122"/>
-              <a:ea typeface="楷体" panose="02010609060101010101" pitchFamily="49" charset="-122"/>
-            </a:endParaRPr>
-          </a:p>
-          <a:p>
-            <a:pPr marL="719455" marR="0" lvl="0" indent="-363855" algn="l" defTabSz="914400" rtl="0" eaLnBrk="1" fontAlgn="auto" latinLnBrk="0" hangingPunct="1">
-              <a:lnSpc>
-                <a:spcPct val="100000"/>
-              </a:lnSpc>
-              <a:spcBef>
-                <a:spcPct val="20000"/>
-              </a:spcBef>
-              <a:spcAft>
-                <a:spcPts val="0"/>
-              </a:spcAft>
-              <a:buClrTx/>
-              <a:buSzTx/>
-              <a:buFont typeface="Wingdings" panose="05000000000000000000" pitchFamily="2" charset="2"/>
-              <a:buChar char="Ø"/>
-              <a:defRPr/>
-            </a:pPr>
-            <a:r>
-              <a:rPr kumimoji="0" lang="zh-CN" altLang="en-US" sz="2400" i="0" u="none" strike="noStrike" kern="1200" cap="none" spc="0" normalizeH="0" baseline="0" noProof="0" dirty="0">
-                <a:ln>
-                  <a:noFill/>
-                </a:ln>
-                <a:solidFill>
-                  <a:srgbClr val="FF0000"/>
-                </a:solidFill>
-                <a:effectLst/>
-                <a:uLnTx/>
-                <a:uFillTx/>
-                <a:latin typeface="楷体" panose="02010609060101010101" pitchFamily="49" charset="-122"/>
-                <a:ea typeface="楷体" panose="02010609060101010101" pitchFamily="49" charset="-122"/>
-              </a:rPr>
-              <a:t>在本项目</a:t>
-            </a:r>
-            <a:r>
-              <a:rPr kumimoji="0" lang="en-US" altLang="zh-CN" sz="2400" i="0" u="none" strike="noStrike" kern="1200" cap="none" spc="0" normalizeH="0" baseline="0" noProof="0" dirty="0">
-                <a:ln>
-                  <a:noFill/>
-                </a:ln>
-                <a:solidFill>
-                  <a:srgbClr val="FF0000"/>
-                </a:solidFill>
-                <a:effectLst/>
-                <a:uLnTx/>
-                <a:uFillTx/>
-                <a:latin typeface="楷体" panose="02010609060101010101" pitchFamily="49" charset="-122"/>
-                <a:ea typeface="楷体" panose="02010609060101010101" pitchFamily="49" charset="-122"/>
-              </a:rPr>
-              <a:t>/</a:t>
-            </a:r>
-            <a:r>
-              <a:rPr kumimoji="0" lang="zh-CN" altLang="en-US" sz="2400" i="0" u="none" strike="noStrike" kern="1200" cap="none" spc="0" normalizeH="0" baseline="0" noProof="0" dirty="0">
-                <a:ln>
-                  <a:noFill/>
-                </a:ln>
-                <a:solidFill>
-                  <a:srgbClr val="FF0000"/>
-                </a:solidFill>
-                <a:effectLst/>
-                <a:uLnTx/>
-                <a:uFillTx/>
-                <a:latin typeface="楷体" panose="02010609060101010101" pitchFamily="49" charset="-122"/>
-                <a:ea typeface="楷体" panose="02010609060101010101" pitchFamily="49" charset="-122"/>
-              </a:rPr>
-              <a:t>产品中的贡献</a:t>
-            </a:r>
-            <a:endParaRPr kumimoji="0" lang="en-US" altLang="zh-CN" sz="2400" i="0" u="none" strike="noStrike" kern="1200" cap="none" spc="0" normalizeH="0" baseline="0" noProof="0" dirty="0">
-              <a:ln>
-                <a:noFill/>
-              </a:ln>
-              <a:solidFill>
-                <a:srgbClr val="FF0000"/>
-              </a:solidFill>
-              <a:effectLst/>
-              <a:uLnTx/>
-              <a:uFillTx/>
-              <a:latin typeface="楷体" panose="02010609060101010101" pitchFamily="49" charset="-122"/>
-              <a:ea typeface="楷体" panose="02010609060101010101" pitchFamily="49" charset="-122"/>
-            </a:endParaRPr>
-          </a:p>
-          <a:p>
-            <a:pPr marL="719455" lvl="0" indent="-363855" fontAlgn="auto">
-              <a:spcAft>
-                <a:spcPts val="0"/>
-              </a:spcAft>
-              <a:buFont typeface="Wingdings" panose="05000000000000000000" pitchFamily="2" charset="2"/>
-              <a:buChar char="Ø"/>
-              <a:defRPr/>
-            </a:pPr>
-            <a:r>
-              <a:rPr lang="zh-CN" altLang="en-US" sz="2400" dirty="0">
-                <a:solidFill>
-                  <a:srgbClr val="FF0000"/>
-                </a:solidFill>
-                <a:latin typeface="楷体" panose="02010609060101010101" pitchFamily="49" charset="-122"/>
-                <a:ea typeface="楷体" panose="02010609060101010101" pitchFamily="49" charset="-122"/>
-              </a:rPr>
-              <a:t>个人在项目中管理能力的体现，包括计划、进度控制以及与客户沟通的能力</a:t>
-            </a:r>
-            <a:endParaRPr kumimoji="0" lang="en-US" altLang="zh-CN" sz="2400" i="0" u="none" strike="noStrike" kern="1200" cap="none" spc="0" normalizeH="0" baseline="0" noProof="0" dirty="0">
-              <a:ln>
-                <a:noFill/>
-              </a:ln>
-              <a:solidFill>
-                <a:srgbClr val="FF0000"/>
-              </a:solidFill>
-              <a:effectLst/>
-              <a:uLnTx/>
-              <a:uFillTx/>
-              <a:latin typeface="楷体" panose="02010609060101010101" pitchFamily="49" charset="-122"/>
-              <a:ea typeface="楷体" panose="02010609060101010101" pitchFamily="49" charset="-122"/>
-            </a:endParaRPr>
-          </a:p>
-          <a:p>
-            <a:pPr marL="0" marR="0" lvl="0" indent="0" algn="l" defTabSz="914400" rtl="0" eaLnBrk="1" fontAlgn="auto" latinLnBrk="0" hangingPunct="1">
-              <a:lnSpc>
-                <a:spcPct val="100000"/>
-              </a:lnSpc>
-              <a:spcBef>
-                <a:spcPct val="20000"/>
-              </a:spcBef>
-              <a:spcAft>
-                <a:spcPts val="0"/>
-              </a:spcAft>
-              <a:buClrTx/>
-              <a:buSzTx/>
-              <a:buNone/>
-              <a:defRPr/>
-            </a:pPr>
-            <a:r>
-              <a:rPr kumimoji="0" lang="en-US" altLang="zh-CN" sz="2400" i="0" u="none" strike="noStrike" kern="1200" cap="none" spc="0" normalizeH="0" baseline="0" noProof="0" dirty="0">
-                <a:ln>
-                  <a:noFill/>
-                </a:ln>
-                <a:solidFill>
-                  <a:srgbClr val="FF0000"/>
-                </a:solidFill>
-                <a:effectLst/>
-                <a:uLnTx/>
-                <a:uFillTx/>
-                <a:latin typeface="楷体" panose="02010609060101010101" pitchFamily="49" charset="-122"/>
-                <a:ea typeface="楷体" panose="02010609060101010101" pitchFamily="49" charset="-122"/>
-              </a:rPr>
-              <a:t>(</a:t>
-            </a:r>
-            <a:r>
-              <a:rPr kumimoji="0" lang="zh-CN" altLang="en-US" sz="2400" i="0" u="none" strike="noStrike" kern="1200" cap="none" spc="0" normalizeH="0" baseline="0" noProof="0" dirty="0">
-                <a:ln>
-                  <a:noFill/>
-                </a:ln>
-                <a:solidFill>
-                  <a:srgbClr val="FF0000"/>
-                </a:solidFill>
-                <a:effectLst/>
-                <a:uLnTx/>
-                <a:uFillTx/>
-                <a:latin typeface="楷体" panose="02010609060101010101" pitchFamily="49" charset="-122"/>
-                <a:ea typeface="楷体" panose="02010609060101010101" pitchFamily="49" charset="-122"/>
-              </a:rPr>
-              <a:t>如果担任项目经理，可以从项目管理上着重描述</a:t>
-            </a:r>
-            <a:r>
-              <a:rPr kumimoji="0" lang="en-US" altLang="zh-CN" sz="2400" i="0" u="none" strike="noStrike" kern="1200" cap="none" spc="0" normalizeH="0" baseline="0" noProof="0" dirty="0">
-                <a:ln>
-                  <a:noFill/>
-                </a:ln>
-                <a:solidFill>
-                  <a:srgbClr val="FF0000"/>
-                </a:solidFill>
-                <a:effectLst/>
-                <a:uLnTx/>
-                <a:uFillTx/>
-                <a:latin typeface="楷体" panose="02010609060101010101" pitchFamily="49" charset="-122"/>
-                <a:ea typeface="楷体" panose="02010609060101010101" pitchFamily="49" charset="-122"/>
-              </a:rPr>
-              <a:t>)</a:t>
-            </a:r>
-            <a:endParaRPr kumimoji="0" lang="zh-CN" altLang="en-US" sz="2400" i="0" u="none" strike="noStrike" kern="1200" cap="none" spc="0" normalizeH="0" baseline="0" noProof="0" dirty="0">
-              <a:ln>
-                <a:noFill/>
-              </a:ln>
-              <a:solidFill>
-                <a:srgbClr val="FF0000"/>
-              </a:solidFill>
-              <a:effectLst/>
-              <a:uLnTx/>
-              <a:uFillTx/>
-              <a:latin typeface="楷体" panose="02010609060101010101" pitchFamily="49" charset="-122"/>
-              <a:ea typeface="楷体" panose="02010609060101010101" pitchFamily="49" charset="-122"/>
-            </a:endParaRPr>
+          <a:p>
+            <a:r>
+              <a:rPr lang="zh-CN"/>
+              <a:t>技术难点</a:t>
+            </a:r>
+            <a:endParaRPr lang="zh-CN"/>
+          </a:p>
+          <a:p>
+            <a:r>
+              <a:rPr lang="en-US" altLang="zh-CN"/>
+              <a:t>1</a:t>
+            </a:r>
+            <a:r>
+              <a:rPr lang="zh-CN" altLang="en-US"/>
+              <a:t>、数据中心架构设计及实现编程语言选型；</a:t>
+            </a:r>
+            <a:endParaRPr lang="zh-CN" altLang="en-US"/>
+          </a:p>
+          <a:p>
+            <a:r>
+              <a:rPr lang="en-US" altLang="zh-CN"/>
+              <a:t>2</a:t>
+            </a:r>
+            <a:r>
+              <a:rPr lang="zh-CN" altLang="en-US"/>
+              <a:t>、</a:t>
+            </a:r>
+            <a:r>
+              <a:rPr lang="en-US" altLang="zh-CN"/>
+              <a:t>python</a:t>
+            </a:r>
+            <a:r>
+              <a:rPr lang="zh-CN" altLang="en-US"/>
+              <a:t>，</a:t>
+            </a:r>
+            <a:r>
+              <a:rPr lang="en-US" altLang="zh-CN"/>
+              <a:t>C++</a:t>
+            </a:r>
+            <a:r>
+              <a:rPr lang="zh-CN" altLang="en-US"/>
+              <a:t>，</a:t>
+            </a:r>
+            <a:r>
+              <a:rPr lang="en-US" altLang="zh-CN"/>
+              <a:t>QT web</a:t>
+            </a:r>
+            <a:r>
+              <a:rPr lang="zh-CN" altLang="en-US"/>
+              <a:t>服务上传下载技术壁垒打通；</a:t>
+            </a:r>
+            <a:endParaRPr lang="zh-CN" altLang="en-US"/>
+          </a:p>
+          <a:p>
+            <a:r>
+              <a:rPr lang="en-US" altLang="zh-CN"/>
+              <a:t>3</a:t>
+            </a:r>
+            <a:r>
+              <a:rPr lang="zh-CN" altLang="en-US"/>
+              <a:t>、</a:t>
+            </a:r>
+            <a:r>
+              <a:rPr lang="en-US" altLang="zh-CN"/>
+              <a:t>QT</a:t>
+            </a:r>
+            <a:r>
+              <a:rPr lang="zh-CN" altLang="en-US"/>
+              <a:t>操作</a:t>
+            </a:r>
+            <a:r>
+              <a:rPr lang="en-US" altLang="zh-CN"/>
+              <a:t>oracle</a:t>
+            </a:r>
+            <a:r>
+              <a:rPr lang="zh-CN" altLang="en-US"/>
+              <a:t>数据库中文乱码解决（</a:t>
+            </a:r>
+            <a:r>
+              <a:rPr lang="en-US" altLang="zh-CN"/>
+              <a:t>QOCI,QODBC</a:t>
+            </a:r>
+            <a:r>
+              <a:rPr lang="zh-CN" altLang="en-US"/>
+              <a:t>）；</a:t>
+            </a:r>
+            <a:endParaRPr lang="zh-CN" altLang="en-US"/>
+          </a:p>
+          <a:p>
+            <a:r>
+              <a:rPr lang="en-US" altLang="zh-CN"/>
+              <a:t>4</a:t>
+            </a:r>
+            <a:r>
+              <a:rPr lang="zh-CN" altLang="en-US"/>
+              <a:t>、二维码需求复杂逻辑实现。                                                                                                                                                                                                                                                                                                                                                                                                                                                                                                                                                                                                                                                                                                                                                                                                                                                                                                                                                                                                                                            </a:t>
+            </a:r>
+            <a:endParaRPr lang="zh-CN" altLang="en-US"/>
+          </a:p>
+        </p:txBody>
+      </p:sp>
+      <p:sp>
+        <p:nvSpPr>
+          <p:cNvPr id="6" name="文本框 5"/>
+          <p:cNvSpPr txBox="1"/>
+          <p:nvPr/>
+        </p:nvSpPr>
+        <p:spPr>
+          <a:xfrm>
+            <a:off x="584835" y="3732530"/>
+            <a:ext cx="8126730" cy="1753235"/>
+          </a:xfrm>
+          <a:prstGeom prst="rect">
+            <a:avLst/>
+          </a:prstGeom>
+          <a:noFill/>
+        </p:spPr>
+        <p:txBody>
+          <a:bodyPr wrap="square" rtlCol="0">
+            <a:spAutoFit/>
+          </a:bodyPr>
+          <a:p>
+            <a:r>
+              <a:rPr lang="zh-CN"/>
+              <a:t>创新点</a:t>
+            </a:r>
+            <a:endParaRPr lang="zh-CN"/>
+          </a:p>
+          <a:p>
+            <a:r>
+              <a:rPr lang="en-US" altLang="zh-CN"/>
+              <a:t>1</a:t>
+            </a:r>
+            <a:r>
+              <a:rPr lang="zh-CN" altLang="en-US"/>
+              <a:t>、采用</a:t>
+            </a:r>
+            <a:r>
+              <a:rPr lang="en-US" altLang="zh-CN"/>
+              <a:t>Django</a:t>
+            </a:r>
+            <a:r>
+              <a:rPr lang="zh-CN" altLang="en-US"/>
+              <a:t>编写数据中心文件管理服务，稳定，开发效率高，</a:t>
+            </a:r>
+            <a:r>
+              <a:rPr lang="en-US" altLang="zh-CN"/>
+              <a:t>MVT</a:t>
+            </a:r>
+            <a:r>
+              <a:rPr lang="zh-CN" altLang="en-US"/>
+              <a:t>架构，高并发，负载能力强；</a:t>
+            </a:r>
+            <a:endParaRPr lang="zh-CN" altLang="en-US"/>
+          </a:p>
+          <a:p>
+            <a:r>
+              <a:rPr lang="en-US" altLang="zh-CN"/>
+              <a:t>2</a:t>
+            </a:r>
+            <a:r>
+              <a:rPr lang="zh-CN" altLang="en-US"/>
+              <a:t>、引入</a:t>
+            </a:r>
+            <a:r>
+              <a:rPr lang="en-US" altLang="zh-CN"/>
+              <a:t>oracle</a:t>
+            </a:r>
+            <a:r>
+              <a:rPr lang="zh-CN" altLang="en-US"/>
+              <a:t>数据库，替换</a:t>
+            </a:r>
+            <a:r>
+              <a:rPr lang="en-US" altLang="zh-CN"/>
+              <a:t>SqlServer</a:t>
+            </a:r>
+            <a:r>
+              <a:rPr lang="zh-CN" altLang="en-US"/>
+              <a:t>，提高了并发操作数据库的性能，解决了</a:t>
+            </a:r>
+            <a:r>
+              <a:rPr lang="en-US" altLang="zh-CN"/>
+              <a:t>SqlServer 4g</a:t>
+            </a:r>
+            <a:r>
+              <a:rPr lang="zh-CN" altLang="en-US"/>
+              <a:t>数据容量的限制；</a:t>
+            </a:r>
+            <a:endParaRPr lang="zh-CN" altLang="en-US"/>
+          </a:p>
+          <a:p>
+            <a:r>
+              <a:rPr lang="en-US" altLang="zh-CN"/>
+              <a:t>3</a:t>
+            </a:r>
+            <a:r>
+              <a:rPr lang="zh-CN" altLang="en-US"/>
+              <a:t>、数据中心服务开机启动，文件上传服务</a:t>
+            </a:r>
+            <a:r>
+              <a:rPr lang="en-US" altLang="zh-CN"/>
+              <a:t>windows</a:t>
+            </a:r>
+            <a:r>
+              <a:rPr lang="zh-CN" altLang="en-US"/>
+              <a:t>注册开机启动。</a:t>
+            </a:r>
+            <a:endParaRPr lang="zh-CN" altLang="en-US"/>
           </a:p>
         </p:txBody>
       </p:sp>
@@ -20517,7 +22726,7 @@
                 <a:latin typeface="楷体" panose="02010609060101010101" pitchFamily="49" charset="-122"/>
                 <a:ea typeface="楷体" panose="02010609060101010101" pitchFamily="49" charset="-122"/>
               </a:rPr>
-              <a:t>突出贡献</a:t>
+              <a:t>主要工作成就</a:t>
             </a:r>
             <a:endParaRPr lang="en-US" altLang="zh-CN" sz="2400" b="1" dirty="0">
               <a:latin typeface="楷体" panose="02010609060101010101" pitchFamily="49" charset="-122"/>
@@ -20558,459 +22767,88 @@
       </p:sp>
       <p:sp>
         <p:nvSpPr>
-          <p:cNvPr id="10" name="内容占位符 2"/>
+          <p:cNvPr id="5" name="文本框 4"/>
           <p:cNvSpPr txBox="1"/>
           <p:nvPr/>
         </p:nvSpPr>
         <p:spPr>
           <a:xfrm>
-            <a:off x="307974" y="1916831"/>
-            <a:ext cx="8656514" cy="3097933"/>
+            <a:off x="584835" y="2413635"/>
+            <a:ext cx="8126730" cy="2030095"/>
           </a:xfrm>
           <a:prstGeom prst="rect">
             <a:avLst/>
           </a:prstGeom>
+          <a:noFill/>
         </p:spPr>
         <p:txBody>
-          <a:bodyPr vert="horz" lIns="91440" tIns="45720" rIns="91440" bIns="45720" rtlCol="0">
-            <a:normAutofit/>
+          <a:bodyPr wrap="square" rtlCol="0">
+            <a:spAutoFit/>
           </a:bodyPr>
-          <a:lstStyle>
-            <a:lvl1pPr marL="342900" indent="-342900" algn="l" defTabSz="914400" rtl="0" eaLnBrk="1" latinLnBrk="0" hangingPunct="1">
-              <a:spcBef>
-                <a:spcPct val="20000"/>
-              </a:spcBef>
-              <a:buFont typeface="Wingdings" panose="05000000000000000000" pitchFamily="2" charset="2"/>
-              <a:buChar char="v"/>
-              <a:defRPr sz="2800" kern="1200">
-                <a:solidFill>
-                  <a:srgbClr val="135BAD"/>
-                </a:solidFill>
-                <a:latin typeface="微软雅黑" panose="020B0503020204020204" pitchFamily="34" charset="-122"/>
-                <a:ea typeface="微软雅黑" panose="020B0503020204020204" pitchFamily="34" charset="-122"/>
-                <a:cs typeface="+mn-cs"/>
-              </a:defRPr>
-            </a:lvl1pPr>
-            <a:lvl2pPr marL="742950" indent="-285750" algn="l" defTabSz="914400" rtl="0" eaLnBrk="1" latinLnBrk="0" hangingPunct="1">
-              <a:spcBef>
-                <a:spcPct val="20000"/>
-              </a:spcBef>
-              <a:buFont typeface="微软雅黑" panose="020B0503020204020204" pitchFamily="34" charset="-122"/>
-              <a:buChar char="◆"/>
-              <a:defRPr sz="2400" kern="1200">
-                <a:solidFill>
-                  <a:srgbClr val="135BAD"/>
-                </a:solidFill>
-                <a:latin typeface="微软雅黑" panose="020B0503020204020204" pitchFamily="34" charset="-122"/>
-                <a:ea typeface="微软雅黑" panose="020B0503020204020204" pitchFamily="34" charset="-122"/>
-                <a:cs typeface="+mn-cs"/>
-              </a:defRPr>
-            </a:lvl2pPr>
-            <a:lvl3pPr marL="1143000" indent="-228600" algn="l" defTabSz="914400" rtl="0" eaLnBrk="1" latinLnBrk="0" hangingPunct="1">
-              <a:spcBef>
-                <a:spcPct val="20000"/>
-              </a:spcBef>
-              <a:buFont typeface="Webdings" panose="05030102010509060703" pitchFamily="18" charset="2"/>
-              <a:buChar char="4"/>
-              <a:defRPr sz="2000" kern="1200">
-                <a:solidFill>
-                  <a:srgbClr val="135BAD"/>
-                </a:solidFill>
-                <a:latin typeface="微软雅黑" panose="020B0503020204020204" pitchFamily="34" charset="-122"/>
-                <a:ea typeface="微软雅黑" panose="020B0503020204020204" pitchFamily="34" charset="-122"/>
-                <a:cs typeface="+mn-cs"/>
-              </a:defRPr>
-            </a:lvl3pPr>
-            <a:lvl4pPr marL="1600200" indent="-228600" algn="l" defTabSz="914400" rtl="0" eaLnBrk="1" latinLnBrk="0" hangingPunct="1">
-              <a:spcBef>
-                <a:spcPct val="20000"/>
-              </a:spcBef>
-              <a:buFont typeface="Arial" panose="020B0604020202020204" pitchFamily="34" charset="0"/>
-              <a:buChar char="–"/>
-              <a:defRPr sz="2000" kern="1200">
-                <a:solidFill>
-                  <a:schemeClr val="tx1"/>
-                </a:solidFill>
-                <a:latin typeface="+mn-lt"/>
-                <a:ea typeface="+mn-ea"/>
-                <a:cs typeface="+mn-cs"/>
-              </a:defRPr>
-            </a:lvl4pPr>
-            <a:lvl5pPr marL="2057400" indent="-228600" algn="l" defTabSz="914400" rtl="0" eaLnBrk="1" latinLnBrk="0" hangingPunct="1">
-              <a:spcBef>
-                <a:spcPct val="20000"/>
-              </a:spcBef>
-              <a:buFont typeface="Arial" panose="020B0604020202020204" pitchFamily="34" charset="0"/>
-              <a:buChar char="»"/>
-              <a:defRPr sz="2000" kern="1200">
-                <a:solidFill>
-                  <a:schemeClr val="tx1"/>
-                </a:solidFill>
-                <a:latin typeface="+mn-lt"/>
-                <a:ea typeface="+mn-ea"/>
-                <a:cs typeface="+mn-cs"/>
-              </a:defRPr>
-            </a:lvl5pPr>
-            <a:lvl6pPr marL="2514600" indent="-228600" algn="l" defTabSz="914400" rtl="0" eaLnBrk="1" latinLnBrk="0" hangingPunct="1">
-              <a:spcBef>
-                <a:spcPct val="20000"/>
-              </a:spcBef>
-              <a:buFont typeface="Arial" panose="020B0604020202020204" pitchFamily="34" charset="0"/>
-              <a:buChar char="•"/>
-              <a:defRPr sz="2000" kern="1200">
-                <a:solidFill>
-                  <a:schemeClr val="tx1"/>
-                </a:solidFill>
-                <a:latin typeface="+mn-lt"/>
-                <a:ea typeface="+mn-ea"/>
-                <a:cs typeface="+mn-cs"/>
-              </a:defRPr>
-            </a:lvl6pPr>
-            <a:lvl7pPr marL="2971800" indent="-228600" algn="l" defTabSz="914400" rtl="0" eaLnBrk="1" latinLnBrk="0" hangingPunct="1">
-              <a:spcBef>
-                <a:spcPct val="20000"/>
-              </a:spcBef>
-              <a:buFont typeface="Arial" panose="020B0604020202020204" pitchFamily="34" charset="0"/>
-              <a:buChar char="•"/>
-              <a:defRPr sz="2000" kern="1200">
-                <a:solidFill>
-                  <a:schemeClr val="tx1"/>
-                </a:solidFill>
-                <a:latin typeface="+mn-lt"/>
-                <a:ea typeface="+mn-ea"/>
-                <a:cs typeface="+mn-cs"/>
-              </a:defRPr>
-            </a:lvl7pPr>
-            <a:lvl8pPr marL="3429000" indent="-228600" algn="l" defTabSz="914400" rtl="0" eaLnBrk="1" latinLnBrk="0" hangingPunct="1">
-              <a:spcBef>
-                <a:spcPct val="20000"/>
-              </a:spcBef>
-              <a:buFont typeface="Arial" panose="020B0604020202020204" pitchFamily="34" charset="0"/>
-              <a:buChar char="•"/>
-              <a:defRPr sz="2000" kern="1200">
-                <a:solidFill>
-                  <a:schemeClr val="tx1"/>
-                </a:solidFill>
-                <a:latin typeface="+mn-lt"/>
-                <a:ea typeface="+mn-ea"/>
-                <a:cs typeface="+mn-cs"/>
-              </a:defRPr>
-            </a:lvl8pPr>
-            <a:lvl9pPr marL="3886200" indent="-228600" algn="l" defTabSz="914400" rtl="0" eaLnBrk="1" latinLnBrk="0" hangingPunct="1">
-              <a:spcBef>
-                <a:spcPct val="20000"/>
-              </a:spcBef>
-              <a:buFont typeface="Arial" panose="020B0604020202020204" pitchFamily="34" charset="0"/>
-              <a:buChar char="•"/>
-              <a:defRPr sz="2000" kern="1200">
-                <a:solidFill>
-                  <a:schemeClr val="tx1"/>
-                </a:solidFill>
-                <a:latin typeface="+mn-lt"/>
-                <a:ea typeface="+mn-ea"/>
-                <a:cs typeface="+mn-cs"/>
-              </a:defRPr>
-            </a:lvl9pPr>
-          </a:lstStyle>
-          <a:p>
-            <a:pPr marL="0" marR="0" lvl="0" indent="355600" algn="l" defTabSz="914400" rtl="0" eaLnBrk="1" fontAlgn="auto" latinLnBrk="0" hangingPunct="1">
-              <a:lnSpc>
-                <a:spcPct val="100000"/>
-              </a:lnSpc>
-              <a:spcBef>
-                <a:spcPct val="20000"/>
-              </a:spcBef>
-              <a:spcAft>
-                <a:spcPts val="0"/>
-              </a:spcAft>
-              <a:buClrTx/>
-              <a:buSzTx/>
-              <a:buNone/>
-              <a:defRPr/>
-            </a:pPr>
-            <a:r>
-              <a:rPr lang="zh-CN" altLang="en-US" sz="2400" dirty="0">
-                <a:solidFill>
-                  <a:srgbClr val="FF0000"/>
-                </a:solidFill>
-                <a:latin typeface="楷体" panose="02010609060101010101" pitchFamily="49" charset="-122"/>
-                <a:ea typeface="楷体" panose="02010609060101010101" pitchFamily="49" charset="-122"/>
-              </a:rPr>
-              <a:t>从曾经参与过的产品项目中提炼个人的突出贡献，包括：</a:t>
-            </a:r>
-            <a:endParaRPr lang="en-US" altLang="zh-CN" sz="2400" dirty="0">
-              <a:solidFill>
-                <a:srgbClr val="FF0000"/>
-              </a:solidFill>
-              <a:latin typeface="楷体" panose="02010609060101010101" pitchFamily="49" charset="-122"/>
-              <a:ea typeface="楷体" panose="02010609060101010101" pitchFamily="49" charset="-122"/>
-            </a:endParaRPr>
-          </a:p>
-          <a:p>
-            <a:pPr marL="719455" marR="0" lvl="0" indent="-363855" algn="l" defTabSz="914400" rtl="0" eaLnBrk="1" fontAlgn="auto" latinLnBrk="0" hangingPunct="1">
-              <a:lnSpc>
-                <a:spcPct val="100000"/>
-              </a:lnSpc>
-              <a:spcBef>
-                <a:spcPct val="20000"/>
-              </a:spcBef>
-              <a:spcAft>
-                <a:spcPts val="0"/>
-              </a:spcAft>
-              <a:buClrTx/>
-              <a:buSzTx/>
-              <a:buFont typeface="Wingdings" panose="05000000000000000000" pitchFamily="2" charset="2"/>
-              <a:buChar char="Ø"/>
-              <a:defRPr/>
-            </a:pPr>
-            <a:r>
-              <a:rPr kumimoji="0" lang="zh-CN" altLang="en-US" sz="2400" i="0" u="none" strike="noStrike" kern="1200" cap="none" spc="0" normalizeH="0" baseline="0" noProof="0" dirty="0">
-                <a:ln>
-                  <a:noFill/>
-                </a:ln>
-                <a:solidFill>
-                  <a:srgbClr val="FF0000"/>
-                </a:solidFill>
-                <a:effectLst/>
-                <a:uLnTx/>
-                <a:uFillTx/>
-                <a:latin typeface="楷体" panose="02010609060101010101" pitchFamily="49" charset="-122"/>
-                <a:ea typeface="楷体" panose="02010609060101010101" pitchFamily="49" charset="-122"/>
-              </a:rPr>
-              <a:t>合理化建议对项目产品研发的推进起到关键作用</a:t>
-            </a:r>
-            <a:endParaRPr kumimoji="0" lang="en-US" altLang="zh-CN" sz="2400" i="0" u="none" strike="noStrike" kern="1200" cap="none" spc="0" normalizeH="0" baseline="0" noProof="0" dirty="0">
-              <a:ln>
-                <a:noFill/>
-              </a:ln>
-              <a:solidFill>
-                <a:srgbClr val="FF0000"/>
-              </a:solidFill>
-              <a:effectLst/>
-              <a:uLnTx/>
-              <a:uFillTx/>
-              <a:latin typeface="楷体" panose="02010609060101010101" pitchFamily="49" charset="-122"/>
-              <a:ea typeface="楷体" panose="02010609060101010101" pitchFamily="49" charset="-122"/>
-            </a:endParaRPr>
-          </a:p>
-          <a:p>
-            <a:pPr marL="719455" marR="0" lvl="0" indent="-363855" algn="l" defTabSz="914400" rtl="0" eaLnBrk="1" fontAlgn="auto" latinLnBrk="0" hangingPunct="1">
-              <a:lnSpc>
-                <a:spcPct val="100000"/>
-              </a:lnSpc>
-              <a:spcBef>
-                <a:spcPct val="20000"/>
-              </a:spcBef>
-              <a:spcAft>
-                <a:spcPts val="0"/>
-              </a:spcAft>
-              <a:buClrTx/>
-              <a:buSzTx/>
-              <a:buFont typeface="Wingdings" panose="05000000000000000000" pitchFamily="2" charset="2"/>
-              <a:buChar char="Ø"/>
-              <a:defRPr/>
-            </a:pPr>
-            <a:r>
-              <a:rPr lang="zh-CN" altLang="en-US" sz="2400" dirty="0">
-                <a:solidFill>
-                  <a:srgbClr val="FF0000"/>
-                </a:solidFill>
-                <a:latin typeface="楷体" panose="02010609060101010101" pitchFamily="49" charset="-122"/>
-                <a:ea typeface="楷体" panose="02010609060101010101" pitchFamily="49" charset="-122"/>
-              </a:rPr>
-              <a:t>项目研发和工作中的创新性思路</a:t>
-            </a:r>
-            <a:endParaRPr lang="en-US" altLang="zh-CN" sz="2400" dirty="0">
-              <a:solidFill>
-                <a:srgbClr val="FF0000"/>
-              </a:solidFill>
-              <a:latin typeface="楷体" panose="02010609060101010101" pitchFamily="49" charset="-122"/>
-              <a:ea typeface="楷体" panose="02010609060101010101" pitchFamily="49" charset="-122"/>
-            </a:endParaRPr>
-          </a:p>
-          <a:p>
-            <a:pPr marL="719455" marR="0" lvl="0" indent="-363855" algn="l" defTabSz="914400" rtl="0" eaLnBrk="1" fontAlgn="auto" latinLnBrk="0" hangingPunct="1">
-              <a:lnSpc>
-                <a:spcPct val="100000"/>
-              </a:lnSpc>
-              <a:spcBef>
-                <a:spcPct val="20000"/>
-              </a:spcBef>
-              <a:spcAft>
-                <a:spcPts val="0"/>
-              </a:spcAft>
-              <a:buClrTx/>
-              <a:buSzTx/>
-              <a:buFont typeface="Wingdings" panose="05000000000000000000" pitchFamily="2" charset="2"/>
-              <a:buChar char="Ø"/>
-              <a:defRPr/>
-            </a:pPr>
-            <a:r>
-              <a:rPr lang="zh-CN" altLang="en-US" sz="2400" dirty="0">
-                <a:solidFill>
-                  <a:srgbClr val="FF0000"/>
-                </a:solidFill>
-                <a:latin typeface="楷体" panose="02010609060101010101" pitchFamily="49" charset="-122"/>
-                <a:ea typeface="楷体" panose="02010609060101010101" pitchFamily="49" charset="-122"/>
-              </a:rPr>
-              <a:t>项目中提炼的可复用性模块</a:t>
-            </a:r>
-            <a:endParaRPr lang="en-US" altLang="zh-CN" sz="2400" dirty="0">
-              <a:solidFill>
-                <a:srgbClr val="FF0000"/>
-              </a:solidFill>
-              <a:latin typeface="楷体" panose="02010609060101010101" pitchFamily="49" charset="-122"/>
-              <a:ea typeface="楷体" panose="02010609060101010101" pitchFamily="49" charset="-122"/>
-            </a:endParaRPr>
-          </a:p>
-          <a:p>
-            <a:pPr marL="719455" marR="0" lvl="0" indent="-363855" algn="l" defTabSz="914400" rtl="0" eaLnBrk="1" fontAlgn="auto" latinLnBrk="0" hangingPunct="1">
-              <a:lnSpc>
-                <a:spcPct val="100000"/>
-              </a:lnSpc>
-              <a:spcBef>
-                <a:spcPct val="20000"/>
-              </a:spcBef>
-              <a:spcAft>
-                <a:spcPts val="0"/>
-              </a:spcAft>
-              <a:buClrTx/>
-              <a:buSzTx/>
-              <a:buFont typeface="Wingdings" panose="05000000000000000000" pitchFamily="2" charset="2"/>
-              <a:buChar char="Ø"/>
-              <a:defRPr/>
-            </a:pPr>
-            <a:r>
-              <a:rPr kumimoji="0" lang="zh-CN" altLang="en-US" sz="2400" i="0" u="none" strike="noStrike" kern="1200" cap="none" spc="0" normalizeH="0" baseline="0" noProof="0" dirty="0">
-                <a:ln>
-                  <a:noFill/>
-                </a:ln>
-                <a:solidFill>
-                  <a:srgbClr val="FF0000"/>
-                </a:solidFill>
-                <a:effectLst/>
-                <a:uLnTx/>
-                <a:uFillTx/>
-                <a:latin typeface="楷体" panose="02010609060101010101" pitchFamily="49" charset="-122"/>
-                <a:ea typeface="楷体" panose="02010609060101010101" pitchFamily="49" charset="-122"/>
-              </a:rPr>
-              <a:t>跟踪了解的最新视觉技术或本专业技术</a:t>
-            </a:r>
-            <a:endParaRPr kumimoji="0" lang="en-US" altLang="zh-CN" sz="2400" i="0" u="none" strike="noStrike" kern="1200" cap="none" spc="0" normalizeH="0" baseline="0" noProof="0" dirty="0">
-              <a:ln>
-                <a:noFill/>
-              </a:ln>
-              <a:solidFill>
-                <a:srgbClr val="FF0000"/>
-              </a:solidFill>
-              <a:effectLst/>
-              <a:uLnTx/>
-              <a:uFillTx/>
-              <a:latin typeface="楷体" panose="02010609060101010101" pitchFamily="49" charset="-122"/>
-              <a:ea typeface="楷体" panose="02010609060101010101" pitchFamily="49" charset="-122"/>
-            </a:endParaRPr>
-          </a:p>
-          <a:p>
-            <a:pPr marL="719455" lvl="0" indent="-363855" fontAlgn="auto">
-              <a:spcAft>
-                <a:spcPts val="0"/>
-              </a:spcAft>
-              <a:buFont typeface="Wingdings" panose="05000000000000000000" pitchFamily="2" charset="2"/>
-              <a:buChar char="Ø"/>
-              <a:defRPr/>
-            </a:pPr>
-            <a:r>
-              <a:rPr lang="zh-CN" altLang="en-US" sz="2400" dirty="0">
-                <a:solidFill>
-                  <a:srgbClr val="FF0000"/>
-                </a:solidFill>
-                <a:latin typeface="楷体" panose="02010609060101010101" pitchFamily="49" charset="-122"/>
-                <a:ea typeface="楷体" panose="02010609060101010101" pitchFamily="49" charset="-122"/>
-              </a:rPr>
-              <a:t>新员工培养或者参与的技术交流与培训工作</a:t>
-            </a:r>
-            <a:endParaRPr lang="en-US" altLang="zh-CN" sz="2400" dirty="0">
-              <a:solidFill>
-                <a:srgbClr val="FF0000"/>
-              </a:solidFill>
-              <a:latin typeface="楷体" panose="02010609060101010101" pitchFamily="49" charset="-122"/>
-              <a:ea typeface="楷体" panose="02010609060101010101" pitchFamily="49" charset="-122"/>
-            </a:endParaRPr>
-          </a:p>
-          <a:p>
-            <a:pPr marL="719455" lvl="0" indent="-363855" fontAlgn="auto">
-              <a:spcAft>
-                <a:spcPts val="0"/>
-              </a:spcAft>
-              <a:buFont typeface="Wingdings" panose="05000000000000000000" pitchFamily="2" charset="2"/>
-              <a:buChar char="Ø"/>
-              <a:defRPr/>
-            </a:pPr>
-            <a:r>
-              <a:rPr lang="zh-CN" altLang="en-US" sz="2400" dirty="0">
-                <a:solidFill>
-                  <a:srgbClr val="FF0000"/>
-                </a:solidFill>
-                <a:latin typeface="楷体" panose="02010609060101010101" pitchFamily="49" charset="-122"/>
-                <a:ea typeface="楷体" panose="02010609060101010101" pitchFamily="49" charset="-122"/>
-              </a:rPr>
-              <a:t>被</a:t>
-            </a:r>
-            <a:r>
-              <a:rPr kumimoji="0" lang="zh-CN" altLang="en-US" sz="2400" i="0" u="none" strike="noStrike" kern="1200" cap="none" spc="0" normalizeH="0" baseline="0" noProof="0" dirty="0">
-                <a:ln>
-                  <a:noFill/>
-                </a:ln>
-                <a:solidFill>
-                  <a:srgbClr val="FF0000"/>
-                </a:solidFill>
-                <a:effectLst/>
-                <a:uLnTx/>
-                <a:uFillTx/>
-                <a:latin typeface="楷体" panose="02010609060101010101" pitchFamily="49" charset="-122"/>
-                <a:ea typeface="楷体" panose="02010609060101010101" pitchFamily="49" charset="-122"/>
-              </a:rPr>
-              <a:t>技术培训</a:t>
-            </a:r>
-            <a:r>
-              <a:rPr lang="zh-CN" altLang="en-US" sz="2400" dirty="0">
-                <a:solidFill>
-                  <a:srgbClr val="FF0000"/>
-                </a:solidFill>
-                <a:latin typeface="楷体" panose="02010609060101010101" pitchFamily="49" charset="-122"/>
-                <a:ea typeface="楷体" panose="02010609060101010101" pitchFamily="49" charset="-122"/>
-              </a:rPr>
-              <a:t>部门认可哪些</a:t>
-            </a:r>
-            <a:r>
-              <a:rPr kumimoji="0" lang="zh-CN" altLang="en-US" sz="2400" i="0" u="none" strike="noStrike" kern="1200" cap="none" spc="0" normalizeH="0" baseline="0" noProof="0" dirty="0">
-                <a:ln>
-                  <a:noFill/>
-                </a:ln>
-                <a:solidFill>
-                  <a:srgbClr val="FF0000"/>
-                </a:solidFill>
-                <a:effectLst/>
-                <a:uLnTx/>
-                <a:uFillTx/>
-                <a:latin typeface="楷体" panose="02010609060101010101" pitchFamily="49" charset="-122"/>
-                <a:ea typeface="楷体" panose="02010609060101010101" pitchFamily="49" charset="-122"/>
-              </a:rPr>
-              <a:t>技术经验积累</a:t>
-            </a:r>
-            <a:endParaRPr kumimoji="0" lang="zh-CN" altLang="en-US" sz="2400" i="0" u="none" strike="noStrike" kern="1200" cap="none" spc="0" normalizeH="0" baseline="0" noProof="0" dirty="0">
-              <a:ln>
-                <a:noFill/>
-              </a:ln>
-              <a:solidFill>
-                <a:srgbClr val="FF0000"/>
-              </a:solidFill>
-              <a:effectLst/>
-              <a:uLnTx/>
-              <a:uFillTx/>
-              <a:latin typeface="楷体" panose="02010609060101010101" pitchFamily="49" charset="-122"/>
-              <a:ea typeface="楷体" panose="02010609060101010101" pitchFamily="49" charset="-122"/>
-            </a:endParaRPr>
+          <a:p>
+            <a:r>
+              <a:rPr lang="en-US"/>
+              <a:t>1</a:t>
+            </a:r>
+            <a:r>
+              <a:rPr lang="zh-CN" altLang="en-US"/>
+              <a:t>、复卷在线检测系统</a:t>
+            </a:r>
+            <a:r>
+              <a:rPr lang="en-US" altLang="zh-CN"/>
+              <a:t>3.5</a:t>
+            </a:r>
+            <a:r>
+              <a:rPr lang="zh-CN" altLang="en-US"/>
+              <a:t>版本研发完成；</a:t>
+            </a:r>
+            <a:endParaRPr lang="zh-CN" altLang="en-US"/>
+          </a:p>
+          <a:p>
+            <a:endParaRPr lang="zh-CN" altLang="en-US"/>
+          </a:p>
+          <a:p>
+            <a:endParaRPr lang="zh-CN" altLang="en-US"/>
+          </a:p>
+          <a:p>
+            <a:endParaRPr lang="zh-CN" altLang="en-US"/>
+          </a:p>
+          <a:p>
+            <a:endParaRPr lang="zh-CN" altLang="en-US"/>
+          </a:p>
+          <a:p>
+            <a:r>
+              <a:rPr lang="en-US" altLang="zh-CN"/>
+              <a:t>2</a:t>
+            </a:r>
+            <a:r>
+              <a:rPr lang="zh-CN" altLang="en-US"/>
+              <a:t>、各个现场</a:t>
+            </a:r>
+            <a:r>
+              <a:rPr lang="en-US" altLang="zh-CN"/>
+              <a:t>3.4</a:t>
+            </a:r>
+            <a:r>
+              <a:rPr lang="zh-CN" altLang="en-US"/>
+              <a:t>版本程序</a:t>
+            </a:r>
+            <a:r>
+              <a:rPr lang="zh-CN" altLang="en-US"/>
+              <a:t>保障工作，及时修改各现场反馈</a:t>
+            </a:r>
+            <a:r>
+              <a:rPr lang="en-US" altLang="zh-CN"/>
+              <a:t>bug</a:t>
+            </a:r>
+            <a:r>
+              <a:rPr lang="zh-CN" altLang="en-US"/>
+              <a:t>及需求。</a:t>
+            </a:r>
+            <a:endParaRPr lang="zh-CN" altLang="en-US"/>
+          </a:p>
+          <a:p>
+            <a:endParaRPr lang="zh-CN" altLang="en-US"/>
           </a:p>
         </p:txBody>
       </p:sp>
@@ -21575,7 +23413,7 @@
                 <a:latin typeface="楷体" panose="02010609060101010101" pitchFamily="49" charset="-122"/>
                 <a:ea typeface="楷体" panose="02010609060101010101" pitchFamily="49" charset="-122"/>
               </a:rPr>
-              <a:t>突出贡献</a:t>
+              <a:t>进度控制及与用户沟通</a:t>
             </a:r>
             <a:endParaRPr lang="en-US" altLang="zh-CN" sz="2400" b="1" dirty="0">
               <a:latin typeface="楷体" panose="02010609060101010101" pitchFamily="49" charset="-122"/>
@@ -21616,199 +23454,64 @@
       </p:sp>
       <p:sp>
         <p:nvSpPr>
-          <p:cNvPr id="10" name="内容占位符 2"/>
+          <p:cNvPr id="5" name="文本框 4"/>
           <p:cNvSpPr txBox="1"/>
           <p:nvPr/>
         </p:nvSpPr>
         <p:spPr>
           <a:xfrm>
-            <a:off x="307974" y="1916831"/>
-            <a:ext cx="8656514" cy="1507405"/>
+            <a:off x="472440" y="1843405"/>
+            <a:ext cx="8126730" cy="1476375"/>
           </a:xfrm>
           <a:prstGeom prst="rect">
             <a:avLst/>
           </a:prstGeom>
+          <a:noFill/>
         </p:spPr>
         <p:txBody>
-          <a:bodyPr vert="horz" lIns="91440" tIns="45720" rIns="91440" bIns="45720" rtlCol="0">
-            <a:normAutofit/>
+          <a:bodyPr wrap="square" rtlCol="0">
+            <a:spAutoFit/>
           </a:bodyPr>
-          <a:lstStyle>
-            <a:lvl1pPr marL="342900" indent="-342900" algn="l" defTabSz="914400" rtl="0" eaLnBrk="1" latinLnBrk="0" hangingPunct="1">
-              <a:spcBef>
-                <a:spcPct val="20000"/>
-              </a:spcBef>
-              <a:buFont typeface="Wingdings" panose="05000000000000000000" pitchFamily="2" charset="2"/>
-              <a:buChar char="v"/>
-              <a:defRPr sz="2800" kern="1200">
-                <a:solidFill>
-                  <a:srgbClr val="135BAD"/>
-                </a:solidFill>
-                <a:latin typeface="微软雅黑" panose="020B0503020204020204" pitchFamily="34" charset="-122"/>
-                <a:ea typeface="微软雅黑" panose="020B0503020204020204" pitchFamily="34" charset="-122"/>
-                <a:cs typeface="+mn-cs"/>
-              </a:defRPr>
-            </a:lvl1pPr>
-            <a:lvl2pPr marL="742950" indent="-285750" algn="l" defTabSz="914400" rtl="0" eaLnBrk="1" latinLnBrk="0" hangingPunct="1">
-              <a:spcBef>
-                <a:spcPct val="20000"/>
-              </a:spcBef>
-              <a:buFont typeface="微软雅黑" panose="020B0503020204020204" pitchFamily="34" charset="-122"/>
-              <a:buChar char="◆"/>
-              <a:defRPr sz="2400" kern="1200">
-                <a:solidFill>
-                  <a:srgbClr val="135BAD"/>
-                </a:solidFill>
-                <a:latin typeface="微软雅黑" panose="020B0503020204020204" pitchFamily="34" charset="-122"/>
-                <a:ea typeface="微软雅黑" panose="020B0503020204020204" pitchFamily="34" charset="-122"/>
-                <a:cs typeface="+mn-cs"/>
-              </a:defRPr>
-            </a:lvl2pPr>
-            <a:lvl3pPr marL="1143000" indent="-228600" algn="l" defTabSz="914400" rtl="0" eaLnBrk="1" latinLnBrk="0" hangingPunct="1">
-              <a:spcBef>
-                <a:spcPct val="20000"/>
-              </a:spcBef>
-              <a:buFont typeface="Webdings" panose="05030102010509060703" pitchFamily="18" charset="2"/>
-              <a:buChar char="4"/>
-              <a:defRPr sz="2000" kern="1200">
-                <a:solidFill>
-                  <a:srgbClr val="135BAD"/>
-                </a:solidFill>
-                <a:latin typeface="微软雅黑" panose="020B0503020204020204" pitchFamily="34" charset="-122"/>
-                <a:ea typeface="微软雅黑" panose="020B0503020204020204" pitchFamily="34" charset="-122"/>
-                <a:cs typeface="+mn-cs"/>
-              </a:defRPr>
-            </a:lvl3pPr>
-            <a:lvl4pPr marL="1600200" indent="-228600" algn="l" defTabSz="914400" rtl="0" eaLnBrk="1" latinLnBrk="0" hangingPunct="1">
-              <a:spcBef>
-                <a:spcPct val="20000"/>
-              </a:spcBef>
-              <a:buFont typeface="Arial" panose="020B0604020202020204" pitchFamily="34" charset="0"/>
-              <a:buChar char="–"/>
-              <a:defRPr sz="2000" kern="1200">
-                <a:solidFill>
-                  <a:schemeClr val="tx1"/>
-                </a:solidFill>
-                <a:latin typeface="+mn-lt"/>
-                <a:ea typeface="+mn-ea"/>
-                <a:cs typeface="+mn-cs"/>
-              </a:defRPr>
-            </a:lvl4pPr>
-            <a:lvl5pPr marL="2057400" indent="-228600" algn="l" defTabSz="914400" rtl="0" eaLnBrk="1" latinLnBrk="0" hangingPunct="1">
-              <a:spcBef>
-                <a:spcPct val="20000"/>
-              </a:spcBef>
-              <a:buFont typeface="Arial" panose="020B0604020202020204" pitchFamily="34" charset="0"/>
-              <a:buChar char="»"/>
-              <a:defRPr sz="2000" kern="1200">
-                <a:solidFill>
-                  <a:schemeClr val="tx1"/>
-                </a:solidFill>
-                <a:latin typeface="+mn-lt"/>
-                <a:ea typeface="+mn-ea"/>
-                <a:cs typeface="+mn-cs"/>
-              </a:defRPr>
-            </a:lvl5pPr>
-            <a:lvl6pPr marL="2514600" indent="-228600" algn="l" defTabSz="914400" rtl="0" eaLnBrk="1" latinLnBrk="0" hangingPunct="1">
-              <a:spcBef>
-                <a:spcPct val="20000"/>
-              </a:spcBef>
-              <a:buFont typeface="Arial" panose="020B0604020202020204" pitchFamily="34" charset="0"/>
-              <a:buChar char="•"/>
-              <a:defRPr sz="2000" kern="1200">
-                <a:solidFill>
-                  <a:schemeClr val="tx1"/>
-                </a:solidFill>
-                <a:latin typeface="+mn-lt"/>
-                <a:ea typeface="+mn-ea"/>
-                <a:cs typeface="+mn-cs"/>
-              </a:defRPr>
-            </a:lvl6pPr>
-            <a:lvl7pPr marL="2971800" indent="-228600" algn="l" defTabSz="914400" rtl="0" eaLnBrk="1" latinLnBrk="0" hangingPunct="1">
-              <a:spcBef>
-                <a:spcPct val="20000"/>
-              </a:spcBef>
-              <a:buFont typeface="Arial" panose="020B0604020202020204" pitchFamily="34" charset="0"/>
-              <a:buChar char="•"/>
-              <a:defRPr sz="2000" kern="1200">
-                <a:solidFill>
-                  <a:schemeClr val="tx1"/>
-                </a:solidFill>
-                <a:latin typeface="+mn-lt"/>
-                <a:ea typeface="+mn-ea"/>
-                <a:cs typeface="+mn-cs"/>
-              </a:defRPr>
-            </a:lvl7pPr>
-            <a:lvl8pPr marL="3429000" indent="-228600" algn="l" defTabSz="914400" rtl="0" eaLnBrk="1" latinLnBrk="0" hangingPunct="1">
-              <a:spcBef>
-                <a:spcPct val="20000"/>
-              </a:spcBef>
-              <a:buFont typeface="Arial" panose="020B0604020202020204" pitchFamily="34" charset="0"/>
-              <a:buChar char="•"/>
-              <a:defRPr sz="2000" kern="1200">
-                <a:solidFill>
-                  <a:schemeClr val="tx1"/>
-                </a:solidFill>
-                <a:latin typeface="+mn-lt"/>
-                <a:ea typeface="+mn-ea"/>
-                <a:cs typeface="+mn-cs"/>
-              </a:defRPr>
-            </a:lvl8pPr>
-            <a:lvl9pPr marL="3886200" indent="-228600" algn="l" defTabSz="914400" rtl="0" eaLnBrk="1" latinLnBrk="0" hangingPunct="1">
-              <a:spcBef>
-                <a:spcPct val="20000"/>
-              </a:spcBef>
-              <a:buFont typeface="Arial" panose="020B0604020202020204" pitchFamily="34" charset="0"/>
-              <a:buChar char="•"/>
-              <a:defRPr sz="2000" kern="1200">
-                <a:solidFill>
-                  <a:schemeClr val="tx1"/>
-                </a:solidFill>
-                <a:latin typeface="+mn-lt"/>
-                <a:ea typeface="+mn-ea"/>
-                <a:cs typeface="+mn-cs"/>
-              </a:defRPr>
-            </a:lvl9pPr>
-          </a:lstStyle>
-          <a:p>
-            <a:pPr marL="0" marR="0" lvl="0" indent="355600" algn="l" defTabSz="914400" rtl="0" eaLnBrk="1" fontAlgn="auto" latinLnBrk="0" hangingPunct="1">
-              <a:lnSpc>
-                <a:spcPct val="100000"/>
-              </a:lnSpc>
-              <a:spcBef>
-                <a:spcPct val="20000"/>
-              </a:spcBef>
-              <a:spcAft>
-                <a:spcPts val="0"/>
-              </a:spcAft>
-              <a:buClrTx/>
-              <a:buSzTx/>
-              <a:buNone/>
-              <a:defRPr/>
-            </a:pPr>
-            <a:r>
-              <a:rPr lang="zh-CN" altLang="en-US" sz="2400" dirty="0">
-                <a:solidFill>
-                  <a:srgbClr val="FF0000"/>
-                </a:solidFill>
-                <a:latin typeface="楷体" panose="02010609060101010101" pitchFamily="49" charset="-122"/>
-                <a:ea typeface="楷体" panose="02010609060101010101" pitchFamily="49" charset="-122"/>
-              </a:rPr>
-              <a:t>上述突出贡献案例展示：可以包括运行程序、录像、图片、源代码等等，能够明显证明突出业绩的案例。</a:t>
-            </a:r>
-            <a:endParaRPr kumimoji="0" lang="zh-CN" altLang="en-US" sz="2400" i="0" u="none" strike="noStrike" kern="1200" cap="none" spc="0" normalizeH="0" baseline="0" noProof="0" dirty="0">
-              <a:ln>
-                <a:noFill/>
-              </a:ln>
-              <a:solidFill>
-                <a:srgbClr val="FF0000"/>
-              </a:solidFill>
-              <a:effectLst/>
-              <a:uLnTx/>
-              <a:uFillTx/>
-              <a:latin typeface="楷体" panose="02010609060101010101" pitchFamily="49" charset="-122"/>
-              <a:ea typeface="楷体" panose="02010609060101010101" pitchFamily="49" charset="-122"/>
-            </a:endParaRPr>
+          <a:p>
+            <a:r>
+              <a:rPr lang="en-US"/>
+              <a:t>1</a:t>
+            </a:r>
+            <a:r>
+              <a:rPr lang="zh-CN" altLang="en-US"/>
+              <a:t>、在青岛利康、温州立可达及其他现场不停提需求的情况下，保证了</a:t>
+            </a:r>
+            <a:r>
+              <a:rPr lang="en-US" altLang="zh-CN"/>
+              <a:t>3.5</a:t>
+            </a:r>
+            <a:r>
+              <a:rPr lang="zh-CN" altLang="en-US"/>
+              <a:t>版本的进度；</a:t>
+            </a:r>
+            <a:endParaRPr lang="zh-CN" altLang="en-US"/>
+          </a:p>
+          <a:p>
+            <a:endParaRPr lang="zh-CN" altLang="en-US"/>
+          </a:p>
+          <a:p>
+            <a:r>
+              <a:rPr lang="en-US" altLang="zh-CN"/>
+              <a:t>2</a:t>
+            </a:r>
+            <a:r>
+              <a:rPr lang="zh-CN" altLang="en-US"/>
+              <a:t>、作为研发人员直接与现场用户沟通需求及</a:t>
+            </a:r>
+            <a:r>
+              <a:rPr lang="en-US" altLang="zh-CN"/>
+              <a:t>bug</a:t>
+            </a:r>
+            <a:r>
+              <a:rPr lang="zh-CN" altLang="en-US"/>
+              <a:t>解决，每一个现场都有不止一个威信群。</a:t>
+            </a:r>
+            <a:endParaRPr lang="zh-CN" altLang="en-US"/>
           </a:p>
         </p:txBody>
       </p:sp>
